--- a/Dos Batch Script_Training_2022_Jul.pptx
+++ b/Dos Batch Script_Training_2022_Jul.pptx
@@ -6,16 +6,22 @@
   </p:sldMasterIdLst>
   <p:sldIdLst>
     <p:sldId id="256" r:id="rId2"/>
-    <p:sldId id="265" r:id="rId3"/>
-    <p:sldId id="266" r:id="rId4"/>
-    <p:sldId id="258" r:id="rId5"/>
-    <p:sldId id="264" r:id="rId6"/>
-    <p:sldId id="263" r:id="rId7"/>
-    <p:sldId id="257" r:id="rId8"/>
-    <p:sldId id="259" r:id="rId9"/>
-    <p:sldId id="260" r:id="rId10"/>
-    <p:sldId id="261" r:id="rId11"/>
-    <p:sldId id="262" r:id="rId12"/>
+    <p:sldId id="272" r:id="rId3"/>
+    <p:sldId id="271" r:id="rId4"/>
+    <p:sldId id="265" r:id="rId5"/>
+    <p:sldId id="268" r:id="rId6"/>
+    <p:sldId id="258" r:id="rId7"/>
+    <p:sldId id="266" r:id="rId8"/>
+    <p:sldId id="269" r:id="rId9"/>
+    <p:sldId id="264" r:id="rId10"/>
+    <p:sldId id="263" r:id="rId11"/>
+    <p:sldId id="257" r:id="rId12"/>
+    <p:sldId id="259" r:id="rId13"/>
+    <p:sldId id="260" r:id="rId14"/>
+    <p:sldId id="261" r:id="rId15"/>
+    <p:sldId id="262" r:id="rId16"/>
+    <p:sldId id="267" r:id="rId17"/>
+    <p:sldId id="270" r:id="rId18"/>
   </p:sldIdLst>
   <p:sldSz cx="12192000" cy="6858000"/>
   <p:notesSz cx="6858000" cy="9144000"/>
@@ -114,6 +120,11 @@
       </a:defRPr>
     </a:lvl9pPr>
   </p:defaultTextStyle>
+  <p:extLst>
+    <p:ext uri="{EFAFB233-063F-42B5-8137-9DF3F51BA10A}">
+      <p15:sldGuideLst xmlns:p15="http://schemas.microsoft.com/office/powerpoint/2012/main"/>
+    </p:ext>
+  </p:extLst>
 </p:presentation>
 </file>
 
@@ -266,7 +277,7 @@
           <a:p>
             <a:fld id="{795C0ED0-18F0-400E-82E8-9934A1EBB094}" type="datetimeFigureOut">
               <a:rPr lang="en-US" smtClean="0"/>
-              <a:t>5/24/2022</a:t>
+              <a:t>2022-05-25</a:t>
             </a:fld>
             <a:endParaRPr lang="en-US"/>
           </a:p>
@@ -466,7 +477,7 @@
           <a:p>
             <a:fld id="{795C0ED0-18F0-400E-82E8-9934A1EBB094}" type="datetimeFigureOut">
               <a:rPr lang="en-US" smtClean="0"/>
-              <a:t>5/24/2022</a:t>
+              <a:t>2022-05-25</a:t>
             </a:fld>
             <a:endParaRPr lang="en-US"/>
           </a:p>
@@ -676,7 +687,7 @@
           <a:p>
             <a:fld id="{795C0ED0-18F0-400E-82E8-9934A1EBB094}" type="datetimeFigureOut">
               <a:rPr lang="en-US" smtClean="0"/>
-              <a:t>5/24/2022</a:t>
+              <a:t>2022-05-25</a:t>
             </a:fld>
             <a:endParaRPr lang="en-US"/>
           </a:p>
@@ -876,7 +887,7 @@
           <a:p>
             <a:fld id="{795C0ED0-18F0-400E-82E8-9934A1EBB094}" type="datetimeFigureOut">
               <a:rPr lang="en-US" smtClean="0"/>
-              <a:t>5/24/2022</a:t>
+              <a:t>2022-05-25</a:t>
             </a:fld>
             <a:endParaRPr lang="en-US"/>
           </a:p>
@@ -1152,7 +1163,7 @@
           <a:p>
             <a:fld id="{795C0ED0-18F0-400E-82E8-9934A1EBB094}" type="datetimeFigureOut">
               <a:rPr lang="en-US" smtClean="0"/>
-              <a:t>5/24/2022</a:t>
+              <a:t>2022-05-25</a:t>
             </a:fld>
             <a:endParaRPr lang="en-US"/>
           </a:p>
@@ -1420,7 +1431,7 @@
           <a:p>
             <a:fld id="{795C0ED0-18F0-400E-82E8-9934A1EBB094}" type="datetimeFigureOut">
               <a:rPr lang="en-US" smtClean="0"/>
-              <a:t>5/24/2022</a:t>
+              <a:t>2022-05-25</a:t>
             </a:fld>
             <a:endParaRPr lang="en-US"/>
           </a:p>
@@ -1835,7 +1846,7 @@
           <a:p>
             <a:fld id="{795C0ED0-18F0-400E-82E8-9934A1EBB094}" type="datetimeFigureOut">
               <a:rPr lang="en-US" smtClean="0"/>
-              <a:t>5/24/2022</a:t>
+              <a:t>2022-05-25</a:t>
             </a:fld>
             <a:endParaRPr lang="en-US"/>
           </a:p>
@@ -1977,7 +1988,7 @@
           <a:p>
             <a:fld id="{795C0ED0-18F0-400E-82E8-9934A1EBB094}" type="datetimeFigureOut">
               <a:rPr lang="en-US" smtClean="0"/>
-              <a:t>5/24/2022</a:t>
+              <a:t>2022-05-25</a:t>
             </a:fld>
             <a:endParaRPr lang="en-US"/>
           </a:p>
@@ -2090,7 +2101,7 @@
           <a:p>
             <a:fld id="{795C0ED0-18F0-400E-82E8-9934A1EBB094}" type="datetimeFigureOut">
               <a:rPr lang="en-US" smtClean="0"/>
-              <a:t>5/24/2022</a:t>
+              <a:t>2022-05-25</a:t>
             </a:fld>
             <a:endParaRPr lang="en-US"/>
           </a:p>
@@ -2403,7 +2414,7 @@
           <a:p>
             <a:fld id="{795C0ED0-18F0-400E-82E8-9934A1EBB094}" type="datetimeFigureOut">
               <a:rPr lang="en-US" smtClean="0"/>
-              <a:t>5/24/2022</a:t>
+              <a:t>2022-05-25</a:t>
             </a:fld>
             <a:endParaRPr lang="en-US"/>
           </a:p>
@@ -2692,7 +2703,7 @@
           <a:p>
             <a:fld id="{795C0ED0-18F0-400E-82E8-9934A1EBB094}" type="datetimeFigureOut">
               <a:rPr lang="en-US" smtClean="0"/>
-              <a:t>5/24/2022</a:t>
+              <a:t>2022-05-25</a:t>
             </a:fld>
             <a:endParaRPr lang="en-US"/>
           </a:p>
@@ -2935,7 +2946,7 @@
           <a:p>
             <a:fld id="{795C0ED0-18F0-400E-82E8-9934A1EBB094}" type="datetimeFigureOut">
               <a:rPr lang="en-US" smtClean="0"/>
-              <a:t>5/24/2022</a:t>
+              <a:t>2022-05-25</a:t>
             </a:fld>
             <a:endParaRPr lang="en-US"/>
           </a:p>
@@ -3368,37 +3379,97 @@
             <p:ph type="ctrTitle"/>
           </p:nvPr>
         </p:nvSpPr>
+        <p:spPr>
+          <a:xfrm>
+            <a:off x="0" y="1122363"/>
+            <a:ext cx="12192000" cy="2387600"/>
+          </a:xfrm>
+        </p:spPr>
+        <p:txBody>
+          <a:bodyPr>
+            <a:noAutofit/>
+          </a:bodyPr>
+          <a:lstStyle/>
+          <a:p>
+            <a:r>
+              <a:rPr lang="en-US" sz="9600" b="1" dirty="0">
+                <a:latin typeface="Abadi" panose="020B0604020202020204" pitchFamily="34" charset="0"/>
+                <a:cs typeface="Angsana New" panose="020B0502040204020203" pitchFamily="18" charset="-34"/>
+              </a:rPr>
+              <a:t>Batch File Command</a:t>
+            </a:r>
+          </a:p>
+        </p:txBody>
+      </p:sp>
+      <p:sp>
+        <p:nvSpPr>
+          <p:cNvPr id="3" name="副標題 2">
+            <a:extLst>
+              <a:ext uri="{FF2B5EF4-FFF2-40B4-BE49-F238E27FC236}">
+                <a16:creationId xmlns:a16="http://schemas.microsoft.com/office/drawing/2014/main" id="{763A1526-7388-AF7B-5E9B-A0034DB1D55E}"/>
+              </a:ext>
+            </a:extLst>
+          </p:cNvPr>
+          <p:cNvSpPr>
+            <a:spLocks noGrp="1"/>
+          </p:cNvSpPr>
+          <p:nvPr>
+            <p:ph type="subTitle" idx="1"/>
+          </p:nvPr>
+        </p:nvSpPr>
         <p:spPr/>
         <p:txBody>
-          <a:bodyPr/>
-          <a:lstStyle/>
-          <a:p>
-            <a:endParaRPr lang="en-US"/>
-          </a:p>
-        </p:txBody>
-      </p:sp>
-      <p:sp>
-        <p:nvSpPr>
-          <p:cNvPr id="3" name="副標題 2">
-            <a:extLst>
-              <a:ext uri="{FF2B5EF4-FFF2-40B4-BE49-F238E27FC236}">
-                <a16:creationId xmlns:a16="http://schemas.microsoft.com/office/drawing/2014/main" id="{763A1526-7388-AF7B-5E9B-A0034DB1D55E}"/>
-              </a:ext>
-            </a:extLst>
-          </p:cNvPr>
-          <p:cNvSpPr>
-            <a:spLocks noGrp="1"/>
-          </p:cNvSpPr>
-          <p:nvPr>
-            <p:ph type="subTitle" idx="1"/>
-          </p:nvPr>
-        </p:nvSpPr>
-        <p:spPr/>
-        <p:txBody>
-          <a:bodyPr/>
-          <a:lstStyle/>
-          <a:p>
-            <a:endParaRPr lang="en-US"/>
+          <a:bodyPr>
+            <a:normAutofit/>
+          </a:bodyPr>
+          <a:lstStyle/>
+          <a:p>
+            <a:r>
+              <a:rPr lang="en-US" sz="4800" dirty="0"/>
+              <a:t>With Computational Thinking Approach</a:t>
+            </a:r>
+          </a:p>
+        </p:txBody>
+      </p:sp>
+      <p:sp>
+        <p:nvSpPr>
+          <p:cNvPr id="4" name="TextBox 3">
+            <a:extLst>
+              <a:ext uri="{FF2B5EF4-FFF2-40B4-BE49-F238E27FC236}">
+                <a16:creationId xmlns:a16="http://schemas.microsoft.com/office/drawing/2014/main" id="{CD7CFBF8-A862-4E45-8DCE-0C8073A06ADD}"/>
+              </a:ext>
+            </a:extLst>
+          </p:cNvPr>
+          <p:cNvSpPr txBox="1"/>
+          <p:nvPr/>
+        </p:nvSpPr>
+        <p:spPr>
+          <a:xfrm>
+            <a:off x="174661" y="6123398"/>
+            <a:ext cx="3308278" cy="646331"/>
+          </a:xfrm>
+          <a:prstGeom prst="rect">
+            <a:avLst/>
+          </a:prstGeom>
+          <a:noFill/>
+        </p:spPr>
+        <p:txBody>
+          <a:bodyPr wrap="square" rtlCol="0">
+            <a:spAutoFit/>
+          </a:bodyPr>
+          <a:lstStyle/>
+          <a:p>
+            <a:r>
+              <a:rPr lang="en-US" altLang="zh-TW" dirty="0"/>
+              <a:t>Ben Tong</a:t>
+            </a:r>
+          </a:p>
+          <a:p>
+            <a:r>
+              <a:rPr lang="en-US" altLang="zh-TW" dirty="0"/>
+              <a:t>May 25, 2002.</a:t>
+            </a:r>
+            <a:endParaRPr lang="zh-TW" altLang="en-US" dirty="0"/>
           </a:p>
         </p:txBody>
       </p:sp>
@@ -3437,7 +3508,7 @@
           <p:cNvPr id="2" name="標題 1">
             <a:extLst>
               <a:ext uri="{FF2B5EF4-FFF2-40B4-BE49-F238E27FC236}">
-                <a16:creationId xmlns:a16="http://schemas.microsoft.com/office/drawing/2014/main" id="{715AC6C3-F647-4D06-E7F3-9F916409DEDA}"/>
+                <a16:creationId xmlns:a16="http://schemas.microsoft.com/office/drawing/2014/main" id="{54C99F97-735C-B2BD-563D-919DE41D0D11}"/>
               </a:ext>
             </a:extLst>
           </p:cNvPr>
@@ -3453,10 +3524,7 @@
           <a:bodyPr/>
           <a:lstStyle/>
           <a:p>
-            <a:r>
-              <a:rPr lang="en-US" dirty="0"/>
-              <a:t>Q&amp;A</a:t>
-            </a:r>
+            <a:endParaRPr lang="en-US"/>
           </a:p>
         </p:txBody>
       </p:sp>
@@ -3465,7 +3533,7 @@
           <p:cNvPr id="3" name="內容版面配置區 2">
             <a:extLst>
               <a:ext uri="{FF2B5EF4-FFF2-40B4-BE49-F238E27FC236}">
-                <a16:creationId xmlns:a16="http://schemas.microsoft.com/office/drawing/2014/main" id="{6846725F-A94A-BD92-8A1C-4E1E0DC88AEF}"/>
+                <a16:creationId xmlns:a16="http://schemas.microsoft.com/office/drawing/2014/main" id="{81EF733D-4FDA-DBCE-9A4A-2A32DCAEEEB6}"/>
               </a:ext>
             </a:extLst>
           </p:cNvPr>
@@ -3481,84 +3549,6 @@
           <a:bodyPr/>
           <a:lstStyle/>
           <a:p>
-            <a:pPr marL="514350" indent="-514350">
-              <a:buFont typeface="+mj-lt"/>
-              <a:buAutoNum type="arabicPeriod"/>
-            </a:pPr>
-            <a:r>
-              <a:rPr lang="en-US" dirty="0"/>
-              <a:t>FOR           %%var   IN   (set)   DO </a:t>
-            </a:r>
-            <a:br>
-              <a:rPr lang="en-US" dirty="0"/>
-            </a:br>
-            <a:r>
-              <a:rPr lang="zh-TW" altLang="en-US" dirty="0"/>
-              <a:t>有幾種選擇</a:t>
-            </a:r>
-            <a:r>
-              <a:rPr lang="en-US" altLang="zh-TW" dirty="0"/>
-              <a:t>(options)?</a:t>
-            </a:r>
-            <a:r>
-              <a:rPr lang="zh-TW" altLang="en-US" dirty="0"/>
-              <a:t> 分別代表甚麼功能 或 作用</a:t>
-            </a:r>
-            <a:r>
-              <a:rPr lang="en-US" altLang="zh-TW" dirty="0"/>
-              <a:t>?</a:t>
-            </a:r>
-          </a:p>
-          <a:p>
-            <a:pPr marL="0" indent="0">
-              <a:buNone/>
-            </a:pPr>
-            <a:endParaRPr lang="en-US" dirty="0"/>
-          </a:p>
-        </p:txBody>
-      </p:sp>
-      <p:sp>
-        <p:nvSpPr>
-          <p:cNvPr id="4" name="矩形 3">
-            <a:extLst>
-              <a:ext uri="{FF2B5EF4-FFF2-40B4-BE49-F238E27FC236}">
-                <a16:creationId xmlns:a16="http://schemas.microsoft.com/office/drawing/2014/main" id="{311079F6-97B4-41CE-6AF1-C6C9F046E484}"/>
-              </a:ext>
-            </a:extLst>
-          </p:cNvPr>
-          <p:cNvSpPr/>
-          <p:nvPr/>
-        </p:nvSpPr>
-        <p:spPr>
-          <a:xfrm>
-            <a:off x="2211355" y="1903444"/>
-            <a:ext cx="531845" cy="279919"/>
-          </a:xfrm>
-          <a:prstGeom prst="rect">
-            <a:avLst/>
-          </a:prstGeom>
-        </p:spPr>
-        <p:style>
-          <a:lnRef idx="2">
-            <a:schemeClr val="accent1">
-              <a:shade val="50000"/>
-            </a:schemeClr>
-          </a:lnRef>
-          <a:fillRef idx="1">
-            <a:schemeClr val="accent1"/>
-          </a:fillRef>
-          <a:effectRef idx="0">
-            <a:schemeClr val="accent1"/>
-          </a:effectRef>
-          <a:fontRef idx="minor">
-            <a:schemeClr val="lt1"/>
-          </a:fontRef>
-        </p:style>
-        <p:txBody>
-          <a:bodyPr rtlCol="0" anchor="ctr"/>
-          <a:lstStyle/>
-          <a:p>
-            <a:pPr algn="ctr"/>
             <a:endParaRPr lang="en-US"/>
           </a:p>
         </p:txBody>
@@ -3566,7 +3556,7 @@
     </p:spTree>
     <p:extLst>
       <p:ext uri="{BB962C8B-B14F-4D97-AF65-F5344CB8AC3E}">
-        <p14:creationId xmlns:p14="http://schemas.microsoft.com/office/powerpoint/2010/main" val="3048477673"/>
+        <p14:creationId xmlns:p14="http://schemas.microsoft.com/office/powerpoint/2010/main" val="1210002003"/>
       </p:ext>
     </p:extLst>
   </p:cSld>
@@ -3595,6 +3585,1467 @@
       </p:grpSpPr>
       <p:sp>
         <p:nvSpPr>
+          <p:cNvPr id="4" name="Rectangle 1">
+            <a:extLst>
+              <a:ext uri="{FF2B5EF4-FFF2-40B4-BE49-F238E27FC236}">
+                <a16:creationId xmlns:a16="http://schemas.microsoft.com/office/drawing/2014/main" id="{8DC30A72-E884-696C-185F-743DB2CED34C}"/>
+              </a:ext>
+            </a:extLst>
+          </p:cNvPr>
+          <p:cNvSpPr>
+            <a:spLocks noGrp="1" noChangeArrowheads="1"/>
+          </p:cNvSpPr>
+          <p:nvPr>
+            <p:ph idx="1"/>
+          </p:nvPr>
+        </p:nvSpPr>
+        <p:spPr bwMode="auto">
+          <a:xfrm>
+            <a:off x="838200" y="2754799"/>
+            <a:ext cx="6878806" cy="2492990"/>
+          </a:xfrm>
+          <a:prstGeom prst="rect">
+            <a:avLst/>
+          </a:prstGeom>
+          <a:noFill/>
+          <a:ln>
+            <a:noFill/>
+          </a:ln>
+          <a:effectLst/>
+          <a:extLst>
+            <a:ext uri="{909E8E84-426E-40DD-AFC4-6F175D3DCCD1}">
+              <a14:hiddenFill xmlns:a14="http://schemas.microsoft.com/office/drawing/2010/main">
+                <a:solidFill>
+                  <a:schemeClr val="accent1"/>
+                </a:solidFill>
+              </a14:hiddenFill>
+            </a:ext>
+            <a:ext uri="{91240B29-F687-4F45-9708-019B960494DF}">
+              <a14:hiddenLine xmlns:a14="http://schemas.microsoft.com/office/drawing/2010/main" w="9525">
+                <a:solidFill>
+                  <a:schemeClr val="tx1"/>
+                </a:solidFill>
+                <a:miter lim="800000"/>
+                <a:headEnd/>
+                <a:tailEnd/>
+              </a14:hiddenLine>
+            </a:ext>
+            <a:ext uri="{AF507438-7753-43E0-B8FC-AC1667EBCBE1}">
+              <a14:hiddenEffects xmlns:a14="http://schemas.microsoft.com/office/drawing/2010/main">
+                <a:effectLst>
+                  <a:outerShdw dist="35921" dir="2700000" algn="ctr" rotWithShape="0">
+                    <a:schemeClr val="bg2"/>
+                  </a:outerShdw>
+                </a:effectLst>
+              </a14:hiddenEffects>
+            </a:ext>
+          </a:extLst>
+        </p:spPr>
+        <p:txBody>
+          <a:bodyPr vert="horz" wrap="none" lIns="91440" tIns="45720" rIns="91440" bIns="45720" numCol="1" anchor="ctr" anchorCtr="0" compatLnSpc="1">
+            <a:prstTxWarp prst="textNoShape">
+              <a:avLst/>
+            </a:prstTxWarp>
+            <a:spAutoFit/>
+          </a:bodyPr>
+          <a:lstStyle/>
+          <a:p>
+            <a:pPr marL="0" marR="0" lvl="0" indent="0" algn="l" defTabSz="914400" rtl="0" eaLnBrk="0" fontAlgn="base" latinLnBrk="0" hangingPunct="0">
+              <a:lnSpc>
+                <a:spcPct val="100000"/>
+              </a:lnSpc>
+              <a:spcBef>
+                <a:spcPct val="0"/>
+              </a:spcBef>
+              <a:spcAft>
+                <a:spcPct val="0"/>
+              </a:spcAft>
+              <a:buClrTx/>
+              <a:buSzTx/>
+              <a:buFontTx/>
+              <a:buNone/>
+              <a:tabLst/>
+            </a:pPr>
+            <a:r>
+              <a:rPr kumimoji="0" lang="en-US" altLang="en-US" sz="1200" b="0" i="0" u="none" strike="noStrike" cap="none" normalizeH="0" baseline="0" dirty="0">
+                <a:ln>
+                  <a:noFill/>
+                </a:ln>
+                <a:solidFill>
+                  <a:srgbClr val="000000"/>
+                </a:solidFill>
+                <a:effectLst/>
+                <a:latin typeface="Lucida Console" panose="020B0609040504020204" pitchFamily="49" charset="0"/>
+              </a:rPr>
+              <a:t>syntax-</a:t>
+            </a:r>
+            <a:r>
+              <a:rPr kumimoji="0" lang="en-US" altLang="en-US" sz="1200" b="0" i="0" u="none" strike="noStrike" cap="none" normalizeH="0" baseline="0" dirty="0">
+                <a:ln>
+                  <a:noFill/>
+                </a:ln>
+                <a:solidFill>
+                  <a:srgbClr val="337FE8"/>
+                </a:solidFill>
+                <a:effectLst/>
+                <a:latin typeface="Lucida Console" panose="020B0609040504020204" pitchFamily="49" charset="0"/>
+                <a:hlinkClick r:id="rId2"/>
+              </a:rPr>
+              <a:t>FOR-Files</a:t>
+            </a:r>
+            <a:r>
+              <a:rPr kumimoji="0" lang="en-US" altLang="en-US" sz="1200" b="0" i="0" u="none" strike="noStrike" cap="none" normalizeH="0" baseline="0" dirty="0">
+                <a:ln>
+                  <a:noFill/>
+                </a:ln>
+                <a:solidFill>
+                  <a:srgbClr val="000000"/>
+                </a:solidFill>
+                <a:effectLst/>
+                <a:latin typeface="Lucida Console" panose="020B0609040504020204" pitchFamily="49" charset="0"/>
+              </a:rPr>
+              <a:t> </a:t>
+            </a:r>
+          </a:p>
+          <a:p>
+            <a:pPr marL="0" marR="0" lvl="0" indent="0" algn="l" defTabSz="914400" rtl="0" eaLnBrk="0" fontAlgn="base" latinLnBrk="0" hangingPunct="0">
+              <a:lnSpc>
+                <a:spcPct val="100000"/>
+              </a:lnSpc>
+              <a:spcBef>
+                <a:spcPct val="0"/>
+              </a:spcBef>
+              <a:spcAft>
+                <a:spcPct val="0"/>
+              </a:spcAft>
+              <a:buClrTx/>
+              <a:buSzTx/>
+              <a:buFontTx/>
+              <a:buNone/>
+              <a:tabLst/>
+            </a:pPr>
+            <a:r>
+              <a:rPr kumimoji="0" lang="en-US" altLang="en-US" sz="1200" b="0" i="0" u="none" strike="noStrike" cap="none" normalizeH="0" baseline="0" dirty="0">
+                <a:ln>
+                  <a:noFill/>
+                </a:ln>
+                <a:solidFill>
+                  <a:srgbClr val="000000"/>
+                </a:solidFill>
+                <a:effectLst/>
+                <a:latin typeface="Lucida Console" panose="020B0609040504020204" pitchFamily="49" charset="0"/>
+              </a:rPr>
+              <a:t>FOR %%parameter IN (</a:t>
+            </a:r>
+            <a:r>
+              <a:rPr kumimoji="0" lang="en-US" altLang="en-US" sz="1200" b="0" i="1" u="none" strike="noStrike" cap="none" normalizeH="0" baseline="0" dirty="0">
+                <a:ln>
+                  <a:noFill/>
+                </a:ln>
+                <a:solidFill>
+                  <a:srgbClr val="07572C"/>
+                </a:solidFill>
+                <a:effectLst/>
+                <a:latin typeface="Lucida Console" panose="020B0609040504020204" pitchFamily="49" charset="0"/>
+              </a:rPr>
+              <a:t>set</a:t>
+            </a:r>
+            <a:r>
+              <a:rPr kumimoji="0" lang="en-US" altLang="en-US" sz="1200" b="0" i="0" u="none" strike="noStrike" cap="none" normalizeH="0" baseline="0" dirty="0">
+                <a:ln>
+                  <a:noFill/>
+                </a:ln>
+                <a:solidFill>
+                  <a:srgbClr val="000000"/>
+                </a:solidFill>
+                <a:effectLst/>
+                <a:latin typeface="Lucida Console" panose="020B0609040504020204" pitchFamily="49" charset="0"/>
+              </a:rPr>
+              <a:t>) DO </a:t>
+            </a:r>
+            <a:r>
+              <a:rPr kumimoji="0" lang="en-US" altLang="en-US" sz="1200" b="0" i="1" u="none" strike="noStrike" cap="none" normalizeH="0" baseline="0" dirty="0">
+                <a:ln>
+                  <a:noFill/>
+                </a:ln>
+                <a:solidFill>
+                  <a:srgbClr val="07572C"/>
+                </a:solidFill>
+                <a:effectLst/>
+                <a:latin typeface="Lucida Console" panose="020B0609040504020204" pitchFamily="49" charset="0"/>
+              </a:rPr>
+              <a:t>command</a:t>
+            </a:r>
+            <a:r>
+              <a:rPr kumimoji="0" lang="en-US" altLang="en-US" sz="1200" b="0" i="0" u="none" strike="noStrike" cap="none" normalizeH="0" baseline="0" dirty="0">
+                <a:ln>
+                  <a:noFill/>
+                </a:ln>
+                <a:solidFill>
+                  <a:srgbClr val="000000"/>
+                </a:solidFill>
+                <a:effectLst/>
+                <a:latin typeface="Lucida Console" panose="020B0609040504020204" pitchFamily="49" charset="0"/>
+              </a:rPr>
+              <a:t> </a:t>
+            </a:r>
+          </a:p>
+          <a:p>
+            <a:pPr marL="0" marR="0" lvl="0" indent="0" algn="l" defTabSz="914400" rtl="0" eaLnBrk="0" fontAlgn="base" latinLnBrk="0" hangingPunct="0">
+              <a:lnSpc>
+                <a:spcPct val="100000"/>
+              </a:lnSpc>
+              <a:spcBef>
+                <a:spcPct val="0"/>
+              </a:spcBef>
+              <a:spcAft>
+                <a:spcPct val="0"/>
+              </a:spcAft>
+              <a:buClrTx/>
+              <a:buSzTx/>
+              <a:buFontTx/>
+              <a:buNone/>
+              <a:tabLst/>
+            </a:pPr>
+            <a:r>
+              <a:rPr kumimoji="0" lang="en-US" altLang="en-US" sz="1200" b="0" i="0" u="none" strike="noStrike" cap="none" normalizeH="0" baseline="0" dirty="0">
+                <a:ln>
+                  <a:noFill/>
+                </a:ln>
+                <a:solidFill>
+                  <a:srgbClr val="000000"/>
+                </a:solidFill>
+                <a:effectLst/>
+                <a:latin typeface="Lucida Console" panose="020B0609040504020204" pitchFamily="49" charset="0"/>
+              </a:rPr>
+              <a:t>syntax-</a:t>
+            </a:r>
+            <a:r>
+              <a:rPr kumimoji="0" lang="en-US" altLang="en-US" sz="1200" b="0" i="0" u="none" strike="noStrike" cap="none" normalizeH="0" baseline="0" dirty="0">
+                <a:ln>
+                  <a:noFill/>
+                </a:ln>
+                <a:solidFill>
+                  <a:srgbClr val="0000FF"/>
+                </a:solidFill>
+                <a:effectLst/>
+                <a:latin typeface="Lucida Console" panose="020B0609040504020204" pitchFamily="49" charset="0"/>
+                <a:hlinkClick r:id="rId3"/>
+              </a:rPr>
+              <a:t>FOR-Files-Rooted at Path</a:t>
+            </a:r>
+            <a:r>
+              <a:rPr kumimoji="0" lang="en-US" altLang="en-US" sz="1200" b="0" i="0" u="none" strike="noStrike" cap="none" normalizeH="0" baseline="0" dirty="0">
+                <a:ln>
+                  <a:noFill/>
+                </a:ln>
+                <a:solidFill>
+                  <a:srgbClr val="000000"/>
+                </a:solidFill>
+                <a:effectLst/>
+                <a:latin typeface="Lucida Console" panose="020B0609040504020204" pitchFamily="49" charset="0"/>
+              </a:rPr>
+              <a:t> </a:t>
+            </a:r>
+          </a:p>
+          <a:p>
+            <a:pPr marL="0" marR="0" lvl="0" indent="0" algn="l" defTabSz="914400" rtl="0" eaLnBrk="0" fontAlgn="base" latinLnBrk="0" hangingPunct="0">
+              <a:lnSpc>
+                <a:spcPct val="100000"/>
+              </a:lnSpc>
+              <a:spcBef>
+                <a:spcPct val="0"/>
+              </a:spcBef>
+              <a:spcAft>
+                <a:spcPct val="0"/>
+              </a:spcAft>
+              <a:buClrTx/>
+              <a:buSzTx/>
+              <a:buFontTx/>
+              <a:buNone/>
+              <a:tabLst/>
+            </a:pPr>
+            <a:r>
+              <a:rPr kumimoji="0" lang="en-US" altLang="en-US" sz="1200" b="0" i="0" u="none" strike="noStrike" cap="none" normalizeH="0" baseline="0" dirty="0">
+                <a:ln>
+                  <a:noFill/>
+                </a:ln>
+                <a:solidFill>
+                  <a:srgbClr val="000000"/>
+                </a:solidFill>
+                <a:effectLst/>
+                <a:latin typeface="Lucida Console" panose="020B0609040504020204" pitchFamily="49" charset="0"/>
+              </a:rPr>
+              <a:t>FOR </a:t>
+            </a:r>
+            <a:r>
+              <a:rPr kumimoji="0" lang="en-US" altLang="en-US" sz="1200" b="1" i="0" u="none" strike="noStrike" cap="none" normalizeH="0" baseline="0" dirty="0">
+                <a:ln>
+                  <a:noFill/>
+                </a:ln>
+                <a:solidFill>
+                  <a:srgbClr val="000000"/>
+                </a:solidFill>
+                <a:effectLst/>
+                <a:latin typeface="Lucida Console" panose="020B0609040504020204" pitchFamily="49" charset="0"/>
+              </a:rPr>
+              <a:t>/R </a:t>
+            </a:r>
+            <a:r>
+              <a:rPr kumimoji="0" lang="en-US" altLang="en-US" sz="1200" b="0" i="0" u="none" strike="noStrike" cap="none" normalizeH="0" baseline="0" dirty="0">
+                <a:ln>
+                  <a:noFill/>
+                </a:ln>
+                <a:solidFill>
+                  <a:srgbClr val="000000"/>
+                </a:solidFill>
+                <a:effectLst/>
+                <a:latin typeface="Lucida Console" panose="020B0609040504020204" pitchFamily="49" charset="0"/>
+              </a:rPr>
+              <a:t>[[drive:]path] %%parameter IN (</a:t>
+            </a:r>
+            <a:r>
+              <a:rPr kumimoji="0" lang="en-US" altLang="en-US" sz="1200" b="0" i="1" u="none" strike="noStrike" cap="none" normalizeH="0" baseline="0" dirty="0">
+                <a:ln>
+                  <a:noFill/>
+                </a:ln>
+                <a:solidFill>
+                  <a:srgbClr val="07572C"/>
+                </a:solidFill>
+                <a:effectLst/>
+                <a:latin typeface="Lucida Console" panose="020B0609040504020204" pitchFamily="49" charset="0"/>
+              </a:rPr>
+              <a:t>set</a:t>
+            </a:r>
+            <a:r>
+              <a:rPr kumimoji="0" lang="en-US" altLang="en-US" sz="1200" b="0" i="0" u="none" strike="noStrike" cap="none" normalizeH="0" baseline="0" dirty="0">
+                <a:ln>
+                  <a:noFill/>
+                </a:ln>
+                <a:solidFill>
+                  <a:srgbClr val="000000"/>
+                </a:solidFill>
+                <a:effectLst/>
+                <a:latin typeface="Lucida Console" panose="020B0609040504020204" pitchFamily="49" charset="0"/>
+              </a:rPr>
+              <a:t>) DO </a:t>
+            </a:r>
+            <a:r>
+              <a:rPr kumimoji="0" lang="en-US" altLang="en-US" sz="1200" b="0" i="1" u="none" strike="noStrike" cap="none" normalizeH="0" baseline="0" dirty="0">
+                <a:ln>
+                  <a:noFill/>
+                </a:ln>
+                <a:solidFill>
+                  <a:srgbClr val="07572C"/>
+                </a:solidFill>
+                <a:effectLst/>
+                <a:latin typeface="Lucida Console" panose="020B0609040504020204" pitchFamily="49" charset="0"/>
+              </a:rPr>
+              <a:t>command</a:t>
+            </a:r>
+            <a:r>
+              <a:rPr kumimoji="0" lang="en-US" altLang="en-US" sz="1200" b="0" i="0" u="none" strike="noStrike" cap="none" normalizeH="0" baseline="0" dirty="0">
+                <a:ln>
+                  <a:noFill/>
+                </a:ln>
+                <a:solidFill>
+                  <a:srgbClr val="000000"/>
+                </a:solidFill>
+                <a:effectLst/>
+                <a:latin typeface="Lucida Console" panose="020B0609040504020204" pitchFamily="49" charset="0"/>
+              </a:rPr>
+              <a:t> </a:t>
+            </a:r>
+          </a:p>
+          <a:p>
+            <a:pPr marL="0" marR="0" lvl="0" indent="0" algn="l" defTabSz="914400" rtl="0" eaLnBrk="0" fontAlgn="base" latinLnBrk="0" hangingPunct="0">
+              <a:lnSpc>
+                <a:spcPct val="100000"/>
+              </a:lnSpc>
+              <a:spcBef>
+                <a:spcPct val="0"/>
+              </a:spcBef>
+              <a:spcAft>
+                <a:spcPct val="0"/>
+              </a:spcAft>
+              <a:buClrTx/>
+              <a:buSzTx/>
+              <a:buFontTx/>
+              <a:buNone/>
+              <a:tabLst/>
+            </a:pPr>
+            <a:r>
+              <a:rPr kumimoji="0" lang="en-US" altLang="en-US" sz="1200" b="0" i="0" u="none" strike="noStrike" cap="none" normalizeH="0" baseline="0" dirty="0">
+                <a:ln>
+                  <a:noFill/>
+                </a:ln>
+                <a:solidFill>
+                  <a:srgbClr val="000000"/>
+                </a:solidFill>
+                <a:effectLst/>
+                <a:latin typeface="Lucida Console" panose="020B0609040504020204" pitchFamily="49" charset="0"/>
+              </a:rPr>
+              <a:t>syntax-</a:t>
+            </a:r>
+            <a:r>
+              <a:rPr kumimoji="0" lang="en-US" altLang="en-US" sz="1200" b="0" i="0" u="none" strike="noStrike" cap="none" normalizeH="0" baseline="0" dirty="0">
+                <a:ln>
+                  <a:noFill/>
+                </a:ln>
+                <a:solidFill>
+                  <a:srgbClr val="0000FF"/>
+                </a:solidFill>
+                <a:effectLst/>
+                <a:latin typeface="Lucida Console" panose="020B0609040504020204" pitchFamily="49" charset="0"/>
+                <a:hlinkClick r:id="rId4"/>
+              </a:rPr>
+              <a:t>FOR-Folders</a:t>
+            </a:r>
+            <a:r>
+              <a:rPr kumimoji="0" lang="en-US" altLang="en-US" sz="1200" b="0" i="0" u="none" strike="noStrike" cap="none" normalizeH="0" baseline="0" dirty="0">
+                <a:ln>
+                  <a:noFill/>
+                </a:ln>
+                <a:solidFill>
+                  <a:srgbClr val="000000"/>
+                </a:solidFill>
+                <a:effectLst/>
+                <a:latin typeface="Lucida Console" panose="020B0609040504020204" pitchFamily="49" charset="0"/>
+              </a:rPr>
+              <a:t> </a:t>
+            </a:r>
+          </a:p>
+          <a:p>
+            <a:pPr marL="0" marR="0" lvl="0" indent="0" algn="l" defTabSz="914400" rtl="0" eaLnBrk="0" fontAlgn="base" latinLnBrk="0" hangingPunct="0">
+              <a:lnSpc>
+                <a:spcPct val="100000"/>
+              </a:lnSpc>
+              <a:spcBef>
+                <a:spcPct val="0"/>
+              </a:spcBef>
+              <a:spcAft>
+                <a:spcPct val="0"/>
+              </a:spcAft>
+              <a:buClrTx/>
+              <a:buSzTx/>
+              <a:buFontTx/>
+              <a:buNone/>
+              <a:tabLst/>
+            </a:pPr>
+            <a:r>
+              <a:rPr kumimoji="0" lang="en-US" altLang="en-US" sz="1200" b="0" i="0" u="none" strike="noStrike" cap="none" normalizeH="0" baseline="0" dirty="0">
+                <a:ln>
+                  <a:noFill/>
+                </a:ln>
+                <a:solidFill>
+                  <a:srgbClr val="000000"/>
+                </a:solidFill>
+                <a:effectLst/>
+                <a:latin typeface="Lucida Console" panose="020B0609040504020204" pitchFamily="49" charset="0"/>
+              </a:rPr>
+              <a:t>FOR </a:t>
+            </a:r>
+            <a:r>
+              <a:rPr kumimoji="0" lang="en-US" altLang="en-US" sz="1200" b="1" i="0" u="none" strike="noStrike" cap="none" normalizeH="0" baseline="0" dirty="0">
+                <a:ln>
+                  <a:noFill/>
+                </a:ln>
+                <a:solidFill>
+                  <a:srgbClr val="000000"/>
+                </a:solidFill>
+                <a:effectLst/>
+                <a:latin typeface="Lucida Console" panose="020B0609040504020204" pitchFamily="49" charset="0"/>
+              </a:rPr>
+              <a:t>/D</a:t>
+            </a:r>
+            <a:r>
+              <a:rPr kumimoji="0" lang="en-US" altLang="en-US" sz="1200" b="0" i="0" u="none" strike="noStrike" cap="none" normalizeH="0" baseline="0" dirty="0">
+                <a:ln>
+                  <a:noFill/>
+                </a:ln>
+                <a:solidFill>
+                  <a:srgbClr val="000000"/>
+                </a:solidFill>
+                <a:effectLst/>
+                <a:latin typeface="Lucida Console" panose="020B0609040504020204" pitchFamily="49" charset="0"/>
+              </a:rPr>
+              <a:t> %%parameter IN (</a:t>
+            </a:r>
+            <a:r>
+              <a:rPr kumimoji="0" lang="en-US" altLang="en-US" sz="1200" b="0" i="1" u="none" strike="noStrike" cap="none" normalizeH="0" baseline="0" dirty="0" err="1">
+                <a:ln>
+                  <a:noFill/>
+                </a:ln>
+                <a:solidFill>
+                  <a:srgbClr val="07572C"/>
+                </a:solidFill>
+                <a:effectLst/>
+                <a:latin typeface="Lucida Console" panose="020B0609040504020204" pitchFamily="49" charset="0"/>
+              </a:rPr>
+              <a:t>folder_set</a:t>
+            </a:r>
+            <a:r>
+              <a:rPr kumimoji="0" lang="en-US" altLang="en-US" sz="1200" b="0" i="0" u="none" strike="noStrike" cap="none" normalizeH="0" baseline="0" dirty="0">
+                <a:ln>
+                  <a:noFill/>
+                </a:ln>
+                <a:solidFill>
+                  <a:srgbClr val="000000"/>
+                </a:solidFill>
+                <a:effectLst/>
+                <a:latin typeface="Lucida Console" panose="020B0609040504020204" pitchFamily="49" charset="0"/>
+              </a:rPr>
+              <a:t>) DO </a:t>
+            </a:r>
+            <a:r>
+              <a:rPr kumimoji="0" lang="en-US" altLang="en-US" sz="1200" b="0" i="1" u="none" strike="noStrike" cap="none" normalizeH="0" baseline="0" dirty="0">
+                <a:ln>
+                  <a:noFill/>
+                </a:ln>
+                <a:solidFill>
+                  <a:srgbClr val="07572C"/>
+                </a:solidFill>
+                <a:effectLst/>
+                <a:latin typeface="Lucida Console" panose="020B0609040504020204" pitchFamily="49" charset="0"/>
+              </a:rPr>
+              <a:t>command</a:t>
+            </a:r>
+            <a:r>
+              <a:rPr kumimoji="0" lang="en-US" altLang="en-US" sz="1200" b="0" i="0" u="none" strike="noStrike" cap="none" normalizeH="0" baseline="0" dirty="0">
+                <a:ln>
+                  <a:noFill/>
+                </a:ln>
+                <a:solidFill>
+                  <a:srgbClr val="000000"/>
+                </a:solidFill>
+                <a:effectLst/>
+                <a:latin typeface="Lucida Console" panose="020B0609040504020204" pitchFamily="49" charset="0"/>
+              </a:rPr>
+              <a:t> </a:t>
+            </a:r>
+          </a:p>
+          <a:p>
+            <a:pPr marL="0" marR="0" lvl="0" indent="0" algn="l" defTabSz="914400" rtl="0" eaLnBrk="0" fontAlgn="base" latinLnBrk="0" hangingPunct="0">
+              <a:lnSpc>
+                <a:spcPct val="100000"/>
+              </a:lnSpc>
+              <a:spcBef>
+                <a:spcPct val="0"/>
+              </a:spcBef>
+              <a:spcAft>
+                <a:spcPct val="0"/>
+              </a:spcAft>
+              <a:buClrTx/>
+              <a:buSzTx/>
+              <a:buFontTx/>
+              <a:buNone/>
+              <a:tabLst/>
+            </a:pPr>
+            <a:r>
+              <a:rPr kumimoji="0" lang="en-US" altLang="en-US" sz="1200" b="0" i="0" u="none" strike="noStrike" cap="none" normalizeH="0" baseline="0" dirty="0">
+                <a:ln>
+                  <a:noFill/>
+                </a:ln>
+                <a:solidFill>
+                  <a:srgbClr val="000000"/>
+                </a:solidFill>
+                <a:effectLst/>
+                <a:latin typeface="Lucida Console" panose="020B0609040504020204" pitchFamily="49" charset="0"/>
+              </a:rPr>
+              <a:t>syntax-</a:t>
+            </a:r>
+            <a:r>
+              <a:rPr kumimoji="0" lang="en-US" altLang="en-US" sz="1200" b="0" i="0" u="none" strike="noStrike" cap="none" normalizeH="0" baseline="0" dirty="0">
+                <a:ln>
+                  <a:noFill/>
+                </a:ln>
+                <a:solidFill>
+                  <a:srgbClr val="0000FF"/>
+                </a:solidFill>
+                <a:effectLst/>
+                <a:latin typeface="Lucida Console" panose="020B0609040504020204" pitchFamily="49" charset="0"/>
+                <a:hlinkClick r:id="rId5"/>
+              </a:rPr>
+              <a:t>FOR-List of numbers</a:t>
+            </a:r>
+            <a:r>
+              <a:rPr kumimoji="0" lang="en-US" altLang="en-US" sz="1200" b="0" i="0" u="none" strike="noStrike" cap="none" normalizeH="0" baseline="0" dirty="0">
+                <a:ln>
+                  <a:noFill/>
+                </a:ln>
+                <a:solidFill>
+                  <a:srgbClr val="000000"/>
+                </a:solidFill>
+                <a:effectLst/>
+                <a:latin typeface="Lucida Console" panose="020B0609040504020204" pitchFamily="49" charset="0"/>
+              </a:rPr>
+              <a:t> </a:t>
+            </a:r>
+          </a:p>
+          <a:p>
+            <a:pPr marL="0" marR="0" lvl="0" indent="0" algn="l" defTabSz="914400" rtl="0" eaLnBrk="0" fontAlgn="base" latinLnBrk="0" hangingPunct="0">
+              <a:lnSpc>
+                <a:spcPct val="100000"/>
+              </a:lnSpc>
+              <a:spcBef>
+                <a:spcPct val="0"/>
+              </a:spcBef>
+              <a:spcAft>
+                <a:spcPct val="0"/>
+              </a:spcAft>
+              <a:buClrTx/>
+              <a:buSzTx/>
+              <a:buFontTx/>
+              <a:buNone/>
+              <a:tabLst/>
+            </a:pPr>
+            <a:r>
+              <a:rPr kumimoji="0" lang="en-US" altLang="en-US" sz="1200" b="0" i="0" u="none" strike="noStrike" cap="none" normalizeH="0" baseline="0" dirty="0">
+                <a:ln>
+                  <a:noFill/>
+                </a:ln>
+                <a:solidFill>
+                  <a:srgbClr val="000000"/>
+                </a:solidFill>
+                <a:effectLst/>
+                <a:latin typeface="Lucida Console" panose="020B0609040504020204" pitchFamily="49" charset="0"/>
+              </a:rPr>
+              <a:t>FOR </a:t>
+            </a:r>
+            <a:r>
+              <a:rPr kumimoji="0" lang="en-US" altLang="en-US" sz="1200" b="1" i="0" u="none" strike="noStrike" cap="none" normalizeH="0" baseline="0" dirty="0">
+                <a:ln>
+                  <a:noFill/>
+                </a:ln>
+                <a:solidFill>
+                  <a:srgbClr val="000000"/>
+                </a:solidFill>
+                <a:effectLst/>
+                <a:latin typeface="Lucida Console" panose="020B0609040504020204" pitchFamily="49" charset="0"/>
+              </a:rPr>
+              <a:t>/L</a:t>
+            </a:r>
+            <a:r>
+              <a:rPr kumimoji="0" lang="en-US" altLang="en-US" sz="1200" b="0" i="0" u="none" strike="noStrike" cap="none" normalizeH="0" baseline="0" dirty="0">
+                <a:ln>
+                  <a:noFill/>
+                </a:ln>
+                <a:solidFill>
+                  <a:srgbClr val="000000"/>
+                </a:solidFill>
+                <a:effectLst/>
+                <a:latin typeface="Lucida Console" panose="020B0609040504020204" pitchFamily="49" charset="0"/>
+              </a:rPr>
+              <a:t> %%parameter IN (</a:t>
+            </a:r>
+            <a:r>
+              <a:rPr kumimoji="0" lang="en-US" altLang="en-US" sz="1200" b="0" i="0" u="none" strike="noStrike" cap="none" normalizeH="0" baseline="0" dirty="0" err="1">
+                <a:ln>
+                  <a:noFill/>
+                </a:ln>
+                <a:solidFill>
+                  <a:srgbClr val="000000"/>
+                </a:solidFill>
+                <a:effectLst/>
+                <a:latin typeface="Lucida Console" panose="020B0609040504020204" pitchFamily="49" charset="0"/>
+              </a:rPr>
+              <a:t>start,step,end</a:t>
+            </a:r>
+            <a:r>
+              <a:rPr kumimoji="0" lang="en-US" altLang="en-US" sz="1200" b="0" i="0" u="none" strike="noStrike" cap="none" normalizeH="0" baseline="0" dirty="0">
+                <a:ln>
+                  <a:noFill/>
+                </a:ln>
+                <a:solidFill>
+                  <a:srgbClr val="000000"/>
+                </a:solidFill>
+                <a:effectLst/>
+                <a:latin typeface="Lucida Console" panose="020B0609040504020204" pitchFamily="49" charset="0"/>
+              </a:rPr>
+              <a:t>) DO </a:t>
+            </a:r>
+            <a:r>
+              <a:rPr kumimoji="0" lang="en-US" altLang="en-US" sz="1200" b="0" i="1" u="none" strike="noStrike" cap="none" normalizeH="0" baseline="0" dirty="0">
+                <a:ln>
+                  <a:noFill/>
+                </a:ln>
+                <a:solidFill>
+                  <a:srgbClr val="07572C"/>
+                </a:solidFill>
+                <a:effectLst/>
+                <a:latin typeface="Lucida Console" panose="020B0609040504020204" pitchFamily="49" charset="0"/>
+              </a:rPr>
+              <a:t>command</a:t>
+            </a:r>
+            <a:r>
+              <a:rPr kumimoji="0" lang="en-US" altLang="en-US" sz="1200" b="0" i="0" u="none" strike="noStrike" cap="none" normalizeH="0" baseline="0" dirty="0">
+                <a:ln>
+                  <a:noFill/>
+                </a:ln>
+                <a:solidFill>
+                  <a:srgbClr val="000000"/>
+                </a:solidFill>
+                <a:effectLst/>
+                <a:latin typeface="Lucida Console" panose="020B0609040504020204" pitchFamily="49" charset="0"/>
+              </a:rPr>
+              <a:t> </a:t>
+            </a:r>
+          </a:p>
+          <a:p>
+            <a:pPr marL="0" marR="0" lvl="0" indent="0" algn="l" defTabSz="914400" rtl="0" eaLnBrk="0" fontAlgn="base" latinLnBrk="0" hangingPunct="0">
+              <a:lnSpc>
+                <a:spcPct val="100000"/>
+              </a:lnSpc>
+              <a:spcBef>
+                <a:spcPct val="0"/>
+              </a:spcBef>
+              <a:spcAft>
+                <a:spcPct val="0"/>
+              </a:spcAft>
+              <a:buClrTx/>
+              <a:buSzTx/>
+              <a:buFontTx/>
+              <a:buNone/>
+              <a:tabLst/>
+            </a:pPr>
+            <a:r>
+              <a:rPr kumimoji="0" lang="en-US" altLang="en-US" sz="1200" b="0" i="0" u="none" strike="noStrike" cap="none" normalizeH="0" baseline="0" dirty="0">
+                <a:ln>
+                  <a:noFill/>
+                </a:ln>
+                <a:solidFill>
+                  <a:srgbClr val="000000"/>
+                </a:solidFill>
+                <a:effectLst/>
+                <a:latin typeface="Lucida Console" panose="020B0609040504020204" pitchFamily="49" charset="0"/>
+              </a:rPr>
+              <a:t>syntax-</a:t>
+            </a:r>
+            <a:r>
+              <a:rPr kumimoji="0" lang="en-US" altLang="en-US" sz="1200" b="0" i="0" u="none" strike="noStrike" cap="none" normalizeH="0" baseline="0" dirty="0">
+                <a:ln>
+                  <a:noFill/>
+                </a:ln>
+                <a:solidFill>
+                  <a:srgbClr val="0000FF"/>
+                </a:solidFill>
+                <a:effectLst/>
+                <a:latin typeface="Lucida Console" panose="020B0609040504020204" pitchFamily="49" charset="0"/>
+                <a:hlinkClick r:id="rId6"/>
+              </a:rPr>
+              <a:t>FOR-File contents</a:t>
+            </a:r>
+            <a:r>
+              <a:rPr kumimoji="0" lang="en-US" altLang="en-US" sz="1200" b="0" i="0" u="none" strike="noStrike" cap="none" normalizeH="0" baseline="0" dirty="0">
+                <a:ln>
+                  <a:noFill/>
+                </a:ln>
+                <a:solidFill>
+                  <a:srgbClr val="000000"/>
+                </a:solidFill>
+                <a:effectLst/>
+                <a:latin typeface="Lucida Console" panose="020B0609040504020204" pitchFamily="49" charset="0"/>
+              </a:rPr>
+              <a:t> </a:t>
+            </a:r>
+          </a:p>
+          <a:p>
+            <a:pPr marL="0" marR="0" lvl="0" indent="0" algn="l" defTabSz="914400" rtl="0" eaLnBrk="0" fontAlgn="base" latinLnBrk="0" hangingPunct="0">
+              <a:lnSpc>
+                <a:spcPct val="100000"/>
+              </a:lnSpc>
+              <a:spcBef>
+                <a:spcPct val="0"/>
+              </a:spcBef>
+              <a:spcAft>
+                <a:spcPct val="0"/>
+              </a:spcAft>
+              <a:buClrTx/>
+              <a:buSzTx/>
+              <a:buFontTx/>
+              <a:buNone/>
+              <a:tabLst/>
+            </a:pPr>
+            <a:r>
+              <a:rPr kumimoji="0" lang="en-US" altLang="en-US" sz="1200" b="0" i="0" u="none" strike="noStrike" cap="none" normalizeH="0" baseline="0" dirty="0">
+                <a:ln>
+                  <a:noFill/>
+                </a:ln>
+                <a:solidFill>
+                  <a:srgbClr val="000000"/>
+                </a:solidFill>
+                <a:effectLst/>
+                <a:latin typeface="Lucida Console" panose="020B0609040504020204" pitchFamily="49" charset="0"/>
+              </a:rPr>
+              <a:t>FOR </a:t>
+            </a:r>
+            <a:r>
+              <a:rPr kumimoji="0" lang="en-US" altLang="en-US" sz="1200" b="1" i="0" u="none" strike="noStrike" cap="none" normalizeH="0" baseline="0" dirty="0">
+                <a:ln>
+                  <a:noFill/>
+                </a:ln>
+                <a:solidFill>
+                  <a:srgbClr val="000000"/>
+                </a:solidFill>
+                <a:effectLst/>
+                <a:latin typeface="Lucida Console" panose="020B0609040504020204" pitchFamily="49" charset="0"/>
+              </a:rPr>
+              <a:t>/F</a:t>
+            </a:r>
+            <a:r>
+              <a:rPr kumimoji="0" lang="en-US" altLang="en-US" sz="1200" b="0" i="0" u="none" strike="noStrike" cap="none" normalizeH="0" baseline="0" dirty="0">
+                <a:ln>
+                  <a:noFill/>
+                </a:ln>
+                <a:solidFill>
+                  <a:srgbClr val="000000"/>
+                </a:solidFill>
+                <a:effectLst/>
+                <a:latin typeface="Lucida Console" panose="020B0609040504020204" pitchFamily="49" charset="0"/>
+              </a:rPr>
+              <a:t> ["options"] %%parameter IN (</a:t>
+            </a:r>
+            <a:r>
+              <a:rPr kumimoji="0" lang="en-US" altLang="en-US" sz="1200" b="0" i="0" u="none" strike="noStrike" cap="none" normalizeH="0" baseline="0" dirty="0" err="1">
+                <a:ln>
+                  <a:noFill/>
+                </a:ln>
+                <a:solidFill>
+                  <a:srgbClr val="000000"/>
+                </a:solidFill>
+                <a:effectLst/>
+                <a:latin typeface="Lucida Console" panose="020B0609040504020204" pitchFamily="49" charset="0"/>
+              </a:rPr>
+              <a:t>filenameset</a:t>
+            </a:r>
+            <a:r>
+              <a:rPr kumimoji="0" lang="en-US" altLang="en-US" sz="1200" b="0" i="0" u="none" strike="noStrike" cap="none" normalizeH="0" baseline="0" dirty="0">
+                <a:ln>
+                  <a:noFill/>
+                </a:ln>
+                <a:solidFill>
+                  <a:srgbClr val="000000"/>
+                </a:solidFill>
+                <a:effectLst/>
+                <a:latin typeface="Lucida Console" panose="020B0609040504020204" pitchFamily="49" charset="0"/>
+              </a:rPr>
+              <a:t>) DO </a:t>
+            </a:r>
+            <a:r>
+              <a:rPr kumimoji="0" lang="en-US" altLang="en-US" sz="1200" b="0" i="1" u="none" strike="noStrike" cap="none" normalizeH="0" baseline="0" dirty="0">
+                <a:ln>
+                  <a:noFill/>
+                </a:ln>
+                <a:solidFill>
+                  <a:srgbClr val="07572C"/>
+                </a:solidFill>
+                <a:effectLst/>
+                <a:latin typeface="Lucida Console" panose="020B0609040504020204" pitchFamily="49" charset="0"/>
+              </a:rPr>
+              <a:t>command</a:t>
+            </a:r>
+            <a:r>
+              <a:rPr kumimoji="0" lang="en-US" altLang="en-US" sz="1200" b="0" i="0" u="none" strike="noStrike" cap="none" normalizeH="0" baseline="0" dirty="0">
+                <a:ln>
+                  <a:noFill/>
+                </a:ln>
+                <a:solidFill>
+                  <a:srgbClr val="000000"/>
+                </a:solidFill>
+                <a:effectLst/>
+                <a:latin typeface="Lucida Console" panose="020B0609040504020204" pitchFamily="49" charset="0"/>
+              </a:rPr>
+              <a:t> </a:t>
+            </a:r>
+          </a:p>
+          <a:p>
+            <a:pPr marL="0" marR="0" lvl="0" indent="0" algn="l" defTabSz="914400" rtl="0" eaLnBrk="0" fontAlgn="base" latinLnBrk="0" hangingPunct="0">
+              <a:lnSpc>
+                <a:spcPct val="100000"/>
+              </a:lnSpc>
+              <a:spcBef>
+                <a:spcPct val="0"/>
+              </a:spcBef>
+              <a:spcAft>
+                <a:spcPct val="0"/>
+              </a:spcAft>
+              <a:buClrTx/>
+              <a:buSzTx/>
+              <a:buFontTx/>
+              <a:buNone/>
+              <a:tabLst/>
+            </a:pPr>
+            <a:r>
+              <a:rPr kumimoji="0" lang="en-US" altLang="en-US" sz="1200" b="0" i="0" u="none" strike="noStrike" cap="none" normalizeH="0" baseline="0" dirty="0">
+                <a:ln>
+                  <a:noFill/>
+                </a:ln>
+                <a:solidFill>
+                  <a:srgbClr val="000000"/>
+                </a:solidFill>
+                <a:effectLst/>
+                <a:latin typeface="Lucida Console" panose="020B0609040504020204" pitchFamily="49" charset="0"/>
+              </a:rPr>
+              <a:t>FOR </a:t>
+            </a:r>
+            <a:r>
+              <a:rPr kumimoji="0" lang="en-US" altLang="en-US" sz="1200" b="1" i="0" u="none" strike="noStrike" cap="none" normalizeH="0" baseline="0" dirty="0">
+                <a:ln>
+                  <a:noFill/>
+                </a:ln>
+                <a:solidFill>
+                  <a:srgbClr val="000000"/>
+                </a:solidFill>
+                <a:effectLst/>
+                <a:latin typeface="Lucida Console" panose="020B0609040504020204" pitchFamily="49" charset="0"/>
+              </a:rPr>
+              <a:t>/F </a:t>
+            </a:r>
+            <a:r>
+              <a:rPr kumimoji="0" lang="en-US" altLang="en-US" sz="1200" b="0" i="0" u="none" strike="noStrike" cap="none" normalizeH="0" baseline="0" dirty="0">
+                <a:ln>
+                  <a:noFill/>
+                </a:ln>
+                <a:solidFill>
+                  <a:srgbClr val="000000"/>
+                </a:solidFill>
+                <a:effectLst/>
+                <a:latin typeface="Lucida Console" panose="020B0609040504020204" pitchFamily="49" charset="0"/>
+              </a:rPr>
+              <a:t>["options"] %%parameter IN ("Text string to process") DO </a:t>
+            </a:r>
+            <a:r>
+              <a:rPr kumimoji="0" lang="en-US" altLang="en-US" sz="1200" b="0" i="1" u="none" strike="noStrike" cap="none" normalizeH="0" baseline="0" dirty="0">
+                <a:ln>
+                  <a:noFill/>
+                </a:ln>
+                <a:solidFill>
+                  <a:srgbClr val="07572C"/>
+                </a:solidFill>
+                <a:effectLst/>
+                <a:latin typeface="Lucida Console" panose="020B0609040504020204" pitchFamily="49" charset="0"/>
+              </a:rPr>
+              <a:t>command</a:t>
+            </a:r>
+            <a:r>
+              <a:rPr kumimoji="0" lang="en-US" altLang="en-US" sz="1200" b="0" i="0" u="none" strike="noStrike" cap="none" normalizeH="0" baseline="0" dirty="0">
+                <a:ln>
+                  <a:noFill/>
+                </a:ln>
+                <a:solidFill>
+                  <a:srgbClr val="000000"/>
+                </a:solidFill>
+                <a:effectLst/>
+                <a:latin typeface="Lucida Console" panose="020B0609040504020204" pitchFamily="49" charset="0"/>
+              </a:rPr>
+              <a:t> </a:t>
+            </a:r>
+          </a:p>
+          <a:p>
+            <a:pPr marL="0" marR="0" lvl="0" indent="0" algn="l" defTabSz="914400" rtl="0" eaLnBrk="0" fontAlgn="base" latinLnBrk="0" hangingPunct="0">
+              <a:lnSpc>
+                <a:spcPct val="100000"/>
+              </a:lnSpc>
+              <a:spcBef>
+                <a:spcPct val="0"/>
+              </a:spcBef>
+              <a:spcAft>
+                <a:spcPct val="0"/>
+              </a:spcAft>
+              <a:buClrTx/>
+              <a:buSzTx/>
+              <a:buFontTx/>
+              <a:buNone/>
+              <a:tabLst/>
+            </a:pPr>
+            <a:r>
+              <a:rPr kumimoji="0" lang="en-US" altLang="en-US" sz="1200" b="0" i="0" u="none" strike="noStrike" cap="none" normalizeH="0" baseline="0" dirty="0">
+                <a:ln>
+                  <a:noFill/>
+                </a:ln>
+                <a:solidFill>
+                  <a:srgbClr val="000000"/>
+                </a:solidFill>
+                <a:effectLst/>
+                <a:latin typeface="Lucida Console" panose="020B0609040504020204" pitchFamily="49" charset="0"/>
+              </a:rPr>
+              <a:t>syntax-</a:t>
+            </a:r>
+            <a:r>
+              <a:rPr kumimoji="0" lang="en-US" altLang="en-US" sz="1200" b="0" i="0" u="none" strike="noStrike" cap="none" normalizeH="0" baseline="0" dirty="0">
+                <a:ln>
+                  <a:noFill/>
+                </a:ln>
+                <a:solidFill>
+                  <a:srgbClr val="0000FF"/>
+                </a:solidFill>
+                <a:effectLst/>
+                <a:latin typeface="Lucida Console" panose="020B0609040504020204" pitchFamily="49" charset="0"/>
+                <a:hlinkClick r:id="rId7"/>
+              </a:rPr>
+              <a:t>FOR-Command Results</a:t>
+            </a:r>
+            <a:r>
+              <a:rPr kumimoji="0" lang="en-US" altLang="en-US" sz="1200" b="0" i="0" u="none" strike="noStrike" cap="none" normalizeH="0" baseline="0" dirty="0">
+                <a:ln>
+                  <a:noFill/>
+                </a:ln>
+                <a:solidFill>
+                  <a:srgbClr val="000000"/>
+                </a:solidFill>
+                <a:effectLst/>
+                <a:latin typeface="Lucida Console" panose="020B0609040504020204" pitchFamily="49" charset="0"/>
+              </a:rPr>
+              <a:t> </a:t>
+            </a:r>
+          </a:p>
+          <a:p>
+            <a:pPr marL="0" marR="0" lvl="0" indent="0" algn="l" defTabSz="914400" rtl="0" eaLnBrk="0" fontAlgn="base" latinLnBrk="0" hangingPunct="0">
+              <a:lnSpc>
+                <a:spcPct val="100000"/>
+              </a:lnSpc>
+              <a:spcBef>
+                <a:spcPct val="0"/>
+              </a:spcBef>
+              <a:spcAft>
+                <a:spcPct val="0"/>
+              </a:spcAft>
+              <a:buClrTx/>
+              <a:buSzTx/>
+              <a:buFontTx/>
+              <a:buNone/>
+              <a:tabLst/>
+            </a:pPr>
+            <a:r>
+              <a:rPr kumimoji="0" lang="en-US" altLang="en-US" sz="1200" b="0" i="0" u="none" strike="noStrike" cap="none" normalizeH="0" baseline="0" dirty="0">
+                <a:ln>
+                  <a:noFill/>
+                </a:ln>
+                <a:solidFill>
+                  <a:srgbClr val="000000"/>
+                </a:solidFill>
+                <a:effectLst/>
+                <a:latin typeface="Lucida Console" panose="020B0609040504020204" pitchFamily="49" charset="0"/>
+              </a:rPr>
+              <a:t>FOR </a:t>
+            </a:r>
+            <a:r>
+              <a:rPr kumimoji="0" lang="en-US" altLang="en-US" sz="1200" b="1" i="0" u="none" strike="noStrike" cap="none" normalizeH="0" baseline="0" dirty="0">
+                <a:ln>
+                  <a:noFill/>
+                </a:ln>
+                <a:solidFill>
+                  <a:srgbClr val="000000"/>
+                </a:solidFill>
+                <a:effectLst/>
+                <a:latin typeface="Lucida Console" panose="020B0609040504020204" pitchFamily="49" charset="0"/>
+              </a:rPr>
+              <a:t>/F</a:t>
+            </a:r>
+            <a:r>
+              <a:rPr kumimoji="0" lang="en-US" altLang="en-US" sz="1200" b="0" i="0" u="none" strike="noStrike" cap="none" normalizeH="0" baseline="0" dirty="0">
+                <a:ln>
+                  <a:noFill/>
+                </a:ln>
+                <a:solidFill>
+                  <a:srgbClr val="000000"/>
+                </a:solidFill>
+                <a:effectLst/>
+                <a:latin typeface="Lucida Console" panose="020B0609040504020204" pitchFamily="49" charset="0"/>
+              </a:rPr>
+              <a:t> ["options"] %%parameter IN ('command to process') DO </a:t>
+            </a:r>
+            <a:r>
+              <a:rPr kumimoji="0" lang="en-US" altLang="en-US" sz="1200" b="0" i="1" u="none" strike="noStrike" cap="none" normalizeH="0" baseline="0" dirty="0">
+                <a:ln>
+                  <a:noFill/>
+                </a:ln>
+                <a:solidFill>
+                  <a:srgbClr val="07572C"/>
+                </a:solidFill>
+                <a:effectLst/>
+                <a:latin typeface="Lucida Console" panose="020B0609040504020204" pitchFamily="49" charset="0"/>
+              </a:rPr>
+              <a:t>command</a:t>
+            </a:r>
+            <a:r>
+              <a:rPr kumimoji="0" lang="en-US" altLang="en-US" sz="800" b="0" i="0" u="none" strike="noStrike" cap="none" normalizeH="0" baseline="0" dirty="0">
+                <a:ln>
+                  <a:noFill/>
+                </a:ln>
+                <a:solidFill>
+                  <a:schemeClr val="tx1"/>
+                </a:solidFill>
+                <a:effectLst/>
+              </a:rPr>
+              <a:t> </a:t>
+            </a:r>
+            <a:endParaRPr kumimoji="0" lang="en-US" altLang="en-US" sz="1800" b="0" i="0" u="none" strike="noStrike" cap="none" normalizeH="0" baseline="0" dirty="0">
+              <a:ln>
+                <a:noFill/>
+              </a:ln>
+              <a:solidFill>
+                <a:schemeClr val="tx1"/>
+              </a:solidFill>
+              <a:effectLst/>
+              <a:latin typeface="Arial" panose="020B0604020202020204" pitchFamily="34" charset="0"/>
+            </a:endParaRPr>
+          </a:p>
+        </p:txBody>
+      </p:sp>
+    </p:spTree>
+    <p:extLst>
+      <p:ext uri="{BB962C8B-B14F-4D97-AF65-F5344CB8AC3E}">
+        <p14:creationId xmlns:p14="http://schemas.microsoft.com/office/powerpoint/2010/main" val="2832285098"/>
+      </p:ext>
+    </p:extLst>
+  </p:cSld>
+  <p:clrMapOvr>
+    <a:masterClrMapping/>
+  </p:clrMapOvr>
+</p:sld>
+</file>
+
+<file path=ppt/slides/slide12.xml><?xml version="1.0" encoding="utf-8"?>
+<p:sld xmlns:a="http://schemas.openxmlformats.org/drawingml/2006/main" xmlns:r="http://schemas.openxmlformats.org/officeDocument/2006/relationships" xmlns:p="http://schemas.openxmlformats.org/presentationml/2006/main">
+  <p:cSld>
+    <p:spTree>
+      <p:nvGrpSpPr>
+        <p:cNvPr id="1" name=""/>
+        <p:cNvGrpSpPr/>
+        <p:nvPr/>
+      </p:nvGrpSpPr>
+      <p:grpSpPr>
+        <a:xfrm>
+          <a:off x="0" y="0"/>
+          <a:ext cx="0" cy="0"/>
+          <a:chOff x="0" y="0"/>
+          <a:chExt cx="0" cy="0"/>
+        </a:xfrm>
+      </p:grpSpPr>
+      <p:sp>
+        <p:nvSpPr>
+          <p:cNvPr id="2" name="標題 1">
+            <a:extLst>
+              <a:ext uri="{FF2B5EF4-FFF2-40B4-BE49-F238E27FC236}">
+                <a16:creationId xmlns:a16="http://schemas.microsoft.com/office/drawing/2014/main" id="{561C9C32-DDC4-A210-5B51-2A34CA533239}"/>
+              </a:ext>
+            </a:extLst>
+          </p:cNvPr>
+          <p:cNvSpPr>
+            <a:spLocks noGrp="1"/>
+          </p:cNvSpPr>
+          <p:nvPr>
+            <p:ph type="title"/>
+          </p:nvPr>
+        </p:nvSpPr>
+        <p:spPr/>
+        <p:txBody>
+          <a:bodyPr/>
+          <a:lstStyle/>
+          <a:p>
+            <a:endParaRPr lang="en-US"/>
+          </a:p>
+        </p:txBody>
+      </p:sp>
+      <p:sp>
+        <p:nvSpPr>
+          <p:cNvPr id="3" name="內容版面配置區 2">
+            <a:extLst>
+              <a:ext uri="{FF2B5EF4-FFF2-40B4-BE49-F238E27FC236}">
+                <a16:creationId xmlns:a16="http://schemas.microsoft.com/office/drawing/2014/main" id="{3FA239C9-E998-4046-5FAA-6F826AC52D50}"/>
+              </a:ext>
+            </a:extLst>
+          </p:cNvPr>
+          <p:cNvSpPr>
+            <a:spLocks noGrp="1"/>
+          </p:cNvSpPr>
+          <p:nvPr>
+            <p:ph idx="1"/>
+          </p:nvPr>
+        </p:nvSpPr>
+        <p:spPr/>
+        <p:txBody>
+          <a:bodyPr/>
+          <a:lstStyle/>
+          <a:p>
+            <a:endParaRPr lang="en-US"/>
+          </a:p>
+        </p:txBody>
+      </p:sp>
+    </p:spTree>
+    <p:extLst>
+      <p:ext uri="{BB962C8B-B14F-4D97-AF65-F5344CB8AC3E}">
+        <p14:creationId xmlns:p14="http://schemas.microsoft.com/office/powerpoint/2010/main" val="1835183684"/>
+      </p:ext>
+    </p:extLst>
+  </p:cSld>
+  <p:clrMapOvr>
+    <a:masterClrMapping/>
+  </p:clrMapOvr>
+</p:sld>
+</file>
+
+<file path=ppt/slides/slide13.xml><?xml version="1.0" encoding="utf-8"?>
+<p:sld xmlns:a="http://schemas.openxmlformats.org/drawingml/2006/main" xmlns:r="http://schemas.openxmlformats.org/officeDocument/2006/relationships" xmlns:p="http://schemas.openxmlformats.org/presentationml/2006/main">
+  <p:cSld>
+    <p:spTree>
+      <p:nvGrpSpPr>
+        <p:cNvPr id="1" name=""/>
+        <p:cNvGrpSpPr/>
+        <p:nvPr/>
+      </p:nvGrpSpPr>
+      <p:grpSpPr>
+        <a:xfrm>
+          <a:off x="0" y="0"/>
+          <a:ext cx="0" cy="0"/>
+          <a:chOff x="0" y="0"/>
+          <a:chExt cx="0" cy="0"/>
+        </a:xfrm>
+      </p:grpSpPr>
+      <p:sp>
+        <p:nvSpPr>
+          <p:cNvPr id="2" name="標題 1">
+            <a:extLst>
+              <a:ext uri="{FF2B5EF4-FFF2-40B4-BE49-F238E27FC236}">
+                <a16:creationId xmlns:a16="http://schemas.microsoft.com/office/drawing/2014/main" id="{D8074D9F-AC32-BF23-12C1-7A873A18A227}"/>
+              </a:ext>
+            </a:extLst>
+          </p:cNvPr>
+          <p:cNvSpPr>
+            <a:spLocks noGrp="1"/>
+          </p:cNvSpPr>
+          <p:nvPr>
+            <p:ph type="title"/>
+          </p:nvPr>
+        </p:nvSpPr>
+        <p:spPr/>
+        <p:txBody>
+          <a:bodyPr/>
+          <a:lstStyle/>
+          <a:p>
+            <a:endParaRPr lang="en-US"/>
+          </a:p>
+        </p:txBody>
+      </p:sp>
+      <p:sp>
+        <p:nvSpPr>
+          <p:cNvPr id="3" name="內容版面配置區 2">
+            <a:extLst>
+              <a:ext uri="{FF2B5EF4-FFF2-40B4-BE49-F238E27FC236}">
+                <a16:creationId xmlns:a16="http://schemas.microsoft.com/office/drawing/2014/main" id="{465708E1-06A6-7F59-C755-17ADFCCFC0CD}"/>
+              </a:ext>
+            </a:extLst>
+          </p:cNvPr>
+          <p:cNvSpPr>
+            <a:spLocks noGrp="1"/>
+          </p:cNvSpPr>
+          <p:nvPr>
+            <p:ph idx="1"/>
+          </p:nvPr>
+        </p:nvSpPr>
+        <p:spPr/>
+        <p:txBody>
+          <a:bodyPr/>
+          <a:lstStyle/>
+          <a:p>
+            <a:endParaRPr lang="en-US"/>
+          </a:p>
+        </p:txBody>
+      </p:sp>
+    </p:spTree>
+    <p:extLst>
+      <p:ext uri="{BB962C8B-B14F-4D97-AF65-F5344CB8AC3E}">
+        <p14:creationId xmlns:p14="http://schemas.microsoft.com/office/powerpoint/2010/main" val="1678562329"/>
+      </p:ext>
+    </p:extLst>
+  </p:cSld>
+  <p:clrMapOvr>
+    <a:masterClrMapping/>
+  </p:clrMapOvr>
+</p:sld>
+</file>
+
+<file path=ppt/slides/slide14.xml><?xml version="1.0" encoding="utf-8"?>
+<p:sld xmlns:a="http://schemas.openxmlformats.org/drawingml/2006/main" xmlns:r="http://schemas.openxmlformats.org/officeDocument/2006/relationships" xmlns:p="http://schemas.openxmlformats.org/presentationml/2006/main">
+  <p:cSld>
+    <p:spTree>
+      <p:nvGrpSpPr>
+        <p:cNvPr id="1" name=""/>
+        <p:cNvGrpSpPr/>
+        <p:nvPr/>
+      </p:nvGrpSpPr>
+      <p:grpSpPr>
+        <a:xfrm>
+          <a:off x="0" y="0"/>
+          <a:ext cx="0" cy="0"/>
+          <a:chOff x="0" y="0"/>
+          <a:chExt cx="0" cy="0"/>
+        </a:xfrm>
+      </p:grpSpPr>
+      <p:sp>
+        <p:nvSpPr>
+          <p:cNvPr id="2" name="標題 1">
+            <a:extLst>
+              <a:ext uri="{FF2B5EF4-FFF2-40B4-BE49-F238E27FC236}">
+                <a16:creationId xmlns:a16="http://schemas.microsoft.com/office/drawing/2014/main" id="{715AC6C3-F647-4D06-E7F3-9F916409DEDA}"/>
+              </a:ext>
+            </a:extLst>
+          </p:cNvPr>
+          <p:cNvSpPr>
+            <a:spLocks noGrp="1"/>
+          </p:cNvSpPr>
+          <p:nvPr>
+            <p:ph type="title"/>
+          </p:nvPr>
+        </p:nvSpPr>
+        <p:spPr/>
+        <p:txBody>
+          <a:bodyPr/>
+          <a:lstStyle/>
+          <a:p>
+            <a:r>
+              <a:rPr lang="en-US" dirty="0"/>
+              <a:t>Q&amp;A</a:t>
+            </a:r>
+          </a:p>
+        </p:txBody>
+      </p:sp>
+      <p:sp>
+        <p:nvSpPr>
+          <p:cNvPr id="3" name="內容版面配置區 2">
+            <a:extLst>
+              <a:ext uri="{FF2B5EF4-FFF2-40B4-BE49-F238E27FC236}">
+                <a16:creationId xmlns:a16="http://schemas.microsoft.com/office/drawing/2014/main" id="{6846725F-A94A-BD92-8A1C-4E1E0DC88AEF}"/>
+              </a:ext>
+            </a:extLst>
+          </p:cNvPr>
+          <p:cNvSpPr>
+            <a:spLocks noGrp="1"/>
+          </p:cNvSpPr>
+          <p:nvPr>
+            <p:ph idx="1"/>
+          </p:nvPr>
+        </p:nvSpPr>
+        <p:spPr/>
+        <p:txBody>
+          <a:bodyPr/>
+          <a:lstStyle/>
+          <a:p>
+            <a:pPr marL="514350" indent="-514350">
+              <a:buFont typeface="+mj-lt"/>
+              <a:buAutoNum type="arabicPeriod"/>
+            </a:pPr>
+            <a:r>
+              <a:rPr lang="en-US" dirty="0"/>
+              <a:t>FOR           %%var   IN   (set)   DO </a:t>
+            </a:r>
+            <a:br>
+              <a:rPr lang="en-US" dirty="0"/>
+            </a:br>
+            <a:r>
+              <a:rPr lang="zh-TW" altLang="en-US" dirty="0"/>
+              <a:t>有幾種選擇</a:t>
+            </a:r>
+            <a:r>
+              <a:rPr lang="en-US" altLang="zh-TW" dirty="0"/>
+              <a:t>(options)?</a:t>
+            </a:r>
+            <a:r>
+              <a:rPr lang="zh-TW" altLang="en-US" dirty="0"/>
+              <a:t> 分別代表甚麼功能 或 作用</a:t>
+            </a:r>
+            <a:r>
+              <a:rPr lang="en-US" altLang="zh-TW" dirty="0"/>
+              <a:t>?</a:t>
+            </a:r>
+          </a:p>
+          <a:p>
+            <a:pPr marL="0" indent="0">
+              <a:buNone/>
+            </a:pPr>
+            <a:endParaRPr lang="en-US" dirty="0"/>
+          </a:p>
+        </p:txBody>
+      </p:sp>
+      <p:sp>
+        <p:nvSpPr>
+          <p:cNvPr id="4" name="矩形 3">
+            <a:extLst>
+              <a:ext uri="{FF2B5EF4-FFF2-40B4-BE49-F238E27FC236}">
+                <a16:creationId xmlns:a16="http://schemas.microsoft.com/office/drawing/2014/main" id="{311079F6-97B4-41CE-6AF1-C6C9F046E484}"/>
+              </a:ext>
+            </a:extLst>
+          </p:cNvPr>
+          <p:cNvSpPr/>
+          <p:nvPr/>
+        </p:nvSpPr>
+        <p:spPr>
+          <a:xfrm>
+            <a:off x="2211355" y="1903444"/>
+            <a:ext cx="531845" cy="279919"/>
+          </a:xfrm>
+          <a:prstGeom prst="rect">
+            <a:avLst/>
+          </a:prstGeom>
+        </p:spPr>
+        <p:style>
+          <a:lnRef idx="2">
+            <a:schemeClr val="accent1">
+              <a:shade val="50000"/>
+            </a:schemeClr>
+          </a:lnRef>
+          <a:fillRef idx="1">
+            <a:schemeClr val="accent1"/>
+          </a:fillRef>
+          <a:effectRef idx="0">
+            <a:schemeClr val="accent1"/>
+          </a:effectRef>
+          <a:fontRef idx="minor">
+            <a:schemeClr val="lt1"/>
+          </a:fontRef>
+        </p:style>
+        <p:txBody>
+          <a:bodyPr rtlCol="0" anchor="ctr"/>
+          <a:lstStyle/>
+          <a:p>
+            <a:pPr algn="ctr"/>
+            <a:endParaRPr lang="en-US"/>
+          </a:p>
+        </p:txBody>
+      </p:sp>
+    </p:spTree>
+    <p:extLst>
+      <p:ext uri="{BB962C8B-B14F-4D97-AF65-F5344CB8AC3E}">
+        <p14:creationId xmlns:p14="http://schemas.microsoft.com/office/powerpoint/2010/main" val="3048477673"/>
+      </p:ext>
+    </p:extLst>
+  </p:cSld>
+  <p:clrMapOvr>
+    <a:masterClrMapping/>
+  </p:clrMapOvr>
+</p:sld>
+</file>
+
+<file path=ppt/slides/slide15.xml><?xml version="1.0" encoding="utf-8"?>
+<p:sld xmlns:a="http://schemas.openxmlformats.org/drawingml/2006/main" xmlns:r="http://schemas.openxmlformats.org/officeDocument/2006/relationships" xmlns:p="http://schemas.openxmlformats.org/presentationml/2006/main">
+  <p:cSld>
+    <p:spTree>
+      <p:nvGrpSpPr>
+        <p:cNvPr id="1" name=""/>
+        <p:cNvGrpSpPr/>
+        <p:nvPr/>
+      </p:nvGrpSpPr>
+      <p:grpSpPr>
+        <a:xfrm>
+          <a:off x="0" y="0"/>
+          <a:ext cx="0" cy="0"/>
+          <a:chOff x="0" y="0"/>
+          <a:chExt cx="0" cy="0"/>
+        </a:xfrm>
+      </p:grpSpPr>
+      <p:sp>
+        <p:nvSpPr>
           <p:cNvPr id="2" name="標題 1">
             <a:extLst>
               <a:ext uri="{FF2B5EF4-FFF2-40B4-BE49-F238E27FC236}">
@@ -3671,6 +5122,374 @@
     <p:extLst>
       <p:ext uri="{BB962C8B-B14F-4D97-AF65-F5344CB8AC3E}">
         <p14:creationId xmlns:p14="http://schemas.microsoft.com/office/powerpoint/2010/main" val="1916176473"/>
+      </p:ext>
+    </p:extLst>
+  </p:cSld>
+  <p:clrMapOvr>
+    <a:masterClrMapping/>
+  </p:clrMapOvr>
+</p:sld>
+</file>
+
+<file path=ppt/slides/slide16.xml><?xml version="1.0" encoding="utf-8"?>
+<p:sld xmlns:a="http://schemas.openxmlformats.org/drawingml/2006/main" xmlns:r="http://schemas.openxmlformats.org/officeDocument/2006/relationships" xmlns:p="http://schemas.openxmlformats.org/presentationml/2006/main">
+  <p:cSld>
+    <p:spTree>
+      <p:nvGrpSpPr>
+        <p:cNvPr id="1" name=""/>
+        <p:cNvGrpSpPr/>
+        <p:nvPr/>
+      </p:nvGrpSpPr>
+      <p:grpSpPr>
+        <a:xfrm>
+          <a:off x="0" y="0"/>
+          <a:ext cx="0" cy="0"/>
+          <a:chOff x="0" y="0"/>
+          <a:chExt cx="0" cy="0"/>
+        </a:xfrm>
+      </p:grpSpPr>
+      <p:sp>
+        <p:nvSpPr>
+          <p:cNvPr id="2" name="Title 1">
+            <a:extLst>
+              <a:ext uri="{FF2B5EF4-FFF2-40B4-BE49-F238E27FC236}">
+                <a16:creationId xmlns:a16="http://schemas.microsoft.com/office/drawing/2014/main" id="{5D30B9A8-0EFD-48E4-9ADD-B78192F86304}"/>
+              </a:ext>
+            </a:extLst>
+          </p:cNvPr>
+          <p:cNvSpPr>
+            <a:spLocks noGrp="1"/>
+          </p:cNvSpPr>
+          <p:nvPr>
+            <p:ph type="title"/>
+          </p:nvPr>
+        </p:nvSpPr>
+        <p:spPr/>
+        <p:txBody>
+          <a:bodyPr/>
+          <a:lstStyle/>
+          <a:p>
+            <a:endParaRPr lang="zh-TW" altLang="en-US"/>
+          </a:p>
+        </p:txBody>
+      </p:sp>
+      <p:sp>
+        <p:nvSpPr>
+          <p:cNvPr id="3" name="Content Placeholder 2">
+            <a:extLst>
+              <a:ext uri="{FF2B5EF4-FFF2-40B4-BE49-F238E27FC236}">
+                <a16:creationId xmlns:a16="http://schemas.microsoft.com/office/drawing/2014/main" id="{0914691E-0959-4829-8451-9AECB69D72DD}"/>
+              </a:ext>
+            </a:extLst>
+          </p:cNvPr>
+          <p:cNvSpPr>
+            <a:spLocks noGrp="1"/>
+          </p:cNvSpPr>
+          <p:nvPr>
+            <p:ph idx="1"/>
+          </p:nvPr>
+        </p:nvSpPr>
+        <p:spPr/>
+        <p:txBody>
+          <a:bodyPr/>
+          <a:lstStyle/>
+          <a:p>
+            <a:pPr marL="514350" indent="-514350">
+              <a:buFont typeface="+mj-lt"/>
+              <a:buAutoNum type="arabicPeriod" startAt="3"/>
+            </a:pPr>
+            <a:r>
+              <a:rPr lang="zh-TW" altLang="en-US" dirty="0"/>
+              <a:t>工程師方法論有哪三個重要的心法</a:t>
+            </a:r>
+          </a:p>
+        </p:txBody>
+      </p:sp>
+    </p:spTree>
+    <p:extLst>
+      <p:ext uri="{BB962C8B-B14F-4D97-AF65-F5344CB8AC3E}">
+        <p14:creationId xmlns:p14="http://schemas.microsoft.com/office/powerpoint/2010/main" val="903596130"/>
+      </p:ext>
+    </p:extLst>
+  </p:cSld>
+  <p:clrMapOvr>
+    <a:masterClrMapping/>
+  </p:clrMapOvr>
+</p:sld>
+</file>
+
+<file path=ppt/slides/slide17.xml><?xml version="1.0" encoding="utf-8"?>
+<p:sld xmlns:a="http://schemas.openxmlformats.org/drawingml/2006/main" xmlns:r="http://schemas.openxmlformats.org/officeDocument/2006/relationships" xmlns:p="http://schemas.openxmlformats.org/presentationml/2006/main">
+  <p:cSld>
+    <p:bg>
+      <p:bgPr>
+        <a:solidFill>
+          <a:schemeClr val="bg1"/>
+        </a:solidFill>
+        <a:effectLst/>
+      </p:bgPr>
+    </p:bg>
+    <p:spTree>
+      <p:nvGrpSpPr>
+        <p:cNvPr id="1" name=""/>
+        <p:cNvGrpSpPr/>
+        <p:nvPr/>
+      </p:nvGrpSpPr>
+      <p:grpSpPr>
+        <a:xfrm>
+          <a:off x="0" y="0"/>
+          <a:ext cx="0" cy="0"/>
+          <a:chOff x="0" y="0"/>
+          <a:chExt cx="0" cy="0"/>
+        </a:xfrm>
+      </p:grpSpPr>
+      <p:sp>
+        <p:nvSpPr>
+          <p:cNvPr id="2" name="Title 1">
+            <a:extLst>
+              <a:ext uri="{FF2B5EF4-FFF2-40B4-BE49-F238E27FC236}">
+                <a16:creationId xmlns:a16="http://schemas.microsoft.com/office/drawing/2014/main" id="{7879CE99-FB62-4390-A91D-0CA562E38391}"/>
+              </a:ext>
+            </a:extLst>
+          </p:cNvPr>
+          <p:cNvSpPr>
+            <a:spLocks noGrp="1"/>
+          </p:cNvSpPr>
+          <p:nvPr>
+            <p:ph type="title"/>
+          </p:nvPr>
+        </p:nvSpPr>
+        <p:spPr>
+          <a:xfrm>
+            <a:off x="648929" y="629266"/>
+            <a:ext cx="3505495" cy="1622321"/>
+          </a:xfrm>
+        </p:spPr>
+        <p:txBody>
+          <a:bodyPr>
+            <a:normAutofit/>
+          </a:bodyPr>
+          <a:lstStyle/>
+          <a:p>
+            <a:r>
+              <a:rPr lang="zh-TW" altLang="en-US" dirty="0"/>
+              <a:t>自學參考</a:t>
+            </a:r>
+          </a:p>
+        </p:txBody>
+      </p:sp>
+      <p:sp>
+        <p:nvSpPr>
+          <p:cNvPr id="3" name="Content Placeholder 2">
+            <a:extLst>
+              <a:ext uri="{FF2B5EF4-FFF2-40B4-BE49-F238E27FC236}">
+                <a16:creationId xmlns:a16="http://schemas.microsoft.com/office/drawing/2014/main" id="{854395FD-DD91-4752-93BF-378E29766E93}"/>
+              </a:ext>
+            </a:extLst>
+          </p:cNvPr>
+          <p:cNvSpPr>
+            <a:spLocks noGrp="1"/>
+          </p:cNvSpPr>
+          <p:nvPr>
+            <p:ph idx="1"/>
+          </p:nvPr>
+        </p:nvSpPr>
+        <p:spPr>
+          <a:xfrm>
+            <a:off x="648931" y="2438400"/>
+            <a:ext cx="3505494" cy="3785419"/>
+          </a:xfrm>
+        </p:spPr>
+        <p:txBody>
+          <a:bodyPr>
+            <a:normAutofit/>
+          </a:bodyPr>
+          <a:lstStyle/>
+          <a:p>
+            <a:pPr marL="0" indent="0">
+              <a:buNone/>
+            </a:pPr>
+            <a:r>
+              <a:rPr lang="en-US" altLang="zh-TW" sz="2000"/>
+              <a:t>https://peterju.gitbooks.io/cmddoc/content/chapter1.html</a:t>
+            </a:r>
+            <a:endParaRPr lang="zh-TW" altLang="en-US" sz="2000"/>
+          </a:p>
+        </p:txBody>
+      </p:sp>
+      <p:sp>
+        <p:nvSpPr>
+          <p:cNvPr id="10" name="Rectangle 9">
+            <a:extLst>
+              <a:ext uri="{FF2B5EF4-FFF2-40B4-BE49-F238E27FC236}">
+                <a16:creationId xmlns:a16="http://schemas.microsoft.com/office/drawing/2014/main" id="{5E39A796-BE83-48B1-B33F-35C4A32AAB57}"/>
+              </a:ext>
+              <a:ext uri="{C183D7F6-B498-43B3-948B-1728B52AA6E4}">
+                <adec:decorative xmlns:adec="http://schemas.microsoft.com/office/drawing/2017/decorative" val="1"/>
+              </a:ext>
+            </a:extLst>
+          </p:cNvPr>
+          <p:cNvSpPr>
+            <a:spLocks noGrp="1" noRot="1" noChangeAspect="1" noMove="1" noResize="1" noEditPoints="1" noAdjustHandles="1" noChangeArrowheads="1" noChangeShapeType="1" noTextEdit="1"/>
+          </p:cNvSpPr>
+          <p:nvPr>
+            <p:extLst>
+              <p:ext uri="{386F3935-93C4-4BCD-93E2-E3B085C9AB24}">
+                <p16:designElem xmlns:p16="http://schemas.microsoft.com/office/powerpoint/2015/main" val="1"/>
+              </p:ext>
+            </p:extLst>
+          </p:nvPr>
+        </p:nvSpPr>
+        <p:spPr>
+          <a:xfrm>
+            <a:off x="4639056" y="0"/>
+            <a:ext cx="7552944" cy="6858000"/>
+          </a:xfrm>
+          <a:prstGeom prst="rect">
+            <a:avLst/>
+          </a:prstGeom>
+          <a:solidFill>
+            <a:srgbClr val="C8CACA"/>
+          </a:solidFill>
+          <a:ln>
+            <a:noFill/>
+          </a:ln>
+        </p:spPr>
+        <p:style>
+          <a:lnRef idx="2">
+            <a:schemeClr val="accent1">
+              <a:shade val="50000"/>
+            </a:schemeClr>
+          </a:lnRef>
+          <a:fillRef idx="1">
+            <a:schemeClr val="accent1"/>
+          </a:fillRef>
+          <a:effectRef idx="0">
+            <a:schemeClr val="accent1"/>
+          </a:effectRef>
+          <a:fontRef idx="minor">
+            <a:schemeClr val="lt1"/>
+          </a:fontRef>
+        </p:style>
+        <p:txBody>
+          <a:bodyPr rtlCol="0" anchor="ctr"/>
+          <a:lstStyle/>
+          <a:p>
+            <a:pPr algn="ctr"/>
+            <a:endParaRPr lang="en-US"/>
+          </a:p>
+        </p:txBody>
+      </p:sp>
+      <p:sp>
+        <p:nvSpPr>
+          <p:cNvPr id="12" name="Rounded Rectangle 9">
+            <a:extLst>
+              <a:ext uri="{FF2B5EF4-FFF2-40B4-BE49-F238E27FC236}">
+                <a16:creationId xmlns:a16="http://schemas.microsoft.com/office/drawing/2014/main" id="{72F84B47-E267-4194-8194-831DB7B5547F}"/>
+              </a:ext>
+              <a:ext uri="{C183D7F6-B498-43B3-948B-1728B52AA6E4}">
+                <adec:decorative xmlns:adec="http://schemas.microsoft.com/office/drawing/2017/decorative" val="1"/>
+              </a:ext>
+            </a:extLst>
+          </p:cNvPr>
+          <p:cNvSpPr>
+            <a:spLocks noGrp="1" noRot="1" noChangeAspect="1" noMove="1" noResize="1" noEditPoints="1" noAdjustHandles="1" noChangeArrowheads="1" noChangeShapeType="1" noTextEdit="1"/>
+          </p:cNvSpPr>
+          <p:nvPr>
+            <p:extLst>
+              <p:ext uri="{386F3935-93C4-4BCD-93E2-E3B085C9AB24}">
+                <p16:designElem xmlns:p16="http://schemas.microsoft.com/office/powerpoint/2015/main" val="1"/>
+              </p:ext>
+            </p:extLst>
+          </p:nvPr>
+        </p:nvSpPr>
+        <p:spPr>
+          <a:xfrm>
+            <a:off x="5123688" y="557784"/>
+            <a:ext cx="6584098" cy="5739187"/>
+          </a:xfrm>
+          <a:prstGeom prst="roundRect">
+            <a:avLst>
+              <a:gd name="adj" fmla="val 0"/>
+            </a:avLst>
+          </a:prstGeom>
+          <a:solidFill>
+            <a:srgbClr val="FFFFFF"/>
+          </a:solidFill>
+          <a:ln w="9525">
+            <a:solidFill>
+              <a:srgbClr val="C8CACA"/>
+            </a:solidFill>
+          </a:ln>
+          <a:effectLst>
+            <a:outerShdw blurRad="57150" dist="19050" dir="5400000" algn="t" rotWithShape="0">
+              <a:prstClr val="black">
+                <a:alpha val="63000"/>
+              </a:prstClr>
+            </a:outerShdw>
+          </a:effectLst>
+        </p:spPr>
+        <p:style>
+          <a:lnRef idx="2">
+            <a:schemeClr val="accent1">
+              <a:shade val="50000"/>
+            </a:schemeClr>
+          </a:lnRef>
+          <a:fillRef idx="1">
+            <a:schemeClr val="accent1"/>
+          </a:fillRef>
+          <a:effectRef idx="0">
+            <a:schemeClr val="accent1"/>
+          </a:effectRef>
+          <a:fontRef idx="minor">
+            <a:schemeClr val="lt1"/>
+          </a:fontRef>
+        </p:style>
+        <p:txBody>
+          <a:bodyPr rtlCol="0" anchor="ctr"/>
+          <a:lstStyle/>
+          <a:p>
+            <a:pPr algn="ctr"/>
+            <a:endParaRPr lang="en-US"/>
+          </a:p>
+        </p:txBody>
+      </p:sp>
+      <p:pic>
+        <p:nvPicPr>
+          <p:cNvPr id="5" name="Picture 4" descr="Text&#10;&#10;Description automatically generated">
+            <a:hlinkClick r:id="rId2"/>
+            <a:extLst>
+              <a:ext uri="{FF2B5EF4-FFF2-40B4-BE49-F238E27FC236}">
+                <a16:creationId xmlns:a16="http://schemas.microsoft.com/office/drawing/2014/main" id="{5DFCD65C-EDB9-4DF4-BB8E-DDCBB3EE1AEF}"/>
+              </a:ext>
+            </a:extLst>
+          </p:cNvPr>
+          <p:cNvPicPr>
+            <a:picLocks noChangeAspect="1"/>
+          </p:cNvPicPr>
+          <p:nvPr/>
+        </p:nvPicPr>
+        <p:blipFill>
+          <a:blip r:embed="rId3"/>
+          <a:stretch>
+            <a:fillRect/>
+          </a:stretch>
+        </p:blipFill>
+        <p:spPr>
+          <a:xfrm>
+            <a:off x="6149414" y="807593"/>
+            <a:ext cx="4532226" cy="5239568"/>
+          </a:xfrm>
+          <a:prstGeom prst="rect">
+            <a:avLst/>
+          </a:prstGeom>
+          <a:effectLst/>
+        </p:spPr>
+      </p:pic>
+    </p:spTree>
+    <p:extLst>
+      <p:ext uri="{BB962C8B-B14F-4D97-AF65-F5344CB8AC3E}">
+        <p14:creationId xmlns:p14="http://schemas.microsoft.com/office/powerpoint/2010/main" val="1924382601"/>
       </p:ext>
     </p:extLst>
   </p:cSld>
@@ -3699,10 +5518,10 @@
       </p:grpSpPr>
       <p:sp>
         <p:nvSpPr>
-          <p:cNvPr id="2" name="標題 1">
-            <a:extLst>
-              <a:ext uri="{FF2B5EF4-FFF2-40B4-BE49-F238E27FC236}">
-                <a16:creationId xmlns:a16="http://schemas.microsoft.com/office/drawing/2014/main" id="{E3026082-C7C3-E3F9-55D5-F94FC002CF8E}"/>
+          <p:cNvPr id="2" name="Title 1">
+            <a:extLst>
+              <a:ext uri="{FF2B5EF4-FFF2-40B4-BE49-F238E27FC236}">
+                <a16:creationId xmlns:a16="http://schemas.microsoft.com/office/drawing/2014/main" id="{76ADA3CF-3008-482B-8930-776374A20577}"/>
               </a:ext>
             </a:extLst>
           </p:cNvPr>
@@ -3718,16 +5537,27 @@
           <a:bodyPr/>
           <a:lstStyle/>
           <a:p>
-            <a:endParaRPr lang="en-US" dirty="0"/>
-          </a:p>
-        </p:txBody>
-      </p:sp>
-      <p:sp>
-        <p:nvSpPr>
-          <p:cNvPr id="3" name="內容版面配置區 2">
-            <a:extLst>
-              <a:ext uri="{FF2B5EF4-FFF2-40B4-BE49-F238E27FC236}">
-                <a16:creationId xmlns:a16="http://schemas.microsoft.com/office/drawing/2014/main" id="{0E9E7172-44F2-5B8B-0D85-37A56F64592C}"/>
+            <a:r>
+              <a:rPr lang="zh-TW" altLang="en-US" dirty="0"/>
+              <a:t>採取</a:t>
+            </a:r>
+            <a:r>
+              <a:rPr lang="en-US" altLang="zh-TW" dirty="0"/>
+              <a:t>CT</a:t>
+            </a:r>
+            <a:r>
+              <a:rPr lang="zh-TW" altLang="en-US" dirty="0"/>
+              <a:t>的研究方法</a:t>
+            </a:r>
+          </a:p>
+        </p:txBody>
+      </p:sp>
+      <p:sp>
+        <p:nvSpPr>
+          <p:cNvPr id="3" name="Content Placeholder 2">
+            <a:extLst>
+              <a:ext uri="{FF2B5EF4-FFF2-40B4-BE49-F238E27FC236}">
+                <a16:creationId xmlns:a16="http://schemas.microsoft.com/office/drawing/2014/main" id="{FA3EC092-B9A6-437B-B854-3EE917E1B9E9}"/>
               </a:ext>
             </a:extLst>
           </p:cNvPr>
@@ -3743,14 +5573,14 @@
           <a:bodyPr/>
           <a:lstStyle/>
           <a:p>
-            <a:endParaRPr lang="en-US"/>
+            <a:endParaRPr lang="zh-TW" altLang="en-US"/>
           </a:p>
         </p:txBody>
       </p:sp>
     </p:spTree>
     <p:extLst>
       <p:ext uri="{BB962C8B-B14F-4D97-AF65-F5344CB8AC3E}">
-        <p14:creationId xmlns:p14="http://schemas.microsoft.com/office/powerpoint/2010/main" val="1225802447"/>
+        <p14:creationId xmlns:p14="http://schemas.microsoft.com/office/powerpoint/2010/main" val="436644529"/>
       </p:ext>
     </p:extLst>
   </p:cSld>
@@ -3763,6 +5593,14 @@
 <file path=ppt/slides/slide3.xml><?xml version="1.0" encoding="utf-8"?>
 <p:sld xmlns:a="http://schemas.openxmlformats.org/drawingml/2006/main" xmlns:r="http://schemas.openxmlformats.org/officeDocument/2006/relationships" xmlns:p="http://schemas.openxmlformats.org/presentationml/2006/main">
   <p:cSld>
+    <p:bg>
+      <p:bgPr>
+        <a:solidFill>
+          <a:schemeClr val="bg1"/>
+        </a:solidFill>
+        <a:effectLst/>
+      </p:bgPr>
+    </p:bg>
     <p:spTree>
       <p:nvGrpSpPr>
         <p:cNvPr id="1" name=""/>
@@ -3779,58 +5617,194 @@
       </p:grpSpPr>
       <p:sp>
         <p:nvSpPr>
-          <p:cNvPr id="2" name="標題 1">
-            <a:extLst>
-              <a:ext uri="{FF2B5EF4-FFF2-40B4-BE49-F238E27FC236}">
-                <a16:creationId xmlns:a16="http://schemas.microsoft.com/office/drawing/2014/main" id="{05720590-B825-F7C3-2A35-31B762ED20E1}"/>
-              </a:ext>
-            </a:extLst>
-          </p:cNvPr>
-          <p:cNvSpPr>
-            <a:spLocks noGrp="1"/>
-          </p:cNvSpPr>
-          <p:nvPr>
-            <p:ph type="title"/>
-          </p:nvPr>
-        </p:nvSpPr>
-        <p:spPr/>
-        <p:txBody>
-          <a:bodyPr/>
-          <a:lstStyle/>
-          <a:p>
+          <p:cNvPr id="10" name="Rectangle 9">
+            <a:extLst>
+              <a:ext uri="{FF2B5EF4-FFF2-40B4-BE49-F238E27FC236}">
+                <a16:creationId xmlns:a16="http://schemas.microsoft.com/office/drawing/2014/main" id="{42A4FC2C-047E-45A5-965D-8E1E3BF09BC6}"/>
+              </a:ext>
+              <a:ext uri="{C183D7F6-B498-43B3-948B-1728B52AA6E4}">
+                <adec:decorative xmlns:adec="http://schemas.microsoft.com/office/drawing/2017/decorative" val="1"/>
+              </a:ext>
+            </a:extLst>
+          </p:cNvPr>
+          <p:cNvSpPr>
+            <a:spLocks noGrp="1" noRot="1" noChangeAspect="1" noMove="1" noResize="1" noEditPoints="1" noAdjustHandles="1" noChangeArrowheads="1" noChangeShapeType="1" noTextEdit="1"/>
+          </p:cNvSpPr>
+          <p:nvPr>
+            <p:extLst>
+              <p:ext uri="{386F3935-93C4-4BCD-93E2-E3B085C9AB24}">
+                <p16:designElem xmlns:p16="http://schemas.microsoft.com/office/powerpoint/2015/main" val="1"/>
+              </p:ext>
+            </p:extLst>
+          </p:nvPr>
+        </p:nvSpPr>
+        <p:spPr bwMode="white">
+          <a:xfrm>
+            <a:off x="1524" y="0"/>
+            <a:ext cx="12188952" cy="6858000"/>
+          </a:xfrm>
+          <a:prstGeom prst="rect">
+            <a:avLst/>
+          </a:prstGeom>
+          <a:noFill/>
+          <a:ln>
+            <a:noFill/>
+          </a:ln>
+        </p:spPr>
+        <p:style>
+          <a:lnRef idx="2">
+            <a:schemeClr val="accent1">
+              <a:shade val="50000"/>
+            </a:schemeClr>
+          </a:lnRef>
+          <a:fillRef idx="1">
+            <a:schemeClr val="accent1"/>
+          </a:fillRef>
+          <a:effectRef idx="0">
+            <a:schemeClr val="accent1"/>
+          </a:effectRef>
+          <a:fontRef idx="minor">
+            <a:schemeClr val="lt1"/>
+          </a:fontRef>
+        </p:style>
+        <p:txBody>
+          <a:bodyPr rtlCol="0" anchor="ctr"/>
+          <a:lstStyle>
+            <a:defPPr>
+              <a:defRPr lang="en-US"/>
+            </a:defPPr>
+            <a:lvl1pPr marL="0" algn="l" defTabSz="914400" rtl="0" eaLnBrk="1" latinLnBrk="0" hangingPunct="1">
+              <a:defRPr sz="1800" kern="1200">
+                <a:solidFill>
+                  <a:schemeClr val="lt1"/>
+                </a:solidFill>
+                <a:latin typeface="+mn-lt"/>
+                <a:ea typeface="+mn-ea"/>
+                <a:cs typeface="+mn-cs"/>
+              </a:defRPr>
+            </a:lvl1pPr>
+            <a:lvl2pPr marL="457200" algn="l" defTabSz="914400" rtl="0" eaLnBrk="1" latinLnBrk="0" hangingPunct="1">
+              <a:defRPr sz="1800" kern="1200">
+                <a:solidFill>
+                  <a:schemeClr val="lt1"/>
+                </a:solidFill>
+                <a:latin typeface="+mn-lt"/>
+                <a:ea typeface="+mn-ea"/>
+                <a:cs typeface="+mn-cs"/>
+              </a:defRPr>
+            </a:lvl2pPr>
+            <a:lvl3pPr marL="914400" algn="l" defTabSz="914400" rtl="0" eaLnBrk="1" latinLnBrk="0" hangingPunct="1">
+              <a:defRPr sz="1800" kern="1200">
+                <a:solidFill>
+                  <a:schemeClr val="lt1"/>
+                </a:solidFill>
+                <a:latin typeface="+mn-lt"/>
+                <a:ea typeface="+mn-ea"/>
+                <a:cs typeface="+mn-cs"/>
+              </a:defRPr>
+            </a:lvl3pPr>
+            <a:lvl4pPr marL="1371600" algn="l" defTabSz="914400" rtl="0" eaLnBrk="1" latinLnBrk="0" hangingPunct="1">
+              <a:defRPr sz="1800" kern="1200">
+                <a:solidFill>
+                  <a:schemeClr val="lt1"/>
+                </a:solidFill>
+                <a:latin typeface="+mn-lt"/>
+                <a:ea typeface="+mn-ea"/>
+                <a:cs typeface="+mn-cs"/>
+              </a:defRPr>
+            </a:lvl4pPr>
+            <a:lvl5pPr marL="1828800" algn="l" defTabSz="914400" rtl="0" eaLnBrk="1" latinLnBrk="0" hangingPunct="1">
+              <a:defRPr sz="1800" kern="1200">
+                <a:solidFill>
+                  <a:schemeClr val="lt1"/>
+                </a:solidFill>
+                <a:latin typeface="+mn-lt"/>
+                <a:ea typeface="+mn-ea"/>
+                <a:cs typeface="+mn-cs"/>
+              </a:defRPr>
+            </a:lvl5pPr>
+            <a:lvl6pPr marL="2286000" algn="l" defTabSz="914400" rtl="0" eaLnBrk="1" latinLnBrk="0" hangingPunct="1">
+              <a:defRPr sz="1800" kern="1200">
+                <a:solidFill>
+                  <a:schemeClr val="lt1"/>
+                </a:solidFill>
+                <a:latin typeface="+mn-lt"/>
+                <a:ea typeface="+mn-ea"/>
+                <a:cs typeface="+mn-cs"/>
+              </a:defRPr>
+            </a:lvl6pPr>
+            <a:lvl7pPr marL="2743200" algn="l" defTabSz="914400" rtl="0" eaLnBrk="1" latinLnBrk="0" hangingPunct="1">
+              <a:defRPr sz="1800" kern="1200">
+                <a:solidFill>
+                  <a:schemeClr val="lt1"/>
+                </a:solidFill>
+                <a:latin typeface="+mn-lt"/>
+                <a:ea typeface="+mn-ea"/>
+                <a:cs typeface="+mn-cs"/>
+              </a:defRPr>
+            </a:lvl7pPr>
+            <a:lvl8pPr marL="3200400" algn="l" defTabSz="914400" rtl="0" eaLnBrk="1" latinLnBrk="0" hangingPunct="1">
+              <a:defRPr sz="1800" kern="1200">
+                <a:solidFill>
+                  <a:schemeClr val="lt1"/>
+                </a:solidFill>
+                <a:latin typeface="+mn-lt"/>
+                <a:ea typeface="+mn-ea"/>
+                <a:cs typeface="+mn-cs"/>
+              </a:defRPr>
+            </a:lvl8pPr>
+            <a:lvl9pPr marL="3657600" algn="l" defTabSz="914400" rtl="0" eaLnBrk="1" latinLnBrk="0" hangingPunct="1">
+              <a:defRPr sz="1800" kern="1200">
+                <a:solidFill>
+                  <a:schemeClr val="lt1"/>
+                </a:solidFill>
+                <a:latin typeface="+mn-lt"/>
+                <a:ea typeface="+mn-ea"/>
+                <a:cs typeface="+mn-cs"/>
+              </a:defRPr>
+            </a:lvl9pPr>
+          </a:lstStyle>
+          <a:p>
+            <a:pPr algn="ctr"/>
             <a:endParaRPr lang="en-US"/>
           </a:p>
         </p:txBody>
       </p:sp>
-      <p:sp>
-        <p:nvSpPr>
-          <p:cNvPr id="3" name="內容版面配置區 2">
-            <a:extLst>
-              <a:ext uri="{FF2B5EF4-FFF2-40B4-BE49-F238E27FC236}">
-                <a16:creationId xmlns:a16="http://schemas.microsoft.com/office/drawing/2014/main" id="{2D73D658-15B0-DEA1-8B4F-F93328AEA0E5}"/>
-              </a:ext>
-            </a:extLst>
-          </p:cNvPr>
-          <p:cNvSpPr>
-            <a:spLocks noGrp="1"/>
-          </p:cNvSpPr>
+      <p:pic>
+        <p:nvPicPr>
+          <p:cNvPr id="5" name="Content Placeholder 4">
+            <a:extLst>
+              <a:ext uri="{FF2B5EF4-FFF2-40B4-BE49-F238E27FC236}">
+                <a16:creationId xmlns:a16="http://schemas.microsoft.com/office/drawing/2014/main" id="{38DE9844-7B5B-4031-9A6B-F0E28D841397}"/>
+              </a:ext>
+            </a:extLst>
+          </p:cNvPr>
+          <p:cNvPicPr>
+            <a:picLocks noGrp="1" noChangeAspect="1"/>
+          </p:cNvPicPr>
           <p:nvPr>
             <p:ph idx="1"/>
           </p:nvPr>
-        </p:nvSpPr>
-        <p:spPr/>
-        <p:txBody>
-          <a:bodyPr/>
-          <a:lstStyle/>
-          <a:p>
-            <a:endParaRPr lang="en-US"/>
-          </a:p>
-        </p:txBody>
-      </p:sp>
+        </p:nvPicPr>
+        <p:blipFill rotWithShape="1">
+          <a:blip r:embed="rId2"/>
+          <a:srcRect t="2192"/>
+          <a:stretch/>
+        </p:blipFill>
+        <p:spPr>
+          <a:xfrm>
+            <a:off x="20" y="1282"/>
+            <a:ext cx="12191980" cy="6856718"/>
+          </a:xfrm>
+          <a:prstGeom prst="rect">
+            <a:avLst/>
+          </a:prstGeom>
+        </p:spPr>
+      </p:pic>
     </p:spTree>
     <p:extLst>
       <p:ext uri="{BB962C8B-B14F-4D97-AF65-F5344CB8AC3E}">
-        <p14:creationId xmlns:p14="http://schemas.microsoft.com/office/powerpoint/2010/main" val="2673526120"/>
+        <p14:creationId xmlns:p14="http://schemas.microsoft.com/office/powerpoint/2010/main" val="1262516862"/>
       </p:ext>
     </p:extLst>
   </p:cSld>
@@ -3859,88 +5833,115 @@
       </p:grpSpPr>
       <p:sp>
         <p:nvSpPr>
-          <p:cNvPr id="3" name="內容版面配置區 2">
-            <a:extLst>
-              <a:ext uri="{FF2B5EF4-FFF2-40B4-BE49-F238E27FC236}">
-                <a16:creationId xmlns:a16="http://schemas.microsoft.com/office/drawing/2014/main" id="{E6DCC1AB-A4BB-960D-8D4B-8A8C307D1B9B}"/>
-              </a:ext>
-            </a:extLst>
-          </p:cNvPr>
-          <p:cNvSpPr>
-            <a:spLocks noGrp="1"/>
-          </p:cNvSpPr>
-          <p:nvPr>
-            <p:ph idx="1"/>
-          </p:nvPr>
-        </p:nvSpPr>
-        <p:spPr>
-          <a:xfrm>
-            <a:off x="0" y="1035698"/>
-            <a:ext cx="12192000" cy="4917233"/>
-          </a:xfrm>
-        </p:spPr>
+          <p:cNvPr id="2" name="標題 1">
+            <a:extLst>
+              <a:ext uri="{FF2B5EF4-FFF2-40B4-BE49-F238E27FC236}">
+                <a16:creationId xmlns:a16="http://schemas.microsoft.com/office/drawing/2014/main" id="{E3026082-C7C3-E3F9-55D5-F94FC002CF8E}"/>
+              </a:ext>
+            </a:extLst>
+          </p:cNvPr>
+          <p:cNvSpPr>
+            <a:spLocks noGrp="1"/>
+          </p:cNvSpPr>
+          <p:nvPr>
+            <p:ph type="title"/>
+          </p:nvPr>
+        </p:nvSpPr>
+        <p:spPr/>
         <p:txBody>
           <a:bodyPr>
             <a:normAutofit/>
           </a:bodyPr>
           <a:lstStyle/>
           <a:p>
-            <a:pPr marL="0" indent="0">
-              <a:buNone/>
+            <a:r>
+              <a:rPr lang="en-US" altLang="zh-TW" sz="6000" dirty="0"/>
+              <a:t>FOR </a:t>
+            </a:r>
+            <a:r>
+              <a:rPr lang="zh-TW" altLang="en-US" sz="6000" dirty="0"/>
+              <a:t>迴圈的概念 </a:t>
+            </a:r>
+            <a:r>
+              <a:rPr lang="en-US" altLang="zh-TW" sz="6000" dirty="0"/>
+              <a:t>– </a:t>
+            </a:r>
+            <a:r>
+              <a:rPr lang="zh-TW" altLang="en-US" sz="6000" dirty="0"/>
+              <a:t>過去的經驗</a:t>
+            </a:r>
+            <a:endParaRPr lang="en-US" sz="6000" dirty="0"/>
+          </a:p>
+        </p:txBody>
+      </p:sp>
+      <p:sp>
+        <p:nvSpPr>
+          <p:cNvPr id="3" name="內容版面配置區 2">
+            <a:extLst>
+              <a:ext uri="{FF2B5EF4-FFF2-40B4-BE49-F238E27FC236}">
+                <a16:creationId xmlns:a16="http://schemas.microsoft.com/office/drawing/2014/main" id="{0E9E7172-44F2-5B8B-0D85-37A56F64592C}"/>
+              </a:ext>
+            </a:extLst>
+          </p:cNvPr>
+          <p:cNvSpPr>
+            <a:spLocks noGrp="1"/>
+          </p:cNvSpPr>
+          <p:nvPr>
+            <p:ph idx="1"/>
+          </p:nvPr>
+        </p:nvSpPr>
+        <p:spPr/>
+        <p:txBody>
+          <a:bodyPr anchor="ctr"/>
+          <a:lstStyle/>
+          <a:p>
+            <a:pPr marL="514350" indent="-514350">
+              <a:lnSpc>
+                <a:spcPct val="200000"/>
+              </a:lnSpc>
+              <a:buFont typeface="+mj-lt"/>
+              <a:buAutoNum type="arabicPeriod"/>
             </a:pPr>
             <a:r>
-              <a:rPr lang="en-US" sz="6000" spc="300" dirty="0"/>
-              <a:t>For   %%</a:t>
-            </a:r>
-            <a:r>
-              <a:rPr lang="en-US" sz="6000" spc="300" dirty="0" err="1"/>
-              <a:t>i</a:t>
-            </a:r>
-            <a:r>
-              <a:rPr lang="en-US" sz="6000" spc="300" dirty="0"/>
-              <a:t>   in   (     )   DO</a:t>
-            </a:r>
-            <a:r>
-              <a:rPr lang="en-US" sz="2400" spc="300" dirty="0"/>
-              <a:t>   command </a:t>
-            </a:r>
-          </a:p>
-        </p:txBody>
-      </p:sp>
-      <p:pic>
-        <p:nvPicPr>
-          <p:cNvPr id="5" name="圖片 4">
-            <a:extLst>
-              <a:ext uri="{FF2B5EF4-FFF2-40B4-BE49-F238E27FC236}">
-                <a16:creationId xmlns:a16="http://schemas.microsoft.com/office/drawing/2014/main" id="{82E101B3-58E7-8A14-E29C-F15BEEAA0C74}"/>
-              </a:ext>
-            </a:extLst>
-          </p:cNvPr>
-          <p:cNvPicPr>
-            <a:picLocks noChangeAspect="1"/>
-          </p:cNvPicPr>
-          <p:nvPr/>
-        </p:nvPicPr>
-        <p:blipFill>
-          <a:blip r:embed="rId2"/>
-          <a:stretch>
-            <a:fillRect/>
-          </a:stretch>
-        </p:blipFill>
-        <p:spPr>
-          <a:xfrm>
-            <a:off x="6096000" y="2724539"/>
-            <a:ext cx="3409950" cy="3657600"/>
-          </a:xfrm>
-          <a:prstGeom prst="rect">
-            <a:avLst/>
-          </a:prstGeom>
-        </p:spPr>
-      </p:pic>
+              <a:rPr lang="zh-TW" altLang="en-US" sz="6000" dirty="0"/>
+              <a:t>計數 </a:t>
+            </a:r>
+            <a:r>
+              <a:rPr lang="en-US" altLang="zh-TW" sz="6000" dirty="0"/>
+              <a:t>(0~</a:t>
+            </a:r>
+            <a:r>
+              <a:rPr lang="zh-TW" altLang="en-US" sz="6000" dirty="0"/>
+              <a:t>有限次數</a:t>
+            </a:r>
+            <a:r>
+              <a:rPr lang="en-US" altLang="zh-TW" sz="6000" dirty="0"/>
+              <a:t>)</a:t>
+            </a:r>
+          </a:p>
+          <a:p>
+            <a:pPr marL="514350" indent="-514350">
+              <a:lnSpc>
+                <a:spcPct val="200000"/>
+              </a:lnSpc>
+              <a:buFont typeface="+mj-lt"/>
+              <a:buAutoNum type="arabicPeriod"/>
+            </a:pPr>
+            <a:r>
+              <a:rPr lang="zh-TW" altLang="en-US" sz="6000" dirty="0"/>
+              <a:t>重複做</a:t>
+            </a:r>
+            <a:endParaRPr lang="en-US" altLang="zh-TW" sz="6000" dirty="0"/>
+          </a:p>
+          <a:p>
+            <a:endParaRPr lang="en-US" dirty="0"/>
+          </a:p>
+        </p:txBody>
+      </p:sp>
     </p:spTree>
     <p:extLst>
       <p:ext uri="{BB962C8B-B14F-4D97-AF65-F5344CB8AC3E}">
-        <p14:creationId xmlns:p14="http://schemas.microsoft.com/office/powerpoint/2010/main" val="2590666217"/>
+        <p14:creationId xmlns:p14="http://schemas.microsoft.com/office/powerpoint/2010/main" val="1225802447"/>
       </p:ext>
     </p:extLst>
   </p:cSld>
@@ -3969,10 +5970,10 @@
       </p:grpSpPr>
       <p:sp>
         <p:nvSpPr>
-          <p:cNvPr id="2" name="標題 1">
-            <a:extLst>
-              <a:ext uri="{FF2B5EF4-FFF2-40B4-BE49-F238E27FC236}">
-                <a16:creationId xmlns:a16="http://schemas.microsoft.com/office/drawing/2014/main" id="{BA7D7DEB-EF68-27FD-28D0-05C6F642ED81}"/>
+          <p:cNvPr id="2" name="Title 1">
+            <a:extLst>
+              <a:ext uri="{FF2B5EF4-FFF2-40B4-BE49-F238E27FC236}">
+                <a16:creationId xmlns:a16="http://schemas.microsoft.com/office/drawing/2014/main" id="{707A1C29-8A91-4DEC-83AD-FDD5BA740E72}"/>
               </a:ext>
             </a:extLst>
           </p:cNvPr>
@@ -3985,19 +5986,36 @@
         </p:nvSpPr>
         <p:spPr/>
         <p:txBody>
-          <a:bodyPr/>
-          <a:lstStyle/>
-          <a:p>
-            <a:endParaRPr lang="en-US"/>
-          </a:p>
-        </p:txBody>
-      </p:sp>
-      <p:sp>
-        <p:nvSpPr>
-          <p:cNvPr id="3" name="內容版面配置區 2">
-            <a:extLst>
-              <a:ext uri="{FF2B5EF4-FFF2-40B4-BE49-F238E27FC236}">
-                <a16:creationId xmlns:a16="http://schemas.microsoft.com/office/drawing/2014/main" id="{C7A555D6-332A-7EE6-EAC9-7E41F50538EA}"/>
+          <a:bodyPr>
+            <a:normAutofit/>
+          </a:bodyPr>
+          <a:lstStyle/>
+          <a:p>
+            <a:r>
+              <a:rPr lang="en-US" altLang="zh-TW" sz="6000" dirty="0"/>
+              <a:t>Abstraction</a:t>
+            </a:r>
+            <a:r>
+              <a:rPr lang="zh-TW" altLang="en-US" sz="6000" dirty="0"/>
+              <a:t> </a:t>
+            </a:r>
+            <a:r>
+              <a:rPr lang="en-US" altLang="zh-TW" sz="6000" dirty="0"/>
+              <a:t>– </a:t>
+            </a:r>
+            <a:r>
+              <a:rPr lang="zh-TW" altLang="en-US" sz="6000" dirty="0"/>
+              <a:t>抽象</a:t>
+            </a:r>
+          </a:p>
+        </p:txBody>
+      </p:sp>
+      <p:sp>
+        <p:nvSpPr>
+          <p:cNvPr id="3" name="Content Placeholder 2">
+            <a:extLst>
+              <a:ext uri="{FF2B5EF4-FFF2-40B4-BE49-F238E27FC236}">
+                <a16:creationId xmlns:a16="http://schemas.microsoft.com/office/drawing/2014/main" id="{42247116-73CA-4F7A-BFF9-B34B1660C4A7}"/>
               </a:ext>
             </a:extLst>
           </p:cNvPr>
@@ -4010,17 +6028,111 @@
         </p:nvSpPr>
         <p:spPr/>
         <p:txBody>
-          <a:bodyPr/>
-          <a:lstStyle/>
-          <a:p>
-            <a:endParaRPr lang="en-US"/>
+          <a:bodyPr>
+            <a:normAutofit/>
+          </a:bodyPr>
+          <a:lstStyle/>
+          <a:p>
+            <a:pPr marL="0" indent="0">
+              <a:lnSpc>
+                <a:spcPct val="150000"/>
+              </a:lnSpc>
+              <a:buNone/>
+            </a:pPr>
+            <a:r>
+              <a:rPr lang="zh-TW" altLang="en-US" sz="6000" dirty="0"/>
+              <a:t>從一個</a:t>
+            </a:r>
+            <a:r>
+              <a:rPr lang="zh-TW" altLang="en-US" sz="6000" dirty="0">
+                <a:highlight>
+                  <a:srgbClr val="FF0000"/>
+                </a:highlight>
+              </a:rPr>
+              <a:t>集合</a:t>
+            </a:r>
+            <a:r>
+              <a:rPr lang="zh-TW" altLang="en-US" sz="6000" dirty="0"/>
+              <a:t>裡面，</a:t>
+            </a:r>
+            <a:r>
+              <a:rPr lang="zh-TW" altLang="en-US" sz="6000" dirty="0">
+                <a:solidFill>
+                  <a:srgbClr val="FF0000"/>
+                </a:solidFill>
+              </a:rPr>
+              <a:t>遍歷</a:t>
+            </a:r>
+            <a:r>
+              <a:rPr lang="zh-TW" altLang="en-US" sz="6000" dirty="0"/>
+              <a:t>每一個對象，然後去</a:t>
+            </a:r>
+            <a:r>
+              <a:rPr lang="zh-TW" altLang="en-US" sz="6000" dirty="0">
+                <a:solidFill>
+                  <a:schemeClr val="bg1"/>
+                </a:solidFill>
+                <a:highlight>
+                  <a:srgbClr val="008000"/>
+                </a:highlight>
+              </a:rPr>
+              <a:t>做一</a:t>
+            </a:r>
+            <a:r>
+              <a:rPr lang="en-US" altLang="zh-TW" sz="6000" dirty="0">
+                <a:solidFill>
+                  <a:schemeClr val="bg1"/>
+                </a:solidFill>
+                <a:highlight>
+                  <a:srgbClr val="008000"/>
+                </a:highlight>
+              </a:rPr>
+              <a:t>(</a:t>
+            </a:r>
+            <a:r>
+              <a:rPr lang="zh-TW" altLang="en-US" sz="6000" dirty="0">
+                <a:solidFill>
+                  <a:schemeClr val="bg1"/>
+                </a:solidFill>
+                <a:highlight>
+                  <a:srgbClr val="008000"/>
+                </a:highlight>
+              </a:rPr>
+              <a:t>些</a:t>
+            </a:r>
+            <a:r>
+              <a:rPr lang="en-US" altLang="zh-TW" sz="6000" dirty="0">
+                <a:solidFill>
+                  <a:schemeClr val="bg1"/>
+                </a:solidFill>
+                <a:highlight>
+                  <a:srgbClr val="008000"/>
+                </a:highlight>
+              </a:rPr>
+              <a:t>)</a:t>
+            </a:r>
+            <a:r>
+              <a:rPr lang="zh-TW" altLang="en-US" sz="6000" dirty="0">
+                <a:solidFill>
+                  <a:schemeClr val="bg1"/>
+                </a:solidFill>
+                <a:highlight>
+                  <a:srgbClr val="008000"/>
+                </a:highlight>
+              </a:rPr>
+              <a:t>事情</a:t>
+            </a:r>
+            <a:r>
+              <a:rPr lang="zh-TW" altLang="en-US" sz="6000" dirty="0"/>
+              <a:t>。</a:t>
+            </a:r>
           </a:p>
         </p:txBody>
       </p:sp>
     </p:spTree>
     <p:extLst>
       <p:ext uri="{BB962C8B-B14F-4D97-AF65-F5344CB8AC3E}">
-        <p14:creationId xmlns:p14="http://schemas.microsoft.com/office/powerpoint/2010/main" val="1459784746"/>
+        <p14:creationId xmlns:p14="http://schemas.microsoft.com/office/powerpoint/2010/main" val="3895795910"/>
       </p:ext>
     </p:extLst>
   </p:cSld>
@@ -4049,35 +6161,10 @@
       </p:grpSpPr>
       <p:sp>
         <p:nvSpPr>
-          <p:cNvPr id="2" name="標題 1">
-            <a:extLst>
-              <a:ext uri="{FF2B5EF4-FFF2-40B4-BE49-F238E27FC236}">
-                <a16:creationId xmlns:a16="http://schemas.microsoft.com/office/drawing/2014/main" id="{54C99F97-735C-B2BD-563D-919DE41D0D11}"/>
-              </a:ext>
-            </a:extLst>
-          </p:cNvPr>
-          <p:cNvSpPr>
-            <a:spLocks noGrp="1"/>
-          </p:cNvSpPr>
-          <p:nvPr>
-            <p:ph type="title"/>
-          </p:nvPr>
-        </p:nvSpPr>
-        <p:spPr/>
-        <p:txBody>
-          <a:bodyPr/>
-          <a:lstStyle/>
-          <a:p>
-            <a:endParaRPr lang="en-US"/>
-          </a:p>
-        </p:txBody>
-      </p:sp>
-      <p:sp>
-        <p:nvSpPr>
           <p:cNvPr id="3" name="內容版面配置區 2">
             <a:extLst>
               <a:ext uri="{FF2B5EF4-FFF2-40B4-BE49-F238E27FC236}">
-                <a16:creationId xmlns:a16="http://schemas.microsoft.com/office/drawing/2014/main" id="{81EF733D-4FDA-DBCE-9A4A-2A32DCAEEEB6}"/>
+                <a16:creationId xmlns:a16="http://schemas.microsoft.com/office/drawing/2014/main" id="{E6DCC1AB-A4BB-960D-8D4B-8A8C307D1B9B}"/>
               </a:ext>
             </a:extLst>
           </p:cNvPr>
@@ -4088,19 +6175,125 @@
             <p:ph idx="1"/>
           </p:nvPr>
         </p:nvSpPr>
-        <p:spPr/>
-        <p:txBody>
-          <a:bodyPr/>
-          <a:lstStyle/>
-          <a:p>
-            <a:endParaRPr lang="en-US"/>
-          </a:p>
-        </p:txBody>
-      </p:sp>
+        <p:spPr>
+          <a:xfrm>
+            <a:off x="0" y="1035698"/>
+            <a:ext cx="12192000" cy="4917233"/>
+          </a:xfrm>
+        </p:spPr>
+        <p:txBody>
+          <a:bodyPr>
+            <a:normAutofit/>
+          </a:bodyPr>
+          <a:lstStyle/>
+          <a:p>
+            <a:pPr marL="0" indent="0">
+              <a:buNone/>
+            </a:pPr>
+            <a:r>
+              <a:rPr lang="en-US" sz="6000" spc="300" dirty="0"/>
+              <a:t>F</a:t>
+            </a:r>
+            <a:r>
+              <a:rPr lang="en-US" altLang="zh-TW" sz="6000" spc="300" dirty="0"/>
+              <a:t>OR</a:t>
+            </a:r>
+            <a:r>
+              <a:rPr lang="en-US" sz="6000" spc="300" dirty="0"/>
+              <a:t>   </a:t>
+            </a:r>
+            <a:r>
+              <a:rPr lang="en-US" sz="6000" spc="300" dirty="0">
+                <a:solidFill>
+                  <a:srgbClr val="FF0000"/>
+                </a:solidFill>
+              </a:rPr>
+              <a:t>%%x   </a:t>
+            </a:r>
+            <a:r>
+              <a:rPr lang="en-US" altLang="zh-TW" sz="6000" spc="300" dirty="0"/>
+              <a:t>IN</a:t>
+            </a:r>
+            <a:r>
+              <a:rPr lang="en-US" sz="6000" spc="300" dirty="0"/>
+              <a:t>   (</a:t>
+            </a:r>
+            <a:r>
+              <a:rPr lang="zh-TW" altLang="en-US" sz="6000" dirty="0">
+                <a:highlight>
+                  <a:srgbClr val="FF0000"/>
+                </a:highlight>
+              </a:rPr>
+              <a:t>集合</a:t>
+            </a:r>
+            <a:r>
+              <a:rPr lang="en-US" sz="6000" spc="300" dirty="0"/>
+              <a:t>)   D</a:t>
+            </a:r>
+            <a:r>
+              <a:rPr lang="en-US" altLang="zh-TW" sz="6000" spc="300" dirty="0"/>
+              <a:t>O</a:t>
+            </a:r>
+            <a:r>
+              <a:rPr lang="en-US" sz="2400" spc="300" dirty="0"/>
+              <a:t>  </a:t>
+            </a:r>
+            <a:r>
+              <a:rPr lang="en-US" sz="2400" spc="300" dirty="0">
+                <a:solidFill>
+                  <a:schemeClr val="bg1"/>
+                </a:solidFill>
+                <a:highlight>
+                  <a:srgbClr val="008000"/>
+                </a:highlight>
+              </a:rPr>
+              <a:t>command f(x)</a:t>
+            </a:r>
+            <a:r>
+              <a:rPr lang="en-US" sz="2400" spc="300" dirty="0">
+                <a:solidFill>
+                  <a:schemeClr val="bg1"/>
+                </a:solidFill>
+              </a:rPr>
+              <a:t> </a:t>
+            </a:r>
+          </a:p>
+        </p:txBody>
+      </p:sp>
+      <p:pic>
+        <p:nvPicPr>
+          <p:cNvPr id="5" name="圖片 4">
+            <a:extLst>
+              <a:ext uri="{FF2B5EF4-FFF2-40B4-BE49-F238E27FC236}">
+                <a16:creationId xmlns:a16="http://schemas.microsoft.com/office/drawing/2014/main" id="{82E101B3-58E7-8A14-E29C-F15BEEAA0C74}"/>
+              </a:ext>
+            </a:extLst>
+          </p:cNvPr>
+          <p:cNvPicPr>
+            <a:picLocks noChangeAspect="1"/>
+          </p:cNvPicPr>
+          <p:nvPr/>
+        </p:nvPicPr>
+        <p:blipFill>
+          <a:blip r:embed="rId2"/>
+          <a:stretch>
+            <a:fillRect/>
+          </a:stretch>
+        </p:blipFill>
+        <p:spPr>
+          <a:xfrm>
+            <a:off x="3856234" y="2295331"/>
+            <a:ext cx="3409950" cy="3657600"/>
+          </a:xfrm>
+          <a:prstGeom prst="rect">
+            <a:avLst/>
+          </a:prstGeom>
+        </p:spPr>
+      </p:pic>
     </p:spTree>
     <p:extLst>
       <p:ext uri="{BB962C8B-B14F-4D97-AF65-F5344CB8AC3E}">
-        <p14:creationId xmlns:p14="http://schemas.microsoft.com/office/powerpoint/2010/main" val="1210002003"/>
+        <p14:creationId xmlns:p14="http://schemas.microsoft.com/office/powerpoint/2010/main" val="2590666217"/>
       </p:ext>
     </p:extLst>
   </p:cSld>
@@ -4129,1118 +6322,154 @@
       </p:grpSpPr>
       <p:sp>
         <p:nvSpPr>
-          <p:cNvPr id="4" name="Rectangle 1">
-            <a:extLst>
-              <a:ext uri="{FF2B5EF4-FFF2-40B4-BE49-F238E27FC236}">
-                <a16:creationId xmlns:a16="http://schemas.microsoft.com/office/drawing/2014/main" id="{8DC30A72-E884-696C-185F-743DB2CED34C}"/>
-              </a:ext>
-            </a:extLst>
-          </p:cNvPr>
-          <p:cNvSpPr>
-            <a:spLocks noGrp="1" noChangeArrowheads="1"/>
+          <p:cNvPr id="2" name="標題 1">
+            <a:extLst>
+              <a:ext uri="{FF2B5EF4-FFF2-40B4-BE49-F238E27FC236}">
+                <a16:creationId xmlns:a16="http://schemas.microsoft.com/office/drawing/2014/main" id="{05720590-B825-F7C3-2A35-31B762ED20E1}"/>
+              </a:ext>
+            </a:extLst>
+          </p:cNvPr>
+          <p:cNvSpPr>
+            <a:spLocks noGrp="1"/>
+          </p:cNvSpPr>
+          <p:nvPr>
+            <p:ph type="title"/>
+          </p:nvPr>
+        </p:nvSpPr>
+        <p:spPr/>
+        <p:txBody>
+          <a:bodyPr/>
+          <a:lstStyle/>
+          <a:p>
+            <a:r>
+              <a:rPr lang="zh-TW" altLang="en-US" sz="6000" dirty="0">
+                <a:highlight>
+                  <a:srgbClr val="FF0000"/>
+                </a:highlight>
+                <a:latin typeface="+mn-lt"/>
+                <a:ea typeface="+mn-ea"/>
+                <a:cs typeface="+mn-cs"/>
+              </a:rPr>
+              <a:t>集合</a:t>
+            </a:r>
+            <a:r>
+              <a:rPr lang="zh-TW" altLang="en-US" sz="6000" dirty="0">
+                <a:solidFill>
+                  <a:schemeClr val="bg1"/>
+                </a:solidFill>
+                <a:latin typeface="+mn-lt"/>
+                <a:ea typeface="+mn-ea"/>
+                <a:cs typeface="+mn-cs"/>
+              </a:rPr>
+              <a:t> </a:t>
+            </a:r>
+            <a:r>
+              <a:rPr lang="en-US" altLang="zh-TW" dirty="0"/>
+              <a:t>– </a:t>
+            </a:r>
+            <a:r>
+              <a:rPr lang="en-US" altLang="zh-TW" sz="6000" dirty="0"/>
+              <a:t>A set of Files</a:t>
+            </a:r>
+            <a:endParaRPr lang="en-US" sz="6000" dirty="0"/>
+          </a:p>
+        </p:txBody>
+      </p:sp>
+      <p:sp>
+        <p:nvSpPr>
+          <p:cNvPr id="3" name="內容版面配置區 2">
+            <a:extLst>
+              <a:ext uri="{FF2B5EF4-FFF2-40B4-BE49-F238E27FC236}">
+                <a16:creationId xmlns:a16="http://schemas.microsoft.com/office/drawing/2014/main" id="{2D73D658-15B0-DEA1-8B4F-F93328AEA0E5}"/>
+              </a:ext>
+            </a:extLst>
+          </p:cNvPr>
+          <p:cNvSpPr>
+            <a:spLocks noGrp="1"/>
           </p:cNvSpPr>
           <p:nvPr>
             <p:ph idx="1"/>
           </p:nvPr>
         </p:nvSpPr>
-        <p:spPr bwMode="auto">
+        <p:spPr/>
+        <p:txBody>
+          <a:bodyPr/>
+          <a:lstStyle/>
+          <a:p>
+            <a:endParaRPr lang="en-US" dirty="0"/>
+          </a:p>
+        </p:txBody>
+      </p:sp>
+      <p:pic>
+        <p:nvPicPr>
+          <p:cNvPr id="5" name="Picture 4">
+            <a:extLst>
+              <a:ext uri="{FF2B5EF4-FFF2-40B4-BE49-F238E27FC236}">
+                <a16:creationId xmlns:a16="http://schemas.microsoft.com/office/drawing/2014/main" id="{AD2D5ACB-40F3-4345-96B6-C64CE6116DA4}"/>
+              </a:ext>
+            </a:extLst>
+          </p:cNvPr>
+          <p:cNvPicPr>
+            <a:picLocks noChangeAspect="1"/>
+          </p:cNvPicPr>
+          <p:nvPr/>
+        </p:nvPicPr>
+        <p:blipFill>
+          <a:blip r:embed="rId2"/>
+          <a:stretch>
+            <a:fillRect/>
+          </a:stretch>
+        </p:blipFill>
+        <p:spPr>
           <a:xfrm>
-            <a:off x="838200" y="2754799"/>
-            <a:ext cx="6878806" cy="2492990"/>
+            <a:off x="604410" y="1667371"/>
+            <a:ext cx="7111482" cy="4667845"/>
+          </a:xfrm>
+          <a:prstGeom prst="rect">
+            <a:avLst/>
+          </a:prstGeom>
+        </p:spPr>
+      </p:pic>
+      <p:sp>
+        <p:nvSpPr>
+          <p:cNvPr id="6" name="TextBox 5">
+            <a:extLst>
+              <a:ext uri="{FF2B5EF4-FFF2-40B4-BE49-F238E27FC236}">
+                <a16:creationId xmlns:a16="http://schemas.microsoft.com/office/drawing/2014/main" id="{6119D640-5024-4E7A-8D98-4A3A0C645AAD}"/>
+              </a:ext>
+            </a:extLst>
+          </p:cNvPr>
+          <p:cNvSpPr txBox="1"/>
+          <p:nvPr/>
+        </p:nvSpPr>
+        <p:spPr>
+          <a:xfrm>
+            <a:off x="9843499" y="5702092"/>
+            <a:ext cx="1510301" cy="369332"/>
           </a:xfrm>
           <a:prstGeom prst="rect">
             <a:avLst/>
           </a:prstGeom>
           <a:noFill/>
-          <a:ln>
-            <a:noFill/>
-          </a:ln>
-          <a:effectLst/>
-          <a:extLst>
-            <a:ext uri="{909E8E84-426E-40DD-AFC4-6F175D3DCCD1}">
-              <a14:hiddenFill xmlns:a14="http://schemas.microsoft.com/office/drawing/2010/main">
-                <a:solidFill>
-                  <a:schemeClr val="accent1"/>
-                </a:solidFill>
-              </a14:hiddenFill>
-            </a:ext>
-            <a:ext uri="{91240B29-F687-4F45-9708-019B960494DF}">
-              <a14:hiddenLine xmlns:a14="http://schemas.microsoft.com/office/drawing/2010/main" w="9525">
-                <a:solidFill>
-                  <a:schemeClr val="tx1"/>
-                </a:solidFill>
-                <a:miter lim="800000"/>
-                <a:headEnd/>
-                <a:tailEnd/>
-              </a14:hiddenLine>
-            </a:ext>
-            <a:ext uri="{AF507438-7753-43E0-B8FC-AC1667EBCBE1}">
-              <a14:hiddenEffects xmlns:a14="http://schemas.microsoft.com/office/drawing/2010/main">
-                <a:effectLst>
-                  <a:outerShdw dist="35921" dir="2700000" algn="ctr" rotWithShape="0">
-                    <a:schemeClr val="bg2"/>
-                  </a:outerShdw>
-                </a:effectLst>
-              </a14:hiddenEffects>
-            </a:ext>
-          </a:extLst>
         </p:spPr>
         <p:txBody>
-          <a:bodyPr vert="horz" wrap="none" lIns="91440" tIns="45720" rIns="91440" bIns="45720" numCol="1" anchor="ctr" anchorCtr="0" compatLnSpc="1">
-            <a:prstTxWarp prst="textNoShape">
-              <a:avLst/>
-            </a:prstTxWarp>
+          <a:bodyPr wrap="square" rtlCol="0">
             <a:spAutoFit/>
           </a:bodyPr>
           <a:lstStyle/>
           <a:p>
-            <a:pPr marL="0" marR="0" lvl="0" indent="0" algn="l" defTabSz="914400" rtl="0" eaLnBrk="0" fontAlgn="base" latinLnBrk="0" hangingPunct="0">
-              <a:lnSpc>
-                <a:spcPct val="100000"/>
-              </a:lnSpc>
-              <a:spcBef>
-                <a:spcPct val="0"/>
-              </a:spcBef>
-              <a:spcAft>
-                <a:spcPct val="0"/>
-              </a:spcAft>
-              <a:buClrTx/>
-              <a:buSzTx/>
-              <a:buFontTx/>
-              <a:buNone/>
-              <a:tabLst/>
-            </a:pPr>
-            <a:r>
-              <a:rPr kumimoji="0" lang="en-US" altLang="en-US" sz="1200" b="0" i="0" u="none" strike="noStrike" cap="none" normalizeH="0" baseline="0" dirty="0">
-                <a:ln>
-                  <a:noFill/>
-                </a:ln>
-                <a:solidFill>
-                  <a:srgbClr val="000000"/>
-                </a:solidFill>
-                <a:effectLst/>
-                <a:latin typeface="Lucida Console" panose="020B0609040504020204" pitchFamily="49" charset="0"/>
-              </a:rPr>
-              <a:t>syntax-</a:t>
-            </a:r>
-            <a:r>
-              <a:rPr kumimoji="0" lang="en-US" altLang="en-US" sz="1200" b="0" i="0" u="none" strike="noStrike" cap="none" normalizeH="0" baseline="0" dirty="0">
-                <a:ln>
-                  <a:noFill/>
-                </a:ln>
-                <a:solidFill>
-                  <a:srgbClr val="337FE8"/>
-                </a:solidFill>
-                <a:effectLst/>
-                <a:latin typeface="Lucida Console" panose="020B0609040504020204" pitchFamily="49" charset="0"/>
-                <a:hlinkClick r:id="rId2"/>
-              </a:rPr>
-              <a:t>FOR-Files</a:t>
-            </a:r>
-            <a:r>
-              <a:rPr kumimoji="0" lang="en-US" altLang="en-US" sz="1200" b="0" i="0" u="none" strike="noStrike" cap="none" normalizeH="0" baseline="0" dirty="0">
-                <a:ln>
-                  <a:noFill/>
-                </a:ln>
-                <a:solidFill>
-                  <a:srgbClr val="000000"/>
-                </a:solidFill>
-                <a:effectLst/>
-                <a:latin typeface="Lucida Console" panose="020B0609040504020204" pitchFamily="49" charset="0"/>
-              </a:rPr>
-              <a:t> </a:t>
-            </a:r>
-          </a:p>
-          <a:p>
-            <a:pPr marL="0" marR="0" lvl="0" indent="0" algn="l" defTabSz="914400" rtl="0" eaLnBrk="0" fontAlgn="base" latinLnBrk="0" hangingPunct="0">
-              <a:lnSpc>
-                <a:spcPct val="100000"/>
-              </a:lnSpc>
-              <a:spcBef>
-                <a:spcPct val="0"/>
-              </a:spcBef>
-              <a:spcAft>
-                <a:spcPct val="0"/>
-              </a:spcAft>
-              <a:buClrTx/>
-              <a:buSzTx/>
-              <a:buFontTx/>
-              <a:buNone/>
-              <a:tabLst/>
-            </a:pPr>
-            <a:r>
-              <a:rPr kumimoji="0" lang="en-US" altLang="en-US" sz="1200" b="0" i="0" u="none" strike="noStrike" cap="none" normalizeH="0" baseline="0" dirty="0">
-                <a:ln>
-                  <a:noFill/>
-                </a:ln>
-                <a:solidFill>
-                  <a:srgbClr val="000000"/>
-                </a:solidFill>
-                <a:effectLst/>
-                <a:latin typeface="Lucida Console" panose="020B0609040504020204" pitchFamily="49" charset="0"/>
-              </a:rPr>
-              <a:t>FOR %%parameter IN (</a:t>
-            </a:r>
-            <a:r>
-              <a:rPr kumimoji="0" lang="en-US" altLang="en-US" sz="1200" b="0" i="1" u="none" strike="noStrike" cap="none" normalizeH="0" baseline="0" dirty="0">
-                <a:ln>
-                  <a:noFill/>
-                </a:ln>
-                <a:solidFill>
-                  <a:srgbClr val="07572C"/>
-                </a:solidFill>
-                <a:effectLst/>
-                <a:latin typeface="Lucida Console" panose="020B0609040504020204" pitchFamily="49" charset="0"/>
-              </a:rPr>
-              <a:t>set</a:t>
-            </a:r>
-            <a:r>
-              <a:rPr kumimoji="0" lang="en-US" altLang="en-US" sz="1200" b="0" i="0" u="none" strike="noStrike" cap="none" normalizeH="0" baseline="0" dirty="0">
-                <a:ln>
-                  <a:noFill/>
-                </a:ln>
-                <a:solidFill>
-                  <a:srgbClr val="000000"/>
-                </a:solidFill>
-                <a:effectLst/>
-                <a:latin typeface="Lucida Console" panose="020B0609040504020204" pitchFamily="49" charset="0"/>
-              </a:rPr>
-              <a:t>) DO </a:t>
-            </a:r>
-            <a:r>
-              <a:rPr kumimoji="0" lang="en-US" altLang="en-US" sz="1200" b="0" i="1" u="none" strike="noStrike" cap="none" normalizeH="0" baseline="0" dirty="0">
-                <a:ln>
-                  <a:noFill/>
-                </a:ln>
-                <a:solidFill>
-                  <a:srgbClr val="07572C"/>
-                </a:solidFill>
-                <a:effectLst/>
-                <a:latin typeface="Lucida Console" panose="020B0609040504020204" pitchFamily="49" charset="0"/>
-              </a:rPr>
-              <a:t>command</a:t>
-            </a:r>
-            <a:r>
-              <a:rPr kumimoji="0" lang="en-US" altLang="en-US" sz="1200" b="0" i="0" u="none" strike="noStrike" cap="none" normalizeH="0" baseline="0" dirty="0">
-                <a:ln>
-                  <a:noFill/>
-                </a:ln>
-                <a:solidFill>
-                  <a:srgbClr val="000000"/>
-                </a:solidFill>
-                <a:effectLst/>
-                <a:latin typeface="Lucida Console" panose="020B0609040504020204" pitchFamily="49" charset="0"/>
-              </a:rPr>
-              <a:t> </a:t>
-            </a:r>
-          </a:p>
-          <a:p>
-            <a:pPr marL="0" marR="0" lvl="0" indent="0" algn="l" defTabSz="914400" rtl="0" eaLnBrk="0" fontAlgn="base" latinLnBrk="0" hangingPunct="0">
-              <a:lnSpc>
-                <a:spcPct val="100000"/>
-              </a:lnSpc>
-              <a:spcBef>
-                <a:spcPct val="0"/>
-              </a:spcBef>
-              <a:spcAft>
-                <a:spcPct val="0"/>
-              </a:spcAft>
-              <a:buClrTx/>
-              <a:buSzTx/>
-              <a:buFontTx/>
-              <a:buNone/>
-              <a:tabLst/>
-            </a:pPr>
-            <a:r>
-              <a:rPr kumimoji="0" lang="en-US" altLang="en-US" sz="1200" b="0" i="0" u="none" strike="noStrike" cap="none" normalizeH="0" baseline="0" dirty="0">
-                <a:ln>
-                  <a:noFill/>
-                </a:ln>
-                <a:solidFill>
-                  <a:srgbClr val="000000"/>
-                </a:solidFill>
-                <a:effectLst/>
-                <a:latin typeface="Lucida Console" panose="020B0609040504020204" pitchFamily="49" charset="0"/>
-              </a:rPr>
-              <a:t>syntax-</a:t>
-            </a:r>
-            <a:r>
-              <a:rPr kumimoji="0" lang="en-US" altLang="en-US" sz="1200" b="0" i="0" u="none" strike="noStrike" cap="none" normalizeH="0" baseline="0" dirty="0">
-                <a:ln>
-                  <a:noFill/>
-                </a:ln>
-                <a:solidFill>
-                  <a:srgbClr val="0000FF"/>
-                </a:solidFill>
-                <a:effectLst/>
-                <a:latin typeface="Lucida Console" panose="020B0609040504020204" pitchFamily="49" charset="0"/>
-                <a:hlinkClick r:id="rId3"/>
-              </a:rPr>
-              <a:t>FOR-Files-Rooted at Path</a:t>
-            </a:r>
-            <a:r>
-              <a:rPr kumimoji="0" lang="en-US" altLang="en-US" sz="1200" b="0" i="0" u="none" strike="noStrike" cap="none" normalizeH="0" baseline="0" dirty="0">
-                <a:ln>
-                  <a:noFill/>
-                </a:ln>
-                <a:solidFill>
-                  <a:srgbClr val="000000"/>
-                </a:solidFill>
-                <a:effectLst/>
-                <a:latin typeface="Lucida Console" panose="020B0609040504020204" pitchFamily="49" charset="0"/>
-              </a:rPr>
-              <a:t> </a:t>
-            </a:r>
-          </a:p>
-          <a:p>
-            <a:pPr marL="0" marR="0" lvl="0" indent="0" algn="l" defTabSz="914400" rtl="0" eaLnBrk="0" fontAlgn="base" latinLnBrk="0" hangingPunct="0">
-              <a:lnSpc>
-                <a:spcPct val="100000"/>
-              </a:lnSpc>
-              <a:spcBef>
-                <a:spcPct val="0"/>
-              </a:spcBef>
-              <a:spcAft>
-                <a:spcPct val="0"/>
-              </a:spcAft>
-              <a:buClrTx/>
-              <a:buSzTx/>
-              <a:buFontTx/>
-              <a:buNone/>
-              <a:tabLst/>
-            </a:pPr>
-            <a:r>
-              <a:rPr kumimoji="0" lang="en-US" altLang="en-US" sz="1200" b="0" i="0" u="none" strike="noStrike" cap="none" normalizeH="0" baseline="0" dirty="0">
-                <a:ln>
-                  <a:noFill/>
-                </a:ln>
-                <a:solidFill>
-                  <a:srgbClr val="000000"/>
-                </a:solidFill>
-                <a:effectLst/>
-                <a:latin typeface="Lucida Console" panose="020B0609040504020204" pitchFamily="49" charset="0"/>
-              </a:rPr>
-              <a:t>FOR </a:t>
-            </a:r>
-            <a:r>
-              <a:rPr kumimoji="0" lang="en-US" altLang="en-US" sz="1200" b="1" i="0" u="none" strike="noStrike" cap="none" normalizeH="0" baseline="0" dirty="0">
-                <a:ln>
-                  <a:noFill/>
-                </a:ln>
-                <a:solidFill>
-                  <a:srgbClr val="000000"/>
-                </a:solidFill>
-                <a:effectLst/>
-                <a:latin typeface="Lucida Console" panose="020B0609040504020204" pitchFamily="49" charset="0"/>
-              </a:rPr>
-              <a:t>/R </a:t>
-            </a:r>
-            <a:r>
-              <a:rPr kumimoji="0" lang="en-US" altLang="en-US" sz="1200" b="0" i="0" u="none" strike="noStrike" cap="none" normalizeH="0" baseline="0" dirty="0">
-                <a:ln>
-                  <a:noFill/>
-                </a:ln>
-                <a:solidFill>
-                  <a:srgbClr val="000000"/>
-                </a:solidFill>
-                <a:effectLst/>
-                <a:latin typeface="Lucida Console" panose="020B0609040504020204" pitchFamily="49" charset="0"/>
-              </a:rPr>
-              <a:t>[[drive:]path] %%parameter IN (</a:t>
-            </a:r>
-            <a:r>
-              <a:rPr kumimoji="0" lang="en-US" altLang="en-US" sz="1200" b="0" i="1" u="none" strike="noStrike" cap="none" normalizeH="0" baseline="0" dirty="0">
-                <a:ln>
-                  <a:noFill/>
-                </a:ln>
-                <a:solidFill>
-                  <a:srgbClr val="07572C"/>
-                </a:solidFill>
-                <a:effectLst/>
-                <a:latin typeface="Lucida Console" panose="020B0609040504020204" pitchFamily="49" charset="0"/>
-              </a:rPr>
-              <a:t>set</a:t>
-            </a:r>
-            <a:r>
-              <a:rPr kumimoji="0" lang="en-US" altLang="en-US" sz="1200" b="0" i="0" u="none" strike="noStrike" cap="none" normalizeH="0" baseline="0" dirty="0">
-                <a:ln>
-                  <a:noFill/>
-                </a:ln>
-                <a:solidFill>
-                  <a:srgbClr val="000000"/>
-                </a:solidFill>
-                <a:effectLst/>
-                <a:latin typeface="Lucida Console" panose="020B0609040504020204" pitchFamily="49" charset="0"/>
-              </a:rPr>
-              <a:t>) DO </a:t>
-            </a:r>
-            <a:r>
-              <a:rPr kumimoji="0" lang="en-US" altLang="en-US" sz="1200" b="0" i="1" u="none" strike="noStrike" cap="none" normalizeH="0" baseline="0" dirty="0">
-                <a:ln>
-                  <a:noFill/>
-                </a:ln>
-                <a:solidFill>
-                  <a:srgbClr val="07572C"/>
-                </a:solidFill>
-                <a:effectLst/>
-                <a:latin typeface="Lucida Console" panose="020B0609040504020204" pitchFamily="49" charset="0"/>
-              </a:rPr>
-              <a:t>command</a:t>
-            </a:r>
-            <a:r>
-              <a:rPr kumimoji="0" lang="en-US" altLang="en-US" sz="1200" b="0" i="0" u="none" strike="noStrike" cap="none" normalizeH="0" baseline="0" dirty="0">
-                <a:ln>
-                  <a:noFill/>
-                </a:ln>
-                <a:solidFill>
-                  <a:srgbClr val="000000"/>
-                </a:solidFill>
-                <a:effectLst/>
-                <a:latin typeface="Lucida Console" panose="020B0609040504020204" pitchFamily="49" charset="0"/>
-              </a:rPr>
-              <a:t> </a:t>
-            </a:r>
-          </a:p>
-          <a:p>
-            <a:pPr marL="0" marR="0" lvl="0" indent="0" algn="l" defTabSz="914400" rtl="0" eaLnBrk="0" fontAlgn="base" latinLnBrk="0" hangingPunct="0">
-              <a:lnSpc>
-                <a:spcPct val="100000"/>
-              </a:lnSpc>
-              <a:spcBef>
-                <a:spcPct val="0"/>
-              </a:spcBef>
-              <a:spcAft>
-                <a:spcPct val="0"/>
-              </a:spcAft>
-              <a:buClrTx/>
-              <a:buSzTx/>
-              <a:buFontTx/>
-              <a:buNone/>
-              <a:tabLst/>
-            </a:pPr>
-            <a:r>
-              <a:rPr kumimoji="0" lang="en-US" altLang="en-US" sz="1200" b="0" i="0" u="none" strike="noStrike" cap="none" normalizeH="0" baseline="0" dirty="0">
-                <a:ln>
-                  <a:noFill/>
-                </a:ln>
-                <a:solidFill>
-                  <a:srgbClr val="000000"/>
-                </a:solidFill>
-                <a:effectLst/>
-                <a:latin typeface="Lucida Console" panose="020B0609040504020204" pitchFamily="49" charset="0"/>
-              </a:rPr>
-              <a:t>syntax-</a:t>
-            </a:r>
-            <a:r>
-              <a:rPr kumimoji="0" lang="en-US" altLang="en-US" sz="1200" b="0" i="0" u="none" strike="noStrike" cap="none" normalizeH="0" baseline="0" dirty="0">
-                <a:ln>
-                  <a:noFill/>
-                </a:ln>
-                <a:solidFill>
-                  <a:srgbClr val="0000FF"/>
-                </a:solidFill>
-                <a:effectLst/>
-                <a:latin typeface="Lucida Console" panose="020B0609040504020204" pitchFamily="49" charset="0"/>
-                <a:hlinkClick r:id="rId4"/>
-              </a:rPr>
-              <a:t>FOR-Folders</a:t>
-            </a:r>
-            <a:r>
-              <a:rPr kumimoji="0" lang="en-US" altLang="en-US" sz="1200" b="0" i="0" u="none" strike="noStrike" cap="none" normalizeH="0" baseline="0" dirty="0">
-                <a:ln>
-                  <a:noFill/>
-                </a:ln>
-                <a:solidFill>
-                  <a:srgbClr val="000000"/>
-                </a:solidFill>
-                <a:effectLst/>
-                <a:latin typeface="Lucida Console" panose="020B0609040504020204" pitchFamily="49" charset="0"/>
-              </a:rPr>
-              <a:t> </a:t>
-            </a:r>
-          </a:p>
-          <a:p>
-            <a:pPr marL="0" marR="0" lvl="0" indent="0" algn="l" defTabSz="914400" rtl="0" eaLnBrk="0" fontAlgn="base" latinLnBrk="0" hangingPunct="0">
-              <a:lnSpc>
-                <a:spcPct val="100000"/>
-              </a:lnSpc>
-              <a:spcBef>
-                <a:spcPct val="0"/>
-              </a:spcBef>
-              <a:spcAft>
-                <a:spcPct val="0"/>
-              </a:spcAft>
-              <a:buClrTx/>
-              <a:buSzTx/>
-              <a:buFontTx/>
-              <a:buNone/>
-              <a:tabLst/>
-            </a:pPr>
-            <a:r>
-              <a:rPr kumimoji="0" lang="en-US" altLang="en-US" sz="1200" b="0" i="0" u="none" strike="noStrike" cap="none" normalizeH="0" baseline="0" dirty="0">
-                <a:ln>
-                  <a:noFill/>
-                </a:ln>
-                <a:solidFill>
-                  <a:srgbClr val="000000"/>
-                </a:solidFill>
-                <a:effectLst/>
-                <a:latin typeface="Lucida Console" panose="020B0609040504020204" pitchFamily="49" charset="0"/>
-              </a:rPr>
-              <a:t>FOR </a:t>
-            </a:r>
-            <a:r>
-              <a:rPr kumimoji="0" lang="en-US" altLang="en-US" sz="1200" b="1" i="0" u="none" strike="noStrike" cap="none" normalizeH="0" baseline="0" dirty="0">
-                <a:ln>
-                  <a:noFill/>
-                </a:ln>
-                <a:solidFill>
-                  <a:srgbClr val="000000"/>
-                </a:solidFill>
-                <a:effectLst/>
-                <a:latin typeface="Lucida Console" panose="020B0609040504020204" pitchFamily="49" charset="0"/>
-              </a:rPr>
-              <a:t>/D</a:t>
-            </a:r>
-            <a:r>
-              <a:rPr kumimoji="0" lang="en-US" altLang="en-US" sz="1200" b="0" i="0" u="none" strike="noStrike" cap="none" normalizeH="0" baseline="0" dirty="0">
-                <a:ln>
-                  <a:noFill/>
-                </a:ln>
-                <a:solidFill>
-                  <a:srgbClr val="000000"/>
-                </a:solidFill>
-                <a:effectLst/>
-                <a:latin typeface="Lucida Console" panose="020B0609040504020204" pitchFamily="49" charset="0"/>
-              </a:rPr>
-              <a:t> %%parameter IN (</a:t>
-            </a:r>
-            <a:r>
-              <a:rPr kumimoji="0" lang="en-US" altLang="en-US" sz="1200" b="0" i="1" u="none" strike="noStrike" cap="none" normalizeH="0" baseline="0" dirty="0" err="1">
-                <a:ln>
-                  <a:noFill/>
-                </a:ln>
-                <a:solidFill>
-                  <a:srgbClr val="07572C"/>
-                </a:solidFill>
-                <a:effectLst/>
-                <a:latin typeface="Lucida Console" panose="020B0609040504020204" pitchFamily="49" charset="0"/>
-              </a:rPr>
-              <a:t>folder_set</a:t>
-            </a:r>
-            <a:r>
-              <a:rPr kumimoji="0" lang="en-US" altLang="en-US" sz="1200" b="0" i="0" u="none" strike="noStrike" cap="none" normalizeH="0" baseline="0" dirty="0">
-                <a:ln>
-                  <a:noFill/>
-                </a:ln>
-                <a:solidFill>
-                  <a:srgbClr val="000000"/>
-                </a:solidFill>
-                <a:effectLst/>
-                <a:latin typeface="Lucida Console" panose="020B0609040504020204" pitchFamily="49" charset="0"/>
-              </a:rPr>
-              <a:t>) DO </a:t>
-            </a:r>
-            <a:r>
-              <a:rPr kumimoji="0" lang="en-US" altLang="en-US" sz="1200" b="0" i="1" u="none" strike="noStrike" cap="none" normalizeH="0" baseline="0" dirty="0">
-                <a:ln>
-                  <a:noFill/>
-                </a:ln>
-                <a:solidFill>
-                  <a:srgbClr val="07572C"/>
-                </a:solidFill>
-                <a:effectLst/>
-                <a:latin typeface="Lucida Console" panose="020B0609040504020204" pitchFamily="49" charset="0"/>
-              </a:rPr>
-              <a:t>command</a:t>
-            </a:r>
-            <a:r>
-              <a:rPr kumimoji="0" lang="en-US" altLang="en-US" sz="1200" b="0" i="0" u="none" strike="noStrike" cap="none" normalizeH="0" baseline="0" dirty="0">
-                <a:ln>
-                  <a:noFill/>
-                </a:ln>
-                <a:solidFill>
-                  <a:srgbClr val="000000"/>
-                </a:solidFill>
-                <a:effectLst/>
-                <a:latin typeface="Lucida Console" panose="020B0609040504020204" pitchFamily="49" charset="0"/>
-              </a:rPr>
-              <a:t> </a:t>
-            </a:r>
-          </a:p>
-          <a:p>
-            <a:pPr marL="0" marR="0" lvl="0" indent="0" algn="l" defTabSz="914400" rtl="0" eaLnBrk="0" fontAlgn="base" latinLnBrk="0" hangingPunct="0">
-              <a:lnSpc>
-                <a:spcPct val="100000"/>
-              </a:lnSpc>
-              <a:spcBef>
-                <a:spcPct val="0"/>
-              </a:spcBef>
-              <a:spcAft>
-                <a:spcPct val="0"/>
-              </a:spcAft>
-              <a:buClrTx/>
-              <a:buSzTx/>
-              <a:buFontTx/>
-              <a:buNone/>
-              <a:tabLst/>
-            </a:pPr>
-            <a:r>
-              <a:rPr kumimoji="0" lang="en-US" altLang="en-US" sz="1200" b="0" i="0" u="none" strike="noStrike" cap="none" normalizeH="0" baseline="0" dirty="0">
-                <a:ln>
-                  <a:noFill/>
-                </a:ln>
-                <a:solidFill>
-                  <a:srgbClr val="000000"/>
-                </a:solidFill>
-                <a:effectLst/>
-                <a:latin typeface="Lucida Console" panose="020B0609040504020204" pitchFamily="49" charset="0"/>
-              </a:rPr>
-              <a:t>syntax-</a:t>
-            </a:r>
-            <a:r>
-              <a:rPr kumimoji="0" lang="en-US" altLang="en-US" sz="1200" b="0" i="0" u="none" strike="noStrike" cap="none" normalizeH="0" baseline="0" dirty="0">
-                <a:ln>
-                  <a:noFill/>
-                </a:ln>
-                <a:solidFill>
-                  <a:srgbClr val="0000FF"/>
-                </a:solidFill>
-                <a:effectLst/>
-                <a:latin typeface="Lucida Console" panose="020B0609040504020204" pitchFamily="49" charset="0"/>
-                <a:hlinkClick r:id="rId5"/>
-              </a:rPr>
-              <a:t>FOR-List of numbers</a:t>
-            </a:r>
-            <a:r>
-              <a:rPr kumimoji="0" lang="en-US" altLang="en-US" sz="1200" b="0" i="0" u="none" strike="noStrike" cap="none" normalizeH="0" baseline="0" dirty="0">
-                <a:ln>
-                  <a:noFill/>
-                </a:ln>
-                <a:solidFill>
-                  <a:srgbClr val="000000"/>
-                </a:solidFill>
-                <a:effectLst/>
-                <a:latin typeface="Lucida Console" panose="020B0609040504020204" pitchFamily="49" charset="0"/>
-              </a:rPr>
-              <a:t> </a:t>
-            </a:r>
-          </a:p>
-          <a:p>
-            <a:pPr marL="0" marR="0" lvl="0" indent="0" algn="l" defTabSz="914400" rtl="0" eaLnBrk="0" fontAlgn="base" latinLnBrk="0" hangingPunct="0">
-              <a:lnSpc>
-                <a:spcPct val="100000"/>
-              </a:lnSpc>
-              <a:spcBef>
-                <a:spcPct val="0"/>
-              </a:spcBef>
-              <a:spcAft>
-                <a:spcPct val="0"/>
-              </a:spcAft>
-              <a:buClrTx/>
-              <a:buSzTx/>
-              <a:buFontTx/>
-              <a:buNone/>
-              <a:tabLst/>
-            </a:pPr>
-            <a:r>
-              <a:rPr kumimoji="0" lang="en-US" altLang="en-US" sz="1200" b="0" i="0" u="none" strike="noStrike" cap="none" normalizeH="0" baseline="0" dirty="0">
-                <a:ln>
-                  <a:noFill/>
-                </a:ln>
-                <a:solidFill>
-                  <a:srgbClr val="000000"/>
-                </a:solidFill>
-                <a:effectLst/>
-                <a:latin typeface="Lucida Console" panose="020B0609040504020204" pitchFamily="49" charset="0"/>
-              </a:rPr>
-              <a:t>FOR </a:t>
-            </a:r>
-            <a:r>
-              <a:rPr kumimoji="0" lang="en-US" altLang="en-US" sz="1200" b="1" i="0" u="none" strike="noStrike" cap="none" normalizeH="0" baseline="0" dirty="0">
-                <a:ln>
-                  <a:noFill/>
-                </a:ln>
-                <a:solidFill>
-                  <a:srgbClr val="000000"/>
-                </a:solidFill>
-                <a:effectLst/>
-                <a:latin typeface="Lucida Console" panose="020B0609040504020204" pitchFamily="49" charset="0"/>
-              </a:rPr>
-              <a:t>/L</a:t>
-            </a:r>
-            <a:r>
-              <a:rPr kumimoji="0" lang="en-US" altLang="en-US" sz="1200" b="0" i="0" u="none" strike="noStrike" cap="none" normalizeH="0" baseline="0" dirty="0">
-                <a:ln>
-                  <a:noFill/>
-                </a:ln>
-                <a:solidFill>
-                  <a:srgbClr val="000000"/>
-                </a:solidFill>
-                <a:effectLst/>
-                <a:latin typeface="Lucida Console" panose="020B0609040504020204" pitchFamily="49" charset="0"/>
-              </a:rPr>
-              <a:t> %%parameter IN (</a:t>
-            </a:r>
-            <a:r>
-              <a:rPr kumimoji="0" lang="en-US" altLang="en-US" sz="1200" b="0" i="0" u="none" strike="noStrike" cap="none" normalizeH="0" baseline="0" dirty="0" err="1">
-                <a:ln>
-                  <a:noFill/>
-                </a:ln>
-                <a:solidFill>
-                  <a:srgbClr val="000000"/>
-                </a:solidFill>
-                <a:effectLst/>
-                <a:latin typeface="Lucida Console" panose="020B0609040504020204" pitchFamily="49" charset="0"/>
-              </a:rPr>
-              <a:t>start,step,end</a:t>
-            </a:r>
-            <a:r>
-              <a:rPr kumimoji="0" lang="en-US" altLang="en-US" sz="1200" b="0" i="0" u="none" strike="noStrike" cap="none" normalizeH="0" baseline="0" dirty="0">
-                <a:ln>
-                  <a:noFill/>
-                </a:ln>
-                <a:solidFill>
-                  <a:srgbClr val="000000"/>
-                </a:solidFill>
-                <a:effectLst/>
-                <a:latin typeface="Lucida Console" panose="020B0609040504020204" pitchFamily="49" charset="0"/>
-              </a:rPr>
-              <a:t>) DO </a:t>
-            </a:r>
-            <a:r>
-              <a:rPr kumimoji="0" lang="en-US" altLang="en-US" sz="1200" b="0" i="1" u="none" strike="noStrike" cap="none" normalizeH="0" baseline="0" dirty="0">
-                <a:ln>
-                  <a:noFill/>
-                </a:ln>
-                <a:solidFill>
-                  <a:srgbClr val="07572C"/>
-                </a:solidFill>
-                <a:effectLst/>
-                <a:latin typeface="Lucida Console" panose="020B0609040504020204" pitchFamily="49" charset="0"/>
-              </a:rPr>
-              <a:t>command</a:t>
-            </a:r>
-            <a:r>
-              <a:rPr kumimoji="0" lang="en-US" altLang="en-US" sz="1200" b="0" i="0" u="none" strike="noStrike" cap="none" normalizeH="0" baseline="0" dirty="0">
-                <a:ln>
-                  <a:noFill/>
-                </a:ln>
-                <a:solidFill>
-                  <a:srgbClr val="000000"/>
-                </a:solidFill>
-                <a:effectLst/>
-                <a:latin typeface="Lucida Console" panose="020B0609040504020204" pitchFamily="49" charset="0"/>
-              </a:rPr>
-              <a:t> </a:t>
-            </a:r>
-          </a:p>
-          <a:p>
-            <a:pPr marL="0" marR="0" lvl="0" indent="0" algn="l" defTabSz="914400" rtl="0" eaLnBrk="0" fontAlgn="base" latinLnBrk="0" hangingPunct="0">
-              <a:lnSpc>
-                <a:spcPct val="100000"/>
-              </a:lnSpc>
-              <a:spcBef>
-                <a:spcPct val="0"/>
-              </a:spcBef>
-              <a:spcAft>
-                <a:spcPct val="0"/>
-              </a:spcAft>
-              <a:buClrTx/>
-              <a:buSzTx/>
-              <a:buFontTx/>
-              <a:buNone/>
-              <a:tabLst/>
-            </a:pPr>
-            <a:r>
-              <a:rPr kumimoji="0" lang="en-US" altLang="en-US" sz="1200" b="0" i="0" u="none" strike="noStrike" cap="none" normalizeH="0" baseline="0" dirty="0">
-                <a:ln>
-                  <a:noFill/>
-                </a:ln>
-                <a:solidFill>
-                  <a:srgbClr val="000000"/>
-                </a:solidFill>
-                <a:effectLst/>
-                <a:latin typeface="Lucida Console" panose="020B0609040504020204" pitchFamily="49" charset="0"/>
-              </a:rPr>
-              <a:t>syntax-</a:t>
-            </a:r>
-            <a:r>
-              <a:rPr kumimoji="0" lang="en-US" altLang="en-US" sz="1200" b="0" i="0" u="none" strike="noStrike" cap="none" normalizeH="0" baseline="0" dirty="0">
-                <a:ln>
-                  <a:noFill/>
-                </a:ln>
-                <a:solidFill>
-                  <a:srgbClr val="0000FF"/>
-                </a:solidFill>
-                <a:effectLst/>
-                <a:latin typeface="Lucida Console" panose="020B0609040504020204" pitchFamily="49" charset="0"/>
-                <a:hlinkClick r:id="rId6"/>
-              </a:rPr>
-              <a:t>FOR-File contents</a:t>
-            </a:r>
-            <a:r>
-              <a:rPr kumimoji="0" lang="en-US" altLang="en-US" sz="1200" b="0" i="0" u="none" strike="noStrike" cap="none" normalizeH="0" baseline="0" dirty="0">
-                <a:ln>
-                  <a:noFill/>
-                </a:ln>
-                <a:solidFill>
-                  <a:srgbClr val="000000"/>
-                </a:solidFill>
-                <a:effectLst/>
-                <a:latin typeface="Lucida Console" panose="020B0609040504020204" pitchFamily="49" charset="0"/>
-              </a:rPr>
-              <a:t> </a:t>
-            </a:r>
-          </a:p>
-          <a:p>
-            <a:pPr marL="0" marR="0" lvl="0" indent="0" algn="l" defTabSz="914400" rtl="0" eaLnBrk="0" fontAlgn="base" latinLnBrk="0" hangingPunct="0">
-              <a:lnSpc>
-                <a:spcPct val="100000"/>
-              </a:lnSpc>
-              <a:spcBef>
-                <a:spcPct val="0"/>
-              </a:spcBef>
-              <a:spcAft>
-                <a:spcPct val="0"/>
-              </a:spcAft>
-              <a:buClrTx/>
-              <a:buSzTx/>
-              <a:buFontTx/>
-              <a:buNone/>
-              <a:tabLst/>
-            </a:pPr>
-            <a:r>
-              <a:rPr kumimoji="0" lang="en-US" altLang="en-US" sz="1200" b="0" i="0" u="none" strike="noStrike" cap="none" normalizeH="0" baseline="0" dirty="0">
-                <a:ln>
-                  <a:noFill/>
-                </a:ln>
-                <a:solidFill>
-                  <a:srgbClr val="000000"/>
-                </a:solidFill>
-                <a:effectLst/>
-                <a:latin typeface="Lucida Console" panose="020B0609040504020204" pitchFamily="49" charset="0"/>
-              </a:rPr>
-              <a:t>FOR </a:t>
-            </a:r>
-            <a:r>
-              <a:rPr kumimoji="0" lang="en-US" altLang="en-US" sz="1200" b="1" i="0" u="none" strike="noStrike" cap="none" normalizeH="0" baseline="0" dirty="0">
-                <a:ln>
-                  <a:noFill/>
-                </a:ln>
-                <a:solidFill>
-                  <a:srgbClr val="000000"/>
-                </a:solidFill>
-                <a:effectLst/>
-                <a:latin typeface="Lucida Console" panose="020B0609040504020204" pitchFamily="49" charset="0"/>
-              </a:rPr>
-              <a:t>/F</a:t>
-            </a:r>
-            <a:r>
-              <a:rPr kumimoji="0" lang="en-US" altLang="en-US" sz="1200" b="0" i="0" u="none" strike="noStrike" cap="none" normalizeH="0" baseline="0" dirty="0">
-                <a:ln>
-                  <a:noFill/>
-                </a:ln>
-                <a:solidFill>
-                  <a:srgbClr val="000000"/>
-                </a:solidFill>
-                <a:effectLst/>
-                <a:latin typeface="Lucida Console" panose="020B0609040504020204" pitchFamily="49" charset="0"/>
-              </a:rPr>
-              <a:t> ["options"] %%parameter IN (</a:t>
-            </a:r>
-            <a:r>
-              <a:rPr kumimoji="0" lang="en-US" altLang="en-US" sz="1200" b="0" i="0" u="none" strike="noStrike" cap="none" normalizeH="0" baseline="0" dirty="0" err="1">
-                <a:ln>
-                  <a:noFill/>
-                </a:ln>
-                <a:solidFill>
-                  <a:srgbClr val="000000"/>
-                </a:solidFill>
-                <a:effectLst/>
-                <a:latin typeface="Lucida Console" panose="020B0609040504020204" pitchFamily="49" charset="0"/>
-              </a:rPr>
-              <a:t>filenameset</a:t>
-            </a:r>
-            <a:r>
-              <a:rPr kumimoji="0" lang="en-US" altLang="en-US" sz="1200" b="0" i="0" u="none" strike="noStrike" cap="none" normalizeH="0" baseline="0" dirty="0">
-                <a:ln>
-                  <a:noFill/>
-                </a:ln>
-                <a:solidFill>
-                  <a:srgbClr val="000000"/>
-                </a:solidFill>
-                <a:effectLst/>
-                <a:latin typeface="Lucida Console" panose="020B0609040504020204" pitchFamily="49" charset="0"/>
-              </a:rPr>
-              <a:t>) DO </a:t>
-            </a:r>
-            <a:r>
-              <a:rPr kumimoji="0" lang="en-US" altLang="en-US" sz="1200" b="0" i="1" u="none" strike="noStrike" cap="none" normalizeH="0" baseline="0" dirty="0">
-                <a:ln>
-                  <a:noFill/>
-                </a:ln>
-                <a:solidFill>
-                  <a:srgbClr val="07572C"/>
-                </a:solidFill>
-                <a:effectLst/>
-                <a:latin typeface="Lucida Console" panose="020B0609040504020204" pitchFamily="49" charset="0"/>
-              </a:rPr>
-              <a:t>command</a:t>
-            </a:r>
-            <a:r>
-              <a:rPr kumimoji="0" lang="en-US" altLang="en-US" sz="1200" b="0" i="0" u="none" strike="noStrike" cap="none" normalizeH="0" baseline="0" dirty="0">
-                <a:ln>
-                  <a:noFill/>
-                </a:ln>
-                <a:solidFill>
-                  <a:srgbClr val="000000"/>
-                </a:solidFill>
-                <a:effectLst/>
-                <a:latin typeface="Lucida Console" panose="020B0609040504020204" pitchFamily="49" charset="0"/>
-              </a:rPr>
-              <a:t> </a:t>
-            </a:r>
-          </a:p>
-          <a:p>
-            <a:pPr marL="0" marR="0" lvl="0" indent="0" algn="l" defTabSz="914400" rtl="0" eaLnBrk="0" fontAlgn="base" latinLnBrk="0" hangingPunct="0">
-              <a:lnSpc>
-                <a:spcPct val="100000"/>
-              </a:lnSpc>
-              <a:spcBef>
-                <a:spcPct val="0"/>
-              </a:spcBef>
-              <a:spcAft>
-                <a:spcPct val="0"/>
-              </a:spcAft>
-              <a:buClrTx/>
-              <a:buSzTx/>
-              <a:buFontTx/>
-              <a:buNone/>
-              <a:tabLst/>
-            </a:pPr>
-            <a:r>
-              <a:rPr kumimoji="0" lang="en-US" altLang="en-US" sz="1200" b="0" i="0" u="none" strike="noStrike" cap="none" normalizeH="0" baseline="0" dirty="0">
-                <a:ln>
-                  <a:noFill/>
-                </a:ln>
-                <a:solidFill>
-                  <a:srgbClr val="000000"/>
-                </a:solidFill>
-                <a:effectLst/>
-                <a:latin typeface="Lucida Console" panose="020B0609040504020204" pitchFamily="49" charset="0"/>
-              </a:rPr>
-              <a:t>FOR </a:t>
-            </a:r>
-            <a:r>
-              <a:rPr kumimoji="0" lang="en-US" altLang="en-US" sz="1200" b="1" i="0" u="none" strike="noStrike" cap="none" normalizeH="0" baseline="0" dirty="0">
-                <a:ln>
-                  <a:noFill/>
-                </a:ln>
-                <a:solidFill>
-                  <a:srgbClr val="000000"/>
-                </a:solidFill>
-                <a:effectLst/>
-                <a:latin typeface="Lucida Console" panose="020B0609040504020204" pitchFamily="49" charset="0"/>
-              </a:rPr>
-              <a:t>/F </a:t>
-            </a:r>
-            <a:r>
-              <a:rPr kumimoji="0" lang="en-US" altLang="en-US" sz="1200" b="0" i="0" u="none" strike="noStrike" cap="none" normalizeH="0" baseline="0" dirty="0">
-                <a:ln>
-                  <a:noFill/>
-                </a:ln>
-                <a:solidFill>
-                  <a:srgbClr val="000000"/>
-                </a:solidFill>
-                <a:effectLst/>
-                <a:latin typeface="Lucida Console" panose="020B0609040504020204" pitchFamily="49" charset="0"/>
-              </a:rPr>
-              <a:t>["options"] %%parameter IN ("Text string to process") DO </a:t>
-            </a:r>
-            <a:r>
-              <a:rPr kumimoji="0" lang="en-US" altLang="en-US" sz="1200" b="0" i="1" u="none" strike="noStrike" cap="none" normalizeH="0" baseline="0" dirty="0">
-                <a:ln>
-                  <a:noFill/>
-                </a:ln>
-                <a:solidFill>
-                  <a:srgbClr val="07572C"/>
-                </a:solidFill>
-                <a:effectLst/>
-                <a:latin typeface="Lucida Console" panose="020B0609040504020204" pitchFamily="49" charset="0"/>
-              </a:rPr>
-              <a:t>command</a:t>
-            </a:r>
-            <a:r>
-              <a:rPr kumimoji="0" lang="en-US" altLang="en-US" sz="1200" b="0" i="0" u="none" strike="noStrike" cap="none" normalizeH="0" baseline="0" dirty="0">
-                <a:ln>
-                  <a:noFill/>
-                </a:ln>
-                <a:solidFill>
-                  <a:srgbClr val="000000"/>
-                </a:solidFill>
-                <a:effectLst/>
-                <a:latin typeface="Lucida Console" panose="020B0609040504020204" pitchFamily="49" charset="0"/>
-              </a:rPr>
-              <a:t> </a:t>
-            </a:r>
-          </a:p>
-          <a:p>
-            <a:pPr marL="0" marR="0" lvl="0" indent="0" algn="l" defTabSz="914400" rtl="0" eaLnBrk="0" fontAlgn="base" latinLnBrk="0" hangingPunct="0">
-              <a:lnSpc>
-                <a:spcPct val="100000"/>
-              </a:lnSpc>
-              <a:spcBef>
-                <a:spcPct val="0"/>
-              </a:spcBef>
-              <a:spcAft>
-                <a:spcPct val="0"/>
-              </a:spcAft>
-              <a:buClrTx/>
-              <a:buSzTx/>
-              <a:buFontTx/>
-              <a:buNone/>
-              <a:tabLst/>
-            </a:pPr>
-            <a:r>
-              <a:rPr kumimoji="0" lang="en-US" altLang="en-US" sz="1200" b="0" i="0" u="none" strike="noStrike" cap="none" normalizeH="0" baseline="0" dirty="0">
-                <a:ln>
-                  <a:noFill/>
-                </a:ln>
-                <a:solidFill>
-                  <a:srgbClr val="000000"/>
-                </a:solidFill>
-                <a:effectLst/>
-                <a:latin typeface="Lucida Console" panose="020B0609040504020204" pitchFamily="49" charset="0"/>
-              </a:rPr>
-              <a:t>syntax-</a:t>
-            </a:r>
-            <a:r>
-              <a:rPr kumimoji="0" lang="en-US" altLang="en-US" sz="1200" b="0" i="0" u="none" strike="noStrike" cap="none" normalizeH="0" baseline="0" dirty="0">
-                <a:ln>
-                  <a:noFill/>
-                </a:ln>
-                <a:solidFill>
-                  <a:srgbClr val="0000FF"/>
-                </a:solidFill>
-                <a:effectLst/>
-                <a:latin typeface="Lucida Console" panose="020B0609040504020204" pitchFamily="49" charset="0"/>
-                <a:hlinkClick r:id="rId7"/>
-              </a:rPr>
-              <a:t>FOR-Command Results</a:t>
-            </a:r>
-            <a:r>
-              <a:rPr kumimoji="0" lang="en-US" altLang="en-US" sz="1200" b="0" i="0" u="none" strike="noStrike" cap="none" normalizeH="0" baseline="0" dirty="0">
-                <a:ln>
-                  <a:noFill/>
-                </a:ln>
-                <a:solidFill>
-                  <a:srgbClr val="000000"/>
-                </a:solidFill>
-                <a:effectLst/>
-                <a:latin typeface="Lucida Console" panose="020B0609040504020204" pitchFamily="49" charset="0"/>
-              </a:rPr>
-              <a:t> </a:t>
-            </a:r>
-          </a:p>
-          <a:p>
-            <a:pPr marL="0" marR="0" lvl="0" indent="0" algn="l" defTabSz="914400" rtl="0" eaLnBrk="0" fontAlgn="base" latinLnBrk="0" hangingPunct="0">
-              <a:lnSpc>
-                <a:spcPct val="100000"/>
-              </a:lnSpc>
-              <a:spcBef>
-                <a:spcPct val="0"/>
-              </a:spcBef>
-              <a:spcAft>
-                <a:spcPct val="0"/>
-              </a:spcAft>
-              <a:buClrTx/>
-              <a:buSzTx/>
-              <a:buFontTx/>
-              <a:buNone/>
-              <a:tabLst/>
-            </a:pPr>
-            <a:r>
-              <a:rPr kumimoji="0" lang="en-US" altLang="en-US" sz="1200" b="0" i="0" u="none" strike="noStrike" cap="none" normalizeH="0" baseline="0" dirty="0">
-                <a:ln>
-                  <a:noFill/>
-                </a:ln>
-                <a:solidFill>
-                  <a:srgbClr val="000000"/>
-                </a:solidFill>
-                <a:effectLst/>
-                <a:latin typeface="Lucida Console" panose="020B0609040504020204" pitchFamily="49" charset="0"/>
-              </a:rPr>
-              <a:t>FOR </a:t>
-            </a:r>
-            <a:r>
-              <a:rPr kumimoji="0" lang="en-US" altLang="en-US" sz="1200" b="1" i="0" u="none" strike="noStrike" cap="none" normalizeH="0" baseline="0" dirty="0">
-                <a:ln>
-                  <a:noFill/>
-                </a:ln>
-                <a:solidFill>
-                  <a:srgbClr val="000000"/>
-                </a:solidFill>
-                <a:effectLst/>
-                <a:latin typeface="Lucida Console" panose="020B0609040504020204" pitchFamily="49" charset="0"/>
-              </a:rPr>
-              <a:t>/F</a:t>
-            </a:r>
-            <a:r>
-              <a:rPr kumimoji="0" lang="en-US" altLang="en-US" sz="1200" b="0" i="0" u="none" strike="noStrike" cap="none" normalizeH="0" baseline="0" dirty="0">
-                <a:ln>
-                  <a:noFill/>
-                </a:ln>
-                <a:solidFill>
-                  <a:srgbClr val="000000"/>
-                </a:solidFill>
-                <a:effectLst/>
-                <a:latin typeface="Lucida Console" panose="020B0609040504020204" pitchFamily="49" charset="0"/>
-              </a:rPr>
-              <a:t> ["options"] %%parameter IN ('command to process') DO </a:t>
-            </a:r>
-            <a:r>
-              <a:rPr kumimoji="0" lang="en-US" altLang="en-US" sz="1200" b="0" i="1" u="none" strike="noStrike" cap="none" normalizeH="0" baseline="0" dirty="0">
-                <a:ln>
-                  <a:noFill/>
-                </a:ln>
-                <a:solidFill>
-                  <a:srgbClr val="07572C"/>
-                </a:solidFill>
-                <a:effectLst/>
-                <a:latin typeface="Lucida Console" panose="020B0609040504020204" pitchFamily="49" charset="0"/>
-              </a:rPr>
-              <a:t>command</a:t>
-            </a:r>
-            <a:r>
-              <a:rPr kumimoji="0" lang="en-US" altLang="en-US" sz="800" b="0" i="0" u="none" strike="noStrike" cap="none" normalizeH="0" baseline="0" dirty="0">
-                <a:ln>
-                  <a:noFill/>
-                </a:ln>
-                <a:solidFill>
-                  <a:schemeClr val="tx1"/>
-                </a:solidFill>
-                <a:effectLst/>
-              </a:rPr>
-              <a:t> </a:t>
-            </a:r>
-            <a:endParaRPr kumimoji="0" lang="en-US" altLang="en-US" sz="1800" b="0" i="0" u="none" strike="noStrike" cap="none" normalizeH="0" baseline="0" dirty="0">
-              <a:ln>
-                <a:noFill/>
-              </a:ln>
-              <a:solidFill>
-                <a:schemeClr val="tx1"/>
-              </a:solidFill>
-              <a:effectLst/>
-              <a:latin typeface="Arial" panose="020B0604020202020204" pitchFamily="34" charset="0"/>
-            </a:endParaRPr>
+            <a:r>
+              <a:rPr lang="en-US" altLang="zh-TW" dirty="0"/>
+              <a:t>ForStruct.cmd</a:t>
+            </a:r>
+            <a:endParaRPr lang="zh-TW" altLang="en-US" dirty="0"/>
           </a:p>
         </p:txBody>
       </p:sp>
     </p:spTree>
     <p:extLst>
       <p:ext uri="{BB962C8B-B14F-4D97-AF65-F5344CB8AC3E}">
-        <p14:creationId xmlns:p14="http://schemas.microsoft.com/office/powerpoint/2010/main" val="2832285098"/>
+        <p14:creationId xmlns:p14="http://schemas.microsoft.com/office/powerpoint/2010/main" val="2673526120"/>
       </p:ext>
     </p:extLst>
   </p:cSld>
@@ -5269,10 +6498,10 @@
       </p:grpSpPr>
       <p:sp>
         <p:nvSpPr>
-          <p:cNvPr id="2" name="標題 1">
-            <a:extLst>
-              <a:ext uri="{FF2B5EF4-FFF2-40B4-BE49-F238E27FC236}">
-                <a16:creationId xmlns:a16="http://schemas.microsoft.com/office/drawing/2014/main" id="{561C9C32-DDC4-A210-5B51-2A34CA533239}"/>
+          <p:cNvPr id="2" name="Title 1">
+            <a:extLst>
+              <a:ext uri="{FF2B5EF4-FFF2-40B4-BE49-F238E27FC236}">
+                <a16:creationId xmlns:a16="http://schemas.microsoft.com/office/drawing/2014/main" id="{14500332-BC13-42EF-A13A-8352D88F31FC}"/>
               </a:ext>
             </a:extLst>
           </p:cNvPr>
@@ -5288,16 +6517,43 @@
           <a:bodyPr/>
           <a:lstStyle/>
           <a:p>
-            <a:endParaRPr lang="en-US"/>
-          </a:p>
-        </p:txBody>
-      </p:sp>
-      <p:sp>
-        <p:nvSpPr>
-          <p:cNvPr id="3" name="內容版面配置區 2">
-            <a:extLst>
-              <a:ext uri="{FF2B5EF4-FFF2-40B4-BE49-F238E27FC236}">
-                <a16:creationId xmlns:a16="http://schemas.microsoft.com/office/drawing/2014/main" id="{3FA239C9-E998-4046-5FAA-6F826AC52D50}"/>
+            <a:r>
+              <a:rPr lang="zh-TW" altLang="en-US" sz="6000" dirty="0">
+                <a:highlight>
+                  <a:srgbClr val="FF0000"/>
+                </a:highlight>
+                <a:latin typeface="+mn-lt"/>
+                <a:ea typeface="+mn-ea"/>
+                <a:cs typeface="+mn-cs"/>
+              </a:rPr>
+              <a:t>集合</a:t>
+            </a:r>
+            <a:r>
+              <a:rPr lang="en-US" altLang="zh-TW" dirty="0"/>
+              <a:t>—</a:t>
+            </a:r>
+            <a:r>
+              <a:rPr lang="en-US" altLang="zh-TW" sz="6000" dirty="0"/>
+              <a:t>A set of List (</a:t>
+            </a:r>
+            <a:r>
+              <a:rPr lang="zh-TW" altLang="en-US" sz="6000" dirty="0"/>
+              <a:t>清單</a:t>
+            </a:r>
+            <a:r>
+              <a:rPr lang="en-US" altLang="zh-TW" sz="6000" dirty="0"/>
+              <a:t>)</a:t>
+            </a:r>
+            <a:endParaRPr lang="zh-TW" altLang="en-US" sz="6000" dirty="0"/>
+          </a:p>
+        </p:txBody>
+      </p:sp>
+      <p:sp>
+        <p:nvSpPr>
+          <p:cNvPr id="3" name="Content Placeholder 2">
+            <a:extLst>
+              <a:ext uri="{FF2B5EF4-FFF2-40B4-BE49-F238E27FC236}">
+                <a16:creationId xmlns:a16="http://schemas.microsoft.com/office/drawing/2014/main" id="{A772B90D-B20F-45F3-B8DF-4E1E3BDD95AA}"/>
               </a:ext>
             </a:extLst>
           </p:cNvPr>
@@ -5310,17 +6566,101 @@
         </p:nvSpPr>
         <p:spPr/>
         <p:txBody>
-          <a:bodyPr/>
-          <a:lstStyle/>
-          <a:p>
-            <a:endParaRPr lang="en-US"/>
+          <a:bodyPr>
+            <a:normAutofit/>
+          </a:bodyPr>
+          <a:lstStyle/>
+          <a:p>
+            <a:pPr marL="0" indent="0">
+              <a:lnSpc>
+                <a:spcPct val="150000"/>
+              </a:lnSpc>
+              <a:buNone/>
+            </a:pPr>
+            <a:r>
+              <a:rPr lang="en-US" altLang="zh-TW" sz="4000" dirty="0"/>
+              <a:t>Mon Tue Wed Thu Fri Sat Sun</a:t>
+            </a:r>
+          </a:p>
+          <a:p>
+            <a:pPr marL="0" indent="0">
+              <a:lnSpc>
+                <a:spcPct val="150000"/>
+              </a:lnSpc>
+              <a:buNone/>
+            </a:pPr>
+            <a:r>
+              <a:rPr lang="en-US" altLang="zh-TW" sz="4000" dirty="0"/>
+              <a:t>Jan Feb Mar Apr May Jun Jul Aug Sep Oct Nov Dec</a:t>
+            </a:r>
+          </a:p>
+          <a:p>
+            <a:pPr marL="0" indent="0">
+              <a:lnSpc>
+                <a:spcPct val="150000"/>
+              </a:lnSpc>
+              <a:buNone/>
+            </a:pPr>
+            <a:r>
+              <a:rPr lang="en-US" altLang="zh-TW" sz="4000" dirty="0"/>
+              <a:t>1 2 3 4 5 6 7 8 9 10</a:t>
+            </a:r>
+          </a:p>
+          <a:p>
+            <a:pPr marL="0" indent="0">
+              <a:lnSpc>
+                <a:spcPct val="150000"/>
+              </a:lnSpc>
+              <a:buNone/>
+            </a:pPr>
+            <a:r>
+              <a:rPr lang="en-US" altLang="zh-TW" sz="4000" dirty="0"/>
+              <a:t>%1 %2 %3 %4 %5 %6 %7 %8 %9</a:t>
+            </a:r>
+            <a:endParaRPr lang="zh-TW" altLang="en-US" sz="4000" dirty="0"/>
+          </a:p>
+        </p:txBody>
+      </p:sp>
+      <p:sp>
+        <p:nvSpPr>
+          <p:cNvPr id="4" name="TextBox 3">
+            <a:extLst>
+              <a:ext uri="{FF2B5EF4-FFF2-40B4-BE49-F238E27FC236}">
+                <a16:creationId xmlns:a16="http://schemas.microsoft.com/office/drawing/2014/main" id="{634AD986-78DE-4A74-ABDF-1F57C92ED0D4}"/>
+              </a:ext>
+            </a:extLst>
+          </p:cNvPr>
+          <p:cNvSpPr txBox="1"/>
+          <p:nvPr/>
+        </p:nvSpPr>
+        <p:spPr>
+          <a:xfrm>
+            <a:off x="9843499" y="5702092"/>
+            <a:ext cx="1510301" cy="369332"/>
+          </a:xfrm>
+          <a:prstGeom prst="rect">
+            <a:avLst/>
+          </a:prstGeom>
+          <a:noFill/>
+        </p:spPr>
+        <p:txBody>
+          <a:bodyPr wrap="square" rtlCol="0">
+            <a:spAutoFit/>
+          </a:bodyPr>
+          <a:lstStyle/>
+          <a:p>
+            <a:r>
+              <a:rPr lang="en-US" altLang="zh-TW" dirty="0"/>
+              <a:t>ForStruct.cmd</a:t>
+            </a:r>
+            <a:endParaRPr lang="zh-TW" altLang="en-US" dirty="0"/>
           </a:p>
         </p:txBody>
       </p:sp>
     </p:spTree>
     <p:extLst>
       <p:ext uri="{BB962C8B-B14F-4D97-AF65-F5344CB8AC3E}">
-        <p14:creationId xmlns:p14="http://schemas.microsoft.com/office/powerpoint/2010/main" val="1835183684"/>
+        <p14:creationId xmlns:p14="http://schemas.microsoft.com/office/powerpoint/2010/main" val="3925798905"/>
       </p:ext>
     </p:extLst>
   </p:cSld>
@@ -5349,35 +6689,10 @@
       </p:grpSpPr>
       <p:sp>
         <p:nvSpPr>
-          <p:cNvPr id="2" name="標題 1">
-            <a:extLst>
-              <a:ext uri="{FF2B5EF4-FFF2-40B4-BE49-F238E27FC236}">
-                <a16:creationId xmlns:a16="http://schemas.microsoft.com/office/drawing/2014/main" id="{D8074D9F-AC32-BF23-12C1-7A873A18A227}"/>
-              </a:ext>
-            </a:extLst>
-          </p:cNvPr>
-          <p:cNvSpPr>
-            <a:spLocks noGrp="1"/>
-          </p:cNvSpPr>
-          <p:nvPr>
-            <p:ph type="title"/>
-          </p:nvPr>
-        </p:nvSpPr>
-        <p:spPr/>
-        <p:txBody>
-          <a:bodyPr/>
-          <a:lstStyle/>
-          <a:p>
-            <a:endParaRPr lang="en-US"/>
-          </a:p>
-        </p:txBody>
-      </p:sp>
-      <p:sp>
-        <p:nvSpPr>
-          <p:cNvPr id="3" name="內容版面配置區 2">
-            <a:extLst>
-              <a:ext uri="{FF2B5EF4-FFF2-40B4-BE49-F238E27FC236}">
-                <a16:creationId xmlns:a16="http://schemas.microsoft.com/office/drawing/2014/main" id="{465708E1-06A6-7F59-C755-17ADFCCFC0CD}"/>
+          <p:cNvPr id="4" name="內容版面配置區 2">
+            <a:extLst>
+              <a:ext uri="{FF2B5EF4-FFF2-40B4-BE49-F238E27FC236}">
+                <a16:creationId xmlns:a16="http://schemas.microsoft.com/office/drawing/2014/main" id="{EA8BC430-8ADE-4137-8553-BF1E28C5C1D9}"/>
               </a:ext>
             </a:extLst>
           </p:cNvPr>
@@ -5388,19 +6703,173 @@
             <p:ph idx="1"/>
           </p:nvPr>
         </p:nvSpPr>
-        <p:spPr/>
-        <p:txBody>
-          <a:bodyPr/>
-          <a:lstStyle/>
-          <a:p>
-            <a:endParaRPr lang="en-US"/>
+        <p:spPr>
+          <a:xfrm>
+            <a:off x="0" y="1035698"/>
+            <a:ext cx="12192000" cy="4917233"/>
+          </a:xfrm>
+        </p:spPr>
+        <p:txBody>
+          <a:bodyPr anchor="ctr">
+            <a:normAutofit/>
+          </a:bodyPr>
+          <a:lstStyle/>
+          <a:p>
+            <a:pPr marL="0" indent="0" algn="ctr">
+              <a:buNone/>
+            </a:pPr>
+            <a:r>
+              <a:rPr lang="en-US" sz="6000" spc="300" dirty="0"/>
+              <a:t>F</a:t>
+            </a:r>
+            <a:r>
+              <a:rPr lang="en-US" altLang="zh-TW" sz="6000" spc="300" dirty="0"/>
+              <a:t>OR</a:t>
+            </a:r>
+            <a:r>
+              <a:rPr lang="en-US" sz="6000" spc="300" dirty="0"/>
+              <a:t>          </a:t>
+            </a:r>
+            <a:r>
+              <a:rPr lang="en-US" sz="6000" spc="300" dirty="0">
+                <a:solidFill>
+                  <a:srgbClr val="FF0000"/>
+                </a:solidFill>
+              </a:rPr>
+              <a:t>%%x </a:t>
+            </a:r>
+            <a:r>
+              <a:rPr lang="en-US" altLang="zh-TW" sz="6000" spc="300" dirty="0"/>
+              <a:t>IN</a:t>
+            </a:r>
+            <a:r>
+              <a:rPr lang="en-US" sz="6000" spc="300" dirty="0"/>
+              <a:t> (</a:t>
+            </a:r>
+            <a:r>
+              <a:rPr lang="zh-TW" altLang="en-US" sz="6000" dirty="0">
+                <a:highlight>
+                  <a:srgbClr val="FF0000"/>
+                </a:highlight>
+              </a:rPr>
+              <a:t>集合</a:t>
+            </a:r>
+            <a:r>
+              <a:rPr lang="en-US" sz="6000" spc="300" dirty="0"/>
+              <a:t>) D</a:t>
+            </a:r>
+            <a:r>
+              <a:rPr lang="en-US" altLang="zh-TW" sz="6000" spc="300" dirty="0"/>
+              <a:t>O</a:t>
+            </a:r>
+            <a:r>
+              <a:rPr lang="en-US" sz="2400" spc="300" dirty="0"/>
+              <a:t>  </a:t>
+            </a:r>
+            <a:r>
+              <a:rPr lang="en-US" sz="2400" spc="300" dirty="0">
+                <a:solidFill>
+                  <a:schemeClr val="bg1"/>
+                </a:solidFill>
+                <a:highlight>
+                  <a:srgbClr val="008000"/>
+                </a:highlight>
+              </a:rPr>
+              <a:t>command f(x)</a:t>
+            </a:r>
+            <a:r>
+              <a:rPr lang="en-US" sz="2400" spc="300" dirty="0">
+                <a:solidFill>
+                  <a:schemeClr val="bg1"/>
+                </a:solidFill>
+              </a:rPr>
+              <a:t> </a:t>
+            </a:r>
+          </a:p>
+        </p:txBody>
+      </p:sp>
+      <p:sp>
+        <p:nvSpPr>
+          <p:cNvPr id="5" name="TextBox 4">
+            <a:extLst>
+              <a:ext uri="{FF2B5EF4-FFF2-40B4-BE49-F238E27FC236}">
+                <a16:creationId xmlns:a16="http://schemas.microsoft.com/office/drawing/2014/main" id="{341C3703-A2A0-4237-B22E-7ED79B192DB3}"/>
+              </a:ext>
+            </a:extLst>
+          </p:cNvPr>
+          <p:cNvSpPr txBox="1"/>
+          <p:nvPr/>
+        </p:nvSpPr>
+        <p:spPr>
+          <a:xfrm>
+            <a:off x="1828799" y="144735"/>
+            <a:ext cx="1582221" cy="6568529"/>
+          </a:xfrm>
+          <a:prstGeom prst="rect">
+            <a:avLst/>
+          </a:prstGeom>
+          <a:solidFill>
+            <a:schemeClr val="accent4">
+              <a:lumMod val="40000"/>
+              <a:lumOff val="60000"/>
+            </a:schemeClr>
+          </a:solidFill>
+        </p:spPr>
+        <p:txBody>
+          <a:bodyPr wrap="square" numCol="1" spcCol="365760" rtlCol="0" anchor="ctr">
+            <a:spAutoFit/>
+          </a:bodyPr>
+          <a:lstStyle/>
+          <a:p>
+            <a:pPr>
+              <a:lnSpc>
+                <a:spcPct val="150000"/>
+              </a:lnSpc>
+            </a:pPr>
+            <a:r>
+              <a:rPr lang="en-US" altLang="zh-TW" sz="7200" dirty="0"/>
+              <a:t>/R</a:t>
+            </a:r>
+          </a:p>
+          <a:p>
+            <a:pPr>
+              <a:lnSpc>
+                <a:spcPct val="150000"/>
+              </a:lnSpc>
+            </a:pPr>
+            <a:r>
+              <a:rPr lang="en-US" altLang="zh-TW" sz="7200" dirty="0"/>
+              <a:t>/D</a:t>
+            </a:r>
+          </a:p>
+          <a:p>
+            <a:pPr>
+              <a:lnSpc>
+                <a:spcPct val="150000"/>
+              </a:lnSpc>
+            </a:pPr>
+            <a:r>
+              <a:rPr lang="en-US" altLang="zh-TW" sz="7200" dirty="0"/>
+              <a:t>/L</a:t>
+            </a:r>
+          </a:p>
+          <a:p>
+            <a:pPr>
+              <a:lnSpc>
+                <a:spcPct val="150000"/>
+              </a:lnSpc>
+            </a:pPr>
+            <a:r>
+              <a:rPr lang="en-US" altLang="zh-TW" sz="7200" dirty="0"/>
+              <a:t>/F</a:t>
+            </a:r>
           </a:p>
         </p:txBody>
       </p:sp>
     </p:spTree>
     <p:extLst>
       <p:ext uri="{BB962C8B-B14F-4D97-AF65-F5344CB8AC3E}">
-        <p14:creationId xmlns:p14="http://schemas.microsoft.com/office/powerpoint/2010/main" val="1678562329"/>
+        <p14:creationId xmlns:p14="http://schemas.microsoft.com/office/powerpoint/2010/main" val="1459784746"/>
       </p:ext>
     </p:extLst>
   </p:cSld>

--- a/Dos Batch Script_Training_2022_Jul.pptx
+++ b/Dos Batch Script_Training_2022_Jul.pptx
@@ -5,7 +5,7 @@
     <p:sldMasterId id="2147483648" r:id="rId1"/>
   </p:sldMasterIdLst>
   <p:notesMasterIdLst>
-    <p:notesMasterId r:id="rId30"/>
+    <p:notesMasterId r:id="rId32"/>
   </p:notesMasterIdLst>
   <p:sldIdLst>
     <p:sldId id="256" r:id="rId2"/>
@@ -32,10 +32,12 @@
     <p:sldId id="257" r:id="rId23"/>
     <p:sldId id="259" r:id="rId24"/>
     <p:sldId id="260" r:id="rId25"/>
-    <p:sldId id="261" r:id="rId26"/>
-    <p:sldId id="262" r:id="rId27"/>
-    <p:sldId id="267" r:id="rId28"/>
-    <p:sldId id="270" r:id="rId29"/>
+    <p:sldId id="287" r:id="rId26"/>
+    <p:sldId id="288" r:id="rId27"/>
+    <p:sldId id="261" r:id="rId28"/>
+    <p:sldId id="262" r:id="rId29"/>
+    <p:sldId id="267" r:id="rId30"/>
+    <p:sldId id="270" r:id="rId31"/>
   </p:sldIdLst>
   <p:sldSz cx="12192000" cy="6858000"/>
   <p:notesSz cx="6858000" cy="9144000"/>
@@ -2539,7 +2541,7 @@
           <a:p>
             <a:fld id="{66B793B8-B6BF-4137-8ED2-BC8803DE493B}" type="datetimeFigureOut">
               <a:rPr lang="en-US" smtClean="0"/>
-              <a:t>5/26/2022</a:t>
+              <a:t>2022-05-26</a:t>
             </a:fld>
             <a:endParaRPr lang="en-US"/>
           </a:p>
@@ -3040,7 +3042,7 @@
           <a:p>
             <a:fld id="{795C0ED0-18F0-400E-82E8-9934A1EBB094}" type="datetimeFigureOut">
               <a:rPr lang="en-US" smtClean="0"/>
-              <a:t>5/25/2022</a:t>
+              <a:t>2022-05-26</a:t>
             </a:fld>
             <a:endParaRPr lang="en-US"/>
           </a:p>
@@ -3240,7 +3242,7 @@
           <a:p>
             <a:fld id="{795C0ED0-18F0-400E-82E8-9934A1EBB094}" type="datetimeFigureOut">
               <a:rPr lang="en-US" smtClean="0"/>
-              <a:t>5/25/2022</a:t>
+              <a:t>2022-05-26</a:t>
             </a:fld>
             <a:endParaRPr lang="en-US"/>
           </a:p>
@@ -3450,7 +3452,7 @@
           <a:p>
             <a:fld id="{795C0ED0-18F0-400E-82E8-9934A1EBB094}" type="datetimeFigureOut">
               <a:rPr lang="en-US" smtClean="0"/>
-              <a:t>5/25/2022</a:t>
+              <a:t>2022-05-26</a:t>
             </a:fld>
             <a:endParaRPr lang="en-US"/>
           </a:p>
@@ -3650,7 +3652,7 @@
           <a:p>
             <a:fld id="{795C0ED0-18F0-400E-82E8-9934A1EBB094}" type="datetimeFigureOut">
               <a:rPr lang="en-US" smtClean="0"/>
-              <a:t>5/25/2022</a:t>
+              <a:t>2022-05-26</a:t>
             </a:fld>
             <a:endParaRPr lang="en-US"/>
           </a:p>
@@ -3926,7 +3928,7 @@
           <a:p>
             <a:fld id="{795C0ED0-18F0-400E-82E8-9934A1EBB094}" type="datetimeFigureOut">
               <a:rPr lang="en-US" smtClean="0"/>
-              <a:t>5/25/2022</a:t>
+              <a:t>2022-05-26</a:t>
             </a:fld>
             <a:endParaRPr lang="en-US"/>
           </a:p>
@@ -4194,7 +4196,7 @@
           <a:p>
             <a:fld id="{795C0ED0-18F0-400E-82E8-9934A1EBB094}" type="datetimeFigureOut">
               <a:rPr lang="en-US" smtClean="0"/>
-              <a:t>5/25/2022</a:t>
+              <a:t>2022-05-26</a:t>
             </a:fld>
             <a:endParaRPr lang="en-US"/>
           </a:p>
@@ -4609,7 +4611,7 @@
           <a:p>
             <a:fld id="{795C0ED0-18F0-400E-82E8-9934A1EBB094}" type="datetimeFigureOut">
               <a:rPr lang="en-US" smtClean="0"/>
-              <a:t>5/25/2022</a:t>
+              <a:t>2022-05-26</a:t>
             </a:fld>
             <a:endParaRPr lang="en-US"/>
           </a:p>
@@ -4751,7 +4753,7 @@
           <a:p>
             <a:fld id="{795C0ED0-18F0-400E-82E8-9934A1EBB094}" type="datetimeFigureOut">
               <a:rPr lang="en-US" smtClean="0"/>
-              <a:t>5/25/2022</a:t>
+              <a:t>2022-05-26</a:t>
             </a:fld>
             <a:endParaRPr lang="en-US"/>
           </a:p>
@@ -4864,7 +4866,7 @@
           <a:p>
             <a:fld id="{795C0ED0-18F0-400E-82E8-9934A1EBB094}" type="datetimeFigureOut">
               <a:rPr lang="en-US" smtClean="0"/>
-              <a:t>5/25/2022</a:t>
+              <a:t>2022-05-26</a:t>
             </a:fld>
             <a:endParaRPr lang="en-US"/>
           </a:p>
@@ -5177,7 +5179,7 @@
           <a:p>
             <a:fld id="{795C0ED0-18F0-400E-82E8-9934A1EBB094}" type="datetimeFigureOut">
               <a:rPr lang="en-US" smtClean="0"/>
-              <a:t>5/25/2022</a:t>
+              <a:t>2022-05-26</a:t>
             </a:fld>
             <a:endParaRPr lang="en-US"/>
           </a:p>
@@ -5466,7 +5468,7 @@
           <a:p>
             <a:fld id="{795C0ED0-18F0-400E-82E8-9934A1EBB094}" type="datetimeFigureOut">
               <a:rPr lang="en-US" smtClean="0"/>
-              <a:t>5/25/2022</a:t>
+              <a:t>2022-05-26</a:t>
             </a:fld>
             <a:endParaRPr lang="en-US"/>
           </a:p>
@@ -5709,7 +5711,7 @@
           <a:p>
             <a:fld id="{795C0ED0-18F0-400E-82E8-9934A1EBB094}" type="datetimeFigureOut">
               <a:rPr lang="en-US" smtClean="0"/>
-              <a:t>5/25/2022</a:t>
+              <a:t>2022-05-26</a:t>
             </a:fld>
             <a:endParaRPr lang="en-US"/>
           </a:p>
@@ -12020,6 +12022,26 @@
               <a:rPr lang="zh-TW" altLang="en-US" dirty="0"/>
               <a:t>先示範幾個例子</a:t>
             </a:r>
+            <a:endParaRPr lang="en-US" altLang="zh-TW" dirty="0"/>
+          </a:p>
+          <a:p>
+            <a:r>
+              <a:rPr lang="zh-TW" altLang="en-US" dirty="0"/>
+              <a:t>偵測 </a:t>
+            </a:r>
+            <a:r>
+              <a:rPr lang="en-US" altLang="zh-TW" dirty="0" err="1"/>
+              <a:t>adb</a:t>
+            </a:r>
+            <a:r>
+              <a:rPr lang="en-US" altLang="zh-TW" dirty="0"/>
+              <a:t> online/offline</a:t>
+            </a:r>
+          </a:p>
+          <a:p>
+            <a:pPr marL="0" indent="0">
+              <a:buNone/>
+            </a:pPr>
             <a:endParaRPr lang="en-US" dirty="0"/>
           </a:p>
         </p:txBody>
@@ -13117,6 +13139,174 @@
       </p:grpSpPr>
       <p:sp>
         <p:nvSpPr>
+          <p:cNvPr id="2" name="Title 1">
+            <a:extLst>
+              <a:ext uri="{FF2B5EF4-FFF2-40B4-BE49-F238E27FC236}">
+                <a16:creationId xmlns:a16="http://schemas.microsoft.com/office/drawing/2014/main" id="{44324E1D-C438-4D01-9FCC-BB1E475721B2}"/>
+              </a:ext>
+            </a:extLst>
+          </p:cNvPr>
+          <p:cNvSpPr>
+            <a:spLocks noGrp="1"/>
+          </p:cNvSpPr>
+          <p:nvPr>
+            <p:ph type="title"/>
+          </p:nvPr>
+        </p:nvSpPr>
+        <p:spPr/>
+        <p:txBody>
+          <a:bodyPr/>
+          <a:lstStyle/>
+          <a:p>
+            <a:r>
+              <a:rPr lang="en-US" altLang="zh-TW" dirty="0"/>
+              <a:t>FIND</a:t>
+            </a:r>
+            <a:endParaRPr lang="zh-TW" altLang="en-US" dirty="0"/>
+          </a:p>
+        </p:txBody>
+      </p:sp>
+      <p:sp>
+        <p:nvSpPr>
+          <p:cNvPr id="3" name="Content Placeholder 2">
+            <a:extLst>
+              <a:ext uri="{FF2B5EF4-FFF2-40B4-BE49-F238E27FC236}">
+                <a16:creationId xmlns:a16="http://schemas.microsoft.com/office/drawing/2014/main" id="{96699379-3F35-4C62-9FB5-99877102548D}"/>
+              </a:ext>
+            </a:extLst>
+          </p:cNvPr>
+          <p:cNvSpPr>
+            <a:spLocks noGrp="1"/>
+          </p:cNvSpPr>
+          <p:nvPr>
+            <p:ph idx="1"/>
+          </p:nvPr>
+        </p:nvSpPr>
+        <p:spPr/>
+        <p:txBody>
+          <a:bodyPr/>
+          <a:lstStyle/>
+          <a:p>
+            <a:endParaRPr lang="zh-TW" altLang="en-US" dirty="0"/>
+          </a:p>
+        </p:txBody>
+      </p:sp>
+    </p:spTree>
+    <p:extLst>
+      <p:ext uri="{BB962C8B-B14F-4D97-AF65-F5344CB8AC3E}">
+        <p14:creationId xmlns:p14="http://schemas.microsoft.com/office/powerpoint/2010/main" val="3174654944"/>
+      </p:ext>
+    </p:extLst>
+  </p:cSld>
+  <p:clrMapOvr>
+    <a:masterClrMapping/>
+  </p:clrMapOvr>
+</p:sld>
+</file>
+
+<file path=ppt/slides/slide26.xml><?xml version="1.0" encoding="utf-8"?>
+<p:sld xmlns:a="http://schemas.openxmlformats.org/drawingml/2006/main" xmlns:r="http://schemas.openxmlformats.org/officeDocument/2006/relationships" xmlns:p="http://schemas.openxmlformats.org/presentationml/2006/main">
+  <p:cSld>
+    <p:spTree>
+      <p:nvGrpSpPr>
+        <p:cNvPr id="1" name=""/>
+        <p:cNvGrpSpPr/>
+        <p:nvPr/>
+      </p:nvGrpSpPr>
+      <p:grpSpPr>
+        <a:xfrm>
+          <a:off x="0" y="0"/>
+          <a:ext cx="0" cy="0"/>
+          <a:chOff x="0" y="0"/>
+          <a:chExt cx="0" cy="0"/>
+        </a:xfrm>
+      </p:grpSpPr>
+      <p:sp>
+        <p:nvSpPr>
+          <p:cNvPr id="2" name="Title 1">
+            <a:extLst>
+              <a:ext uri="{FF2B5EF4-FFF2-40B4-BE49-F238E27FC236}">
+                <a16:creationId xmlns:a16="http://schemas.microsoft.com/office/drawing/2014/main" id="{138F56EC-0EA1-45C6-8C39-DEA1A0B0DF6B}"/>
+              </a:ext>
+            </a:extLst>
+          </p:cNvPr>
+          <p:cNvSpPr>
+            <a:spLocks noGrp="1"/>
+          </p:cNvSpPr>
+          <p:nvPr>
+            <p:ph type="title"/>
+          </p:nvPr>
+        </p:nvSpPr>
+        <p:spPr/>
+        <p:txBody>
+          <a:bodyPr/>
+          <a:lstStyle/>
+          <a:p>
+            <a:r>
+              <a:rPr lang="en-US" altLang="zh-TW" dirty="0"/>
+              <a:t>FINDSTR</a:t>
+            </a:r>
+            <a:endParaRPr lang="zh-TW" altLang="en-US" dirty="0"/>
+          </a:p>
+        </p:txBody>
+      </p:sp>
+      <p:sp>
+        <p:nvSpPr>
+          <p:cNvPr id="3" name="Content Placeholder 2">
+            <a:extLst>
+              <a:ext uri="{FF2B5EF4-FFF2-40B4-BE49-F238E27FC236}">
+                <a16:creationId xmlns:a16="http://schemas.microsoft.com/office/drawing/2014/main" id="{A738EA59-19FF-4966-B89D-460D0D40D8BB}"/>
+              </a:ext>
+            </a:extLst>
+          </p:cNvPr>
+          <p:cNvSpPr>
+            <a:spLocks noGrp="1"/>
+          </p:cNvSpPr>
+          <p:nvPr>
+            <p:ph idx="1"/>
+          </p:nvPr>
+        </p:nvSpPr>
+        <p:spPr/>
+        <p:txBody>
+          <a:bodyPr/>
+          <a:lstStyle/>
+          <a:p>
+            <a:endParaRPr lang="zh-TW" altLang="en-US"/>
+          </a:p>
+        </p:txBody>
+      </p:sp>
+    </p:spTree>
+    <p:extLst>
+      <p:ext uri="{BB962C8B-B14F-4D97-AF65-F5344CB8AC3E}">
+        <p14:creationId xmlns:p14="http://schemas.microsoft.com/office/powerpoint/2010/main" val="2351552512"/>
+      </p:ext>
+    </p:extLst>
+  </p:cSld>
+  <p:clrMapOvr>
+    <a:masterClrMapping/>
+  </p:clrMapOvr>
+</p:sld>
+</file>
+
+<file path=ppt/slides/slide27.xml><?xml version="1.0" encoding="utf-8"?>
+<p:sld xmlns:a="http://schemas.openxmlformats.org/drawingml/2006/main" xmlns:r="http://schemas.openxmlformats.org/officeDocument/2006/relationships" xmlns:p="http://schemas.openxmlformats.org/presentationml/2006/main">
+  <p:cSld>
+    <p:spTree>
+      <p:nvGrpSpPr>
+        <p:cNvPr id="1" name=""/>
+        <p:cNvGrpSpPr/>
+        <p:nvPr/>
+      </p:nvGrpSpPr>
+      <p:grpSpPr>
+        <a:xfrm>
+          <a:off x="0" y="0"/>
+          <a:ext cx="0" cy="0"/>
+          <a:chOff x="0" y="0"/>
+          <a:chExt cx="0" cy="0"/>
+        </a:xfrm>
+      </p:grpSpPr>
+      <p:sp>
+        <p:nvSpPr>
           <p:cNvPr id="2" name="標題 1">
             <a:extLst>
               <a:ext uri="{FF2B5EF4-FFF2-40B4-BE49-F238E27FC236}">
@@ -13259,7 +13449,7 @@
 </p:sld>
 </file>
 
-<file path=ppt/slides/slide26.xml><?xml version="1.0" encoding="utf-8"?>
+<file path=ppt/slides/slide28.xml><?xml version="1.0" encoding="utf-8"?>
 <p:sld xmlns:a="http://schemas.openxmlformats.org/drawingml/2006/main" xmlns:r="http://schemas.openxmlformats.org/officeDocument/2006/relationships" xmlns:p="http://schemas.openxmlformats.org/presentationml/2006/main">
   <p:cSld>
     <p:spTree>
@@ -13363,7 +13553,7 @@
 </p:sld>
 </file>
 
-<file path=ppt/slides/slide27.xml><?xml version="1.0" encoding="utf-8"?>
+<file path=ppt/slides/slide29.xml><?xml version="1.0" encoding="utf-8"?>
 <p:sld xmlns:a="http://schemas.openxmlformats.org/drawingml/2006/main" xmlns:r="http://schemas.openxmlformats.org/officeDocument/2006/relationships" xmlns:p="http://schemas.openxmlformats.org/presentationml/2006/main">
   <p:cSld>
     <p:spTree>
@@ -13450,7 +13640,330 @@
 </p:sld>
 </file>
 
-<file path=ppt/slides/slide28.xml><?xml version="1.0" encoding="utf-8"?>
+<file path=ppt/slides/slide3.xml><?xml version="1.0" encoding="utf-8"?>
+<p:sld xmlns:a="http://schemas.openxmlformats.org/drawingml/2006/main" xmlns:r="http://schemas.openxmlformats.org/officeDocument/2006/relationships" xmlns:p="http://schemas.openxmlformats.org/presentationml/2006/main">
+  <p:cSld>
+    <p:bg>
+      <p:bgPr>
+        <a:solidFill>
+          <a:schemeClr val="bg1"/>
+        </a:solidFill>
+        <a:effectLst/>
+      </p:bgPr>
+    </p:bg>
+    <p:spTree>
+      <p:nvGrpSpPr>
+        <p:cNvPr id="1" name=""/>
+        <p:cNvGrpSpPr/>
+        <p:nvPr/>
+      </p:nvGrpSpPr>
+      <p:grpSpPr>
+        <a:xfrm>
+          <a:off x="0" y="0"/>
+          <a:ext cx="0" cy="0"/>
+          <a:chOff x="0" y="0"/>
+          <a:chExt cx="0" cy="0"/>
+        </a:xfrm>
+      </p:grpSpPr>
+      <p:pic>
+        <p:nvPicPr>
+          <p:cNvPr id="1026" name="Picture 2" descr="圖片">
+            <a:extLst>
+              <a:ext uri="{FF2B5EF4-FFF2-40B4-BE49-F238E27FC236}">
+                <a16:creationId xmlns:a16="http://schemas.microsoft.com/office/drawing/2014/main" id="{2A2E2DEC-F197-EEBC-924F-DB6DA29EAFEE}"/>
+              </a:ext>
+            </a:extLst>
+          </p:cNvPr>
+          <p:cNvPicPr>
+            <a:picLocks noGrp="1" noChangeAspect="1" noChangeArrowheads="1"/>
+          </p:cNvPicPr>
+          <p:nvPr>
+            <p:ph idx="1"/>
+          </p:nvPr>
+        </p:nvPicPr>
+        <p:blipFill rotWithShape="1">
+          <a:blip r:embed="rId3">
+            <a:extLst>
+              <a:ext uri="{28A0092B-C50C-407E-A947-70E740481C1C}">
+                <a14:useLocalDpi xmlns:a14="http://schemas.microsoft.com/office/drawing/2010/main" val="0"/>
+              </a:ext>
+            </a:extLst>
+          </a:blip>
+          <a:srcRect/>
+          <a:stretch/>
+        </p:blipFill>
+        <p:spPr bwMode="auto">
+          <a:xfrm>
+            <a:off x="20" y="10"/>
+            <a:ext cx="12191980" cy="6857990"/>
+          </a:xfrm>
+          <a:prstGeom prst="rect">
+            <a:avLst/>
+          </a:prstGeom>
+          <a:noFill/>
+          <a:extLst>
+            <a:ext uri="{909E8E84-426E-40DD-AFC4-6F175D3DCCD1}">
+              <a14:hiddenFill xmlns:a14="http://schemas.microsoft.com/office/drawing/2010/main">
+                <a:solidFill>
+                  <a:srgbClr val="FFFFFF"/>
+                </a:solidFill>
+              </a14:hiddenFill>
+            </a:ext>
+          </a:extLst>
+        </p:spPr>
+      </p:pic>
+      <p:sp>
+        <p:nvSpPr>
+          <p:cNvPr id="71" name="Rectangle 70">
+            <a:extLst>
+              <a:ext uri="{FF2B5EF4-FFF2-40B4-BE49-F238E27FC236}">
+                <a16:creationId xmlns:a16="http://schemas.microsoft.com/office/drawing/2014/main" id="{37C89E4B-3C9F-44B9-8B86-D9E3D112D8EC}"/>
+              </a:ext>
+              <a:ext uri="{C183D7F6-B498-43B3-948B-1728B52AA6E4}">
+                <adec:decorative xmlns:adec="http://schemas.microsoft.com/office/drawing/2017/decorative" val="1"/>
+              </a:ext>
+            </a:extLst>
+          </p:cNvPr>
+          <p:cNvSpPr>
+            <a:spLocks noGrp="1" noRot="1" noChangeAspect="1" noMove="1" noResize="1" noEditPoints="1" noAdjustHandles="1" noChangeArrowheads="1" noChangeShapeType="1" noTextEdit="1"/>
+          </p:cNvSpPr>
+          <p:nvPr>
+            <p:extLst>
+              <p:ext uri="{386F3935-93C4-4BCD-93E2-E3B085C9AB24}">
+                <p16:designElem xmlns:p16="http://schemas.microsoft.com/office/powerpoint/2015/main" val="1"/>
+              </p:ext>
+            </p:extLst>
+          </p:nvPr>
+        </p:nvSpPr>
+        <p:spPr>
+          <a:xfrm>
+            <a:off x="0" y="5320142"/>
+            <a:ext cx="12192000" cy="736551"/>
+          </a:xfrm>
+          <a:prstGeom prst="rect">
+            <a:avLst/>
+          </a:prstGeom>
+          <a:solidFill>
+            <a:schemeClr val="bg1">
+              <a:alpha val="93000"/>
+            </a:schemeClr>
+          </a:solidFill>
+          <a:ln>
+            <a:noFill/>
+          </a:ln>
+        </p:spPr>
+        <p:style>
+          <a:lnRef idx="2">
+            <a:schemeClr val="accent1">
+              <a:shade val="50000"/>
+            </a:schemeClr>
+          </a:lnRef>
+          <a:fillRef idx="1">
+            <a:schemeClr val="accent1"/>
+          </a:fillRef>
+          <a:effectRef idx="0">
+            <a:schemeClr val="accent1"/>
+          </a:effectRef>
+          <a:fontRef idx="minor">
+            <a:schemeClr val="lt1"/>
+          </a:fontRef>
+        </p:style>
+        <p:txBody>
+          <a:bodyPr rtlCol="0" anchor="ctr"/>
+          <a:lstStyle/>
+          <a:p>
+            <a:pPr algn="ctr"/>
+            <a:endParaRPr lang="en-US"/>
+          </a:p>
+        </p:txBody>
+      </p:sp>
+      <p:sp>
+        <p:nvSpPr>
+          <p:cNvPr id="2" name="Title 1">
+            <a:extLst>
+              <a:ext uri="{FF2B5EF4-FFF2-40B4-BE49-F238E27FC236}">
+                <a16:creationId xmlns:a16="http://schemas.microsoft.com/office/drawing/2014/main" id="{76ADA3CF-3008-482B-8930-776374A20577}"/>
+              </a:ext>
+            </a:extLst>
+          </p:cNvPr>
+          <p:cNvSpPr>
+            <a:spLocks noGrp="1"/>
+          </p:cNvSpPr>
+          <p:nvPr>
+            <p:ph type="title"/>
+          </p:nvPr>
+        </p:nvSpPr>
+        <p:spPr>
+          <a:xfrm>
+            <a:off x="523875" y="5317240"/>
+            <a:ext cx="11210925" cy="744836"/>
+          </a:xfrm>
+        </p:spPr>
+        <p:txBody>
+          <a:bodyPr vert="horz" lIns="91440" tIns="45720" rIns="91440" bIns="45720" rtlCol="0" anchor="ctr">
+            <a:normAutofit/>
+          </a:bodyPr>
+          <a:lstStyle/>
+          <a:p>
+            <a:pPr algn="ctr"/>
+            <a:r>
+              <a:rPr lang="zh-TW" altLang="en-US" sz="3600">
+                <a:solidFill>
+                  <a:schemeClr val="tx1">
+                    <a:lumMod val="85000"/>
+                    <a:lumOff val="15000"/>
+                  </a:schemeClr>
+                </a:solidFill>
+              </a:rPr>
+              <a:t>採取</a:t>
+            </a:r>
+            <a:r>
+              <a:rPr lang="en-US" altLang="zh-TW" sz="3600">
+                <a:solidFill>
+                  <a:schemeClr val="tx1">
+                    <a:lumMod val="85000"/>
+                    <a:lumOff val="15000"/>
+                  </a:schemeClr>
+                </a:solidFill>
+              </a:rPr>
+              <a:t>CT</a:t>
+            </a:r>
+            <a:r>
+              <a:rPr lang="zh-TW" altLang="en-US" sz="3600">
+                <a:solidFill>
+                  <a:schemeClr val="tx1">
+                    <a:lumMod val="85000"/>
+                    <a:lumOff val="15000"/>
+                  </a:schemeClr>
+                </a:solidFill>
+              </a:rPr>
+              <a:t>的研究方法</a:t>
+            </a:r>
+          </a:p>
+        </p:txBody>
+      </p:sp>
+      <p:cxnSp>
+        <p:nvCxnSpPr>
+          <p:cNvPr id="73" name="Straight Connector 72">
+            <a:extLst>
+              <a:ext uri="{FF2B5EF4-FFF2-40B4-BE49-F238E27FC236}">
+                <a16:creationId xmlns:a16="http://schemas.microsoft.com/office/drawing/2014/main" id="{AA2EAA10-076F-46BD-8F0F-B9A2FB77A85C}"/>
+              </a:ext>
+              <a:ext uri="{C183D7F6-B498-43B3-948B-1728B52AA6E4}">
+                <adec:decorative xmlns:adec="http://schemas.microsoft.com/office/drawing/2017/decorative" val="1"/>
+              </a:ext>
+            </a:extLst>
+          </p:cNvPr>
+          <p:cNvCxnSpPr>
+            <a:cxnSpLocks noGrp="1" noRot="1" noChangeAspect="1" noMove="1" noResize="1" noEditPoints="1" noAdjustHandles="1" noChangeArrowheads="1" noChangeShapeType="1"/>
+          </p:cNvCxnSpPr>
+          <p:nvPr>
+            <p:extLst>
+              <p:ext uri="{386F3935-93C4-4BCD-93E2-E3B085C9AB24}">
+                <p16:designElem xmlns:p16="http://schemas.microsoft.com/office/powerpoint/2015/main" val="1"/>
+              </p:ext>
+            </p:extLst>
+          </p:nvPr>
+        </p:nvCxnSpPr>
+        <p:spPr>
+          <a:xfrm>
+            <a:off x="0" y="5241983"/>
+            <a:ext cx="12192000" cy="0"/>
+          </a:xfrm>
+          <a:prstGeom prst="line">
+            <a:avLst/>
+          </a:prstGeom>
+          <a:ln w="41275">
+            <a:solidFill>
+              <a:schemeClr val="bg1">
+                <a:alpha val="90000"/>
+              </a:schemeClr>
+            </a:solidFill>
+          </a:ln>
+        </p:spPr>
+        <p:style>
+          <a:lnRef idx="1">
+            <a:schemeClr val="accent1"/>
+          </a:lnRef>
+          <a:fillRef idx="0">
+            <a:schemeClr val="accent1"/>
+          </a:fillRef>
+          <a:effectRef idx="0">
+            <a:schemeClr val="accent1"/>
+          </a:effectRef>
+          <a:fontRef idx="minor">
+            <a:schemeClr val="tx1"/>
+          </a:fontRef>
+        </p:style>
+      </p:cxnSp>
+      <p:cxnSp>
+        <p:nvCxnSpPr>
+          <p:cNvPr id="75" name="Straight Connector 74">
+            <a:extLst>
+              <a:ext uri="{FF2B5EF4-FFF2-40B4-BE49-F238E27FC236}">
+                <a16:creationId xmlns:a16="http://schemas.microsoft.com/office/drawing/2014/main" id="{D891E407-403B-4764-86C9-33A56D3BCAA3}"/>
+              </a:ext>
+              <a:ext uri="{C183D7F6-B498-43B3-948B-1728B52AA6E4}">
+                <adec:decorative xmlns:adec="http://schemas.microsoft.com/office/drawing/2017/decorative" val="1"/>
+              </a:ext>
+            </a:extLst>
+          </p:cNvPr>
+          <p:cNvCxnSpPr>
+            <a:cxnSpLocks noGrp="1" noRot="1" noChangeAspect="1" noMove="1" noResize="1" noEditPoints="1" noAdjustHandles="1" noChangeArrowheads="1" noChangeShapeType="1"/>
+          </p:cNvCxnSpPr>
+          <p:nvPr>
+            <p:extLst>
+              <p:ext uri="{386F3935-93C4-4BCD-93E2-E3B085C9AB24}">
+                <p16:designElem xmlns:p16="http://schemas.microsoft.com/office/powerpoint/2015/main" val="1"/>
+              </p:ext>
+            </p:extLst>
+          </p:nvPr>
+        </p:nvCxnSpPr>
+        <p:spPr>
+          <a:xfrm>
+            <a:off x="0" y="6134852"/>
+            <a:ext cx="12192000" cy="0"/>
+          </a:xfrm>
+          <a:prstGeom prst="line">
+            <a:avLst/>
+          </a:prstGeom>
+          <a:ln w="41275">
+            <a:solidFill>
+              <a:schemeClr val="bg1">
+                <a:alpha val="90000"/>
+              </a:schemeClr>
+            </a:solidFill>
+          </a:ln>
+        </p:spPr>
+        <p:style>
+          <a:lnRef idx="1">
+            <a:schemeClr val="accent1"/>
+          </a:lnRef>
+          <a:fillRef idx="0">
+            <a:schemeClr val="accent1"/>
+          </a:fillRef>
+          <a:effectRef idx="0">
+            <a:schemeClr val="accent1"/>
+          </a:effectRef>
+          <a:fontRef idx="minor">
+            <a:schemeClr val="tx1"/>
+          </a:fontRef>
+        </p:style>
+      </p:cxnSp>
+    </p:spTree>
+    <p:extLst>
+      <p:ext uri="{BB962C8B-B14F-4D97-AF65-F5344CB8AC3E}">
+        <p14:creationId xmlns:p14="http://schemas.microsoft.com/office/powerpoint/2010/main" val="436644529"/>
+      </p:ext>
+    </p:extLst>
+  </p:cSld>
+  <p:clrMapOvr>
+    <a:masterClrMapping/>
+  </p:clrMapOvr>
+</p:sld>
+</file>
+
+<file path=ppt/slides/slide30.xml><?xml version="1.0" encoding="utf-8"?>
 <p:sld xmlns:a="http://schemas.openxmlformats.org/drawingml/2006/main" xmlns:r="http://schemas.openxmlformats.org/officeDocument/2006/relationships" xmlns:p="http://schemas.openxmlformats.org/presentationml/2006/main">
   <p:cSld>
     <p:bg>
@@ -13722,329 +14235,6 @@
     <p:extLst>
       <p:ext uri="{BB962C8B-B14F-4D97-AF65-F5344CB8AC3E}">
         <p14:creationId xmlns:p14="http://schemas.microsoft.com/office/powerpoint/2010/main" val="1924382601"/>
-      </p:ext>
-    </p:extLst>
-  </p:cSld>
-  <p:clrMapOvr>
-    <a:masterClrMapping/>
-  </p:clrMapOvr>
-</p:sld>
-</file>
-
-<file path=ppt/slides/slide3.xml><?xml version="1.0" encoding="utf-8"?>
-<p:sld xmlns:a="http://schemas.openxmlformats.org/drawingml/2006/main" xmlns:r="http://schemas.openxmlformats.org/officeDocument/2006/relationships" xmlns:p="http://schemas.openxmlformats.org/presentationml/2006/main">
-  <p:cSld>
-    <p:bg>
-      <p:bgPr>
-        <a:solidFill>
-          <a:schemeClr val="bg1"/>
-        </a:solidFill>
-        <a:effectLst/>
-      </p:bgPr>
-    </p:bg>
-    <p:spTree>
-      <p:nvGrpSpPr>
-        <p:cNvPr id="1" name=""/>
-        <p:cNvGrpSpPr/>
-        <p:nvPr/>
-      </p:nvGrpSpPr>
-      <p:grpSpPr>
-        <a:xfrm>
-          <a:off x="0" y="0"/>
-          <a:ext cx="0" cy="0"/>
-          <a:chOff x="0" y="0"/>
-          <a:chExt cx="0" cy="0"/>
-        </a:xfrm>
-      </p:grpSpPr>
-      <p:pic>
-        <p:nvPicPr>
-          <p:cNvPr id="1026" name="Picture 2" descr="圖片">
-            <a:extLst>
-              <a:ext uri="{FF2B5EF4-FFF2-40B4-BE49-F238E27FC236}">
-                <a16:creationId xmlns:a16="http://schemas.microsoft.com/office/drawing/2014/main" id="{2A2E2DEC-F197-EEBC-924F-DB6DA29EAFEE}"/>
-              </a:ext>
-            </a:extLst>
-          </p:cNvPr>
-          <p:cNvPicPr>
-            <a:picLocks noGrp="1" noChangeAspect="1" noChangeArrowheads="1"/>
-          </p:cNvPicPr>
-          <p:nvPr>
-            <p:ph idx="1"/>
-          </p:nvPr>
-        </p:nvPicPr>
-        <p:blipFill rotWithShape="1">
-          <a:blip r:embed="rId3">
-            <a:extLst>
-              <a:ext uri="{28A0092B-C50C-407E-A947-70E740481C1C}">
-                <a14:useLocalDpi xmlns:a14="http://schemas.microsoft.com/office/drawing/2010/main" val="0"/>
-              </a:ext>
-            </a:extLst>
-          </a:blip>
-          <a:srcRect/>
-          <a:stretch/>
-        </p:blipFill>
-        <p:spPr bwMode="auto">
-          <a:xfrm>
-            <a:off x="20" y="10"/>
-            <a:ext cx="12191980" cy="6857990"/>
-          </a:xfrm>
-          <a:prstGeom prst="rect">
-            <a:avLst/>
-          </a:prstGeom>
-          <a:noFill/>
-          <a:extLst>
-            <a:ext uri="{909E8E84-426E-40DD-AFC4-6F175D3DCCD1}">
-              <a14:hiddenFill xmlns:a14="http://schemas.microsoft.com/office/drawing/2010/main">
-                <a:solidFill>
-                  <a:srgbClr val="FFFFFF"/>
-                </a:solidFill>
-              </a14:hiddenFill>
-            </a:ext>
-          </a:extLst>
-        </p:spPr>
-      </p:pic>
-      <p:sp>
-        <p:nvSpPr>
-          <p:cNvPr id="71" name="Rectangle 70">
-            <a:extLst>
-              <a:ext uri="{FF2B5EF4-FFF2-40B4-BE49-F238E27FC236}">
-                <a16:creationId xmlns:a16="http://schemas.microsoft.com/office/drawing/2014/main" id="{37C89E4B-3C9F-44B9-8B86-D9E3D112D8EC}"/>
-              </a:ext>
-              <a:ext uri="{C183D7F6-B498-43B3-948B-1728B52AA6E4}">
-                <adec:decorative xmlns:adec="http://schemas.microsoft.com/office/drawing/2017/decorative" val="1"/>
-              </a:ext>
-            </a:extLst>
-          </p:cNvPr>
-          <p:cNvSpPr>
-            <a:spLocks noGrp="1" noRot="1" noChangeAspect="1" noMove="1" noResize="1" noEditPoints="1" noAdjustHandles="1" noChangeArrowheads="1" noChangeShapeType="1" noTextEdit="1"/>
-          </p:cNvSpPr>
-          <p:nvPr>
-            <p:extLst>
-              <p:ext uri="{386F3935-93C4-4BCD-93E2-E3B085C9AB24}">
-                <p16:designElem xmlns:p16="http://schemas.microsoft.com/office/powerpoint/2015/main" val="1"/>
-              </p:ext>
-            </p:extLst>
-          </p:nvPr>
-        </p:nvSpPr>
-        <p:spPr>
-          <a:xfrm>
-            <a:off x="0" y="5320142"/>
-            <a:ext cx="12192000" cy="736551"/>
-          </a:xfrm>
-          <a:prstGeom prst="rect">
-            <a:avLst/>
-          </a:prstGeom>
-          <a:solidFill>
-            <a:schemeClr val="bg1">
-              <a:alpha val="93000"/>
-            </a:schemeClr>
-          </a:solidFill>
-          <a:ln>
-            <a:noFill/>
-          </a:ln>
-        </p:spPr>
-        <p:style>
-          <a:lnRef idx="2">
-            <a:schemeClr val="accent1">
-              <a:shade val="50000"/>
-            </a:schemeClr>
-          </a:lnRef>
-          <a:fillRef idx="1">
-            <a:schemeClr val="accent1"/>
-          </a:fillRef>
-          <a:effectRef idx="0">
-            <a:schemeClr val="accent1"/>
-          </a:effectRef>
-          <a:fontRef idx="minor">
-            <a:schemeClr val="lt1"/>
-          </a:fontRef>
-        </p:style>
-        <p:txBody>
-          <a:bodyPr rtlCol="0" anchor="ctr"/>
-          <a:lstStyle/>
-          <a:p>
-            <a:pPr algn="ctr"/>
-            <a:endParaRPr lang="en-US"/>
-          </a:p>
-        </p:txBody>
-      </p:sp>
-      <p:sp>
-        <p:nvSpPr>
-          <p:cNvPr id="2" name="Title 1">
-            <a:extLst>
-              <a:ext uri="{FF2B5EF4-FFF2-40B4-BE49-F238E27FC236}">
-                <a16:creationId xmlns:a16="http://schemas.microsoft.com/office/drawing/2014/main" id="{76ADA3CF-3008-482B-8930-776374A20577}"/>
-              </a:ext>
-            </a:extLst>
-          </p:cNvPr>
-          <p:cNvSpPr>
-            <a:spLocks noGrp="1"/>
-          </p:cNvSpPr>
-          <p:nvPr>
-            <p:ph type="title"/>
-          </p:nvPr>
-        </p:nvSpPr>
-        <p:spPr>
-          <a:xfrm>
-            <a:off x="523875" y="5317240"/>
-            <a:ext cx="11210925" cy="744836"/>
-          </a:xfrm>
-        </p:spPr>
-        <p:txBody>
-          <a:bodyPr vert="horz" lIns="91440" tIns="45720" rIns="91440" bIns="45720" rtlCol="0" anchor="ctr">
-            <a:normAutofit/>
-          </a:bodyPr>
-          <a:lstStyle/>
-          <a:p>
-            <a:pPr algn="ctr"/>
-            <a:r>
-              <a:rPr lang="zh-TW" altLang="en-US" sz="3600">
-                <a:solidFill>
-                  <a:schemeClr val="tx1">
-                    <a:lumMod val="85000"/>
-                    <a:lumOff val="15000"/>
-                  </a:schemeClr>
-                </a:solidFill>
-              </a:rPr>
-              <a:t>採取</a:t>
-            </a:r>
-            <a:r>
-              <a:rPr lang="en-US" altLang="zh-TW" sz="3600">
-                <a:solidFill>
-                  <a:schemeClr val="tx1">
-                    <a:lumMod val="85000"/>
-                    <a:lumOff val="15000"/>
-                  </a:schemeClr>
-                </a:solidFill>
-              </a:rPr>
-              <a:t>CT</a:t>
-            </a:r>
-            <a:r>
-              <a:rPr lang="zh-TW" altLang="en-US" sz="3600">
-                <a:solidFill>
-                  <a:schemeClr val="tx1">
-                    <a:lumMod val="85000"/>
-                    <a:lumOff val="15000"/>
-                  </a:schemeClr>
-                </a:solidFill>
-              </a:rPr>
-              <a:t>的研究方法</a:t>
-            </a:r>
-          </a:p>
-        </p:txBody>
-      </p:sp>
-      <p:cxnSp>
-        <p:nvCxnSpPr>
-          <p:cNvPr id="73" name="Straight Connector 72">
-            <a:extLst>
-              <a:ext uri="{FF2B5EF4-FFF2-40B4-BE49-F238E27FC236}">
-                <a16:creationId xmlns:a16="http://schemas.microsoft.com/office/drawing/2014/main" id="{AA2EAA10-076F-46BD-8F0F-B9A2FB77A85C}"/>
-              </a:ext>
-              <a:ext uri="{C183D7F6-B498-43B3-948B-1728B52AA6E4}">
-                <adec:decorative xmlns:adec="http://schemas.microsoft.com/office/drawing/2017/decorative" val="1"/>
-              </a:ext>
-            </a:extLst>
-          </p:cNvPr>
-          <p:cNvCxnSpPr>
-            <a:cxnSpLocks noGrp="1" noRot="1" noChangeAspect="1" noMove="1" noResize="1" noEditPoints="1" noAdjustHandles="1" noChangeArrowheads="1" noChangeShapeType="1"/>
-          </p:cNvCxnSpPr>
-          <p:nvPr>
-            <p:extLst>
-              <p:ext uri="{386F3935-93C4-4BCD-93E2-E3B085C9AB24}">
-                <p16:designElem xmlns:p16="http://schemas.microsoft.com/office/powerpoint/2015/main" val="1"/>
-              </p:ext>
-            </p:extLst>
-          </p:nvPr>
-        </p:nvCxnSpPr>
-        <p:spPr>
-          <a:xfrm>
-            <a:off x="0" y="5241983"/>
-            <a:ext cx="12192000" cy="0"/>
-          </a:xfrm>
-          <a:prstGeom prst="line">
-            <a:avLst/>
-          </a:prstGeom>
-          <a:ln w="41275">
-            <a:solidFill>
-              <a:schemeClr val="bg1">
-                <a:alpha val="90000"/>
-              </a:schemeClr>
-            </a:solidFill>
-          </a:ln>
-        </p:spPr>
-        <p:style>
-          <a:lnRef idx="1">
-            <a:schemeClr val="accent1"/>
-          </a:lnRef>
-          <a:fillRef idx="0">
-            <a:schemeClr val="accent1"/>
-          </a:fillRef>
-          <a:effectRef idx="0">
-            <a:schemeClr val="accent1"/>
-          </a:effectRef>
-          <a:fontRef idx="minor">
-            <a:schemeClr val="tx1"/>
-          </a:fontRef>
-        </p:style>
-      </p:cxnSp>
-      <p:cxnSp>
-        <p:nvCxnSpPr>
-          <p:cNvPr id="75" name="Straight Connector 74">
-            <a:extLst>
-              <a:ext uri="{FF2B5EF4-FFF2-40B4-BE49-F238E27FC236}">
-                <a16:creationId xmlns:a16="http://schemas.microsoft.com/office/drawing/2014/main" id="{D891E407-403B-4764-86C9-33A56D3BCAA3}"/>
-              </a:ext>
-              <a:ext uri="{C183D7F6-B498-43B3-948B-1728B52AA6E4}">
-                <adec:decorative xmlns:adec="http://schemas.microsoft.com/office/drawing/2017/decorative" val="1"/>
-              </a:ext>
-            </a:extLst>
-          </p:cNvPr>
-          <p:cNvCxnSpPr>
-            <a:cxnSpLocks noGrp="1" noRot="1" noChangeAspect="1" noMove="1" noResize="1" noEditPoints="1" noAdjustHandles="1" noChangeArrowheads="1" noChangeShapeType="1"/>
-          </p:cNvCxnSpPr>
-          <p:nvPr>
-            <p:extLst>
-              <p:ext uri="{386F3935-93C4-4BCD-93E2-E3B085C9AB24}">
-                <p16:designElem xmlns:p16="http://schemas.microsoft.com/office/powerpoint/2015/main" val="1"/>
-              </p:ext>
-            </p:extLst>
-          </p:nvPr>
-        </p:nvCxnSpPr>
-        <p:spPr>
-          <a:xfrm>
-            <a:off x="0" y="6134852"/>
-            <a:ext cx="12192000" cy="0"/>
-          </a:xfrm>
-          <a:prstGeom prst="line">
-            <a:avLst/>
-          </a:prstGeom>
-          <a:ln w="41275">
-            <a:solidFill>
-              <a:schemeClr val="bg1">
-                <a:alpha val="90000"/>
-              </a:schemeClr>
-            </a:solidFill>
-          </a:ln>
-        </p:spPr>
-        <p:style>
-          <a:lnRef idx="1">
-            <a:schemeClr val="accent1"/>
-          </a:lnRef>
-          <a:fillRef idx="0">
-            <a:schemeClr val="accent1"/>
-          </a:fillRef>
-          <a:effectRef idx="0">
-            <a:schemeClr val="accent1"/>
-          </a:effectRef>
-          <a:fontRef idx="minor">
-            <a:schemeClr val="tx1"/>
-          </a:fontRef>
-        </p:style>
-      </p:cxnSp>
-    </p:spTree>
-    <p:extLst>
-      <p:ext uri="{BB962C8B-B14F-4D97-AF65-F5344CB8AC3E}">
-        <p14:creationId xmlns:p14="http://schemas.microsoft.com/office/powerpoint/2010/main" val="436644529"/>
       </p:ext>
     </p:extLst>
   </p:cSld>

--- a/Dos Batch Script_Training_2022_Jul.pptx
+++ b/Dos Batch Script_Training_2022_Jul.pptx
@@ -5,7 +5,7 @@
     <p:sldMasterId id="2147483648" r:id="rId1"/>
   </p:sldMasterIdLst>
   <p:notesMasterIdLst>
-    <p:notesMasterId r:id="rId32"/>
+    <p:notesMasterId r:id="rId49"/>
   </p:notesMasterIdLst>
   <p:sldIdLst>
     <p:sldId id="256" r:id="rId2"/>
@@ -32,12 +32,29 @@
     <p:sldId id="257" r:id="rId23"/>
     <p:sldId id="259" r:id="rId24"/>
     <p:sldId id="260" r:id="rId25"/>
-    <p:sldId id="287" r:id="rId26"/>
-    <p:sldId id="288" r:id="rId27"/>
-    <p:sldId id="261" r:id="rId28"/>
-    <p:sldId id="262" r:id="rId29"/>
-    <p:sldId id="267" r:id="rId30"/>
-    <p:sldId id="270" r:id="rId31"/>
+    <p:sldId id="299" r:id="rId26"/>
+    <p:sldId id="296" r:id="rId27"/>
+    <p:sldId id="297" r:id="rId28"/>
+    <p:sldId id="300" r:id="rId29"/>
+    <p:sldId id="301" r:id="rId30"/>
+    <p:sldId id="302" r:id="rId31"/>
+    <p:sldId id="303" r:id="rId32"/>
+    <p:sldId id="304" r:id="rId33"/>
+    <p:sldId id="305" r:id="rId34"/>
+    <p:sldId id="298" r:id="rId35"/>
+    <p:sldId id="287" r:id="rId36"/>
+    <p:sldId id="288" r:id="rId37"/>
+    <p:sldId id="261" r:id="rId38"/>
+    <p:sldId id="262" r:id="rId39"/>
+    <p:sldId id="267" r:id="rId40"/>
+    <p:sldId id="290" r:id="rId41"/>
+    <p:sldId id="289" r:id="rId42"/>
+    <p:sldId id="291" r:id="rId43"/>
+    <p:sldId id="292" r:id="rId44"/>
+    <p:sldId id="293" r:id="rId45"/>
+    <p:sldId id="294" r:id="rId46"/>
+    <p:sldId id="295" r:id="rId47"/>
+    <p:sldId id="270" r:id="rId48"/>
   </p:sldIdLst>
   <p:sldSz cx="12192000" cy="6858000"/>
   <p:notesSz cx="6858000" cy="9144000"/>
@@ -2541,7 +2558,7 @@
           <a:p>
             <a:fld id="{66B793B8-B6BF-4137-8ED2-BC8803DE493B}" type="datetimeFigureOut">
               <a:rPr lang="en-US" smtClean="0"/>
-              <a:t>2022-05-26</a:t>
+              <a:t>5/26/2022</a:t>
             </a:fld>
             <a:endParaRPr lang="en-US"/>
           </a:p>
@@ -3042,7 +3059,7 @@
           <a:p>
             <a:fld id="{795C0ED0-18F0-400E-82E8-9934A1EBB094}" type="datetimeFigureOut">
               <a:rPr lang="en-US" smtClean="0"/>
-              <a:t>2022-05-26</a:t>
+              <a:t>5/26/2022</a:t>
             </a:fld>
             <a:endParaRPr lang="en-US"/>
           </a:p>
@@ -3242,7 +3259,7 @@
           <a:p>
             <a:fld id="{795C0ED0-18F0-400E-82E8-9934A1EBB094}" type="datetimeFigureOut">
               <a:rPr lang="en-US" smtClean="0"/>
-              <a:t>2022-05-26</a:t>
+              <a:t>5/26/2022</a:t>
             </a:fld>
             <a:endParaRPr lang="en-US"/>
           </a:p>
@@ -3452,7 +3469,7 @@
           <a:p>
             <a:fld id="{795C0ED0-18F0-400E-82E8-9934A1EBB094}" type="datetimeFigureOut">
               <a:rPr lang="en-US" smtClean="0"/>
-              <a:t>2022-05-26</a:t>
+              <a:t>5/26/2022</a:t>
             </a:fld>
             <a:endParaRPr lang="en-US"/>
           </a:p>
@@ -3652,7 +3669,7 @@
           <a:p>
             <a:fld id="{795C0ED0-18F0-400E-82E8-9934A1EBB094}" type="datetimeFigureOut">
               <a:rPr lang="en-US" smtClean="0"/>
-              <a:t>2022-05-26</a:t>
+              <a:t>5/26/2022</a:t>
             </a:fld>
             <a:endParaRPr lang="en-US"/>
           </a:p>
@@ -3928,7 +3945,7 @@
           <a:p>
             <a:fld id="{795C0ED0-18F0-400E-82E8-9934A1EBB094}" type="datetimeFigureOut">
               <a:rPr lang="en-US" smtClean="0"/>
-              <a:t>2022-05-26</a:t>
+              <a:t>5/26/2022</a:t>
             </a:fld>
             <a:endParaRPr lang="en-US"/>
           </a:p>
@@ -4196,7 +4213,7 @@
           <a:p>
             <a:fld id="{795C0ED0-18F0-400E-82E8-9934A1EBB094}" type="datetimeFigureOut">
               <a:rPr lang="en-US" smtClean="0"/>
-              <a:t>2022-05-26</a:t>
+              <a:t>5/26/2022</a:t>
             </a:fld>
             <a:endParaRPr lang="en-US"/>
           </a:p>
@@ -4611,7 +4628,7 @@
           <a:p>
             <a:fld id="{795C0ED0-18F0-400E-82E8-9934A1EBB094}" type="datetimeFigureOut">
               <a:rPr lang="en-US" smtClean="0"/>
-              <a:t>2022-05-26</a:t>
+              <a:t>5/26/2022</a:t>
             </a:fld>
             <a:endParaRPr lang="en-US"/>
           </a:p>
@@ -4753,7 +4770,7 @@
           <a:p>
             <a:fld id="{795C0ED0-18F0-400E-82E8-9934A1EBB094}" type="datetimeFigureOut">
               <a:rPr lang="en-US" smtClean="0"/>
-              <a:t>2022-05-26</a:t>
+              <a:t>5/26/2022</a:t>
             </a:fld>
             <a:endParaRPr lang="en-US"/>
           </a:p>
@@ -4866,7 +4883,7 @@
           <a:p>
             <a:fld id="{795C0ED0-18F0-400E-82E8-9934A1EBB094}" type="datetimeFigureOut">
               <a:rPr lang="en-US" smtClean="0"/>
-              <a:t>2022-05-26</a:t>
+              <a:t>5/26/2022</a:t>
             </a:fld>
             <a:endParaRPr lang="en-US"/>
           </a:p>
@@ -5179,7 +5196,7 @@
           <a:p>
             <a:fld id="{795C0ED0-18F0-400E-82E8-9934A1EBB094}" type="datetimeFigureOut">
               <a:rPr lang="en-US" smtClean="0"/>
-              <a:t>2022-05-26</a:t>
+              <a:t>5/26/2022</a:t>
             </a:fld>
             <a:endParaRPr lang="en-US"/>
           </a:p>
@@ -5468,7 +5485,7 @@
           <a:p>
             <a:fld id="{795C0ED0-18F0-400E-82E8-9934A1EBB094}" type="datetimeFigureOut">
               <a:rPr lang="en-US" smtClean="0"/>
-              <a:t>2022-05-26</a:t>
+              <a:t>5/26/2022</a:t>
             </a:fld>
             <a:endParaRPr lang="en-US"/>
           </a:p>
@@ -5711,7 +5728,7 @@
           <a:p>
             <a:fld id="{795C0ED0-18F0-400E-82E8-9934A1EBB094}" type="datetimeFigureOut">
               <a:rPr lang="en-US" smtClean="0"/>
-              <a:t>2022-05-26</a:t>
+              <a:t>5/26/2022</a:t>
             </a:fld>
             <a:endParaRPr lang="en-US"/>
           </a:p>
@@ -12979,35 +12996,10 @@
       </p:grpSpPr>
       <p:sp>
         <p:nvSpPr>
-          <p:cNvPr id="2" name="標題 1">
-            <a:extLst>
-              <a:ext uri="{FF2B5EF4-FFF2-40B4-BE49-F238E27FC236}">
-                <a16:creationId xmlns:a16="http://schemas.microsoft.com/office/drawing/2014/main" id="{561C9C32-DDC4-A210-5B51-2A34CA533239}"/>
-              </a:ext>
-            </a:extLst>
-          </p:cNvPr>
-          <p:cNvSpPr>
-            <a:spLocks noGrp="1"/>
-          </p:cNvSpPr>
-          <p:nvPr>
-            <p:ph type="title"/>
-          </p:nvPr>
-        </p:nvSpPr>
-        <p:spPr/>
-        <p:txBody>
-          <a:bodyPr/>
-          <a:lstStyle/>
-          <a:p>
-            <a:endParaRPr lang="en-US"/>
-          </a:p>
-        </p:txBody>
-      </p:sp>
-      <p:sp>
-        <p:nvSpPr>
-          <p:cNvPr id="3" name="內容版面配置區 2">
-            <a:extLst>
-              <a:ext uri="{FF2B5EF4-FFF2-40B4-BE49-F238E27FC236}">
-                <a16:creationId xmlns:a16="http://schemas.microsoft.com/office/drawing/2014/main" id="{3FA239C9-E998-4046-5FAA-6F826AC52D50}"/>
+          <p:cNvPr id="6" name="內容版面配置區 2">
+            <a:extLst>
+              <a:ext uri="{FF2B5EF4-FFF2-40B4-BE49-F238E27FC236}">
+                <a16:creationId xmlns:a16="http://schemas.microsoft.com/office/drawing/2014/main" id="{6B74F367-26A4-2324-F157-296E49CD74F2}"/>
               </a:ext>
             </a:extLst>
           </p:cNvPr>
@@ -13018,15 +13010,314 @@
             <p:ph idx="1"/>
           </p:nvPr>
         </p:nvSpPr>
-        <p:spPr/>
-        <p:txBody>
-          <a:bodyPr/>
+        <p:spPr>
+          <a:xfrm>
+            <a:off x="194388" y="3253825"/>
+            <a:ext cx="1382486" cy="1468081"/>
+          </a:xfrm>
+        </p:spPr>
+        <p:txBody>
+          <a:bodyPr anchor="ctr">
+            <a:normAutofit/>
+          </a:bodyPr>
           <a:lstStyle/>
           <a:p>
-            <a:endParaRPr lang="en-US"/>
-          </a:p>
-        </p:txBody>
-      </p:sp>
+            <a:pPr marL="0" indent="0" algn="ctr">
+              <a:buNone/>
+            </a:pPr>
+            <a:r>
+              <a:rPr lang="en-US" sz="9600" dirty="0"/>
+              <a:t>/F</a:t>
+            </a:r>
+          </a:p>
+        </p:txBody>
+      </p:sp>
+      <p:sp>
+        <p:nvSpPr>
+          <p:cNvPr id="7" name="文字方塊 6">
+            <a:extLst>
+              <a:ext uri="{FF2B5EF4-FFF2-40B4-BE49-F238E27FC236}">
+                <a16:creationId xmlns:a16="http://schemas.microsoft.com/office/drawing/2014/main" id="{825D7FE3-ABB5-0CFB-294C-95658F3CA149}"/>
+              </a:ext>
+            </a:extLst>
+          </p:cNvPr>
+          <p:cNvSpPr txBox="1"/>
+          <p:nvPr/>
+        </p:nvSpPr>
+        <p:spPr>
+          <a:xfrm>
+            <a:off x="2696547" y="1811986"/>
+            <a:ext cx="5113175" cy="1938992"/>
+          </a:xfrm>
+          <a:prstGeom prst="rect">
+            <a:avLst/>
+          </a:prstGeom>
+          <a:solidFill>
+            <a:schemeClr val="accent1">
+              <a:lumMod val="20000"/>
+              <a:lumOff val="80000"/>
+            </a:schemeClr>
+          </a:solidFill>
+        </p:spPr>
+        <p:txBody>
+          <a:bodyPr wrap="square" rtlCol="0">
+            <a:spAutoFit/>
+          </a:bodyPr>
+          <a:lstStyle/>
+          <a:p>
+            <a:r>
+              <a:rPr lang="en-US" altLang="zh-TW" sz="6000" dirty="0"/>
+              <a:t>Items in one or more text file(s).</a:t>
+            </a:r>
+            <a:endParaRPr lang="en-US" sz="6000" dirty="0"/>
+          </a:p>
+        </p:txBody>
+      </p:sp>
+      <p:sp>
+        <p:nvSpPr>
+          <p:cNvPr id="8" name="標題 1">
+            <a:extLst>
+              <a:ext uri="{FF2B5EF4-FFF2-40B4-BE49-F238E27FC236}">
+                <a16:creationId xmlns:a16="http://schemas.microsoft.com/office/drawing/2014/main" id="{C52E1262-18C7-0122-0BF7-BEF67E74EE82}"/>
+              </a:ext>
+            </a:extLst>
+          </p:cNvPr>
+          <p:cNvSpPr txBox="1">
+            <a:spLocks/>
+          </p:cNvSpPr>
+          <p:nvPr/>
+        </p:nvSpPr>
+        <p:spPr>
+          <a:xfrm>
+            <a:off x="990600" y="517525"/>
+            <a:ext cx="10515600" cy="1325563"/>
+          </a:xfrm>
+          <a:prstGeom prst="rect">
+            <a:avLst/>
+          </a:prstGeom>
+        </p:spPr>
+        <p:txBody>
+          <a:bodyPr vert="horz" lIns="91440" tIns="45720" rIns="91440" bIns="45720" rtlCol="0" anchor="ctr">
+            <a:normAutofit/>
+          </a:bodyPr>
+          <a:lstStyle>
+            <a:lvl1pPr algn="l" defTabSz="914400" rtl="0" eaLnBrk="1" latinLnBrk="0" hangingPunct="1">
+              <a:lnSpc>
+                <a:spcPct val="90000"/>
+              </a:lnSpc>
+              <a:spcBef>
+                <a:spcPct val="0"/>
+              </a:spcBef>
+              <a:buNone/>
+              <a:defRPr sz="4400" kern="1200">
+                <a:solidFill>
+                  <a:schemeClr val="tx1"/>
+                </a:solidFill>
+                <a:latin typeface="+mj-lt"/>
+                <a:ea typeface="+mj-ea"/>
+                <a:cs typeface="+mj-cs"/>
+              </a:defRPr>
+            </a:lvl1pPr>
+          </a:lstStyle>
+          <a:p>
+            <a:r>
+              <a:rPr lang="zh-TW" altLang="en-US" sz="6000" dirty="0">
+                <a:highlight>
+                  <a:srgbClr val="FF0000"/>
+                </a:highlight>
+                <a:latin typeface="+mn-lt"/>
+                <a:ea typeface="+mn-ea"/>
+                <a:cs typeface="+mn-cs"/>
+              </a:rPr>
+              <a:t>集合</a:t>
+            </a:r>
+            <a:r>
+              <a:rPr lang="zh-TW" altLang="en-US" sz="6000" dirty="0">
+                <a:solidFill>
+                  <a:schemeClr val="bg1"/>
+                </a:solidFill>
+                <a:latin typeface="+mn-lt"/>
+                <a:ea typeface="+mn-ea"/>
+                <a:cs typeface="+mn-cs"/>
+              </a:rPr>
+              <a:t> </a:t>
+            </a:r>
+            <a:r>
+              <a:rPr lang="en-US" altLang="zh-TW" sz="6000" dirty="0"/>
+              <a:t>– </a:t>
+            </a:r>
+            <a:endParaRPr lang="en-US" sz="6000" dirty="0"/>
+          </a:p>
+        </p:txBody>
+      </p:sp>
+      <p:sp>
+        <p:nvSpPr>
+          <p:cNvPr id="9" name="文字方塊 8">
+            <a:extLst>
+              <a:ext uri="{FF2B5EF4-FFF2-40B4-BE49-F238E27FC236}">
+                <a16:creationId xmlns:a16="http://schemas.microsoft.com/office/drawing/2014/main" id="{66797103-A3F3-E467-F6E8-C4270E6A7252}"/>
+              </a:ext>
+            </a:extLst>
+          </p:cNvPr>
+          <p:cNvSpPr txBox="1"/>
+          <p:nvPr/>
+        </p:nvSpPr>
+        <p:spPr>
+          <a:xfrm>
+            <a:off x="2696546" y="4334361"/>
+            <a:ext cx="5113175" cy="1938992"/>
+          </a:xfrm>
+          <a:prstGeom prst="rect">
+            <a:avLst/>
+          </a:prstGeom>
+          <a:solidFill>
+            <a:schemeClr val="accent1">
+              <a:lumMod val="20000"/>
+              <a:lumOff val="80000"/>
+            </a:schemeClr>
+          </a:solidFill>
+        </p:spPr>
+        <p:txBody>
+          <a:bodyPr wrap="square" rtlCol="0">
+            <a:spAutoFit/>
+          </a:bodyPr>
+          <a:lstStyle/>
+          <a:p>
+            <a:r>
+              <a:rPr lang="en-US" altLang="zh-TW" sz="6000" dirty="0"/>
+              <a:t>The output of a command.</a:t>
+            </a:r>
+            <a:endParaRPr lang="en-US" sz="6000" dirty="0"/>
+          </a:p>
+        </p:txBody>
+      </p:sp>
+      <p:sp>
+        <p:nvSpPr>
+          <p:cNvPr id="10" name="文字方塊 9">
+            <a:extLst>
+              <a:ext uri="{FF2B5EF4-FFF2-40B4-BE49-F238E27FC236}">
+                <a16:creationId xmlns:a16="http://schemas.microsoft.com/office/drawing/2014/main" id="{1BE0800A-E394-BCA4-2D8B-081E4FF714F9}"/>
+              </a:ext>
+            </a:extLst>
+          </p:cNvPr>
+          <p:cNvSpPr txBox="1"/>
+          <p:nvPr/>
+        </p:nvSpPr>
+        <p:spPr>
+          <a:xfrm>
+            <a:off x="8451979" y="1803262"/>
+            <a:ext cx="2817845" cy="707886"/>
+          </a:xfrm>
+          <a:prstGeom prst="rect">
+            <a:avLst/>
+          </a:prstGeom>
+          <a:solidFill>
+            <a:schemeClr val="accent4">
+              <a:lumMod val="20000"/>
+              <a:lumOff val="80000"/>
+            </a:schemeClr>
+          </a:solidFill>
+        </p:spPr>
+        <p:txBody>
+          <a:bodyPr wrap="square" rtlCol="0">
+            <a:spAutoFit/>
+          </a:bodyPr>
+          <a:lstStyle/>
+          <a:p>
+            <a:r>
+              <a:rPr lang="en-US" sz="4000" dirty="0"/>
+              <a:t>Filename set</a:t>
+            </a:r>
+          </a:p>
+        </p:txBody>
+      </p:sp>
+      <p:sp>
+        <p:nvSpPr>
+          <p:cNvPr id="11" name="文字方塊 10">
+            <a:extLst>
+              <a:ext uri="{FF2B5EF4-FFF2-40B4-BE49-F238E27FC236}">
+                <a16:creationId xmlns:a16="http://schemas.microsoft.com/office/drawing/2014/main" id="{FCC1E464-D964-B965-5CA2-FE9C4C17780A}"/>
+              </a:ext>
+            </a:extLst>
+          </p:cNvPr>
+          <p:cNvSpPr txBox="1"/>
+          <p:nvPr/>
+        </p:nvSpPr>
+        <p:spPr>
+          <a:xfrm>
+            <a:off x="8451980" y="3043092"/>
+            <a:ext cx="2817845" cy="707886"/>
+          </a:xfrm>
+          <a:prstGeom prst="rect">
+            <a:avLst/>
+          </a:prstGeom>
+          <a:solidFill>
+            <a:schemeClr val="accent4">
+              <a:lumMod val="20000"/>
+              <a:lumOff val="80000"/>
+            </a:schemeClr>
+          </a:solidFill>
+        </p:spPr>
+        <p:txBody>
+          <a:bodyPr wrap="square" rtlCol="0">
+            <a:spAutoFit/>
+          </a:bodyPr>
+          <a:lstStyle/>
+          <a:p>
+            <a:r>
+              <a:rPr lang="en-US" sz="4000" dirty="0"/>
+              <a:t>Bare String</a:t>
+            </a:r>
+          </a:p>
+        </p:txBody>
+      </p:sp>
+      <p:pic>
+        <p:nvPicPr>
+          <p:cNvPr id="1026" name="Picture 2" descr="18 Command Line Tools to Monitor Linux Performance_My Dream Is On The  Road的技术博客_51CTO博客">
+            <a:extLst>
+              <a:ext uri="{FF2B5EF4-FFF2-40B4-BE49-F238E27FC236}">
+                <a16:creationId xmlns:a16="http://schemas.microsoft.com/office/drawing/2014/main" id="{AC3BA4B5-E0CF-7D03-BB36-DAE76DAB758C}"/>
+              </a:ext>
+            </a:extLst>
+          </p:cNvPr>
+          <p:cNvPicPr>
+            <a:picLocks noChangeAspect="1" noChangeArrowheads="1"/>
+          </p:cNvPicPr>
+          <p:nvPr/>
+        </p:nvPicPr>
+        <p:blipFill>
+          <a:blip r:embed="rId2">
+            <a:extLst>
+              <a:ext uri="{28A0092B-C50C-407E-A947-70E740481C1C}">
+                <a14:useLocalDpi xmlns:a14="http://schemas.microsoft.com/office/drawing/2010/main" val="0"/>
+              </a:ext>
+            </a:extLst>
+          </a:blip>
+          <a:srcRect/>
+          <a:stretch>
+            <a:fillRect/>
+          </a:stretch>
+        </p:blipFill>
+        <p:spPr bwMode="auto">
+          <a:xfrm>
+            <a:off x="8428975" y="4334361"/>
+            <a:ext cx="2840849" cy="1938992"/>
+          </a:xfrm>
+          <a:prstGeom prst="rect">
+            <a:avLst/>
+          </a:prstGeom>
+          <a:noFill/>
+          <a:extLst>
+            <a:ext uri="{909E8E84-426E-40DD-AFC4-6F175D3DCCD1}">
+              <a14:hiddenFill xmlns:a14="http://schemas.microsoft.com/office/drawing/2010/main">
+                <a:solidFill>
+                  <a:srgbClr val="FFFFFF"/>
+                </a:solidFill>
+              </a14:hiddenFill>
+            </a:ext>
+          </a:extLst>
+        </p:spPr>
+      </p:pic>
     </p:spTree>
     <p:extLst>
       <p:ext uri="{BB962C8B-B14F-4D97-AF65-F5344CB8AC3E}">
@@ -13059,31 +13350,6 @@
       </p:grpSpPr>
       <p:sp>
         <p:nvSpPr>
-          <p:cNvPr id="2" name="標題 1">
-            <a:extLst>
-              <a:ext uri="{FF2B5EF4-FFF2-40B4-BE49-F238E27FC236}">
-                <a16:creationId xmlns:a16="http://schemas.microsoft.com/office/drawing/2014/main" id="{D8074D9F-AC32-BF23-12C1-7A873A18A227}"/>
-              </a:ext>
-            </a:extLst>
-          </p:cNvPr>
-          <p:cNvSpPr>
-            <a:spLocks noGrp="1"/>
-          </p:cNvSpPr>
-          <p:nvPr>
-            <p:ph type="title"/>
-          </p:nvPr>
-        </p:nvSpPr>
-        <p:spPr/>
-        <p:txBody>
-          <a:bodyPr/>
-          <a:lstStyle/>
-          <a:p>
-            <a:endParaRPr lang="en-US"/>
-          </a:p>
-        </p:txBody>
-      </p:sp>
-      <p:sp>
-        <p:nvSpPr>
           <p:cNvPr id="3" name="內容版面配置區 2">
             <a:extLst>
               <a:ext uri="{FF2B5EF4-FFF2-40B4-BE49-F238E27FC236}">
@@ -13103,6 +13369,314 @@
           <a:bodyPr/>
           <a:lstStyle/>
           <a:p>
+            <a:endParaRPr lang="en-US" dirty="0"/>
+          </a:p>
+        </p:txBody>
+      </p:sp>
+      <p:sp>
+        <p:nvSpPr>
+          <p:cNvPr id="4" name="標題 1">
+            <a:extLst>
+              <a:ext uri="{FF2B5EF4-FFF2-40B4-BE49-F238E27FC236}">
+                <a16:creationId xmlns:a16="http://schemas.microsoft.com/office/drawing/2014/main" id="{38491A96-7DB9-71A0-C7F2-C1012494A3D5}"/>
+              </a:ext>
+            </a:extLst>
+          </p:cNvPr>
+          <p:cNvSpPr txBox="1">
+            <a:spLocks/>
+          </p:cNvSpPr>
+          <p:nvPr/>
+        </p:nvSpPr>
+        <p:spPr>
+          <a:xfrm>
+            <a:off x="990600" y="517525"/>
+            <a:ext cx="10515600" cy="1325563"/>
+          </a:xfrm>
+          <a:prstGeom prst="rect">
+            <a:avLst/>
+          </a:prstGeom>
+        </p:spPr>
+        <p:txBody>
+          <a:bodyPr vert="horz" lIns="91440" tIns="45720" rIns="91440" bIns="45720" rtlCol="0" anchor="ctr">
+            <a:normAutofit/>
+          </a:bodyPr>
+          <a:lstStyle>
+            <a:lvl1pPr algn="l" defTabSz="914400" rtl="0" eaLnBrk="1" latinLnBrk="0" hangingPunct="1">
+              <a:lnSpc>
+                <a:spcPct val="90000"/>
+              </a:lnSpc>
+              <a:spcBef>
+                <a:spcPct val="0"/>
+              </a:spcBef>
+              <a:buNone/>
+              <a:defRPr sz="4400" kern="1200">
+                <a:solidFill>
+                  <a:schemeClr val="tx1"/>
+                </a:solidFill>
+                <a:latin typeface="+mj-lt"/>
+                <a:ea typeface="+mj-ea"/>
+                <a:cs typeface="+mj-cs"/>
+              </a:defRPr>
+            </a:lvl1pPr>
+          </a:lstStyle>
+          <a:p>
+            <a:r>
+              <a:rPr lang="zh-TW" altLang="en-US" sz="6000" dirty="0">
+                <a:highlight>
+                  <a:srgbClr val="FF0000"/>
+                </a:highlight>
+                <a:latin typeface="+mn-lt"/>
+                <a:ea typeface="+mn-ea"/>
+                <a:cs typeface="+mn-cs"/>
+              </a:rPr>
+              <a:t>集合</a:t>
+            </a:r>
+            <a:r>
+              <a:rPr lang="zh-TW" altLang="en-US" sz="6000" dirty="0">
+                <a:solidFill>
+                  <a:schemeClr val="bg1"/>
+                </a:solidFill>
+                <a:latin typeface="+mn-lt"/>
+                <a:ea typeface="+mn-ea"/>
+                <a:cs typeface="+mn-cs"/>
+              </a:rPr>
+              <a:t> </a:t>
+            </a:r>
+            <a:r>
+              <a:rPr lang="en-US" altLang="zh-TW" sz="6000" dirty="0"/>
+              <a:t>– Items in Filename Set </a:t>
+            </a:r>
+            <a:endParaRPr lang="en-US" sz="6000" dirty="0"/>
+          </a:p>
+        </p:txBody>
+      </p:sp>
+      <p:pic>
+        <p:nvPicPr>
+          <p:cNvPr id="12" name="圖片 11">
+            <a:extLst>
+              <a:ext uri="{FF2B5EF4-FFF2-40B4-BE49-F238E27FC236}">
+                <a16:creationId xmlns:a16="http://schemas.microsoft.com/office/drawing/2014/main" id="{B798211F-4BB7-C6B2-737E-41E7C9DE714F}"/>
+              </a:ext>
+            </a:extLst>
+          </p:cNvPr>
+          <p:cNvPicPr>
+            <a:picLocks noChangeAspect="1"/>
+          </p:cNvPicPr>
+          <p:nvPr/>
+        </p:nvPicPr>
+        <p:blipFill>
+          <a:blip r:embed="rId2"/>
+          <a:stretch>
+            <a:fillRect/>
+          </a:stretch>
+        </p:blipFill>
+        <p:spPr>
+          <a:xfrm>
+            <a:off x="133958" y="1781175"/>
+            <a:ext cx="6496050" cy="1647825"/>
+          </a:xfrm>
+          <a:prstGeom prst="rect">
+            <a:avLst/>
+          </a:prstGeom>
+        </p:spPr>
+      </p:pic>
+      <p:pic>
+        <p:nvPicPr>
+          <p:cNvPr id="14" name="圖片 13">
+            <a:extLst>
+              <a:ext uri="{FF2B5EF4-FFF2-40B4-BE49-F238E27FC236}">
+                <a16:creationId xmlns:a16="http://schemas.microsoft.com/office/drawing/2014/main" id="{2472FF84-70D3-479E-A25D-727E78DDB9A7}"/>
+              </a:ext>
+            </a:extLst>
+          </p:cNvPr>
+          <p:cNvPicPr>
+            <a:picLocks noChangeAspect="1"/>
+          </p:cNvPicPr>
+          <p:nvPr/>
+        </p:nvPicPr>
+        <p:blipFill>
+          <a:blip r:embed="rId3"/>
+          <a:stretch>
+            <a:fillRect/>
+          </a:stretch>
+        </p:blipFill>
+        <p:spPr>
+          <a:xfrm>
+            <a:off x="133958" y="3471829"/>
+            <a:ext cx="4838700" cy="3276600"/>
+          </a:xfrm>
+          <a:prstGeom prst="rect">
+            <a:avLst/>
+          </a:prstGeom>
+        </p:spPr>
+      </p:pic>
+      <p:pic>
+        <p:nvPicPr>
+          <p:cNvPr id="16" name="圖片 15">
+            <a:extLst>
+              <a:ext uri="{FF2B5EF4-FFF2-40B4-BE49-F238E27FC236}">
+                <a16:creationId xmlns:a16="http://schemas.microsoft.com/office/drawing/2014/main" id="{B9E16D4F-A8F5-BE19-FEBA-E70A983ABF97}"/>
+              </a:ext>
+            </a:extLst>
+          </p:cNvPr>
+          <p:cNvPicPr>
+            <a:picLocks noChangeAspect="1"/>
+          </p:cNvPicPr>
+          <p:nvPr/>
+        </p:nvPicPr>
+        <p:blipFill>
+          <a:blip r:embed="rId4"/>
+          <a:stretch>
+            <a:fillRect/>
+          </a:stretch>
+        </p:blipFill>
+        <p:spPr>
+          <a:xfrm>
+            <a:off x="5277661" y="3471829"/>
+            <a:ext cx="8982075" cy="3409950"/>
+          </a:xfrm>
+          <a:prstGeom prst="rect">
+            <a:avLst/>
+          </a:prstGeom>
+        </p:spPr>
+      </p:pic>
+      <p:sp>
+        <p:nvSpPr>
+          <p:cNvPr id="17" name="文字方塊 16">
+            <a:extLst>
+              <a:ext uri="{FF2B5EF4-FFF2-40B4-BE49-F238E27FC236}">
+                <a16:creationId xmlns:a16="http://schemas.microsoft.com/office/drawing/2014/main" id="{B26EE4B7-9583-DEE8-E2F8-7ED9D67CB86D}"/>
+              </a:ext>
+            </a:extLst>
+          </p:cNvPr>
+          <p:cNvSpPr txBox="1"/>
+          <p:nvPr/>
+        </p:nvSpPr>
+        <p:spPr>
+          <a:xfrm>
+            <a:off x="7928044" y="1655059"/>
+            <a:ext cx="1955260" cy="1569660"/>
+          </a:xfrm>
+          <a:prstGeom prst="rect">
+            <a:avLst/>
+          </a:prstGeom>
+          <a:solidFill>
+            <a:schemeClr val="accent2"/>
+          </a:solidFill>
+        </p:spPr>
+        <p:txBody>
+          <a:bodyPr wrap="square" rtlCol="0">
+            <a:spAutoFit/>
+          </a:bodyPr>
+          <a:lstStyle/>
+          <a:p>
+            <a:r>
+              <a:rPr lang="en-US" sz="9600" dirty="0"/>
+              <a:t>/F</a:t>
+            </a:r>
+          </a:p>
+        </p:txBody>
+      </p:sp>
+      <p:sp>
+        <p:nvSpPr>
+          <p:cNvPr id="18" name="橢圓 17">
+            <a:extLst>
+              <a:ext uri="{FF2B5EF4-FFF2-40B4-BE49-F238E27FC236}">
+                <a16:creationId xmlns:a16="http://schemas.microsoft.com/office/drawing/2014/main" id="{BC46553E-2A39-FC58-399D-5BF7B640802F}"/>
+              </a:ext>
+            </a:extLst>
+          </p:cNvPr>
+          <p:cNvSpPr/>
+          <p:nvPr/>
+        </p:nvSpPr>
+        <p:spPr>
+          <a:xfrm>
+            <a:off x="2110902" y="4824919"/>
+            <a:ext cx="1546698" cy="267950"/>
+          </a:xfrm>
+          <a:prstGeom prst="ellipse">
+            <a:avLst/>
+          </a:prstGeom>
+          <a:noFill/>
+          <a:ln w="25400">
+            <a:solidFill>
+              <a:srgbClr val="FF0000"/>
+            </a:solidFill>
+          </a:ln>
+        </p:spPr>
+        <p:style>
+          <a:lnRef idx="2">
+            <a:schemeClr val="accent1">
+              <a:shade val="50000"/>
+            </a:schemeClr>
+          </a:lnRef>
+          <a:fillRef idx="1">
+            <a:schemeClr val="accent1"/>
+          </a:fillRef>
+          <a:effectRef idx="0">
+            <a:schemeClr val="accent1"/>
+          </a:effectRef>
+          <a:fontRef idx="minor">
+            <a:schemeClr val="lt1"/>
+          </a:fontRef>
+        </p:style>
+        <p:txBody>
+          <a:bodyPr rtlCol="0" anchor="ctr"/>
+          <a:lstStyle/>
+          <a:p>
+            <a:pPr algn="ctr"/>
+            <a:endParaRPr lang="en-US"/>
+          </a:p>
+        </p:txBody>
+      </p:sp>
+      <p:sp>
+        <p:nvSpPr>
+          <p:cNvPr id="19" name="橢圓 18">
+            <a:extLst>
+              <a:ext uri="{FF2B5EF4-FFF2-40B4-BE49-F238E27FC236}">
+                <a16:creationId xmlns:a16="http://schemas.microsoft.com/office/drawing/2014/main" id="{5CDA9ECA-6824-2BD7-E29A-628323EB0D63}"/>
+              </a:ext>
+            </a:extLst>
+          </p:cNvPr>
+          <p:cNvSpPr/>
+          <p:nvPr/>
+        </p:nvSpPr>
+        <p:spPr>
+          <a:xfrm>
+            <a:off x="1775095" y="5797685"/>
+            <a:ext cx="1230752" cy="201038"/>
+          </a:xfrm>
+          <a:prstGeom prst="ellipse">
+            <a:avLst/>
+          </a:prstGeom>
+          <a:noFill/>
+          <a:ln w="25400">
+            <a:solidFill>
+              <a:srgbClr val="FF0000"/>
+            </a:solidFill>
+          </a:ln>
+        </p:spPr>
+        <p:style>
+          <a:lnRef idx="2">
+            <a:schemeClr val="accent1">
+              <a:shade val="50000"/>
+            </a:schemeClr>
+          </a:lnRef>
+          <a:fillRef idx="1">
+            <a:schemeClr val="accent1"/>
+          </a:fillRef>
+          <a:effectRef idx="0">
+            <a:schemeClr val="accent1"/>
+          </a:effectRef>
+          <a:fontRef idx="minor">
+            <a:schemeClr val="lt1"/>
+          </a:fontRef>
+        </p:style>
+        <p:txBody>
+          <a:bodyPr rtlCol="0" anchor="ctr"/>
+          <a:lstStyle/>
+          <a:p>
+            <a:pPr algn="ctr"/>
             <a:endParaRPr lang="en-US"/>
           </a:p>
         </p:txBody>
@@ -13139,39 +13713,10 @@
       </p:grpSpPr>
       <p:sp>
         <p:nvSpPr>
-          <p:cNvPr id="2" name="Title 1">
-            <a:extLst>
-              <a:ext uri="{FF2B5EF4-FFF2-40B4-BE49-F238E27FC236}">
-                <a16:creationId xmlns:a16="http://schemas.microsoft.com/office/drawing/2014/main" id="{44324E1D-C438-4D01-9FCC-BB1E475721B2}"/>
-              </a:ext>
-            </a:extLst>
-          </p:cNvPr>
-          <p:cNvSpPr>
-            <a:spLocks noGrp="1"/>
-          </p:cNvSpPr>
-          <p:nvPr>
-            <p:ph type="title"/>
-          </p:nvPr>
-        </p:nvSpPr>
-        <p:spPr/>
-        <p:txBody>
-          <a:bodyPr/>
-          <a:lstStyle/>
-          <a:p>
-            <a:r>
-              <a:rPr lang="en-US" altLang="zh-TW" dirty="0"/>
-              <a:t>FIND</a:t>
-            </a:r>
-            <a:endParaRPr lang="zh-TW" altLang="en-US" dirty="0"/>
-          </a:p>
-        </p:txBody>
-      </p:sp>
-      <p:sp>
-        <p:nvSpPr>
-          <p:cNvPr id="3" name="Content Placeholder 2">
-            <a:extLst>
-              <a:ext uri="{FF2B5EF4-FFF2-40B4-BE49-F238E27FC236}">
-                <a16:creationId xmlns:a16="http://schemas.microsoft.com/office/drawing/2014/main" id="{96699379-3F35-4C62-9FB5-99877102548D}"/>
+          <p:cNvPr id="3" name="內容版面配置區 2">
+            <a:extLst>
+              <a:ext uri="{FF2B5EF4-FFF2-40B4-BE49-F238E27FC236}">
+                <a16:creationId xmlns:a16="http://schemas.microsoft.com/office/drawing/2014/main" id="{78473E4B-DC8B-99A8-E065-4D16A000B2AF}"/>
               </a:ext>
             </a:extLst>
           </p:cNvPr>
@@ -13187,14 +13732,151 @@
           <a:bodyPr/>
           <a:lstStyle/>
           <a:p>
-            <a:endParaRPr lang="zh-TW" altLang="en-US" dirty="0"/>
-          </a:p>
-        </p:txBody>
-      </p:sp>
+            <a:endParaRPr lang="en-US"/>
+          </a:p>
+        </p:txBody>
+      </p:sp>
+      <p:sp>
+        <p:nvSpPr>
+          <p:cNvPr id="4" name="標題 1">
+            <a:extLst>
+              <a:ext uri="{FF2B5EF4-FFF2-40B4-BE49-F238E27FC236}">
+                <a16:creationId xmlns:a16="http://schemas.microsoft.com/office/drawing/2014/main" id="{DE26380C-CB34-8CDC-F748-57B4B268B45A}"/>
+              </a:ext>
+            </a:extLst>
+          </p:cNvPr>
+          <p:cNvSpPr txBox="1">
+            <a:spLocks/>
+          </p:cNvSpPr>
+          <p:nvPr/>
+        </p:nvSpPr>
+        <p:spPr>
+          <a:xfrm>
+            <a:off x="990600" y="517525"/>
+            <a:ext cx="10515600" cy="1325563"/>
+          </a:xfrm>
+          <a:prstGeom prst="rect">
+            <a:avLst/>
+          </a:prstGeom>
+        </p:spPr>
+        <p:txBody>
+          <a:bodyPr vert="horz" lIns="91440" tIns="45720" rIns="91440" bIns="45720" rtlCol="0" anchor="ctr">
+            <a:normAutofit/>
+          </a:bodyPr>
+          <a:lstStyle>
+            <a:lvl1pPr algn="l" defTabSz="914400" rtl="0" eaLnBrk="1" latinLnBrk="0" hangingPunct="1">
+              <a:lnSpc>
+                <a:spcPct val="90000"/>
+              </a:lnSpc>
+              <a:spcBef>
+                <a:spcPct val="0"/>
+              </a:spcBef>
+              <a:buNone/>
+              <a:defRPr sz="4400" kern="1200">
+                <a:solidFill>
+                  <a:schemeClr val="tx1"/>
+                </a:solidFill>
+                <a:latin typeface="+mj-lt"/>
+                <a:ea typeface="+mj-ea"/>
+                <a:cs typeface="+mj-cs"/>
+              </a:defRPr>
+            </a:lvl1pPr>
+          </a:lstStyle>
+          <a:p>
+            <a:r>
+              <a:rPr lang="zh-TW" altLang="en-US" sz="6000" dirty="0">
+                <a:highlight>
+                  <a:srgbClr val="FF0000"/>
+                </a:highlight>
+                <a:latin typeface="+mn-lt"/>
+                <a:ea typeface="+mn-ea"/>
+                <a:cs typeface="+mn-cs"/>
+              </a:rPr>
+              <a:t>集合</a:t>
+            </a:r>
+            <a:r>
+              <a:rPr lang="zh-TW" altLang="en-US" sz="6000" dirty="0">
+                <a:solidFill>
+                  <a:schemeClr val="bg1"/>
+                </a:solidFill>
+                <a:latin typeface="+mn-lt"/>
+                <a:ea typeface="+mn-ea"/>
+                <a:cs typeface="+mn-cs"/>
+              </a:rPr>
+              <a:t> </a:t>
+            </a:r>
+            <a:r>
+              <a:rPr lang="en-US" altLang="zh-TW" sz="6000" dirty="0"/>
+              <a:t>– The output of a command</a:t>
+            </a:r>
+            <a:endParaRPr lang="en-US" sz="6000" dirty="0"/>
+          </a:p>
+        </p:txBody>
+      </p:sp>
+      <p:pic>
+        <p:nvPicPr>
+          <p:cNvPr id="10" name="圖片 9">
+            <a:extLst>
+              <a:ext uri="{FF2B5EF4-FFF2-40B4-BE49-F238E27FC236}">
+                <a16:creationId xmlns:a16="http://schemas.microsoft.com/office/drawing/2014/main" id="{AE2D5BB5-B833-FA13-9E69-D01FF087895F}"/>
+              </a:ext>
+            </a:extLst>
+          </p:cNvPr>
+          <p:cNvPicPr>
+            <a:picLocks noChangeAspect="1"/>
+          </p:cNvPicPr>
+          <p:nvPr/>
+        </p:nvPicPr>
+        <p:blipFill>
+          <a:blip r:embed="rId2"/>
+          <a:stretch>
+            <a:fillRect/>
+          </a:stretch>
+        </p:blipFill>
+        <p:spPr>
+          <a:xfrm>
+            <a:off x="87549" y="1843088"/>
+            <a:ext cx="6410325" cy="3048000"/>
+          </a:xfrm>
+          <a:prstGeom prst="rect">
+            <a:avLst/>
+          </a:prstGeom>
+        </p:spPr>
+      </p:pic>
+      <p:pic>
+        <p:nvPicPr>
+          <p:cNvPr id="12" name="圖片 11">
+            <a:extLst>
+              <a:ext uri="{FF2B5EF4-FFF2-40B4-BE49-F238E27FC236}">
+                <a16:creationId xmlns:a16="http://schemas.microsoft.com/office/drawing/2014/main" id="{8B544A2F-5025-4575-D774-5AD9AD8068C8}"/>
+              </a:ext>
+            </a:extLst>
+          </p:cNvPr>
+          <p:cNvPicPr>
+            <a:picLocks noChangeAspect="1"/>
+          </p:cNvPicPr>
+          <p:nvPr/>
+        </p:nvPicPr>
+        <p:blipFill>
+          <a:blip r:embed="rId3"/>
+          <a:stretch>
+            <a:fillRect/>
+          </a:stretch>
+        </p:blipFill>
+        <p:spPr>
+          <a:xfrm>
+            <a:off x="6922851" y="4217548"/>
+            <a:ext cx="5181600" cy="2543175"/>
+          </a:xfrm>
+          <a:prstGeom prst="rect">
+            <a:avLst/>
+          </a:prstGeom>
+        </p:spPr>
+      </p:pic>
     </p:spTree>
     <p:extLst>
       <p:ext uri="{BB962C8B-B14F-4D97-AF65-F5344CB8AC3E}">
-        <p14:creationId xmlns:p14="http://schemas.microsoft.com/office/powerpoint/2010/main" val="3174654944"/>
+        <p14:creationId xmlns:p14="http://schemas.microsoft.com/office/powerpoint/2010/main" val="2546263017"/>
       </p:ext>
     </p:extLst>
   </p:cSld>
@@ -13207,6 +13889,14 @@
 <file path=ppt/slides/slide26.xml><?xml version="1.0" encoding="utf-8"?>
 <p:sld xmlns:a="http://schemas.openxmlformats.org/drawingml/2006/main" xmlns:r="http://schemas.openxmlformats.org/officeDocument/2006/relationships" xmlns:p="http://schemas.openxmlformats.org/presentationml/2006/main">
   <p:cSld>
+    <p:bg>
+      <p:bgPr>
+        <a:solidFill>
+          <a:schemeClr val="bg1"/>
+        </a:solidFill>
+        <a:effectLst/>
+      </p:bgPr>
+    </p:bg>
     <p:spTree>
       <p:nvGrpSpPr>
         <p:cNvPr id="1" name=""/>
@@ -13223,10 +13913,10 @@
       </p:grpSpPr>
       <p:sp>
         <p:nvSpPr>
-          <p:cNvPr id="2" name="Title 1">
-            <a:extLst>
-              <a:ext uri="{FF2B5EF4-FFF2-40B4-BE49-F238E27FC236}">
-                <a16:creationId xmlns:a16="http://schemas.microsoft.com/office/drawing/2014/main" id="{138F56EC-0EA1-45C6-8C39-DEA1A0B0DF6B}"/>
+          <p:cNvPr id="5" name="標題 4">
+            <a:extLst>
+              <a:ext uri="{FF2B5EF4-FFF2-40B4-BE49-F238E27FC236}">
+                <a16:creationId xmlns:a16="http://schemas.microsoft.com/office/drawing/2014/main" id="{B2E5EEF3-D88A-656D-5E8C-67DDA98755F0}"/>
               </a:ext>
             </a:extLst>
           </p:cNvPr>
@@ -13237,25 +13927,40 @@
             <p:ph type="title"/>
           </p:nvPr>
         </p:nvSpPr>
-        <p:spPr/>
-        <p:txBody>
-          <a:bodyPr/>
+        <p:spPr>
+          <a:xfrm>
+            <a:off x="4965429" y="272375"/>
+            <a:ext cx="6795311" cy="1643053"/>
+          </a:xfrm>
+        </p:spPr>
+        <p:txBody>
+          <a:bodyPr anchor="b">
+            <a:noAutofit/>
+          </a:bodyPr>
           <a:lstStyle/>
           <a:p>
             <a:r>
+              <a:rPr lang="zh-TW" altLang="en-US" dirty="0"/>
+              <a:t>你終究要處理的還是  </a:t>
+            </a:r>
+            <a:r>
               <a:rPr lang="en-US" altLang="zh-TW" dirty="0"/>
-              <a:t>FINDSTR</a:t>
-            </a:r>
-            <a:endParaRPr lang="zh-TW" altLang="en-US" dirty="0"/>
-          </a:p>
-        </p:txBody>
-      </p:sp>
-      <p:sp>
-        <p:nvSpPr>
-          <p:cNvPr id="3" name="Content Placeholder 2">
-            <a:extLst>
-              <a:ext uri="{FF2B5EF4-FFF2-40B4-BE49-F238E27FC236}">
-                <a16:creationId xmlns:a16="http://schemas.microsoft.com/office/drawing/2014/main" id="{A738EA59-19FF-4966-B89D-460D0D40D8BB}"/>
+              <a:t>”String” </a:t>
+            </a:r>
+            <a:r>
+              <a:rPr lang="zh-TW" altLang="en-US" dirty="0"/>
+              <a:t>字串。</a:t>
+            </a:r>
+            <a:endParaRPr lang="en-US" dirty="0"/>
+          </a:p>
+        </p:txBody>
+      </p:sp>
+      <p:sp>
+        <p:nvSpPr>
+          <p:cNvPr id="3" name="內容版面配置區 2">
+            <a:extLst>
+              <a:ext uri="{FF2B5EF4-FFF2-40B4-BE49-F238E27FC236}">
+                <a16:creationId xmlns:a16="http://schemas.microsoft.com/office/drawing/2014/main" id="{3F664FF6-39BE-3976-8D2A-AA40F51475AE}"/>
               </a:ext>
             </a:extLst>
           </p:cNvPr>
@@ -13266,19 +13971,590 @@
             <p:ph idx="1"/>
           </p:nvPr>
         </p:nvSpPr>
-        <p:spPr/>
-        <p:txBody>
-          <a:bodyPr/>
+        <p:spPr>
+          <a:xfrm>
+            <a:off x="4965431" y="2438400"/>
+            <a:ext cx="6586489" cy="4232988"/>
+          </a:xfrm>
+        </p:spPr>
+        <p:txBody>
+          <a:bodyPr>
+            <a:normAutofit fontScale="70000" lnSpcReduction="20000"/>
+          </a:bodyPr>
           <a:lstStyle/>
           <a:p>
-            <a:endParaRPr lang="zh-TW" altLang="en-US"/>
+            <a:pPr marL="0" indent="0">
+              <a:lnSpc>
+                <a:spcPct val="150000"/>
+              </a:lnSpc>
+              <a:buNone/>
+            </a:pPr>
+            <a:r>
+              <a:rPr lang="en-US" altLang="zh-TW" sz="2000" dirty="0"/>
+              <a:t>I</a:t>
+            </a:r>
+          </a:p>
+          <a:p>
+            <a:pPr marL="0" indent="0">
+              <a:lnSpc>
+                <a:spcPct val="150000"/>
+              </a:lnSpc>
+              <a:buNone/>
+            </a:pPr>
+            <a:r>
+              <a:rPr lang="en-US" altLang="zh-TW" sz="2000" dirty="0"/>
+              <a:t>I</a:t>
+            </a:r>
+            <a:r>
+              <a:rPr lang="zh-TW" altLang="en-US" sz="2000" dirty="0"/>
+              <a:t> </a:t>
+            </a:r>
+            <a:r>
+              <a:rPr lang="en-US" altLang="zh-TW" sz="2000" dirty="0"/>
+              <a:t>am Ben</a:t>
+            </a:r>
+          </a:p>
+          <a:p>
+            <a:pPr marL="0" indent="0">
+              <a:lnSpc>
+                <a:spcPct val="150000"/>
+              </a:lnSpc>
+              <a:buNone/>
+            </a:pPr>
+            <a:r>
+              <a:rPr lang="en-US" altLang="zh-TW" sz="2000" dirty="0"/>
+              <a:t>Personal information~ </a:t>
+            </a:r>
+            <a:r>
+              <a:rPr lang="en-US" altLang="zh-TW" sz="2000" dirty="0" err="1"/>
+              <a:t>Name:Ben</a:t>
+            </a:r>
+            <a:r>
+              <a:rPr lang="en-US" altLang="zh-TW" sz="2000" dirty="0"/>
+              <a:t> Age:18</a:t>
+            </a:r>
+          </a:p>
+          <a:p>
+            <a:pPr marL="0" indent="0">
+              <a:lnSpc>
+                <a:spcPct val="150000"/>
+              </a:lnSpc>
+              <a:buNone/>
+            </a:pPr>
+            <a:r>
+              <a:rPr lang="en-US" altLang="zh-TW" sz="2000" dirty="0"/>
+              <a:t>#This file stores very important data </a:t>
+            </a:r>
+          </a:p>
+          <a:p>
+            <a:pPr marL="0" indent="0">
+              <a:lnSpc>
+                <a:spcPct val="150000"/>
+              </a:lnSpc>
+              <a:buNone/>
+            </a:pPr>
+            <a:r>
+              <a:rPr lang="en-US" altLang="zh-TW" sz="2000" dirty="0"/>
+              <a:t>#Girlfriends List</a:t>
+            </a:r>
+          </a:p>
+          <a:p>
+            <a:pPr marL="0" indent="0">
+              <a:lnSpc>
+                <a:spcPct val="150000"/>
+              </a:lnSpc>
+              <a:buNone/>
+            </a:pPr>
+            <a:r>
+              <a:rPr lang="en-US" altLang="zh-TW" sz="2000" dirty="0"/>
+              <a:t>Name:girl1 Age:20 </a:t>
+            </a:r>
+            <a:r>
+              <a:rPr lang="en-US" altLang="zh-TW" sz="2000" dirty="0" err="1"/>
+              <a:t>Color:White</a:t>
+            </a:r>
+            <a:r>
+              <a:rPr lang="en-US" altLang="zh-TW" sz="2000" dirty="0"/>
+              <a:t> </a:t>
+            </a:r>
+            <a:r>
+              <a:rPr lang="en-US" altLang="zh-TW" sz="2000" dirty="0">
+                <a:hlinkClick r:id="rId2"/>
+              </a:rPr>
+              <a:t>Tel:2-119119119</a:t>
+            </a:r>
+            <a:endParaRPr lang="en-US" altLang="zh-TW" sz="2000" dirty="0"/>
+          </a:p>
+          <a:p>
+            <a:pPr marL="0" indent="0">
+              <a:lnSpc>
+                <a:spcPct val="150000"/>
+              </a:lnSpc>
+              <a:buNone/>
+            </a:pPr>
+            <a:r>
+              <a:rPr lang="en-US" altLang="zh-TW" sz="2000" dirty="0"/>
+              <a:t>Name:girl2 Age:21 </a:t>
+            </a:r>
+            <a:r>
+              <a:rPr lang="en-US" altLang="zh-TW" sz="2000" dirty="0" err="1"/>
+              <a:t>Color:Yellow</a:t>
+            </a:r>
+            <a:r>
+              <a:rPr lang="en-US" altLang="zh-TW" sz="2000" dirty="0"/>
+              <a:t> </a:t>
+            </a:r>
+            <a:r>
+              <a:rPr lang="en-US" altLang="zh-TW" sz="2000" dirty="0">
+                <a:hlinkClick r:id="rId3"/>
+              </a:rPr>
+              <a:t>Tel:86-426695695</a:t>
+            </a:r>
+            <a:endParaRPr lang="en-US" altLang="zh-TW" sz="2000" dirty="0"/>
+          </a:p>
+          <a:p>
+            <a:pPr marL="0" indent="0">
+              <a:lnSpc>
+                <a:spcPct val="150000"/>
+              </a:lnSpc>
+              <a:buNone/>
+            </a:pPr>
+            <a:r>
+              <a:rPr lang="en-US" altLang="zh-TW" sz="2000" dirty="0"/>
+              <a:t>Name:girl3 Age:22 </a:t>
+            </a:r>
+            <a:r>
+              <a:rPr lang="en-US" altLang="zh-TW" sz="2000" dirty="0" err="1"/>
+              <a:t>Color:Black</a:t>
+            </a:r>
+            <a:r>
+              <a:rPr lang="en-US" altLang="zh-TW" sz="2000" dirty="0"/>
+              <a:t> </a:t>
+            </a:r>
+            <a:r>
+              <a:rPr lang="en-US" altLang="zh-TW" sz="2000" dirty="0">
+                <a:hlinkClick r:id="rId4"/>
+              </a:rPr>
+              <a:t>Tel:54-871871940</a:t>
+            </a:r>
+            <a:endParaRPr lang="en-US" altLang="zh-TW" sz="2000" dirty="0"/>
+          </a:p>
+          <a:p>
+            <a:pPr marL="0" indent="0">
+              <a:lnSpc>
+                <a:spcPct val="150000"/>
+              </a:lnSpc>
+              <a:buNone/>
+            </a:pPr>
+            <a:r>
+              <a:rPr lang="en-US" altLang="zh-TW" sz="2000" dirty="0"/>
+              <a:t>Date:2022-05-30</a:t>
+            </a:r>
+          </a:p>
+          <a:p>
+            <a:pPr marL="0" indent="0">
+              <a:lnSpc>
+                <a:spcPct val="150000"/>
+              </a:lnSpc>
+              <a:buNone/>
+            </a:pPr>
+            <a:r>
+              <a:rPr lang="en-US" altLang="zh-TW" sz="2000" dirty="0"/>
+              <a:t>Time:10:21:38</a:t>
+            </a:r>
+          </a:p>
+          <a:p>
+            <a:pPr marL="0" indent="0">
+              <a:lnSpc>
+                <a:spcPct val="150000"/>
+              </a:lnSpc>
+              <a:buNone/>
+            </a:pPr>
+            <a:endParaRPr lang="en-US" altLang="zh-TW" sz="2000" dirty="0"/>
+          </a:p>
+          <a:p>
+            <a:pPr marL="0" indent="0">
+              <a:lnSpc>
+                <a:spcPct val="150000"/>
+              </a:lnSpc>
+              <a:buNone/>
+            </a:pPr>
+            <a:endParaRPr lang="en-US" altLang="zh-TW" sz="2000" dirty="0"/>
+          </a:p>
+        </p:txBody>
+      </p:sp>
+      <p:pic>
+        <p:nvPicPr>
+          <p:cNvPr id="2050" name="Picture 2" descr="想法灵感png素材透明免抠图片-装饰效果-三元素3png.com">
+            <a:extLst>
+              <a:ext uri="{FF2B5EF4-FFF2-40B4-BE49-F238E27FC236}">
+                <a16:creationId xmlns:a16="http://schemas.microsoft.com/office/drawing/2014/main" id="{49F092C4-5975-17B9-AECA-BB8188F5A2EE}"/>
+              </a:ext>
+            </a:extLst>
+          </p:cNvPr>
+          <p:cNvPicPr>
+            <a:picLocks noChangeAspect="1" noChangeArrowheads="1"/>
+          </p:cNvPicPr>
+          <p:nvPr/>
+        </p:nvPicPr>
+        <p:blipFill rotWithShape="1">
+          <a:blip r:embed="rId5">
+            <a:extLst>
+              <a:ext uri="{28A0092B-C50C-407E-A947-70E740481C1C}">
+                <a14:useLocalDpi xmlns:a14="http://schemas.microsoft.com/office/drawing/2010/main" val="0"/>
+              </a:ext>
+            </a:extLst>
+          </a:blip>
+          <a:srcRect l="18445" r="13961"/>
+          <a:stretch/>
+        </p:blipFill>
+        <p:spPr bwMode="auto">
+          <a:xfrm>
+            <a:off x="20" y="10"/>
+            <a:ext cx="4635571" cy="6857990"/>
+          </a:xfrm>
+          <a:prstGeom prst="rect">
+            <a:avLst/>
+          </a:prstGeom>
+          <a:noFill/>
+          <a:effectLst/>
+          <a:extLst>
+            <a:ext uri="{909E8E84-426E-40DD-AFC4-6F175D3DCCD1}">
+              <a14:hiddenFill xmlns:a14="http://schemas.microsoft.com/office/drawing/2010/main">
+                <a:solidFill>
+                  <a:srgbClr val="FFFFFF"/>
+                </a:solidFill>
+              </a14:hiddenFill>
+            </a:ext>
+          </a:extLst>
+        </p:spPr>
+      </p:pic>
+      <p:cxnSp>
+        <p:nvCxnSpPr>
+          <p:cNvPr id="71" name="Straight Connector 70">
+            <a:extLst>
+              <a:ext uri="{FF2B5EF4-FFF2-40B4-BE49-F238E27FC236}">
+                <a16:creationId xmlns:a16="http://schemas.microsoft.com/office/drawing/2014/main" id="{A7F400EE-A8A5-48AF-B4D6-291B52C6F0B0}"/>
+              </a:ext>
+              <a:ext uri="{C183D7F6-B498-43B3-948B-1728B52AA6E4}">
+                <adec:decorative xmlns:adec="http://schemas.microsoft.com/office/drawing/2017/decorative" val="1"/>
+              </a:ext>
+            </a:extLst>
+          </p:cNvPr>
+          <p:cNvCxnSpPr>
+            <a:cxnSpLocks noGrp="1" noRot="1" noChangeAspect="1" noMove="1" noResize="1" noEditPoints="1" noAdjustHandles="1" noChangeArrowheads="1" noChangeShapeType="1"/>
+          </p:cNvCxnSpPr>
+          <p:nvPr>
+            <p:extLst>
+              <p:ext uri="{386F3935-93C4-4BCD-93E2-E3B085C9AB24}">
+                <p16:designElem xmlns:p16="http://schemas.microsoft.com/office/powerpoint/2015/main" val="1"/>
+              </p:ext>
+            </p:extLst>
+          </p:nvPr>
+        </p:nvCxnSpPr>
+        <p:spPr>
+          <a:xfrm>
+            <a:off x="5080934" y="2115117"/>
+            <a:ext cx="6309360" cy="0"/>
+          </a:xfrm>
+          <a:prstGeom prst="line">
+            <a:avLst/>
+          </a:prstGeom>
+          <a:ln w="19050">
+            <a:solidFill>
+              <a:schemeClr val="accent1"/>
+            </a:solidFill>
+          </a:ln>
+        </p:spPr>
+        <p:style>
+          <a:lnRef idx="1">
+            <a:schemeClr val="accent1"/>
+          </a:lnRef>
+          <a:fillRef idx="0">
+            <a:schemeClr val="accent1"/>
+          </a:fillRef>
+          <a:effectRef idx="0">
+            <a:schemeClr val="accent1"/>
+          </a:effectRef>
+          <a:fontRef idx="minor">
+            <a:schemeClr val="tx1"/>
+          </a:fontRef>
+        </p:style>
+      </p:cxnSp>
+      <p:sp>
+        <p:nvSpPr>
+          <p:cNvPr id="6" name="矩形 5">
+            <a:extLst>
+              <a:ext uri="{FF2B5EF4-FFF2-40B4-BE49-F238E27FC236}">
+                <a16:creationId xmlns:a16="http://schemas.microsoft.com/office/drawing/2014/main" id="{B26AE4F6-C31E-243A-3CAD-EC2DF6B509C5}"/>
+              </a:ext>
+            </a:extLst>
+          </p:cNvPr>
+          <p:cNvSpPr/>
+          <p:nvPr/>
+        </p:nvSpPr>
+        <p:spPr>
+          <a:xfrm>
+            <a:off x="4889241" y="2462366"/>
+            <a:ext cx="391886" cy="351448"/>
+          </a:xfrm>
+          <a:prstGeom prst="rect">
+            <a:avLst/>
+          </a:prstGeom>
+          <a:noFill/>
+          <a:ln w="38100"/>
+        </p:spPr>
+        <p:style>
+          <a:lnRef idx="2">
+            <a:schemeClr val="accent1">
+              <a:shade val="50000"/>
+            </a:schemeClr>
+          </a:lnRef>
+          <a:fillRef idx="1">
+            <a:schemeClr val="accent1"/>
+          </a:fillRef>
+          <a:effectRef idx="0">
+            <a:schemeClr val="accent1"/>
+          </a:effectRef>
+          <a:fontRef idx="minor">
+            <a:schemeClr val="lt1"/>
+          </a:fontRef>
+        </p:style>
+        <p:txBody>
+          <a:bodyPr rtlCol="0" anchor="ctr"/>
+          <a:lstStyle/>
+          <a:p>
+            <a:pPr algn="ctr"/>
+            <a:endParaRPr lang="en-US"/>
+          </a:p>
+        </p:txBody>
+      </p:sp>
+      <p:sp>
+        <p:nvSpPr>
+          <p:cNvPr id="9" name="矩形 8">
+            <a:extLst>
+              <a:ext uri="{FF2B5EF4-FFF2-40B4-BE49-F238E27FC236}">
+                <a16:creationId xmlns:a16="http://schemas.microsoft.com/office/drawing/2014/main" id="{951B8FE8-4AE7-3C61-86C0-BB1A80820C44}"/>
+              </a:ext>
+            </a:extLst>
+          </p:cNvPr>
+          <p:cNvSpPr/>
+          <p:nvPr/>
+        </p:nvSpPr>
+        <p:spPr>
+          <a:xfrm>
+            <a:off x="4889241" y="2961372"/>
+            <a:ext cx="1383636" cy="175723"/>
+          </a:xfrm>
+          <a:prstGeom prst="rect">
+            <a:avLst/>
+          </a:prstGeom>
+          <a:noFill/>
+          <a:ln w="38100"/>
+        </p:spPr>
+        <p:style>
+          <a:lnRef idx="2">
+            <a:schemeClr val="accent1">
+              <a:shade val="50000"/>
+            </a:schemeClr>
+          </a:lnRef>
+          <a:fillRef idx="1">
+            <a:schemeClr val="accent1"/>
+          </a:fillRef>
+          <a:effectRef idx="0">
+            <a:schemeClr val="accent1"/>
+          </a:effectRef>
+          <a:fontRef idx="minor">
+            <a:schemeClr val="lt1"/>
+          </a:fontRef>
+        </p:style>
+        <p:txBody>
+          <a:bodyPr rtlCol="0" anchor="ctr"/>
+          <a:lstStyle/>
+          <a:p>
+            <a:pPr algn="ctr"/>
+            <a:endParaRPr lang="en-US"/>
+          </a:p>
+        </p:txBody>
+      </p:sp>
+      <p:sp>
+        <p:nvSpPr>
+          <p:cNvPr id="7" name="文字方塊 6">
+            <a:extLst>
+              <a:ext uri="{FF2B5EF4-FFF2-40B4-BE49-F238E27FC236}">
+                <a16:creationId xmlns:a16="http://schemas.microsoft.com/office/drawing/2014/main" id="{792F65B2-D737-88B1-E4B0-180DD1C15146}"/>
+              </a:ext>
+            </a:extLst>
+          </p:cNvPr>
+          <p:cNvSpPr txBox="1"/>
+          <p:nvPr/>
+        </p:nvSpPr>
+        <p:spPr>
+          <a:xfrm>
+            <a:off x="9600009" y="2462366"/>
+            <a:ext cx="2694562" cy="2031325"/>
+          </a:xfrm>
+          <a:prstGeom prst="rect">
+            <a:avLst/>
+          </a:prstGeom>
+          <a:noFill/>
+        </p:spPr>
+        <p:txBody>
+          <a:bodyPr wrap="square" rtlCol="0">
+            <a:spAutoFit/>
+          </a:bodyPr>
+          <a:lstStyle/>
+          <a:p>
+            <a:r>
+              <a:rPr lang="zh-TW" altLang="en-US" dirty="0"/>
+              <a:t>一個字</a:t>
+            </a:r>
+            <a:endParaRPr lang="en-US" altLang="zh-TW" dirty="0"/>
+          </a:p>
+          <a:p>
+            <a:r>
+              <a:rPr lang="zh-TW" altLang="en-US" dirty="0"/>
+              <a:t>一行字自然語言</a:t>
+            </a:r>
+            <a:endParaRPr lang="en-US" altLang="zh-TW" dirty="0"/>
+          </a:p>
+          <a:p>
+            <a:r>
+              <a:rPr lang="zh-TW" altLang="en-US" dirty="0"/>
+              <a:t>一行字附帶格式化訊息</a:t>
+            </a:r>
+            <a:endParaRPr lang="en-US" altLang="zh-TW" dirty="0"/>
+          </a:p>
+          <a:p>
+            <a:r>
+              <a:rPr lang="zh-TW" altLang="en-US" dirty="0"/>
+              <a:t>很多行</a:t>
+            </a:r>
+            <a:endParaRPr lang="en-US" altLang="zh-TW" dirty="0"/>
+          </a:p>
+          <a:p>
+            <a:r>
+              <a:rPr lang="zh-TW" altLang="en-US" dirty="0"/>
+              <a:t>一個檔案</a:t>
+            </a:r>
+            <a:endParaRPr lang="en-US" altLang="zh-TW" dirty="0"/>
+          </a:p>
+          <a:p>
+            <a:r>
+              <a:rPr lang="zh-TW" altLang="en-US" dirty="0"/>
+              <a:t>附帶格式化訊息</a:t>
+            </a:r>
+            <a:endParaRPr lang="en-US" altLang="zh-TW" dirty="0"/>
+          </a:p>
+          <a:p>
+            <a:r>
+              <a:rPr lang="zh-TW" altLang="en-US" dirty="0"/>
+              <a:t>代表特定功能的字元</a:t>
+            </a:r>
+            <a:endParaRPr lang="en-US" dirty="0"/>
+          </a:p>
+        </p:txBody>
+      </p:sp>
+      <p:sp>
+        <p:nvSpPr>
+          <p:cNvPr id="11" name="矩形 10">
+            <a:extLst>
+              <a:ext uri="{FF2B5EF4-FFF2-40B4-BE49-F238E27FC236}">
+                <a16:creationId xmlns:a16="http://schemas.microsoft.com/office/drawing/2014/main" id="{52200916-1032-7836-A382-0964AA6C5EEE}"/>
+              </a:ext>
+            </a:extLst>
+          </p:cNvPr>
+          <p:cNvSpPr/>
+          <p:nvPr/>
+        </p:nvSpPr>
+        <p:spPr>
+          <a:xfrm>
+            <a:off x="4888249" y="3253276"/>
+            <a:ext cx="3872862" cy="351447"/>
+          </a:xfrm>
+          <a:prstGeom prst="rect">
+            <a:avLst/>
+          </a:prstGeom>
+          <a:noFill/>
+          <a:ln w="38100"/>
+        </p:spPr>
+        <p:style>
+          <a:lnRef idx="2">
+            <a:schemeClr val="accent1">
+              <a:shade val="50000"/>
+            </a:schemeClr>
+          </a:lnRef>
+          <a:fillRef idx="1">
+            <a:schemeClr val="accent1"/>
+          </a:fillRef>
+          <a:effectRef idx="0">
+            <a:schemeClr val="accent1"/>
+          </a:effectRef>
+          <a:fontRef idx="minor">
+            <a:schemeClr val="lt1"/>
+          </a:fontRef>
+        </p:style>
+        <p:txBody>
+          <a:bodyPr rtlCol="0" anchor="ctr"/>
+          <a:lstStyle/>
+          <a:p>
+            <a:pPr algn="ctr"/>
+            <a:endParaRPr lang="en-US"/>
+          </a:p>
+        </p:txBody>
+      </p:sp>
+      <p:sp>
+        <p:nvSpPr>
+          <p:cNvPr id="12" name="矩形 11">
+            <a:extLst>
+              <a:ext uri="{FF2B5EF4-FFF2-40B4-BE49-F238E27FC236}">
+                <a16:creationId xmlns:a16="http://schemas.microsoft.com/office/drawing/2014/main" id="{A73BA7B9-BA02-AAF7-A46D-F68FED781172}"/>
+              </a:ext>
+            </a:extLst>
+          </p:cNvPr>
+          <p:cNvSpPr/>
+          <p:nvPr/>
+        </p:nvSpPr>
+        <p:spPr>
+          <a:xfrm>
+            <a:off x="4888249" y="3720904"/>
+            <a:ext cx="4635570" cy="2707888"/>
+          </a:xfrm>
+          <a:prstGeom prst="rect">
+            <a:avLst/>
+          </a:prstGeom>
+          <a:noFill/>
+          <a:ln w="38100"/>
+        </p:spPr>
+        <p:style>
+          <a:lnRef idx="2">
+            <a:schemeClr val="accent1">
+              <a:shade val="50000"/>
+            </a:schemeClr>
+          </a:lnRef>
+          <a:fillRef idx="1">
+            <a:schemeClr val="accent1"/>
+          </a:fillRef>
+          <a:effectRef idx="0">
+            <a:schemeClr val="accent1"/>
+          </a:effectRef>
+          <a:fontRef idx="minor">
+            <a:schemeClr val="lt1"/>
+          </a:fontRef>
+        </p:style>
+        <p:txBody>
+          <a:bodyPr rtlCol="0" anchor="ctr"/>
+          <a:lstStyle/>
+          <a:p>
+            <a:pPr algn="ctr"/>
+            <a:endParaRPr lang="en-US"/>
           </a:p>
         </p:txBody>
       </p:sp>
     </p:spTree>
     <p:extLst>
       <p:ext uri="{BB962C8B-B14F-4D97-AF65-F5344CB8AC3E}">
-        <p14:creationId xmlns:p14="http://schemas.microsoft.com/office/powerpoint/2010/main" val="2351552512"/>
+        <p14:creationId xmlns:p14="http://schemas.microsoft.com/office/powerpoint/2010/main" val="204233691"/>
       </p:ext>
     </p:extLst>
   </p:cSld>
@@ -13310,7 +14586,7 @@
           <p:cNvPr id="2" name="標題 1">
             <a:extLst>
               <a:ext uri="{FF2B5EF4-FFF2-40B4-BE49-F238E27FC236}">
-                <a16:creationId xmlns:a16="http://schemas.microsoft.com/office/drawing/2014/main" id="{715AC6C3-F647-4D06-E7F3-9F916409DEDA}"/>
+                <a16:creationId xmlns:a16="http://schemas.microsoft.com/office/drawing/2014/main" id="{CFB4186E-F060-9228-B464-B55EB6A115E9}"/>
               </a:ext>
             </a:extLst>
           </p:cNvPr>
@@ -13321,125 +14597,273 @@
             <p:ph type="title"/>
           </p:nvPr>
         </p:nvSpPr>
-        <p:spPr/>
-        <p:txBody>
-          <a:bodyPr/>
-          <a:lstStyle/>
-          <a:p>
-            <a:r>
-              <a:rPr lang="en-US" dirty="0"/>
-              <a:t>Q&amp;A</a:t>
-            </a:r>
-          </a:p>
-        </p:txBody>
-      </p:sp>
-      <p:sp>
-        <p:nvSpPr>
-          <p:cNvPr id="3" name="內容版面配置區 2">
-            <a:extLst>
-              <a:ext uri="{FF2B5EF4-FFF2-40B4-BE49-F238E27FC236}">
-                <a16:creationId xmlns:a16="http://schemas.microsoft.com/office/drawing/2014/main" id="{6846725F-A94A-BD92-8A1C-4E1E0DC88AEF}"/>
-              </a:ext>
-            </a:extLst>
-          </p:cNvPr>
-          <p:cNvSpPr>
-            <a:spLocks noGrp="1"/>
-          </p:cNvSpPr>
-          <p:nvPr>
-            <p:ph idx="1"/>
-          </p:nvPr>
-        </p:nvSpPr>
-        <p:spPr/>
-        <p:txBody>
-          <a:bodyPr/>
-          <a:lstStyle/>
-          <a:p>
-            <a:pPr marL="514350" indent="-514350">
-              <a:buFont typeface="+mj-lt"/>
-              <a:buAutoNum type="arabicPeriod"/>
-            </a:pPr>
-            <a:r>
-              <a:rPr lang="en-US" dirty="0"/>
-              <a:t>FOR           %%var   IN   (set)   DO </a:t>
-            </a:r>
-            <a:br>
-              <a:rPr lang="en-US" dirty="0"/>
-            </a:br>
-            <a:r>
-              <a:rPr lang="zh-TW" altLang="en-US" dirty="0"/>
-              <a:t>有幾種選擇</a:t>
-            </a:r>
-            <a:r>
-              <a:rPr lang="en-US" altLang="zh-TW" dirty="0"/>
-              <a:t>(options)?</a:t>
-            </a:r>
-            <a:r>
-              <a:rPr lang="zh-TW" altLang="en-US" dirty="0"/>
-              <a:t> 分別代表甚麼功能 或 作用</a:t>
-            </a:r>
-            <a:r>
-              <a:rPr lang="en-US" altLang="zh-TW" dirty="0"/>
-              <a:t>?</a:t>
-            </a:r>
-          </a:p>
-          <a:p>
-            <a:pPr marL="0" indent="0">
-              <a:buNone/>
-            </a:pPr>
-            <a:endParaRPr lang="en-US" dirty="0"/>
-          </a:p>
-        </p:txBody>
-      </p:sp>
-      <p:sp>
-        <p:nvSpPr>
-          <p:cNvPr id="4" name="矩形 3">
-            <a:extLst>
-              <a:ext uri="{FF2B5EF4-FFF2-40B4-BE49-F238E27FC236}">
-                <a16:creationId xmlns:a16="http://schemas.microsoft.com/office/drawing/2014/main" id="{311079F6-97B4-41CE-6AF1-C6C9F046E484}"/>
-              </a:ext>
-            </a:extLst>
-          </p:cNvPr>
-          <p:cNvSpPr/>
-          <p:nvPr/>
-        </p:nvSpPr>
         <p:spPr>
           <a:xfrm>
-            <a:off x="2211355" y="1903444"/>
-            <a:ext cx="531845" cy="279919"/>
+            <a:off x="0" y="365125"/>
+            <a:ext cx="1642188" cy="5121275"/>
+          </a:xfrm>
+        </p:spPr>
+        <p:txBody>
+          <a:bodyPr vert="eaVert">
+            <a:normAutofit/>
+          </a:bodyPr>
+          <a:lstStyle/>
+          <a:p>
+            <a:r>
+              <a:rPr lang="zh-TW" altLang="en-US" sz="6000" dirty="0"/>
+              <a:t>我們該做甚麼</a:t>
+            </a:r>
+            <a:r>
+              <a:rPr lang="en-US" altLang="zh-TW" sz="6000" dirty="0"/>
+              <a:t>?</a:t>
+            </a:r>
+            <a:endParaRPr lang="en-US" sz="6000" dirty="0"/>
+          </a:p>
+        </p:txBody>
+      </p:sp>
+      <p:pic>
+        <p:nvPicPr>
+          <p:cNvPr id="3074" name="Picture 2" descr="The elements of computational thinking. | Download Scientific Diagram">
+            <a:extLst>
+              <a:ext uri="{FF2B5EF4-FFF2-40B4-BE49-F238E27FC236}">
+                <a16:creationId xmlns:a16="http://schemas.microsoft.com/office/drawing/2014/main" id="{CF31C79B-B7C9-4947-5A1E-FA6160D48CFD}"/>
+              </a:ext>
+            </a:extLst>
+          </p:cNvPr>
+          <p:cNvPicPr>
+            <a:picLocks noChangeAspect="1" noChangeArrowheads="1"/>
+          </p:cNvPicPr>
+          <p:nvPr/>
+        </p:nvPicPr>
+        <p:blipFill>
+          <a:blip r:embed="rId2">
+            <a:extLst>
+              <a:ext uri="{28A0092B-C50C-407E-A947-70E740481C1C}">
+                <a14:useLocalDpi xmlns:a14="http://schemas.microsoft.com/office/drawing/2010/main" val="0"/>
+              </a:ext>
+            </a:extLst>
+          </a:blip>
+          <a:srcRect/>
+          <a:stretch>
+            <a:fillRect/>
+          </a:stretch>
+        </p:blipFill>
+        <p:spPr bwMode="auto">
+          <a:xfrm>
+            <a:off x="1918996" y="-25510"/>
+            <a:ext cx="10273004" cy="6883510"/>
           </a:xfrm>
           <a:prstGeom prst="rect">
             <a:avLst/>
           </a:prstGeom>
+          <a:noFill/>
+          <a:extLst>
+            <a:ext uri="{909E8E84-426E-40DD-AFC4-6F175D3DCCD1}">
+              <a14:hiddenFill xmlns:a14="http://schemas.microsoft.com/office/drawing/2010/main">
+                <a:solidFill>
+                  <a:srgbClr val="FFFFFF"/>
+                </a:solidFill>
+              </a14:hiddenFill>
+            </a:ext>
+          </a:extLst>
         </p:spPr>
-        <p:style>
-          <a:lnRef idx="2">
-            <a:schemeClr val="accent1">
-              <a:shade val="50000"/>
-            </a:schemeClr>
-          </a:lnRef>
-          <a:fillRef idx="1">
-            <a:schemeClr val="accent1"/>
-          </a:fillRef>
-          <a:effectRef idx="0">
-            <a:schemeClr val="accent1"/>
-          </a:effectRef>
-          <a:fontRef idx="minor">
-            <a:schemeClr val="lt1"/>
-          </a:fontRef>
-        </p:style>
-        <p:txBody>
-          <a:bodyPr rtlCol="0" anchor="ctr"/>
+      </p:pic>
+      <p:sp>
+        <p:nvSpPr>
+          <p:cNvPr id="12" name="文字方塊 11">
+            <a:extLst>
+              <a:ext uri="{FF2B5EF4-FFF2-40B4-BE49-F238E27FC236}">
+                <a16:creationId xmlns:a16="http://schemas.microsoft.com/office/drawing/2014/main" id="{09216821-D001-362B-3BF8-0C725D7B138E}"/>
+              </a:ext>
+            </a:extLst>
+          </p:cNvPr>
+          <p:cNvSpPr txBox="1"/>
+          <p:nvPr/>
+        </p:nvSpPr>
+        <p:spPr>
+          <a:xfrm>
+            <a:off x="2140650" y="1025099"/>
+            <a:ext cx="3336420" cy="707886"/>
+          </a:xfrm>
+          <a:prstGeom prst="rect">
+            <a:avLst/>
+          </a:prstGeom>
+          <a:noFill/>
+        </p:spPr>
+        <p:txBody>
+          <a:bodyPr wrap="square" rtlCol="0">
+            <a:spAutoFit/>
+          </a:bodyPr>
           <a:lstStyle/>
           <a:p>
-            <a:pPr algn="ctr"/>
-            <a:endParaRPr lang="en-US"/>
+            <a:r>
+              <a:rPr lang="zh-TW" altLang="en-US" sz="4000" dirty="0">
+                <a:solidFill>
+                  <a:srgbClr val="FFFF00"/>
+                </a:solidFill>
+              </a:rPr>
+              <a:t>從 </a:t>
+            </a:r>
+            <a:r>
+              <a:rPr lang="en-US" sz="4000" dirty="0">
+                <a:solidFill>
+                  <a:srgbClr val="FFFF00"/>
+                </a:solidFill>
+              </a:rPr>
+              <a:t>String </a:t>
+            </a:r>
+            <a:r>
+              <a:rPr lang="zh-TW" altLang="en-US" sz="4000" dirty="0">
+                <a:solidFill>
+                  <a:srgbClr val="FFFF00"/>
+                </a:solidFill>
+              </a:rPr>
+              <a:t>裡面</a:t>
+            </a:r>
+            <a:endParaRPr lang="en-US" sz="4000" dirty="0">
+              <a:solidFill>
+                <a:srgbClr val="FFFF00"/>
+              </a:solidFill>
+            </a:endParaRPr>
+          </a:p>
+        </p:txBody>
+      </p:sp>
+      <p:sp>
+        <p:nvSpPr>
+          <p:cNvPr id="15" name="文字方塊 14">
+            <a:extLst>
+              <a:ext uri="{FF2B5EF4-FFF2-40B4-BE49-F238E27FC236}">
+                <a16:creationId xmlns:a16="http://schemas.microsoft.com/office/drawing/2014/main" id="{F8546AC9-43AD-B782-602E-136C184B2B33}"/>
+              </a:ext>
+            </a:extLst>
+          </p:cNvPr>
+          <p:cNvSpPr txBox="1"/>
+          <p:nvPr/>
+        </p:nvSpPr>
+        <p:spPr>
+          <a:xfrm>
+            <a:off x="2292221" y="3867215"/>
+            <a:ext cx="2242457" cy="707886"/>
+          </a:xfrm>
+          <a:prstGeom prst="rect">
+            <a:avLst/>
+          </a:prstGeom>
+          <a:noFill/>
+        </p:spPr>
+        <p:txBody>
+          <a:bodyPr wrap="square" rtlCol="0">
+            <a:spAutoFit/>
+          </a:bodyPr>
+          <a:lstStyle/>
+          <a:p>
+            <a:r>
+              <a:rPr lang="zh-TW" altLang="en-US" sz="4000" dirty="0">
+                <a:solidFill>
+                  <a:srgbClr val="FFFF00"/>
+                </a:solidFill>
+              </a:rPr>
+              <a:t>建立規則</a:t>
+            </a:r>
+            <a:endParaRPr lang="en-US" sz="4000" dirty="0">
+              <a:solidFill>
+                <a:srgbClr val="FFFF00"/>
+              </a:solidFill>
+            </a:endParaRPr>
+          </a:p>
+        </p:txBody>
+      </p:sp>
+      <p:sp>
+        <p:nvSpPr>
+          <p:cNvPr id="16" name="文字方塊 15">
+            <a:extLst>
+              <a:ext uri="{FF2B5EF4-FFF2-40B4-BE49-F238E27FC236}">
+                <a16:creationId xmlns:a16="http://schemas.microsoft.com/office/drawing/2014/main" id="{57C40354-FDE7-CDA8-D5F6-C99EADC3BD1B}"/>
+              </a:ext>
+            </a:extLst>
+          </p:cNvPr>
+          <p:cNvSpPr txBox="1"/>
+          <p:nvPr/>
+        </p:nvSpPr>
+        <p:spPr>
+          <a:xfrm>
+            <a:off x="7592837" y="1186829"/>
+            <a:ext cx="3883816" cy="1323439"/>
+          </a:xfrm>
+          <a:prstGeom prst="rect">
+            <a:avLst/>
+          </a:prstGeom>
+          <a:noFill/>
+        </p:spPr>
+        <p:txBody>
+          <a:bodyPr wrap="square" rtlCol="0">
+            <a:spAutoFit/>
+          </a:bodyPr>
+          <a:lstStyle/>
+          <a:p>
+            <a:r>
+              <a:rPr lang="zh-TW" altLang="en-US" sz="4000" dirty="0">
+                <a:solidFill>
+                  <a:srgbClr val="FFFF00"/>
+                </a:solidFill>
+              </a:rPr>
+              <a:t>取得我們需要的信息</a:t>
+            </a:r>
+            <a:endParaRPr lang="en-US" sz="4000" dirty="0">
+              <a:solidFill>
+                <a:srgbClr val="FFFF00"/>
+              </a:solidFill>
+            </a:endParaRPr>
+          </a:p>
+        </p:txBody>
+      </p:sp>
+      <p:sp>
+        <p:nvSpPr>
+          <p:cNvPr id="17" name="文字方塊 16">
+            <a:extLst>
+              <a:ext uri="{FF2B5EF4-FFF2-40B4-BE49-F238E27FC236}">
+                <a16:creationId xmlns:a16="http://schemas.microsoft.com/office/drawing/2014/main" id="{B374B029-C253-B4E1-6B0A-0DBD9E4DA201}"/>
+              </a:ext>
+            </a:extLst>
+          </p:cNvPr>
+          <p:cNvSpPr txBox="1"/>
+          <p:nvPr/>
+        </p:nvSpPr>
+        <p:spPr>
+          <a:xfrm>
+            <a:off x="8961327" y="4463888"/>
+            <a:ext cx="2795244" cy="707886"/>
+          </a:xfrm>
+          <a:prstGeom prst="rect">
+            <a:avLst/>
+          </a:prstGeom>
+          <a:noFill/>
+        </p:spPr>
+        <p:txBody>
+          <a:bodyPr wrap="square" rtlCol="0">
+            <a:spAutoFit/>
+          </a:bodyPr>
+          <a:lstStyle/>
+          <a:p>
+            <a:r>
+              <a:rPr lang="zh-TW" altLang="en-US" sz="4000" dirty="0">
+                <a:solidFill>
+                  <a:srgbClr val="FFFF00"/>
+                </a:solidFill>
+              </a:rPr>
+              <a:t>並加以處理</a:t>
+            </a:r>
+            <a:endParaRPr lang="en-US" sz="4000" dirty="0">
+              <a:solidFill>
+                <a:srgbClr val="FFFF00"/>
+              </a:solidFill>
+            </a:endParaRPr>
           </a:p>
         </p:txBody>
       </p:sp>
     </p:spTree>
     <p:extLst>
       <p:ext uri="{BB962C8B-B14F-4D97-AF65-F5344CB8AC3E}">
-        <p14:creationId xmlns:p14="http://schemas.microsoft.com/office/powerpoint/2010/main" val="3048477673"/>
+        <p14:creationId xmlns:p14="http://schemas.microsoft.com/office/powerpoint/2010/main" val="669467233"/>
       </p:ext>
     </p:extLst>
   </p:cSld>
@@ -13471,7 +14895,7 @@
           <p:cNvPr id="2" name="標題 1">
             <a:extLst>
               <a:ext uri="{FF2B5EF4-FFF2-40B4-BE49-F238E27FC236}">
-                <a16:creationId xmlns:a16="http://schemas.microsoft.com/office/drawing/2014/main" id="{29FDBB86-DC20-C6B1-FAFD-B4DF2BE2FA87}"/>
+                <a16:creationId xmlns:a16="http://schemas.microsoft.com/office/drawing/2014/main" id="{C5709733-3C36-AA1D-EB70-691206CF110E}"/>
               </a:ext>
             </a:extLst>
           </p:cNvPr>
@@ -13487,6 +14911,18 @@
           <a:bodyPr/>
           <a:lstStyle/>
           <a:p>
+            <a:r>
+              <a:rPr lang="zh-TW" altLang="en-US" dirty="0"/>
+              <a:t>所以 </a:t>
+            </a:r>
+            <a:r>
+              <a:rPr lang="en-US" altLang="zh-TW" dirty="0"/>
+              <a:t>option </a:t>
+            </a:r>
+            <a:r>
+              <a:rPr lang="zh-TW" altLang="en-US" dirty="0"/>
+              <a:t>就誕生了</a:t>
+            </a:r>
             <a:endParaRPr lang="en-US" dirty="0"/>
           </a:p>
         </p:txBody>
@@ -13496,7 +14932,7 @@
           <p:cNvPr id="3" name="內容版面配置區 2">
             <a:extLst>
               <a:ext uri="{FF2B5EF4-FFF2-40B4-BE49-F238E27FC236}">
-                <a16:creationId xmlns:a16="http://schemas.microsoft.com/office/drawing/2014/main" id="{140E95D9-3B26-CB1C-760E-2B809C069C61}"/>
+                <a16:creationId xmlns:a16="http://schemas.microsoft.com/office/drawing/2014/main" id="{98C4267C-98F5-BEEA-6E01-A96260AA6CF7}"/>
               </a:ext>
             </a:extLst>
           </p:cNvPr>
@@ -13512,38 +14948,44 @@
           <a:bodyPr/>
           <a:lstStyle/>
           <a:p>
-            <a:pPr marL="514350" indent="-514350">
-              <a:buFont typeface="+mj-lt"/>
-              <a:buAutoNum type="arabicPeriod" startAt="2"/>
-            </a:pPr>
-            <a:r>
-              <a:rPr lang="en-US" dirty="0"/>
-              <a:t>FOR     %%variable IN (    ) DO </a:t>
-            </a:r>
-            <a:r>
-              <a:rPr lang="zh-TW" altLang="en-US" dirty="0"/>
-              <a:t>有幾種選擇</a:t>
-            </a:r>
-            <a:r>
-              <a:rPr lang="en-US" altLang="zh-TW" dirty="0"/>
-              <a:t>?</a:t>
-            </a:r>
-            <a:r>
-              <a:rPr lang="zh-TW" altLang="en-US" dirty="0"/>
-              <a:t> 分別代表甚麼功能 或作用</a:t>
-            </a:r>
-            <a:r>
-              <a:rPr lang="en-US" altLang="zh-TW" dirty="0"/>
-              <a:t>?</a:t>
-            </a:r>
             <a:endParaRPr lang="en-US" dirty="0"/>
           </a:p>
         </p:txBody>
       </p:sp>
+      <p:pic>
+        <p:nvPicPr>
+          <p:cNvPr id="5" name="圖片 4">
+            <a:extLst>
+              <a:ext uri="{FF2B5EF4-FFF2-40B4-BE49-F238E27FC236}">
+                <a16:creationId xmlns:a16="http://schemas.microsoft.com/office/drawing/2014/main" id="{54D4227D-D654-A8E3-DE90-455DD19198C1}"/>
+              </a:ext>
+            </a:extLst>
+          </p:cNvPr>
+          <p:cNvPicPr>
+            <a:picLocks noChangeAspect="1"/>
+          </p:cNvPicPr>
+          <p:nvPr/>
+        </p:nvPicPr>
+        <p:blipFill>
+          <a:blip r:embed="rId2"/>
+          <a:stretch>
+            <a:fillRect/>
+          </a:stretch>
+        </p:blipFill>
+        <p:spPr>
+          <a:xfrm>
+            <a:off x="838200" y="1825625"/>
+            <a:ext cx="7894389" cy="5032375"/>
+          </a:xfrm>
+          <a:prstGeom prst="rect">
+            <a:avLst/>
+          </a:prstGeom>
+        </p:spPr>
+      </p:pic>
     </p:spTree>
     <p:extLst>
       <p:ext uri="{BB962C8B-B14F-4D97-AF65-F5344CB8AC3E}">
-        <p14:creationId xmlns:p14="http://schemas.microsoft.com/office/powerpoint/2010/main" val="1916176473"/>
+        <p14:creationId xmlns:p14="http://schemas.microsoft.com/office/powerpoint/2010/main" val="470778349"/>
       </p:ext>
     </p:extLst>
   </p:cSld>
@@ -13572,10 +15014,10 @@
       </p:grpSpPr>
       <p:sp>
         <p:nvSpPr>
-          <p:cNvPr id="2" name="Title 1">
-            <a:extLst>
-              <a:ext uri="{FF2B5EF4-FFF2-40B4-BE49-F238E27FC236}">
-                <a16:creationId xmlns:a16="http://schemas.microsoft.com/office/drawing/2014/main" id="{5D30B9A8-0EFD-48E4-9ADD-B78192F86304}"/>
+          <p:cNvPr id="2" name="標題 1">
+            <a:extLst>
+              <a:ext uri="{FF2B5EF4-FFF2-40B4-BE49-F238E27FC236}">
+                <a16:creationId xmlns:a16="http://schemas.microsoft.com/office/drawing/2014/main" id="{588C51A5-3C2B-9ED3-741C-345164E0BD82}"/>
               </a:ext>
             </a:extLst>
           </p:cNvPr>
@@ -13591,16 +15033,16 @@
           <a:bodyPr/>
           <a:lstStyle/>
           <a:p>
-            <a:endParaRPr lang="zh-TW" altLang="en-US"/>
-          </a:p>
-        </p:txBody>
-      </p:sp>
-      <p:sp>
-        <p:nvSpPr>
-          <p:cNvPr id="3" name="Content Placeholder 2">
-            <a:extLst>
-              <a:ext uri="{FF2B5EF4-FFF2-40B4-BE49-F238E27FC236}">
-                <a16:creationId xmlns:a16="http://schemas.microsoft.com/office/drawing/2014/main" id="{0914691E-0959-4829-8451-9AECB69D72DD}"/>
+            <a:endParaRPr lang="en-US"/>
+          </a:p>
+        </p:txBody>
+      </p:sp>
+      <p:sp>
+        <p:nvSpPr>
+          <p:cNvPr id="3" name="內容版面配置區 2">
+            <a:extLst>
+              <a:ext uri="{FF2B5EF4-FFF2-40B4-BE49-F238E27FC236}">
+                <a16:creationId xmlns:a16="http://schemas.microsoft.com/office/drawing/2014/main" id="{D29C3C79-1B14-F745-B5A2-62218AE97378}"/>
               </a:ext>
             </a:extLst>
           </p:cNvPr>
@@ -13616,21 +15058,14 @@
           <a:bodyPr/>
           <a:lstStyle/>
           <a:p>
-            <a:pPr marL="514350" indent="-514350">
-              <a:buFont typeface="+mj-lt"/>
-              <a:buAutoNum type="arabicPeriod" startAt="3"/>
-            </a:pPr>
-            <a:r>
-              <a:rPr lang="zh-TW" altLang="en-US" dirty="0"/>
-              <a:t>工程師方法論有哪三個重要的心法</a:t>
-            </a:r>
+            <a:endParaRPr lang="en-US"/>
           </a:p>
         </p:txBody>
       </p:sp>
     </p:spTree>
     <p:extLst>
       <p:ext uri="{BB962C8B-B14F-4D97-AF65-F5344CB8AC3E}">
-        <p14:creationId xmlns:p14="http://schemas.microsoft.com/office/powerpoint/2010/main" val="903596130"/>
+        <p14:creationId xmlns:p14="http://schemas.microsoft.com/office/powerpoint/2010/main" val="2193072994"/>
       </p:ext>
     </p:extLst>
   </p:cSld>
@@ -13966,6 +15401,1852 @@
 <file path=ppt/slides/slide30.xml><?xml version="1.0" encoding="utf-8"?>
 <p:sld xmlns:a="http://schemas.openxmlformats.org/drawingml/2006/main" xmlns:r="http://schemas.openxmlformats.org/officeDocument/2006/relationships" xmlns:p="http://schemas.openxmlformats.org/presentationml/2006/main">
   <p:cSld>
+    <p:spTree>
+      <p:nvGrpSpPr>
+        <p:cNvPr id="1" name=""/>
+        <p:cNvGrpSpPr/>
+        <p:nvPr/>
+      </p:nvGrpSpPr>
+      <p:grpSpPr>
+        <a:xfrm>
+          <a:off x="0" y="0"/>
+          <a:ext cx="0" cy="0"/>
+          <a:chOff x="0" y="0"/>
+          <a:chExt cx="0" cy="0"/>
+        </a:xfrm>
+      </p:grpSpPr>
+      <p:sp>
+        <p:nvSpPr>
+          <p:cNvPr id="2" name="標題 1">
+            <a:extLst>
+              <a:ext uri="{FF2B5EF4-FFF2-40B4-BE49-F238E27FC236}">
+                <a16:creationId xmlns:a16="http://schemas.microsoft.com/office/drawing/2014/main" id="{013C308D-8E21-3C91-1F48-3FD642086595}"/>
+              </a:ext>
+            </a:extLst>
+          </p:cNvPr>
+          <p:cNvSpPr>
+            <a:spLocks noGrp="1"/>
+          </p:cNvSpPr>
+          <p:nvPr>
+            <p:ph type="title"/>
+          </p:nvPr>
+        </p:nvSpPr>
+        <p:spPr/>
+        <p:txBody>
+          <a:bodyPr/>
+          <a:lstStyle/>
+          <a:p>
+            <a:endParaRPr lang="en-US"/>
+          </a:p>
+        </p:txBody>
+      </p:sp>
+      <p:sp>
+        <p:nvSpPr>
+          <p:cNvPr id="3" name="內容版面配置區 2">
+            <a:extLst>
+              <a:ext uri="{FF2B5EF4-FFF2-40B4-BE49-F238E27FC236}">
+                <a16:creationId xmlns:a16="http://schemas.microsoft.com/office/drawing/2014/main" id="{1065E35E-7D9A-DC1A-5273-58615F548E17}"/>
+              </a:ext>
+            </a:extLst>
+          </p:cNvPr>
+          <p:cNvSpPr>
+            <a:spLocks noGrp="1"/>
+          </p:cNvSpPr>
+          <p:nvPr>
+            <p:ph idx="1"/>
+          </p:nvPr>
+        </p:nvSpPr>
+        <p:spPr/>
+        <p:txBody>
+          <a:bodyPr/>
+          <a:lstStyle/>
+          <a:p>
+            <a:endParaRPr lang="en-US"/>
+          </a:p>
+        </p:txBody>
+      </p:sp>
+    </p:spTree>
+    <p:extLst>
+      <p:ext uri="{BB962C8B-B14F-4D97-AF65-F5344CB8AC3E}">
+        <p14:creationId xmlns:p14="http://schemas.microsoft.com/office/powerpoint/2010/main" val="3770768390"/>
+      </p:ext>
+    </p:extLst>
+  </p:cSld>
+  <p:clrMapOvr>
+    <a:masterClrMapping/>
+  </p:clrMapOvr>
+</p:sld>
+</file>
+
+<file path=ppt/slides/slide31.xml><?xml version="1.0" encoding="utf-8"?>
+<p:sld xmlns:a="http://schemas.openxmlformats.org/drawingml/2006/main" xmlns:r="http://schemas.openxmlformats.org/officeDocument/2006/relationships" xmlns:p="http://schemas.openxmlformats.org/presentationml/2006/main">
+  <p:cSld>
+    <p:spTree>
+      <p:nvGrpSpPr>
+        <p:cNvPr id="1" name=""/>
+        <p:cNvGrpSpPr/>
+        <p:nvPr/>
+      </p:nvGrpSpPr>
+      <p:grpSpPr>
+        <a:xfrm>
+          <a:off x="0" y="0"/>
+          <a:ext cx="0" cy="0"/>
+          <a:chOff x="0" y="0"/>
+          <a:chExt cx="0" cy="0"/>
+        </a:xfrm>
+      </p:grpSpPr>
+      <p:pic>
+        <p:nvPicPr>
+          <p:cNvPr id="5" name="圖片 4">
+            <a:extLst>
+              <a:ext uri="{FF2B5EF4-FFF2-40B4-BE49-F238E27FC236}">
+                <a16:creationId xmlns:a16="http://schemas.microsoft.com/office/drawing/2014/main" id="{E6557B05-1955-C09E-034D-8F1E9C9103DF}"/>
+              </a:ext>
+            </a:extLst>
+          </p:cNvPr>
+          <p:cNvPicPr>
+            <a:picLocks noChangeAspect="1"/>
+          </p:cNvPicPr>
+          <p:nvPr/>
+        </p:nvPicPr>
+        <p:blipFill>
+          <a:blip r:embed="rId2"/>
+          <a:stretch>
+            <a:fillRect/>
+          </a:stretch>
+        </p:blipFill>
+        <p:spPr>
+          <a:xfrm>
+            <a:off x="1628775" y="4290190"/>
+            <a:ext cx="8934450" cy="2438400"/>
+          </a:xfrm>
+          <a:prstGeom prst="rect">
+            <a:avLst/>
+          </a:prstGeom>
+        </p:spPr>
+      </p:pic>
+      <p:pic>
+        <p:nvPicPr>
+          <p:cNvPr id="7" name="圖片 6">
+            <a:extLst>
+              <a:ext uri="{FF2B5EF4-FFF2-40B4-BE49-F238E27FC236}">
+                <a16:creationId xmlns:a16="http://schemas.microsoft.com/office/drawing/2014/main" id="{67CD3392-F701-892A-8079-BF61482091D4}"/>
+              </a:ext>
+            </a:extLst>
+          </p:cNvPr>
+          <p:cNvPicPr>
+            <a:picLocks noChangeAspect="1"/>
+          </p:cNvPicPr>
+          <p:nvPr/>
+        </p:nvPicPr>
+        <p:blipFill>
+          <a:blip r:embed="rId3"/>
+          <a:stretch>
+            <a:fillRect/>
+          </a:stretch>
+        </p:blipFill>
+        <p:spPr>
+          <a:xfrm>
+            <a:off x="1628775" y="243621"/>
+            <a:ext cx="7434769" cy="3880099"/>
+          </a:xfrm>
+          <a:prstGeom prst="rect">
+            <a:avLst/>
+          </a:prstGeom>
+        </p:spPr>
+      </p:pic>
+    </p:spTree>
+    <p:extLst>
+      <p:ext uri="{BB962C8B-B14F-4D97-AF65-F5344CB8AC3E}">
+        <p14:creationId xmlns:p14="http://schemas.microsoft.com/office/powerpoint/2010/main" val="2362021504"/>
+      </p:ext>
+    </p:extLst>
+  </p:cSld>
+  <p:clrMapOvr>
+    <a:masterClrMapping/>
+  </p:clrMapOvr>
+</p:sld>
+</file>
+
+<file path=ppt/slides/slide32.xml><?xml version="1.0" encoding="utf-8"?>
+<p:sld xmlns:a="http://schemas.openxmlformats.org/drawingml/2006/main" xmlns:r="http://schemas.openxmlformats.org/officeDocument/2006/relationships" xmlns:p="http://schemas.openxmlformats.org/presentationml/2006/main">
+  <p:cSld>
+    <p:spTree>
+      <p:nvGrpSpPr>
+        <p:cNvPr id="1" name=""/>
+        <p:cNvGrpSpPr/>
+        <p:nvPr/>
+      </p:nvGrpSpPr>
+      <p:grpSpPr>
+        <a:xfrm>
+          <a:off x="0" y="0"/>
+          <a:ext cx="0" cy="0"/>
+          <a:chOff x="0" y="0"/>
+          <a:chExt cx="0" cy="0"/>
+        </a:xfrm>
+      </p:grpSpPr>
+      <p:sp>
+        <p:nvSpPr>
+          <p:cNvPr id="2" name="標題 1">
+            <a:extLst>
+              <a:ext uri="{FF2B5EF4-FFF2-40B4-BE49-F238E27FC236}">
+                <a16:creationId xmlns:a16="http://schemas.microsoft.com/office/drawing/2014/main" id="{78FFB5AD-D934-EC2F-D2A8-6A786070AE3D}"/>
+              </a:ext>
+            </a:extLst>
+          </p:cNvPr>
+          <p:cNvSpPr>
+            <a:spLocks noGrp="1"/>
+          </p:cNvSpPr>
+          <p:nvPr>
+            <p:ph type="title"/>
+          </p:nvPr>
+        </p:nvSpPr>
+        <p:spPr/>
+        <p:txBody>
+          <a:bodyPr/>
+          <a:lstStyle/>
+          <a:p>
+            <a:endParaRPr lang="en-US"/>
+          </a:p>
+        </p:txBody>
+      </p:sp>
+      <p:sp>
+        <p:nvSpPr>
+          <p:cNvPr id="3" name="內容版面配置區 2">
+            <a:extLst>
+              <a:ext uri="{FF2B5EF4-FFF2-40B4-BE49-F238E27FC236}">
+                <a16:creationId xmlns:a16="http://schemas.microsoft.com/office/drawing/2014/main" id="{0800E457-E820-95CC-F00B-23E314DE3C81}"/>
+              </a:ext>
+            </a:extLst>
+          </p:cNvPr>
+          <p:cNvSpPr>
+            <a:spLocks noGrp="1"/>
+          </p:cNvSpPr>
+          <p:nvPr>
+            <p:ph idx="1"/>
+          </p:nvPr>
+        </p:nvSpPr>
+        <p:spPr/>
+        <p:txBody>
+          <a:bodyPr/>
+          <a:lstStyle/>
+          <a:p>
+            <a:endParaRPr lang="en-US"/>
+          </a:p>
+        </p:txBody>
+      </p:sp>
+    </p:spTree>
+    <p:extLst>
+      <p:ext uri="{BB962C8B-B14F-4D97-AF65-F5344CB8AC3E}">
+        <p14:creationId xmlns:p14="http://schemas.microsoft.com/office/powerpoint/2010/main" val="4097251055"/>
+      </p:ext>
+    </p:extLst>
+  </p:cSld>
+  <p:clrMapOvr>
+    <a:masterClrMapping/>
+  </p:clrMapOvr>
+</p:sld>
+</file>
+
+<file path=ppt/slides/slide33.xml><?xml version="1.0" encoding="utf-8"?>
+<p:sld xmlns:a="http://schemas.openxmlformats.org/drawingml/2006/main" xmlns:r="http://schemas.openxmlformats.org/officeDocument/2006/relationships" xmlns:p="http://schemas.openxmlformats.org/presentationml/2006/main">
+  <p:cSld>
+    <p:spTree>
+      <p:nvGrpSpPr>
+        <p:cNvPr id="1" name=""/>
+        <p:cNvGrpSpPr/>
+        <p:nvPr/>
+      </p:nvGrpSpPr>
+      <p:grpSpPr>
+        <a:xfrm>
+          <a:off x="0" y="0"/>
+          <a:ext cx="0" cy="0"/>
+          <a:chOff x="0" y="0"/>
+          <a:chExt cx="0" cy="0"/>
+        </a:xfrm>
+      </p:grpSpPr>
+      <p:sp>
+        <p:nvSpPr>
+          <p:cNvPr id="2" name="標題 1">
+            <a:extLst>
+              <a:ext uri="{FF2B5EF4-FFF2-40B4-BE49-F238E27FC236}">
+                <a16:creationId xmlns:a16="http://schemas.microsoft.com/office/drawing/2014/main" id="{75622A64-7B48-1561-5893-0F63886E48F7}"/>
+              </a:ext>
+            </a:extLst>
+          </p:cNvPr>
+          <p:cNvSpPr>
+            <a:spLocks noGrp="1"/>
+          </p:cNvSpPr>
+          <p:nvPr>
+            <p:ph type="title"/>
+          </p:nvPr>
+        </p:nvSpPr>
+        <p:spPr/>
+        <p:txBody>
+          <a:bodyPr/>
+          <a:lstStyle/>
+          <a:p>
+            <a:endParaRPr lang="en-US"/>
+          </a:p>
+        </p:txBody>
+      </p:sp>
+      <p:sp>
+        <p:nvSpPr>
+          <p:cNvPr id="3" name="內容版面配置區 2">
+            <a:extLst>
+              <a:ext uri="{FF2B5EF4-FFF2-40B4-BE49-F238E27FC236}">
+                <a16:creationId xmlns:a16="http://schemas.microsoft.com/office/drawing/2014/main" id="{7774BF09-7B32-B7CB-5C7E-9BB5C173C866}"/>
+              </a:ext>
+            </a:extLst>
+          </p:cNvPr>
+          <p:cNvSpPr>
+            <a:spLocks noGrp="1"/>
+          </p:cNvSpPr>
+          <p:nvPr>
+            <p:ph idx="1"/>
+          </p:nvPr>
+        </p:nvSpPr>
+        <p:spPr/>
+        <p:txBody>
+          <a:bodyPr/>
+          <a:lstStyle/>
+          <a:p>
+            <a:endParaRPr lang="en-US"/>
+          </a:p>
+        </p:txBody>
+      </p:sp>
+    </p:spTree>
+    <p:extLst>
+      <p:ext uri="{BB962C8B-B14F-4D97-AF65-F5344CB8AC3E}">
+        <p14:creationId xmlns:p14="http://schemas.microsoft.com/office/powerpoint/2010/main" val="4136557780"/>
+      </p:ext>
+    </p:extLst>
+  </p:cSld>
+  <p:clrMapOvr>
+    <a:masterClrMapping/>
+  </p:clrMapOvr>
+</p:sld>
+</file>
+
+<file path=ppt/slides/slide34.xml><?xml version="1.0" encoding="utf-8"?>
+<p:sld xmlns:a="http://schemas.openxmlformats.org/drawingml/2006/main" xmlns:r="http://schemas.openxmlformats.org/officeDocument/2006/relationships" xmlns:p="http://schemas.openxmlformats.org/presentationml/2006/main">
+  <p:cSld>
+    <p:spTree>
+      <p:nvGrpSpPr>
+        <p:cNvPr id="1" name=""/>
+        <p:cNvGrpSpPr/>
+        <p:nvPr/>
+      </p:nvGrpSpPr>
+      <p:grpSpPr>
+        <a:xfrm>
+          <a:off x="0" y="0"/>
+          <a:ext cx="0" cy="0"/>
+          <a:chOff x="0" y="0"/>
+          <a:chExt cx="0" cy="0"/>
+        </a:xfrm>
+      </p:grpSpPr>
+      <p:sp>
+        <p:nvSpPr>
+          <p:cNvPr id="2" name="標題 1">
+            <a:extLst>
+              <a:ext uri="{FF2B5EF4-FFF2-40B4-BE49-F238E27FC236}">
+                <a16:creationId xmlns:a16="http://schemas.microsoft.com/office/drawing/2014/main" id="{C03F1195-EEFE-F222-18B4-FEF0DCE7EB8A}"/>
+              </a:ext>
+            </a:extLst>
+          </p:cNvPr>
+          <p:cNvSpPr>
+            <a:spLocks noGrp="1"/>
+          </p:cNvSpPr>
+          <p:nvPr>
+            <p:ph type="title"/>
+          </p:nvPr>
+        </p:nvSpPr>
+        <p:spPr/>
+        <p:txBody>
+          <a:bodyPr/>
+          <a:lstStyle/>
+          <a:p>
+            <a:r>
+              <a:rPr lang="en-US" altLang="zh-TW" dirty="0"/>
+              <a:t>RE</a:t>
+            </a:r>
+            <a:r>
+              <a:rPr lang="zh-TW" altLang="en-US" dirty="0"/>
+              <a:t> </a:t>
+            </a:r>
+            <a:r>
+              <a:rPr lang="en-US" altLang="zh-TW" dirty="0"/>
+              <a:t>(</a:t>
+            </a:r>
+            <a:r>
+              <a:rPr lang="zh-TW" altLang="en-US" dirty="0"/>
+              <a:t>建立描述字串規則的一種表達方式</a:t>
+            </a:r>
+            <a:r>
+              <a:rPr lang="en-US" altLang="zh-TW" dirty="0"/>
+              <a:t>)</a:t>
+            </a:r>
+            <a:endParaRPr lang="en-US" dirty="0"/>
+          </a:p>
+        </p:txBody>
+      </p:sp>
+      <p:sp>
+        <p:nvSpPr>
+          <p:cNvPr id="3" name="內容版面配置區 2">
+            <a:extLst>
+              <a:ext uri="{FF2B5EF4-FFF2-40B4-BE49-F238E27FC236}">
+                <a16:creationId xmlns:a16="http://schemas.microsoft.com/office/drawing/2014/main" id="{D2C7124B-D555-7CDF-FAB9-F9810AE46E9D}"/>
+              </a:ext>
+            </a:extLst>
+          </p:cNvPr>
+          <p:cNvSpPr>
+            <a:spLocks noGrp="1"/>
+          </p:cNvSpPr>
+          <p:nvPr>
+            <p:ph idx="1"/>
+          </p:nvPr>
+        </p:nvSpPr>
+        <p:spPr>
+          <a:xfrm>
+            <a:off x="838200" y="1825625"/>
+            <a:ext cx="10515600" cy="600334"/>
+          </a:xfrm>
+        </p:spPr>
+        <p:txBody>
+          <a:bodyPr/>
+          <a:lstStyle/>
+          <a:p>
+            <a:r>
+              <a:rPr lang="en-US" dirty="0">
+                <a:hlinkClick r:id="rId2"/>
+              </a:rPr>
+              <a:t>https://regexr.com/6mbfq</a:t>
+            </a:r>
+            <a:endParaRPr lang="en-US" dirty="0"/>
+          </a:p>
+          <a:p>
+            <a:endParaRPr lang="en-US" dirty="0"/>
+          </a:p>
+          <a:p>
+            <a:endParaRPr lang="en-US" dirty="0"/>
+          </a:p>
+        </p:txBody>
+      </p:sp>
+      <p:sp>
+        <p:nvSpPr>
+          <p:cNvPr id="4" name="文字方塊 3">
+            <a:extLst>
+              <a:ext uri="{FF2B5EF4-FFF2-40B4-BE49-F238E27FC236}">
+                <a16:creationId xmlns:a16="http://schemas.microsoft.com/office/drawing/2014/main" id="{89FED876-B889-B45F-A375-8AE0DA8ABE78}"/>
+              </a:ext>
+            </a:extLst>
+          </p:cNvPr>
+          <p:cNvSpPr txBox="1"/>
+          <p:nvPr/>
+        </p:nvSpPr>
+        <p:spPr>
+          <a:xfrm>
+            <a:off x="838200" y="2343016"/>
+            <a:ext cx="9675845" cy="4204356"/>
+          </a:xfrm>
+          <a:prstGeom prst="rect">
+            <a:avLst/>
+          </a:prstGeom>
+          <a:noFill/>
+        </p:spPr>
+        <p:txBody>
+          <a:bodyPr wrap="square" rtlCol="0">
+            <a:spAutoFit/>
+          </a:bodyPr>
+          <a:lstStyle/>
+          <a:p>
+            <a:pPr marL="0" indent="0">
+              <a:lnSpc>
+                <a:spcPct val="150000"/>
+              </a:lnSpc>
+              <a:buNone/>
+            </a:pPr>
+            <a:r>
+              <a:rPr lang="en-US" altLang="zh-TW" sz="1800" dirty="0"/>
+              <a:t>I</a:t>
+            </a:r>
+          </a:p>
+          <a:p>
+            <a:pPr marL="0" indent="0">
+              <a:lnSpc>
+                <a:spcPct val="150000"/>
+              </a:lnSpc>
+              <a:buNone/>
+            </a:pPr>
+            <a:r>
+              <a:rPr lang="en-US" altLang="zh-TW" sz="1800" dirty="0"/>
+              <a:t>I</a:t>
+            </a:r>
+            <a:r>
+              <a:rPr lang="zh-TW" altLang="en-US" sz="1800" dirty="0"/>
+              <a:t> </a:t>
+            </a:r>
+            <a:r>
+              <a:rPr lang="en-US" altLang="zh-TW" sz="1800" dirty="0"/>
+              <a:t>am Ben</a:t>
+            </a:r>
+          </a:p>
+          <a:p>
+            <a:pPr marL="0" indent="0">
+              <a:lnSpc>
+                <a:spcPct val="150000"/>
+              </a:lnSpc>
+              <a:buNone/>
+            </a:pPr>
+            <a:r>
+              <a:rPr lang="en-US" altLang="zh-TW" sz="1800" dirty="0"/>
+              <a:t>Personal information~ </a:t>
+            </a:r>
+            <a:r>
+              <a:rPr lang="en-US" altLang="zh-TW" sz="1800" dirty="0" err="1"/>
+              <a:t>Name:Ben</a:t>
+            </a:r>
+            <a:r>
+              <a:rPr lang="en-US" altLang="zh-TW" sz="1800" dirty="0"/>
+              <a:t> Age:18</a:t>
+            </a:r>
+          </a:p>
+          <a:p>
+            <a:pPr marL="0" indent="0">
+              <a:lnSpc>
+                <a:spcPct val="150000"/>
+              </a:lnSpc>
+              <a:buNone/>
+            </a:pPr>
+            <a:r>
+              <a:rPr lang="en-US" altLang="zh-TW" sz="1800" dirty="0"/>
+              <a:t>#This file stores very important data </a:t>
+            </a:r>
+          </a:p>
+          <a:p>
+            <a:pPr marL="0" indent="0">
+              <a:lnSpc>
+                <a:spcPct val="150000"/>
+              </a:lnSpc>
+              <a:buNone/>
+            </a:pPr>
+            <a:r>
+              <a:rPr lang="en-US" altLang="zh-TW" sz="1800" dirty="0"/>
+              <a:t>#Girlfriends List</a:t>
+            </a:r>
+          </a:p>
+          <a:p>
+            <a:pPr marL="0" indent="0">
+              <a:lnSpc>
+                <a:spcPct val="150000"/>
+              </a:lnSpc>
+              <a:buNone/>
+            </a:pPr>
+            <a:r>
+              <a:rPr lang="en-US" altLang="zh-TW" sz="1800" dirty="0"/>
+              <a:t>Name:girl1 Age:20 </a:t>
+            </a:r>
+            <a:r>
+              <a:rPr lang="en-US" altLang="zh-TW" sz="1800" dirty="0" err="1"/>
+              <a:t>Color:White</a:t>
+            </a:r>
+            <a:r>
+              <a:rPr lang="en-US" altLang="zh-TW" sz="1800" dirty="0"/>
+              <a:t> </a:t>
+            </a:r>
+            <a:r>
+              <a:rPr lang="en-US" altLang="zh-TW" sz="1800" dirty="0">
+                <a:hlinkClick r:id="rId3"/>
+              </a:rPr>
+              <a:t>Tel:2-119119119</a:t>
+            </a:r>
+            <a:endParaRPr lang="en-US" altLang="zh-TW" sz="1800" dirty="0"/>
+          </a:p>
+          <a:p>
+            <a:pPr marL="0" indent="0">
+              <a:lnSpc>
+                <a:spcPct val="150000"/>
+              </a:lnSpc>
+              <a:buNone/>
+            </a:pPr>
+            <a:r>
+              <a:rPr lang="en-US" altLang="zh-TW" sz="1800" dirty="0"/>
+              <a:t>Name:girl2 Age:21 </a:t>
+            </a:r>
+            <a:r>
+              <a:rPr lang="en-US" altLang="zh-TW" sz="1800" dirty="0" err="1"/>
+              <a:t>Color:Yellow</a:t>
+            </a:r>
+            <a:r>
+              <a:rPr lang="en-US" altLang="zh-TW" sz="1800" dirty="0"/>
+              <a:t> </a:t>
+            </a:r>
+            <a:r>
+              <a:rPr lang="en-US" altLang="zh-TW" sz="1800" dirty="0">
+                <a:hlinkClick r:id="rId4"/>
+              </a:rPr>
+              <a:t>Tel:86-426695695</a:t>
+            </a:r>
+            <a:endParaRPr lang="en-US" altLang="zh-TW" sz="1800" dirty="0"/>
+          </a:p>
+          <a:p>
+            <a:pPr marL="0" indent="0">
+              <a:lnSpc>
+                <a:spcPct val="150000"/>
+              </a:lnSpc>
+              <a:buNone/>
+            </a:pPr>
+            <a:r>
+              <a:rPr lang="en-US" altLang="zh-TW" sz="1800" dirty="0"/>
+              <a:t>Name:girl3 Age:22 </a:t>
+            </a:r>
+            <a:r>
+              <a:rPr lang="en-US" altLang="zh-TW" sz="1800" dirty="0" err="1"/>
+              <a:t>Color:Black</a:t>
+            </a:r>
+            <a:r>
+              <a:rPr lang="en-US" altLang="zh-TW" sz="1800" dirty="0"/>
+              <a:t> </a:t>
+            </a:r>
+            <a:r>
+              <a:rPr lang="en-US" altLang="zh-TW" sz="1800" dirty="0">
+                <a:hlinkClick r:id="rId5"/>
+              </a:rPr>
+              <a:t>Tel:54-871871940</a:t>
+            </a:r>
+            <a:endParaRPr lang="en-US" altLang="zh-TW" sz="1800" dirty="0"/>
+          </a:p>
+          <a:p>
+            <a:pPr marL="0" indent="0">
+              <a:lnSpc>
+                <a:spcPct val="150000"/>
+              </a:lnSpc>
+              <a:buNone/>
+            </a:pPr>
+            <a:r>
+              <a:rPr lang="en-US" altLang="zh-TW" sz="1800" dirty="0"/>
+              <a:t>Date:2022-05-30</a:t>
+            </a:r>
+          </a:p>
+          <a:p>
+            <a:pPr marL="0" indent="0">
+              <a:lnSpc>
+                <a:spcPct val="150000"/>
+              </a:lnSpc>
+              <a:buNone/>
+            </a:pPr>
+            <a:r>
+              <a:rPr lang="en-US" altLang="zh-TW" sz="1800" dirty="0"/>
+              <a:t>Time:10:21:38</a:t>
+            </a:r>
+          </a:p>
+        </p:txBody>
+      </p:sp>
+      <p:sp>
+        <p:nvSpPr>
+          <p:cNvPr id="5" name="文字方塊 4">
+            <a:extLst>
+              <a:ext uri="{FF2B5EF4-FFF2-40B4-BE49-F238E27FC236}">
+                <a16:creationId xmlns:a16="http://schemas.microsoft.com/office/drawing/2014/main" id="{69E0E165-CC9E-9F24-CA3A-E1581B752B62}"/>
+              </a:ext>
+            </a:extLst>
+          </p:cNvPr>
+          <p:cNvSpPr txBox="1"/>
+          <p:nvPr/>
+        </p:nvSpPr>
+        <p:spPr>
+          <a:xfrm>
+            <a:off x="6382138" y="1899655"/>
+            <a:ext cx="3247053" cy="369332"/>
+          </a:xfrm>
+          <a:prstGeom prst="rect">
+            <a:avLst/>
+          </a:prstGeom>
+          <a:noFill/>
+        </p:spPr>
+        <p:txBody>
+          <a:bodyPr wrap="square" rtlCol="0">
+            <a:spAutoFit/>
+          </a:bodyPr>
+          <a:lstStyle/>
+          <a:p>
+            <a:r>
+              <a:rPr lang="en-US" b="0" i="0" dirty="0">
+                <a:effectLst/>
+                <a:latin typeface="Roboto Condensed" panose="020B0604020202020204" pitchFamily="2" charset="0"/>
+              </a:rPr>
+              <a:t>regexr.com/6mgvg</a:t>
+            </a:r>
+            <a:endParaRPr lang="en-US" dirty="0"/>
+          </a:p>
+        </p:txBody>
+      </p:sp>
+    </p:spTree>
+    <p:extLst>
+      <p:ext uri="{BB962C8B-B14F-4D97-AF65-F5344CB8AC3E}">
+        <p14:creationId xmlns:p14="http://schemas.microsoft.com/office/powerpoint/2010/main" val="502198262"/>
+      </p:ext>
+    </p:extLst>
+  </p:cSld>
+  <p:clrMapOvr>
+    <a:masterClrMapping/>
+  </p:clrMapOvr>
+</p:sld>
+</file>
+
+<file path=ppt/slides/slide35.xml><?xml version="1.0" encoding="utf-8"?>
+<p:sld xmlns:a="http://schemas.openxmlformats.org/drawingml/2006/main" xmlns:r="http://schemas.openxmlformats.org/officeDocument/2006/relationships" xmlns:p="http://schemas.openxmlformats.org/presentationml/2006/main">
+  <p:cSld>
+    <p:spTree>
+      <p:nvGrpSpPr>
+        <p:cNvPr id="1" name=""/>
+        <p:cNvGrpSpPr/>
+        <p:nvPr/>
+      </p:nvGrpSpPr>
+      <p:grpSpPr>
+        <a:xfrm>
+          <a:off x="0" y="0"/>
+          <a:ext cx="0" cy="0"/>
+          <a:chOff x="0" y="0"/>
+          <a:chExt cx="0" cy="0"/>
+        </a:xfrm>
+      </p:grpSpPr>
+      <p:sp>
+        <p:nvSpPr>
+          <p:cNvPr id="2" name="Title 1">
+            <a:extLst>
+              <a:ext uri="{FF2B5EF4-FFF2-40B4-BE49-F238E27FC236}">
+                <a16:creationId xmlns:a16="http://schemas.microsoft.com/office/drawing/2014/main" id="{44324E1D-C438-4D01-9FCC-BB1E475721B2}"/>
+              </a:ext>
+            </a:extLst>
+          </p:cNvPr>
+          <p:cNvSpPr>
+            <a:spLocks noGrp="1"/>
+          </p:cNvSpPr>
+          <p:nvPr>
+            <p:ph type="title"/>
+          </p:nvPr>
+        </p:nvSpPr>
+        <p:spPr/>
+        <p:txBody>
+          <a:bodyPr/>
+          <a:lstStyle/>
+          <a:p>
+            <a:r>
+              <a:rPr lang="en-US" altLang="zh-TW" dirty="0"/>
+              <a:t>FIND</a:t>
+            </a:r>
+            <a:endParaRPr lang="zh-TW" altLang="en-US" dirty="0"/>
+          </a:p>
+        </p:txBody>
+      </p:sp>
+      <p:sp>
+        <p:nvSpPr>
+          <p:cNvPr id="3" name="Content Placeholder 2">
+            <a:extLst>
+              <a:ext uri="{FF2B5EF4-FFF2-40B4-BE49-F238E27FC236}">
+                <a16:creationId xmlns:a16="http://schemas.microsoft.com/office/drawing/2014/main" id="{96699379-3F35-4C62-9FB5-99877102548D}"/>
+              </a:ext>
+            </a:extLst>
+          </p:cNvPr>
+          <p:cNvSpPr>
+            <a:spLocks noGrp="1"/>
+          </p:cNvSpPr>
+          <p:nvPr>
+            <p:ph idx="1"/>
+          </p:nvPr>
+        </p:nvSpPr>
+        <p:spPr/>
+        <p:txBody>
+          <a:bodyPr/>
+          <a:lstStyle/>
+          <a:p>
+            <a:endParaRPr lang="zh-TW" altLang="en-US" dirty="0"/>
+          </a:p>
+        </p:txBody>
+      </p:sp>
+    </p:spTree>
+    <p:extLst>
+      <p:ext uri="{BB962C8B-B14F-4D97-AF65-F5344CB8AC3E}">
+        <p14:creationId xmlns:p14="http://schemas.microsoft.com/office/powerpoint/2010/main" val="3174654944"/>
+      </p:ext>
+    </p:extLst>
+  </p:cSld>
+  <p:clrMapOvr>
+    <a:masterClrMapping/>
+  </p:clrMapOvr>
+</p:sld>
+</file>
+
+<file path=ppt/slides/slide36.xml><?xml version="1.0" encoding="utf-8"?>
+<p:sld xmlns:a="http://schemas.openxmlformats.org/drawingml/2006/main" xmlns:r="http://schemas.openxmlformats.org/officeDocument/2006/relationships" xmlns:p="http://schemas.openxmlformats.org/presentationml/2006/main">
+  <p:cSld>
+    <p:spTree>
+      <p:nvGrpSpPr>
+        <p:cNvPr id="1" name=""/>
+        <p:cNvGrpSpPr/>
+        <p:nvPr/>
+      </p:nvGrpSpPr>
+      <p:grpSpPr>
+        <a:xfrm>
+          <a:off x="0" y="0"/>
+          <a:ext cx="0" cy="0"/>
+          <a:chOff x="0" y="0"/>
+          <a:chExt cx="0" cy="0"/>
+        </a:xfrm>
+      </p:grpSpPr>
+      <p:sp>
+        <p:nvSpPr>
+          <p:cNvPr id="2" name="Title 1">
+            <a:extLst>
+              <a:ext uri="{FF2B5EF4-FFF2-40B4-BE49-F238E27FC236}">
+                <a16:creationId xmlns:a16="http://schemas.microsoft.com/office/drawing/2014/main" id="{138F56EC-0EA1-45C6-8C39-DEA1A0B0DF6B}"/>
+              </a:ext>
+            </a:extLst>
+          </p:cNvPr>
+          <p:cNvSpPr>
+            <a:spLocks noGrp="1"/>
+          </p:cNvSpPr>
+          <p:nvPr>
+            <p:ph type="title"/>
+          </p:nvPr>
+        </p:nvSpPr>
+        <p:spPr/>
+        <p:txBody>
+          <a:bodyPr/>
+          <a:lstStyle/>
+          <a:p>
+            <a:r>
+              <a:rPr lang="en-US" altLang="zh-TW" dirty="0"/>
+              <a:t>FINDSTR</a:t>
+            </a:r>
+            <a:endParaRPr lang="zh-TW" altLang="en-US" dirty="0"/>
+          </a:p>
+        </p:txBody>
+      </p:sp>
+      <p:sp>
+        <p:nvSpPr>
+          <p:cNvPr id="3" name="Content Placeholder 2">
+            <a:extLst>
+              <a:ext uri="{FF2B5EF4-FFF2-40B4-BE49-F238E27FC236}">
+                <a16:creationId xmlns:a16="http://schemas.microsoft.com/office/drawing/2014/main" id="{A738EA59-19FF-4966-B89D-460D0D40D8BB}"/>
+              </a:ext>
+            </a:extLst>
+          </p:cNvPr>
+          <p:cNvSpPr>
+            <a:spLocks noGrp="1"/>
+          </p:cNvSpPr>
+          <p:nvPr>
+            <p:ph idx="1"/>
+          </p:nvPr>
+        </p:nvSpPr>
+        <p:spPr/>
+        <p:txBody>
+          <a:bodyPr/>
+          <a:lstStyle/>
+          <a:p>
+            <a:endParaRPr lang="zh-TW" altLang="en-US"/>
+          </a:p>
+        </p:txBody>
+      </p:sp>
+    </p:spTree>
+    <p:extLst>
+      <p:ext uri="{BB962C8B-B14F-4D97-AF65-F5344CB8AC3E}">
+        <p14:creationId xmlns:p14="http://schemas.microsoft.com/office/powerpoint/2010/main" val="2351552512"/>
+      </p:ext>
+    </p:extLst>
+  </p:cSld>
+  <p:clrMapOvr>
+    <a:masterClrMapping/>
+  </p:clrMapOvr>
+</p:sld>
+</file>
+
+<file path=ppt/slides/slide37.xml><?xml version="1.0" encoding="utf-8"?>
+<p:sld xmlns:a="http://schemas.openxmlformats.org/drawingml/2006/main" xmlns:r="http://schemas.openxmlformats.org/officeDocument/2006/relationships" xmlns:p="http://schemas.openxmlformats.org/presentationml/2006/main">
+  <p:cSld>
+    <p:spTree>
+      <p:nvGrpSpPr>
+        <p:cNvPr id="1" name=""/>
+        <p:cNvGrpSpPr/>
+        <p:nvPr/>
+      </p:nvGrpSpPr>
+      <p:grpSpPr>
+        <a:xfrm>
+          <a:off x="0" y="0"/>
+          <a:ext cx="0" cy="0"/>
+          <a:chOff x="0" y="0"/>
+          <a:chExt cx="0" cy="0"/>
+        </a:xfrm>
+      </p:grpSpPr>
+      <p:sp>
+        <p:nvSpPr>
+          <p:cNvPr id="2" name="標題 1">
+            <a:extLst>
+              <a:ext uri="{FF2B5EF4-FFF2-40B4-BE49-F238E27FC236}">
+                <a16:creationId xmlns:a16="http://schemas.microsoft.com/office/drawing/2014/main" id="{715AC6C3-F647-4D06-E7F3-9F916409DEDA}"/>
+              </a:ext>
+            </a:extLst>
+          </p:cNvPr>
+          <p:cNvSpPr>
+            <a:spLocks noGrp="1"/>
+          </p:cNvSpPr>
+          <p:nvPr>
+            <p:ph type="title"/>
+          </p:nvPr>
+        </p:nvSpPr>
+        <p:spPr/>
+        <p:txBody>
+          <a:bodyPr/>
+          <a:lstStyle/>
+          <a:p>
+            <a:r>
+              <a:rPr lang="en-US" dirty="0"/>
+              <a:t>Q&amp;A</a:t>
+            </a:r>
+          </a:p>
+        </p:txBody>
+      </p:sp>
+      <p:sp>
+        <p:nvSpPr>
+          <p:cNvPr id="3" name="內容版面配置區 2">
+            <a:extLst>
+              <a:ext uri="{FF2B5EF4-FFF2-40B4-BE49-F238E27FC236}">
+                <a16:creationId xmlns:a16="http://schemas.microsoft.com/office/drawing/2014/main" id="{6846725F-A94A-BD92-8A1C-4E1E0DC88AEF}"/>
+              </a:ext>
+            </a:extLst>
+          </p:cNvPr>
+          <p:cNvSpPr>
+            <a:spLocks noGrp="1"/>
+          </p:cNvSpPr>
+          <p:nvPr>
+            <p:ph idx="1"/>
+          </p:nvPr>
+        </p:nvSpPr>
+        <p:spPr/>
+        <p:txBody>
+          <a:bodyPr/>
+          <a:lstStyle/>
+          <a:p>
+            <a:pPr marL="514350" indent="-514350">
+              <a:buFont typeface="+mj-lt"/>
+              <a:buAutoNum type="arabicPeriod"/>
+            </a:pPr>
+            <a:r>
+              <a:rPr lang="en-US" dirty="0"/>
+              <a:t>FOR           %%var   IN   (set)   DO </a:t>
+            </a:r>
+            <a:br>
+              <a:rPr lang="en-US" dirty="0"/>
+            </a:br>
+            <a:r>
+              <a:rPr lang="zh-TW" altLang="en-US" dirty="0"/>
+              <a:t>有幾種選擇</a:t>
+            </a:r>
+            <a:r>
+              <a:rPr lang="en-US" altLang="zh-TW" dirty="0"/>
+              <a:t>(options)?</a:t>
+            </a:r>
+            <a:r>
+              <a:rPr lang="zh-TW" altLang="en-US" dirty="0"/>
+              <a:t> 分別代表甚麼功能 或 作用</a:t>
+            </a:r>
+            <a:r>
+              <a:rPr lang="en-US" altLang="zh-TW" dirty="0"/>
+              <a:t>?</a:t>
+            </a:r>
+          </a:p>
+          <a:p>
+            <a:pPr marL="0" indent="0">
+              <a:buNone/>
+            </a:pPr>
+            <a:endParaRPr lang="en-US" dirty="0"/>
+          </a:p>
+        </p:txBody>
+      </p:sp>
+      <p:sp>
+        <p:nvSpPr>
+          <p:cNvPr id="4" name="矩形 3">
+            <a:extLst>
+              <a:ext uri="{FF2B5EF4-FFF2-40B4-BE49-F238E27FC236}">
+                <a16:creationId xmlns:a16="http://schemas.microsoft.com/office/drawing/2014/main" id="{311079F6-97B4-41CE-6AF1-C6C9F046E484}"/>
+              </a:ext>
+            </a:extLst>
+          </p:cNvPr>
+          <p:cNvSpPr/>
+          <p:nvPr/>
+        </p:nvSpPr>
+        <p:spPr>
+          <a:xfrm>
+            <a:off x="2211355" y="1903444"/>
+            <a:ext cx="531845" cy="279919"/>
+          </a:xfrm>
+          <a:prstGeom prst="rect">
+            <a:avLst/>
+          </a:prstGeom>
+        </p:spPr>
+        <p:style>
+          <a:lnRef idx="2">
+            <a:schemeClr val="accent1">
+              <a:shade val="50000"/>
+            </a:schemeClr>
+          </a:lnRef>
+          <a:fillRef idx="1">
+            <a:schemeClr val="accent1"/>
+          </a:fillRef>
+          <a:effectRef idx="0">
+            <a:schemeClr val="accent1"/>
+          </a:effectRef>
+          <a:fontRef idx="minor">
+            <a:schemeClr val="lt1"/>
+          </a:fontRef>
+        </p:style>
+        <p:txBody>
+          <a:bodyPr rtlCol="0" anchor="ctr"/>
+          <a:lstStyle/>
+          <a:p>
+            <a:pPr algn="ctr"/>
+            <a:endParaRPr lang="en-US"/>
+          </a:p>
+        </p:txBody>
+      </p:sp>
+    </p:spTree>
+    <p:extLst>
+      <p:ext uri="{BB962C8B-B14F-4D97-AF65-F5344CB8AC3E}">
+        <p14:creationId xmlns:p14="http://schemas.microsoft.com/office/powerpoint/2010/main" val="3048477673"/>
+      </p:ext>
+    </p:extLst>
+  </p:cSld>
+  <p:clrMapOvr>
+    <a:masterClrMapping/>
+  </p:clrMapOvr>
+</p:sld>
+</file>
+
+<file path=ppt/slides/slide38.xml><?xml version="1.0" encoding="utf-8"?>
+<p:sld xmlns:a="http://schemas.openxmlformats.org/drawingml/2006/main" xmlns:r="http://schemas.openxmlformats.org/officeDocument/2006/relationships" xmlns:p="http://schemas.openxmlformats.org/presentationml/2006/main">
+  <p:cSld>
+    <p:spTree>
+      <p:nvGrpSpPr>
+        <p:cNvPr id="1" name=""/>
+        <p:cNvGrpSpPr/>
+        <p:nvPr/>
+      </p:nvGrpSpPr>
+      <p:grpSpPr>
+        <a:xfrm>
+          <a:off x="0" y="0"/>
+          <a:ext cx="0" cy="0"/>
+          <a:chOff x="0" y="0"/>
+          <a:chExt cx="0" cy="0"/>
+        </a:xfrm>
+      </p:grpSpPr>
+      <p:sp>
+        <p:nvSpPr>
+          <p:cNvPr id="2" name="標題 1">
+            <a:extLst>
+              <a:ext uri="{FF2B5EF4-FFF2-40B4-BE49-F238E27FC236}">
+                <a16:creationId xmlns:a16="http://schemas.microsoft.com/office/drawing/2014/main" id="{29FDBB86-DC20-C6B1-FAFD-B4DF2BE2FA87}"/>
+              </a:ext>
+            </a:extLst>
+          </p:cNvPr>
+          <p:cNvSpPr>
+            <a:spLocks noGrp="1"/>
+          </p:cNvSpPr>
+          <p:nvPr>
+            <p:ph type="title"/>
+          </p:nvPr>
+        </p:nvSpPr>
+        <p:spPr/>
+        <p:txBody>
+          <a:bodyPr/>
+          <a:lstStyle/>
+          <a:p>
+            <a:endParaRPr lang="en-US" dirty="0"/>
+          </a:p>
+        </p:txBody>
+      </p:sp>
+      <p:sp>
+        <p:nvSpPr>
+          <p:cNvPr id="3" name="內容版面配置區 2">
+            <a:extLst>
+              <a:ext uri="{FF2B5EF4-FFF2-40B4-BE49-F238E27FC236}">
+                <a16:creationId xmlns:a16="http://schemas.microsoft.com/office/drawing/2014/main" id="{140E95D9-3B26-CB1C-760E-2B809C069C61}"/>
+              </a:ext>
+            </a:extLst>
+          </p:cNvPr>
+          <p:cNvSpPr>
+            <a:spLocks noGrp="1"/>
+          </p:cNvSpPr>
+          <p:nvPr>
+            <p:ph idx="1"/>
+          </p:nvPr>
+        </p:nvSpPr>
+        <p:spPr/>
+        <p:txBody>
+          <a:bodyPr/>
+          <a:lstStyle/>
+          <a:p>
+            <a:pPr marL="514350" indent="-514350">
+              <a:buFont typeface="+mj-lt"/>
+              <a:buAutoNum type="arabicPeriod" startAt="2"/>
+            </a:pPr>
+            <a:r>
+              <a:rPr lang="en-US" dirty="0"/>
+              <a:t>FOR     %%variable IN (    ) DO </a:t>
+            </a:r>
+            <a:r>
+              <a:rPr lang="zh-TW" altLang="en-US" dirty="0"/>
+              <a:t>有幾種選擇</a:t>
+            </a:r>
+            <a:r>
+              <a:rPr lang="en-US" altLang="zh-TW" dirty="0"/>
+              <a:t>?</a:t>
+            </a:r>
+            <a:r>
+              <a:rPr lang="zh-TW" altLang="en-US" dirty="0"/>
+              <a:t> 分別代表甚麼功能 或作用</a:t>
+            </a:r>
+            <a:r>
+              <a:rPr lang="en-US" altLang="zh-TW" dirty="0"/>
+              <a:t>?</a:t>
+            </a:r>
+            <a:endParaRPr lang="en-US" dirty="0"/>
+          </a:p>
+        </p:txBody>
+      </p:sp>
+    </p:spTree>
+    <p:extLst>
+      <p:ext uri="{BB962C8B-B14F-4D97-AF65-F5344CB8AC3E}">
+        <p14:creationId xmlns:p14="http://schemas.microsoft.com/office/powerpoint/2010/main" val="1916176473"/>
+      </p:ext>
+    </p:extLst>
+  </p:cSld>
+  <p:clrMapOvr>
+    <a:masterClrMapping/>
+  </p:clrMapOvr>
+</p:sld>
+</file>
+
+<file path=ppt/slides/slide39.xml><?xml version="1.0" encoding="utf-8"?>
+<p:sld xmlns:a="http://schemas.openxmlformats.org/drawingml/2006/main" xmlns:r="http://schemas.openxmlformats.org/officeDocument/2006/relationships" xmlns:p="http://schemas.openxmlformats.org/presentationml/2006/main">
+  <p:cSld>
+    <p:spTree>
+      <p:nvGrpSpPr>
+        <p:cNvPr id="1" name=""/>
+        <p:cNvGrpSpPr/>
+        <p:nvPr/>
+      </p:nvGrpSpPr>
+      <p:grpSpPr>
+        <a:xfrm>
+          <a:off x="0" y="0"/>
+          <a:ext cx="0" cy="0"/>
+          <a:chOff x="0" y="0"/>
+          <a:chExt cx="0" cy="0"/>
+        </a:xfrm>
+      </p:grpSpPr>
+      <p:sp>
+        <p:nvSpPr>
+          <p:cNvPr id="2" name="Title 1">
+            <a:extLst>
+              <a:ext uri="{FF2B5EF4-FFF2-40B4-BE49-F238E27FC236}">
+                <a16:creationId xmlns:a16="http://schemas.microsoft.com/office/drawing/2014/main" id="{5D30B9A8-0EFD-48E4-9ADD-B78192F86304}"/>
+              </a:ext>
+            </a:extLst>
+          </p:cNvPr>
+          <p:cNvSpPr>
+            <a:spLocks noGrp="1"/>
+          </p:cNvSpPr>
+          <p:nvPr>
+            <p:ph type="title"/>
+          </p:nvPr>
+        </p:nvSpPr>
+        <p:spPr/>
+        <p:txBody>
+          <a:bodyPr/>
+          <a:lstStyle/>
+          <a:p>
+            <a:endParaRPr lang="zh-TW" altLang="en-US"/>
+          </a:p>
+        </p:txBody>
+      </p:sp>
+      <p:sp>
+        <p:nvSpPr>
+          <p:cNvPr id="3" name="Content Placeholder 2">
+            <a:extLst>
+              <a:ext uri="{FF2B5EF4-FFF2-40B4-BE49-F238E27FC236}">
+                <a16:creationId xmlns:a16="http://schemas.microsoft.com/office/drawing/2014/main" id="{0914691E-0959-4829-8451-9AECB69D72DD}"/>
+              </a:ext>
+            </a:extLst>
+          </p:cNvPr>
+          <p:cNvSpPr>
+            <a:spLocks noGrp="1"/>
+          </p:cNvSpPr>
+          <p:nvPr>
+            <p:ph idx="1"/>
+          </p:nvPr>
+        </p:nvSpPr>
+        <p:spPr/>
+        <p:txBody>
+          <a:bodyPr/>
+          <a:lstStyle/>
+          <a:p>
+            <a:pPr marL="514350" indent="-514350">
+              <a:buFont typeface="+mj-lt"/>
+              <a:buAutoNum type="arabicPeriod" startAt="3"/>
+            </a:pPr>
+            <a:r>
+              <a:rPr lang="zh-TW" altLang="en-US" dirty="0"/>
+              <a:t>工程師方法論有哪三個重要的心法</a:t>
+            </a:r>
+          </a:p>
+        </p:txBody>
+      </p:sp>
+    </p:spTree>
+    <p:extLst>
+      <p:ext uri="{BB962C8B-B14F-4D97-AF65-F5344CB8AC3E}">
+        <p14:creationId xmlns:p14="http://schemas.microsoft.com/office/powerpoint/2010/main" val="903596130"/>
+      </p:ext>
+    </p:extLst>
+  </p:cSld>
+  <p:clrMapOvr>
+    <a:masterClrMapping/>
+  </p:clrMapOvr>
+</p:sld>
+</file>
+
+<file path=ppt/slides/slide4.xml><?xml version="1.0" encoding="utf-8"?>
+<p:sld xmlns:a="http://schemas.openxmlformats.org/drawingml/2006/main" xmlns:r="http://schemas.openxmlformats.org/officeDocument/2006/relationships" xmlns:p="http://schemas.openxmlformats.org/presentationml/2006/main">
+  <p:cSld>
+    <p:bg>
+      <p:bgPr>
+        <a:solidFill>
+          <a:schemeClr val="bg1"/>
+        </a:solidFill>
+        <a:effectLst/>
+      </p:bgPr>
+    </p:bg>
+    <p:spTree>
+      <p:nvGrpSpPr>
+        <p:cNvPr id="1" name=""/>
+        <p:cNvGrpSpPr/>
+        <p:nvPr/>
+      </p:nvGrpSpPr>
+      <p:grpSpPr>
+        <a:xfrm>
+          <a:off x="0" y="0"/>
+          <a:ext cx="0" cy="0"/>
+          <a:chOff x="0" y="0"/>
+          <a:chExt cx="0" cy="0"/>
+        </a:xfrm>
+      </p:grpSpPr>
+      <p:pic>
+        <p:nvPicPr>
+          <p:cNvPr id="5" name="內容版面配置區 4">
+            <a:extLst>
+              <a:ext uri="{FF2B5EF4-FFF2-40B4-BE49-F238E27FC236}">
+                <a16:creationId xmlns:a16="http://schemas.microsoft.com/office/drawing/2014/main" id="{E3D26F1B-AE13-4CE9-D150-2B58F74B2765}"/>
+              </a:ext>
+            </a:extLst>
+          </p:cNvPr>
+          <p:cNvPicPr>
+            <a:picLocks noGrp="1" noChangeAspect="1"/>
+          </p:cNvPicPr>
+          <p:nvPr>
+            <p:ph idx="1"/>
+          </p:nvPr>
+        </p:nvPicPr>
+        <p:blipFill>
+          <a:blip r:embed="rId2"/>
+          <a:stretch>
+            <a:fillRect/>
+          </a:stretch>
+        </p:blipFill>
+        <p:spPr>
+          <a:xfrm>
+            <a:off x="3026542" y="643466"/>
+            <a:ext cx="6138915" cy="5571067"/>
+          </a:xfrm>
+          <a:prstGeom prst="rect">
+            <a:avLst/>
+          </a:prstGeom>
+        </p:spPr>
+      </p:pic>
+    </p:spTree>
+    <p:extLst>
+      <p:ext uri="{BB962C8B-B14F-4D97-AF65-F5344CB8AC3E}">
+        <p14:creationId xmlns:p14="http://schemas.microsoft.com/office/powerpoint/2010/main" val="2656190627"/>
+      </p:ext>
+    </p:extLst>
+  </p:cSld>
+  <p:clrMapOvr>
+    <a:masterClrMapping/>
+  </p:clrMapOvr>
+</p:sld>
+</file>
+
+<file path=ppt/slides/slide40.xml><?xml version="1.0" encoding="utf-8"?>
+<p:sld xmlns:a="http://schemas.openxmlformats.org/drawingml/2006/main" xmlns:r="http://schemas.openxmlformats.org/officeDocument/2006/relationships" xmlns:p="http://schemas.openxmlformats.org/presentationml/2006/main">
+  <p:cSld>
+    <p:spTree>
+      <p:nvGrpSpPr>
+        <p:cNvPr id="1" name=""/>
+        <p:cNvGrpSpPr/>
+        <p:nvPr/>
+      </p:nvGrpSpPr>
+      <p:grpSpPr>
+        <a:xfrm>
+          <a:off x="0" y="0"/>
+          <a:ext cx="0" cy="0"/>
+          <a:chOff x="0" y="0"/>
+          <a:chExt cx="0" cy="0"/>
+        </a:xfrm>
+      </p:grpSpPr>
+      <p:sp>
+        <p:nvSpPr>
+          <p:cNvPr id="2" name="標題 1">
+            <a:extLst>
+              <a:ext uri="{FF2B5EF4-FFF2-40B4-BE49-F238E27FC236}">
+                <a16:creationId xmlns:a16="http://schemas.microsoft.com/office/drawing/2014/main" id="{2999CD2B-2BD3-7640-5F37-0019D33BA72D}"/>
+              </a:ext>
+            </a:extLst>
+          </p:cNvPr>
+          <p:cNvSpPr>
+            <a:spLocks noGrp="1"/>
+          </p:cNvSpPr>
+          <p:nvPr>
+            <p:ph type="title"/>
+          </p:nvPr>
+        </p:nvSpPr>
+        <p:spPr/>
+        <p:txBody>
+          <a:bodyPr/>
+          <a:lstStyle/>
+          <a:p>
+            <a:endParaRPr lang="en-US"/>
+          </a:p>
+        </p:txBody>
+      </p:sp>
+      <p:sp>
+        <p:nvSpPr>
+          <p:cNvPr id="3" name="內容版面配置區 2">
+            <a:extLst>
+              <a:ext uri="{FF2B5EF4-FFF2-40B4-BE49-F238E27FC236}">
+                <a16:creationId xmlns:a16="http://schemas.microsoft.com/office/drawing/2014/main" id="{CD28604F-4E44-D714-830E-43C9255E5B79}"/>
+              </a:ext>
+            </a:extLst>
+          </p:cNvPr>
+          <p:cNvSpPr>
+            <a:spLocks noGrp="1"/>
+          </p:cNvSpPr>
+          <p:nvPr>
+            <p:ph idx="1"/>
+          </p:nvPr>
+        </p:nvSpPr>
+        <p:spPr/>
+        <p:txBody>
+          <a:bodyPr/>
+          <a:lstStyle/>
+          <a:p>
+            <a:endParaRPr lang="en-US"/>
+          </a:p>
+        </p:txBody>
+      </p:sp>
+    </p:spTree>
+    <p:extLst>
+      <p:ext uri="{BB962C8B-B14F-4D97-AF65-F5344CB8AC3E}">
+        <p14:creationId xmlns:p14="http://schemas.microsoft.com/office/powerpoint/2010/main" val="1886963380"/>
+      </p:ext>
+    </p:extLst>
+  </p:cSld>
+  <p:clrMapOvr>
+    <a:masterClrMapping/>
+  </p:clrMapOvr>
+</p:sld>
+</file>
+
+<file path=ppt/slides/slide41.xml><?xml version="1.0" encoding="utf-8"?>
+<p:sld xmlns:a="http://schemas.openxmlformats.org/drawingml/2006/main" xmlns:r="http://schemas.openxmlformats.org/officeDocument/2006/relationships" xmlns:p="http://schemas.openxmlformats.org/presentationml/2006/main">
+  <p:cSld>
+    <p:spTree>
+      <p:nvGrpSpPr>
+        <p:cNvPr id="1" name=""/>
+        <p:cNvGrpSpPr/>
+        <p:nvPr/>
+      </p:nvGrpSpPr>
+      <p:grpSpPr>
+        <a:xfrm>
+          <a:off x="0" y="0"/>
+          <a:ext cx="0" cy="0"/>
+          <a:chOff x="0" y="0"/>
+          <a:chExt cx="0" cy="0"/>
+        </a:xfrm>
+      </p:grpSpPr>
+      <p:sp>
+        <p:nvSpPr>
+          <p:cNvPr id="2" name="標題 1">
+            <a:extLst>
+              <a:ext uri="{FF2B5EF4-FFF2-40B4-BE49-F238E27FC236}">
+                <a16:creationId xmlns:a16="http://schemas.microsoft.com/office/drawing/2014/main" id="{67ED5191-9451-9E2D-E722-E796B9D14877}"/>
+              </a:ext>
+            </a:extLst>
+          </p:cNvPr>
+          <p:cNvSpPr>
+            <a:spLocks noGrp="1"/>
+          </p:cNvSpPr>
+          <p:nvPr>
+            <p:ph type="title"/>
+          </p:nvPr>
+        </p:nvSpPr>
+        <p:spPr/>
+        <p:txBody>
+          <a:bodyPr/>
+          <a:lstStyle/>
+          <a:p>
+            <a:endParaRPr lang="en-US"/>
+          </a:p>
+        </p:txBody>
+      </p:sp>
+      <p:sp>
+        <p:nvSpPr>
+          <p:cNvPr id="3" name="內容版面配置區 2">
+            <a:extLst>
+              <a:ext uri="{FF2B5EF4-FFF2-40B4-BE49-F238E27FC236}">
+                <a16:creationId xmlns:a16="http://schemas.microsoft.com/office/drawing/2014/main" id="{59A0995D-4B06-C3BE-1C35-9A852E4AB7E5}"/>
+              </a:ext>
+            </a:extLst>
+          </p:cNvPr>
+          <p:cNvSpPr>
+            <a:spLocks noGrp="1"/>
+          </p:cNvSpPr>
+          <p:nvPr>
+            <p:ph idx="1"/>
+          </p:nvPr>
+        </p:nvSpPr>
+        <p:spPr/>
+        <p:txBody>
+          <a:bodyPr/>
+          <a:lstStyle/>
+          <a:p>
+            <a:endParaRPr lang="en-US"/>
+          </a:p>
+        </p:txBody>
+      </p:sp>
+    </p:spTree>
+    <p:extLst>
+      <p:ext uri="{BB962C8B-B14F-4D97-AF65-F5344CB8AC3E}">
+        <p14:creationId xmlns:p14="http://schemas.microsoft.com/office/powerpoint/2010/main" val="2243585184"/>
+      </p:ext>
+    </p:extLst>
+  </p:cSld>
+  <p:clrMapOvr>
+    <a:masterClrMapping/>
+  </p:clrMapOvr>
+</p:sld>
+</file>
+
+<file path=ppt/slides/slide42.xml><?xml version="1.0" encoding="utf-8"?>
+<p:sld xmlns:a="http://schemas.openxmlformats.org/drawingml/2006/main" xmlns:r="http://schemas.openxmlformats.org/officeDocument/2006/relationships" xmlns:p="http://schemas.openxmlformats.org/presentationml/2006/main">
+  <p:cSld>
+    <p:spTree>
+      <p:nvGrpSpPr>
+        <p:cNvPr id="1" name=""/>
+        <p:cNvGrpSpPr/>
+        <p:nvPr/>
+      </p:nvGrpSpPr>
+      <p:grpSpPr>
+        <a:xfrm>
+          <a:off x="0" y="0"/>
+          <a:ext cx="0" cy="0"/>
+          <a:chOff x="0" y="0"/>
+          <a:chExt cx="0" cy="0"/>
+        </a:xfrm>
+      </p:grpSpPr>
+      <p:sp>
+        <p:nvSpPr>
+          <p:cNvPr id="2" name="標題 1">
+            <a:extLst>
+              <a:ext uri="{FF2B5EF4-FFF2-40B4-BE49-F238E27FC236}">
+                <a16:creationId xmlns:a16="http://schemas.microsoft.com/office/drawing/2014/main" id="{2A42858F-453F-B8CF-B476-63CB2548090B}"/>
+              </a:ext>
+            </a:extLst>
+          </p:cNvPr>
+          <p:cNvSpPr>
+            <a:spLocks noGrp="1"/>
+          </p:cNvSpPr>
+          <p:nvPr>
+            <p:ph type="title"/>
+          </p:nvPr>
+        </p:nvSpPr>
+        <p:spPr/>
+        <p:txBody>
+          <a:bodyPr/>
+          <a:lstStyle/>
+          <a:p>
+            <a:endParaRPr lang="en-US"/>
+          </a:p>
+        </p:txBody>
+      </p:sp>
+      <p:sp>
+        <p:nvSpPr>
+          <p:cNvPr id="3" name="內容版面配置區 2">
+            <a:extLst>
+              <a:ext uri="{FF2B5EF4-FFF2-40B4-BE49-F238E27FC236}">
+                <a16:creationId xmlns:a16="http://schemas.microsoft.com/office/drawing/2014/main" id="{FB064923-9838-DF52-829E-6E4C0C65B8BF}"/>
+              </a:ext>
+            </a:extLst>
+          </p:cNvPr>
+          <p:cNvSpPr>
+            <a:spLocks noGrp="1"/>
+          </p:cNvSpPr>
+          <p:nvPr>
+            <p:ph idx="1"/>
+          </p:nvPr>
+        </p:nvSpPr>
+        <p:spPr/>
+        <p:txBody>
+          <a:bodyPr/>
+          <a:lstStyle/>
+          <a:p>
+            <a:endParaRPr lang="en-US"/>
+          </a:p>
+        </p:txBody>
+      </p:sp>
+    </p:spTree>
+    <p:extLst>
+      <p:ext uri="{BB962C8B-B14F-4D97-AF65-F5344CB8AC3E}">
+        <p14:creationId xmlns:p14="http://schemas.microsoft.com/office/powerpoint/2010/main" val="3696685865"/>
+      </p:ext>
+    </p:extLst>
+  </p:cSld>
+  <p:clrMapOvr>
+    <a:masterClrMapping/>
+  </p:clrMapOvr>
+</p:sld>
+</file>
+
+<file path=ppt/slides/slide43.xml><?xml version="1.0" encoding="utf-8"?>
+<p:sld xmlns:a="http://schemas.openxmlformats.org/drawingml/2006/main" xmlns:r="http://schemas.openxmlformats.org/officeDocument/2006/relationships" xmlns:p="http://schemas.openxmlformats.org/presentationml/2006/main">
+  <p:cSld>
+    <p:spTree>
+      <p:nvGrpSpPr>
+        <p:cNvPr id="1" name=""/>
+        <p:cNvGrpSpPr/>
+        <p:nvPr/>
+      </p:nvGrpSpPr>
+      <p:grpSpPr>
+        <a:xfrm>
+          <a:off x="0" y="0"/>
+          <a:ext cx="0" cy="0"/>
+          <a:chOff x="0" y="0"/>
+          <a:chExt cx="0" cy="0"/>
+        </a:xfrm>
+      </p:grpSpPr>
+      <p:sp>
+        <p:nvSpPr>
+          <p:cNvPr id="2" name="標題 1">
+            <a:extLst>
+              <a:ext uri="{FF2B5EF4-FFF2-40B4-BE49-F238E27FC236}">
+                <a16:creationId xmlns:a16="http://schemas.microsoft.com/office/drawing/2014/main" id="{CCF952BD-F1C6-FE82-54EF-0DF0F69650F7}"/>
+              </a:ext>
+            </a:extLst>
+          </p:cNvPr>
+          <p:cNvSpPr>
+            <a:spLocks noGrp="1"/>
+          </p:cNvSpPr>
+          <p:nvPr>
+            <p:ph type="title"/>
+          </p:nvPr>
+        </p:nvSpPr>
+        <p:spPr/>
+        <p:txBody>
+          <a:bodyPr/>
+          <a:lstStyle/>
+          <a:p>
+            <a:endParaRPr lang="en-US"/>
+          </a:p>
+        </p:txBody>
+      </p:sp>
+      <p:sp>
+        <p:nvSpPr>
+          <p:cNvPr id="3" name="內容版面配置區 2">
+            <a:extLst>
+              <a:ext uri="{FF2B5EF4-FFF2-40B4-BE49-F238E27FC236}">
+                <a16:creationId xmlns:a16="http://schemas.microsoft.com/office/drawing/2014/main" id="{D3FFE821-23F8-279F-F57F-0A931CF145DC}"/>
+              </a:ext>
+            </a:extLst>
+          </p:cNvPr>
+          <p:cNvSpPr>
+            <a:spLocks noGrp="1"/>
+          </p:cNvSpPr>
+          <p:nvPr>
+            <p:ph idx="1"/>
+          </p:nvPr>
+        </p:nvSpPr>
+        <p:spPr/>
+        <p:txBody>
+          <a:bodyPr/>
+          <a:lstStyle/>
+          <a:p>
+            <a:endParaRPr lang="en-US"/>
+          </a:p>
+        </p:txBody>
+      </p:sp>
+    </p:spTree>
+    <p:extLst>
+      <p:ext uri="{BB962C8B-B14F-4D97-AF65-F5344CB8AC3E}">
+        <p14:creationId xmlns:p14="http://schemas.microsoft.com/office/powerpoint/2010/main" val="3726994887"/>
+      </p:ext>
+    </p:extLst>
+  </p:cSld>
+  <p:clrMapOvr>
+    <a:masterClrMapping/>
+  </p:clrMapOvr>
+</p:sld>
+</file>
+
+<file path=ppt/slides/slide44.xml><?xml version="1.0" encoding="utf-8"?>
+<p:sld xmlns:a="http://schemas.openxmlformats.org/drawingml/2006/main" xmlns:r="http://schemas.openxmlformats.org/officeDocument/2006/relationships" xmlns:p="http://schemas.openxmlformats.org/presentationml/2006/main">
+  <p:cSld>
+    <p:spTree>
+      <p:nvGrpSpPr>
+        <p:cNvPr id="1" name=""/>
+        <p:cNvGrpSpPr/>
+        <p:nvPr/>
+      </p:nvGrpSpPr>
+      <p:grpSpPr>
+        <a:xfrm>
+          <a:off x="0" y="0"/>
+          <a:ext cx="0" cy="0"/>
+          <a:chOff x="0" y="0"/>
+          <a:chExt cx="0" cy="0"/>
+        </a:xfrm>
+      </p:grpSpPr>
+      <p:sp>
+        <p:nvSpPr>
+          <p:cNvPr id="2" name="標題 1">
+            <a:extLst>
+              <a:ext uri="{FF2B5EF4-FFF2-40B4-BE49-F238E27FC236}">
+                <a16:creationId xmlns:a16="http://schemas.microsoft.com/office/drawing/2014/main" id="{C0C681F6-1A17-ABB5-AF01-BC61B51282D4}"/>
+              </a:ext>
+            </a:extLst>
+          </p:cNvPr>
+          <p:cNvSpPr>
+            <a:spLocks noGrp="1"/>
+          </p:cNvSpPr>
+          <p:nvPr>
+            <p:ph type="title"/>
+          </p:nvPr>
+        </p:nvSpPr>
+        <p:spPr/>
+        <p:txBody>
+          <a:bodyPr/>
+          <a:lstStyle/>
+          <a:p>
+            <a:endParaRPr lang="en-US"/>
+          </a:p>
+        </p:txBody>
+      </p:sp>
+      <p:sp>
+        <p:nvSpPr>
+          <p:cNvPr id="3" name="內容版面配置區 2">
+            <a:extLst>
+              <a:ext uri="{FF2B5EF4-FFF2-40B4-BE49-F238E27FC236}">
+                <a16:creationId xmlns:a16="http://schemas.microsoft.com/office/drawing/2014/main" id="{EBC414FE-2DFD-2870-B3E3-E5C29A9B96D1}"/>
+              </a:ext>
+            </a:extLst>
+          </p:cNvPr>
+          <p:cNvSpPr>
+            <a:spLocks noGrp="1"/>
+          </p:cNvSpPr>
+          <p:nvPr>
+            <p:ph idx="1"/>
+          </p:nvPr>
+        </p:nvSpPr>
+        <p:spPr/>
+        <p:txBody>
+          <a:bodyPr/>
+          <a:lstStyle/>
+          <a:p>
+            <a:endParaRPr lang="en-US"/>
+          </a:p>
+        </p:txBody>
+      </p:sp>
+    </p:spTree>
+    <p:extLst>
+      <p:ext uri="{BB962C8B-B14F-4D97-AF65-F5344CB8AC3E}">
+        <p14:creationId xmlns:p14="http://schemas.microsoft.com/office/powerpoint/2010/main" val="305570616"/>
+      </p:ext>
+    </p:extLst>
+  </p:cSld>
+  <p:clrMapOvr>
+    <a:masterClrMapping/>
+  </p:clrMapOvr>
+</p:sld>
+</file>
+
+<file path=ppt/slides/slide45.xml><?xml version="1.0" encoding="utf-8"?>
+<p:sld xmlns:a="http://schemas.openxmlformats.org/drawingml/2006/main" xmlns:r="http://schemas.openxmlformats.org/officeDocument/2006/relationships" xmlns:p="http://schemas.openxmlformats.org/presentationml/2006/main">
+  <p:cSld>
+    <p:spTree>
+      <p:nvGrpSpPr>
+        <p:cNvPr id="1" name=""/>
+        <p:cNvGrpSpPr/>
+        <p:nvPr/>
+      </p:nvGrpSpPr>
+      <p:grpSpPr>
+        <a:xfrm>
+          <a:off x="0" y="0"/>
+          <a:ext cx="0" cy="0"/>
+          <a:chOff x="0" y="0"/>
+          <a:chExt cx="0" cy="0"/>
+        </a:xfrm>
+      </p:grpSpPr>
+      <p:sp>
+        <p:nvSpPr>
+          <p:cNvPr id="2" name="標題 1">
+            <a:extLst>
+              <a:ext uri="{FF2B5EF4-FFF2-40B4-BE49-F238E27FC236}">
+                <a16:creationId xmlns:a16="http://schemas.microsoft.com/office/drawing/2014/main" id="{D17BD798-8ECF-F529-D1B9-AF803F3C521B}"/>
+              </a:ext>
+            </a:extLst>
+          </p:cNvPr>
+          <p:cNvSpPr>
+            <a:spLocks noGrp="1"/>
+          </p:cNvSpPr>
+          <p:nvPr>
+            <p:ph type="title"/>
+          </p:nvPr>
+        </p:nvSpPr>
+        <p:spPr/>
+        <p:txBody>
+          <a:bodyPr/>
+          <a:lstStyle/>
+          <a:p>
+            <a:endParaRPr lang="en-US"/>
+          </a:p>
+        </p:txBody>
+      </p:sp>
+      <p:sp>
+        <p:nvSpPr>
+          <p:cNvPr id="3" name="內容版面配置區 2">
+            <a:extLst>
+              <a:ext uri="{FF2B5EF4-FFF2-40B4-BE49-F238E27FC236}">
+                <a16:creationId xmlns:a16="http://schemas.microsoft.com/office/drawing/2014/main" id="{04C88A9D-1150-4B70-8B6A-43CE4A9F57F3}"/>
+              </a:ext>
+            </a:extLst>
+          </p:cNvPr>
+          <p:cNvSpPr>
+            <a:spLocks noGrp="1"/>
+          </p:cNvSpPr>
+          <p:nvPr>
+            <p:ph idx="1"/>
+          </p:nvPr>
+        </p:nvSpPr>
+        <p:spPr/>
+        <p:txBody>
+          <a:bodyPr/>
+          <a:lstStyle/>
+          <a:p>
+            <a:endParaRPr lang="en-US"/>
+          </a:p>
+        </p:txBody>
+      </p:sp>
+    </p:spTree>
+    <p:extLst>
+      <p:ext uri="{BB962C8B-B14F-4D97-AF65-F5344CB8AC3E}">
+        <p14:creationId xmlns:p14="http://schemas.microsoft.com/office/powerpoint/2010/main" val="3541212967"/>
+      </p:ext>
+    </p:extLst>
+  </p:cSld>
+  <p:clrMapOvr>
+    <a:masterClrMapping/>
+  </p:clrMapOvr>
+</p:sld>
+</file>
+
+<file path=ppt/slides/slide46.xml><?xml version="1.0" encoding="utf-8"?>
+<p:sld xmlns:a="http://schemas.openxmlformats.org/drawingml/2006/main" xmlns:r="http://schemas.openxmlformats.org/officeDocument/2006/relationships" xmlns:p="http://schemas.openxmlformats.org/presentationml/2006/main">
+  <p:cSld>
+    <p:spTree>
+      <p:nvGrpSpPr>
+        <p:cNvPr id="1" name=""/>
+        <p:cNvGrpSpPr/>
+        <p:nvPr/>
+      </p:nvGrpSpPr>
+      <p:grpSpPr>
+        <a:xfrm>
+          <a:off x="0" y="0"/>
+          <a:ext cx="0" cy="0"/>
+          <a:chOff x="0" y="0"/>
+          <a:chExt cx="0" cy="0"/>
+        </a:xfrm>
+      </p:grpSpPr>
+      <p:sp>
+        <p:nvSpPr>
+          <p:cNvPr id="2" name="標題 1">
+            <a:extLst>
+              <a:ext uri="{FF2B5EF4-FFF2-40B4-BE49-F238E27FC236}">
+                <a16:creationId xmlns:a16="http://schemas.microsoft.com/office/drawing/2014/main" id="{96B271A7-B346-A12E-D466-CE8B614488DB}"/>
+              </a:ext>
+            </a:extLst>
+          </p:cNvPr>
+          <p:cNvSpPr>
+            <a:spLocks noGrp="1"/>
+          </p:cNvSpPr>
+          <p:nvPr>
+            <p:ph type="title"/>
+          </p:nvPr>
+        </p:nvSpPr>
+        <p:spPr/>
+        <p:txBody>
+          <a:bodyPr/>
+          <a:lstStyle/>
+          <a:p>
+            <a:endParaRPr lang="en-US"/>
+          </a:p>
+        </p:txBody>
+      </p:sp>
+      <p:sp>
+        <p:nvSpPr>
+          <p:cNvPr id="3" name="內容版面配置區 2">
+            <a:extLst>
+              <a:ext uri="{FF2B5EF4-FFF2-40B4-BE49-F238E27FC236}">
+                <a16:creationId xmlns:a16="http://schemas.microsoft.com/office/drawing/2014/main" id="{05B0CF20-405D-36D0-3705-169C933129D9}"/>
+              </a:ext>
+            </a:extLst>
+          </p:cNvPr>
+          <p:cNvSpPr>
+            <a:spLocks noGrp="1"/>
+          </p:cNvSpPr>
+          <p:nvPr>
+            <p:ph idx="1"/>
+          </p:nvPr>
+        </p:nvSpPr>
+        <p:spPr/>
+        <p:txBody>
+          <a:bodyPr/>
+          <a:lstStyle/>
+          <a:p>
+            <a:endParaRPr lang="en-US"/>
+          </a:p>
+        </p:txBody>
+      </p:sp>
+    </p:spTree>
+    <p:extLst>
+      <p:ext uri="{BB962C8B-B14F-4D97-AF65-F5344CB8AC3E}">
+        <p14:creationId xmlns:p14="http://schemas.microsoft.com/office/powerpoint/2010/main" val="706863337"/>
+      </p:ext>
+    </p:extLst>
+  </p:cSld>
+  <p:clrMapOvr>
+    <a:masterClrMapping/>
+  </p:clrMapOvr>
+</p:sld>
+</file>
+
+<file path=ppt/slides/slide47.xml><?xml version="1.0" encoding="utf-8"?>
+<p:sld xmlns:a="http://schemas.openxmlformats.org/drawingml/2006/main" xmlns:r="http://schemas.openxmlformats.org/officeDocument/2006/relationships" xmlns:p="http://schemas.openxmlformats.org/presentationml/2006/main">
+  <p:cSld>
     <p:bg>
       <p:bgPr>
         <a:solidFill>
@@ -14235,76 +17516,6 @@
     <p:extLst>
       <p:ext uri="{BB962C8B-B14F-4D97-AF65-F5344CB8AC3E}">
         <p14:creationId xmlns:p14="http://schemas.microsoft.com/office/powerpoint/2010/main" val="1924382601"/>
-      </p:ext>
-    </p:extLst>
-  </p:cSld>
-  <p:clrMapOvr>
-    <a:masterClrMapping/>
-  </p:clrMapOvr>
-</p:sld>
-</file>
-
-<file path=ppt/slides/slide4.xml><?xml version="1.0" encoding="utf-8"?>
-<p:sld xmlns:a="http://schemas.openxmlformats.org/drawingml/2006/main" xmlns:r="http://schemas.openxmlformats.org/officeDocument/2006/relationships" xmlns:p="http://schemas.openxmlformats.org/presentationml/2006/main">
-  <p:cSld>
-    <p:bg>
-      <p:bgPr>
-        <a:solidFill>
-          <a:schemeClr val="bg1"/>
-        </a:solidFill>
-        <a:effectLst/>
-      </p:bgPr>
-    </p:bg>
-    <p:spTree>
-      <p:nvGrpSpPr>
-        <p:cNvPr id="1" name=""/>
-        <p:cNvGrpSpPr/>
-        <p:nvPr/>
-      </p:nvGrpSpPr>
-      <p:grpSpPr>
-        <a:xfrm>
-          <a:off x="0" y="0"/>
-          <a:ext cx="0" cy="0"/>
-          <a:chOff x="0" y="0"/>
-          <a:chExt cx="0" cy="0"/>
-        </a:xfrm>
-      </p:grpSpPr>
-      <p:pic>
-        <p:nvPicPr>
-          <p:cNvPr id="5" name="內容版面配置區 4">
-            <a:extLst>
-              <a:ext uri="{FF2B5EF4-FFF2-40B4-BE49-F238E27FC236}">
-                <a16:creationId xmlns:a16="http://schemas.microsoft.com/office/drawing/2014/main" id="{E3D26F1B-AE13-4CE9-D150-2B58F74B2765}"/>
-              </a:ext>
-            </a:extLst>
-          </p:cNvPr>
-          <p:cNvPicPr>
-            <a:picLocks noGrp="1" noChangeAspect="1"/>
-          </p:cNvPicPr>
-          <p:nvPr>
-            <p:ph idx="1"/>
-          </p:nvPr>
-        </p:nvPicPr>
-        <p:blipFill>
-          <a:blip r:embed="rId2"/>
-          <a:stretch>
-            <a:fillRect/>
-          </a:stretch>
-        </p:blipFill>
-        <p:spPr>
-          <a:xfrm>
-            <a:off x="3026542" y="643466"/>
-            <a:ext cx="6138915" cy="5571067"/>
-          </a:xfrm>
-          <a:prstGeom prst="rect">
-            <a:avLst/>
-          </a:prstGeom>
-        </p:spPr>
-      </p:pic>
-    </p:spTree>
-    <p:extLst>
-      <p:ext uri="{BB962C8B-B14F-4D97-AF65-F5344CB8AC3E}">
-        <p14:creationId xmlns:p14="http://schemas.microsoft.com/office/powerpoint/2010/main" val="2656190627"/>
       </p:ext>
     </p:extLst>
   </p:cSld>
